--- a/doc/GamerSelect.pptx
+++ b/doc/GamerSelect.pptx
@@ -2,10 +2,10 @@
 <file path=ppt/presentation.xml><?xml version="1.0" encoding="utf-8"?>
 <p:presentation xmlns:a="http://schemas.openxmlformats.org/drawingml/2006/main" xmlns:r="http://schemas.openxmlformats.org/officeDocument/2006/relationships" xmlns:p="http://schemas.openxmlformats.org/presentationml/2006/main" saveSubsetFonts="1">
   <p:sldMasterIdLst>
-    <p:sldMasterId id="2147483648" r:id="rId1"/>
+    <p:sldMasterId id="2147483708" r:id="rId1"/>
   </p:sldMasterIdLst>
   <p:notesMasterIdLst>
-    <p:notesMasterId r:id="rId20"/>
+    <p:notesMasterId r:id="rId23"/>
   </p:notesMasterIdLst>
   <p:sldIdLst>
     <p:sldId id="256" r:id="rId2"/>
@@ -15,17 +15,20 @@
     <p:sldId id="260" r:id="rId6"/>
     <p:sldId id="261" r:id="rId7"/>
     <p:sldId id="262" r:id="rId8"/>
-    <p:sldId id="263" r:id="rId9"/>
-    <p:sldId id="264" r:id="rId10"/>
-    <p:sldId id="265" r:id="rId11"/>
-    <p:sldId id="266" r:id="rId12"/>
-    <p:sldId id="267" r:id="rId13"/>
-    <p:sldId id="269" r:id="rId14"/>
-    <p:sldId id="270" r:id="rId15"/>
-    <p:sldId id="271" r:id="rId16"/>
-    <p:sldId id="273" r:id="rId17"/>
-    <p:sldId id="268" r:id="rId18"/>
-    <p:sldId id="272" r:id="rId19"/>
+    <p:sldId id="274" r:id="rId9"/>
+    <p:sldId id="275" r:id="rId10"/>
+    <p:sldId id="263" r:id="rId11"/>
+    <p:sldId id="264" r:id="rId12"/>
+    <p:sldId id="265" r:id="rId13"/>
+    <p:sldId id="266" r:id="rId14"/>
+    <p:sldId id="267" r:id="rId15"/>
+    <p:sldId id="276" r:id="rId16"/>
+    <p:sldId id="269" r:id="rId17"/>
+    <p:sldId id="270" r:id="rId18"/>
+    <p:sldId id="271" r:id="rId19"/>
+    <p:sldId id="273" r:id="rId20"/>
+    <p:sldId id="268" r:id="rId21"/>
+    <p:sldId id="272" r:id="rId22"/>
   </p:sldIdLst>
   <p:sldSz cx="9144000" cy="6858000" type="screen4x3"/>
   <p:notesSz cx="6858000" cy="9144000"/>
@@ -611,57 +614,26 @@
           <a:p>
             <a:r>
               <a:rPr lang="en-US" dirty="0" smtClean="0"/>
-              <a:t>This</a:t>
+              <a:t>A second design was implemented with Apache</a:t>
             </a:r>
             <a:r>
               <a:rPr lang="en-US" baseline="0" dirty="0" smtClean="0"/>
-              <a:t> shows the simple flow of a previous user</a:t>
-            </a:r>
-          </a:p>
-          <a:p>
+              <a:t> </a:t>
+            </a:r>
+            <a:r>
+              <a:rPr lang="en-US" baseline="0" dirty="0" err="1" smtClean="0"/>
+              <a:t>Netbeans</a:t>
+            </a:r>
             <a:r>
               <a:rPr lang="en-US" baseline="0" dirty="0" smtClean="0"/>
-              <a:t>Only takes to screens.</a:t>
+              <a:t> GUI builder for java language.</a:t>
             </a:r>
           </a:p>
           <a:p>
             <a:r>
               <a:rPr lang="en-US" baseline="0" dirty="0" smtClean="0"/>
-              <a:t>The query criteria is pre-populated with profile info.</a:t>
-            </a:r>
-          </a:p>
-          <a:p>
-            <a:r>
-              <a:rPr lang="en-US" baseline="0" dirty="0" smtClean="0"/>
-              <a:t>But can be changed before search.</a:t>
-            </a:r>
-          </a:p>
-          <a:p>
-            <a:endParaRPr lang="en-US" baseline="0" dirty="0" smtClean="0"/>
-          </a:p>
-          <a:p>
-            <a:r>
-              <a:rPr lang="en-US" baseline="0" dirty="0" smtClean="0"/>
-              <a:t>We add a line to each screen with instructions.</a:t>
-            </a:r>
-          </a:p>
-          <a:p>
-            <a:r>
-              <a:rPr lang="en-US" baseline="0" dirty="0" smtClean="0"/>
-              <a:t>This line is also where an error message would be printed.</a:t>
-            </a:r>
-          </a:p>
-          <a:p>
-            <a:r>
-              <a:rPr lang="en-US" baseline="0" dirty="0" err="1" smtClean="0"/>
-              <a:t>Exampe</a:t>
-            </a:r>
-            <a:r>
-              <a:rPr lang="en-US" baseline="0" dirty="0" smtClean="0"/>
-              <a:t>: User john does not exist.</a:t>
-            </a:r>
-          </a:p>
-          <a:p>
+              <a:t>Here was followed most of the first design but we see some questioning about how to execute the query and show the final list.</a:t>
+            </a:r>
             <a:endParaRPr lang="en-US" dirty="0"/>
           </a:p>
         </p:txBody>
@@ -745,33 +717,38 @@
           <a:p>
             <a:r>
               <a:rPr lang="en-US" dirty="0" smtClean="0"/>
-              <a:t>In this flow</a:t>
+              <a:t>Our Final design user the “PAGE” GUI builder which is based on </a:t>
+            </a:r>
+            <a:r>
+              <a:rPr lang="en-US" dirty="0" err="1" smtClean="0"/>
+              <a:t>Tkinter</a:t>
+            </a:r>
+            <a:r>
+              <a:rPr lang="en-US" dirty="0" smtClean="0"/>
+              <a:t> / Python</a:t>
             </a:r>
             <a:r>
               <a:rPr lang="en-US" baseline="0" dirty="0" smtClean="0"/>
-              <a:t> the new user is asked to select a username and user combo box</a:t>
-            </a:r>
-          </a:p>
-          <a:p>
+              <a:t> libraries.</a:t>
+            </a:r>
+          </a:p>
+          <a:p>
+            <a:r>
+              <a:rPr lang="en-US" dirty="0" smtClean="0"/>
+              <a:t>We further</a:t>
+            </a:r>
             <a:r>
               <a:rPr lang="en-US" baseline="0" dirty="0" smtClean="0"/>
-              <a:t>To select the best description of the user.</a:t>
-            </a:r>
-          </a:p>
-          <a:p>
-            <a:endParaRPr lang="en-US" baseline="0" dirty="0" smtClean="0"/>
+              <a:t> simplified the design to only 3 screens.</a:t>
+            </a:r>
           </a:p>
           <a:p>
             <a:r>
               <a:rPr lang="en-US" baseline="0" dirty="0" smtClean="0"/>
-              <a:t>The instruction line is updated in case of error:</a:t>
-            </a:r>
-          </a:p>
-          <a:p>
-            <a:r>
-              <a:rPr lang="en-US" baseline="0" dirty="0" smtClean="0"/>
-              <a:t>Username Jamie is not available.</a:t>
-            </a:r>
+              <a:t>We removed the radio selection screen of platforms and added it as an extra combo box on the profile screen / query criteria</a:t>
+            </a:r>
+          </a:p>
+          <a:p>
             <a:endParaRPr lang="en-US" dirty="0"/>
           </a:p>
         </p:txBody>
@@ -853,6 +830,59 @@
           </a:bodyPr>
           <a:lstStyle/>
           <a:p>
+            <a:r>
+              <a:rPr lang="en-US" dirty="0" smtClean="0"/>
+              <a:t>This</a:t>
+            </a:r>
+            <a:r>
+              <a:rPr lang="en-US" baseline="0" dirty="0" smtClean="0"/>
+              <a:t> shows the simple flow of a previous user</a:t>
+            </a:r>
+          </a:p>
+          <a:p>
+            <a:r>
+              <a:rPr lang="en-US" baseline="0" dirty="0" smtClean="0"/>
+              <a:t>Only takes to screens.</a:t>
+            </a:r>
+          </a:p>
+          <a:p>
+            <a:r>
+              <a:rPr lang="en-US" baseline="0" dirty="0" smtClean="0"/>
+              <a:t>The query criteria is pre-populated with profile info.</a:t>
+            </a:r>
+          </a:p>
+          <a:p>
+            <a:r>
+              <a:rPr lang="en-US" baseline="0" dirty="0" smtClean="0"/>
+              <a:t>But can be changed before search.</a:t>
+            </a:r>
+          </a:p>
+          <a:p>
+            <a:endParaRPr lang="en-US" baseline="0" dirty="0" smtClean="0"/>
+          </a:p>
+          <a:p>
+            <a:r>
+              <a:rPr lang="en-US" baseline="0" dirty="0" smtClean="0"/>
+              <a:t>We add a line to each screen with instructions.</a:t>
+            </a:r>
+          </a:p>
+          <a:p>
+            <a:r>
+              <a:rPr lang="en-US" baseline="0" dirty="0" smtClean="0"/>
+              <a:t>This line is also where an error message would be printed.</a:t>
+            </a:r>
+          </a:p>
+          <a:p>
+            <a:r>
+              <a:rPr lang="en-US" baseline="0" dirty="0" err="1" smtClean="0"/>
+              <a:t>Exampe</a:t>
+            </a:r>
+            <a:r>
+              <a:rPr lang="en-US" baseline="0" dirty="0" smtClean="0"/>
+              <a:t>: User john does not exist.</a:t>
+            </a:r>
+          </a:p>
+          <a:p>
             <a:endParaRPr lang="en-US" dirty="0"/>
           </a:p>
         </p:txBody>
@@ -874,7 +904,7 @@
           <a:p>
             <a:fld id="{8EFF1462-1B44-4FEF-BBC6-6F619544FF58}" type="slidenum">
               <a:rPr lang="en-US" smtClean="0"/>
-              <a:t>16</a:t>
+              <a:t>13</a:t>
             </a:fld>
             <a:endParaRPr lang="en-US"/>
           </a:p>
@@ -935,6 +965,392 @@
           <a:lstStyle/>
           <a:p>
             <a:r>
+              <a:rPr lang="en-US" dirty="0" smtClean="0"/>
+              <a:t>In this flow</a:t>
+            </a:r>
+            <a:r>
+              <a:rPr lang="en-US" baseline="0" dirty="0" smtClean="0"/>
+              <a:t> the new user is asked to select a username and user combo box</a:t>
+            </a:r>
+          </a:p>
+          <a:p>
+            <a:r>
+              <a:rPr lang="en-US" baseline="0" dirty="0" smtClean="0"/>
+              <a:t>To select the best description of the user.</a:t>
+            </a:r>
+          </a:p>
+          <a:p>
+            <a:endParaRPr lang="en-US" baseline="0" dirty="0" smtClean="0"/>
+          </a:p>
+          <a:p>
+            <a:r>
+              <a:rPr lang="en-US" baseline="0" dirty="0" smtClean="0"/>
+              <a:t>The instruction line is updated in case of error:</a:t>
+            </a:r>
+          </a:p>
+          <a:p>
+            <a:r>
+              <a:rPr lang="en-US" baseline="0" dirty="0" smtClean="0"/>
+              <a:t>Username Jamie is not available.</a:t>
+            </a:r>
+            <a:endParaRPr lang="en-US" dirty="0"/>
+          </a:p>
+        </p:txBody>
+      </p:sp>
+      <p:sp>
+        <p:nvSpPr>
+          <p:cNvPr id="4" name="Slide Number Placeholder 3"/>
+          <p:cNvSpPr>
+            <a:spLocks noGrp="1"/>
+          </p:cNvSpPr>
+          <p:nvPr>
+            <p:ph type="sldNum" sz="quarter" idx="10"/>
+          </p:nvPr>
+        </p:nvSpPr>
+        <p:spPr/>
+        <p:txBody>
+          <a:bodyPr/>
+          <a:lstStyle/>
+          <a:p>
+            <a:fld id="{8EFF1462-1B44-4FEF-BBC6-6F619544FF58}" type="slidenum">
+              <a:rPr lang="en-US" smtClean="0"/>
+              <a:t>14</a:t>
+            </a:fld>
+            <a:endParaRPr lang="en-US"/>
+          </a:p>
+        </p:txBody>
+      </p:sp>
+    </p:spTree>
+  </p:cSld>
+  <p:clrMapOvr>
+    <a:masterClrMapping/>
+  </p:clrMapOvr>
+</p:notes>
+</file>
+
+<file path=ppt/notesSlides/notesSlide14.xml><?xml version="1.0" encoding="utf-8"?>
+<p:notes xmlns:a="http://schemas.openxmlformats.org/drawingml/2006/main" xmlns:r="http://schemas.openxmlformats.org/officeDocument/2006/relationships" xmlns:p="http://schemas.openxmlformats.org/presentationml/2006/main">
+  <p:cSld>
+    <p:spTree>
+      <p:nvGrpSpPr>
+        <p:cNvPr id="1" name=""/>
+        <p:cNvGrpSpPr/>
+        <p:nvPr/>
+      </p:nvGrpSpPr>
+      <p:grpSpPr>
+        <a:xfrm>
+          <a:off x="0" y="0"/>
+          <a:ext cx="0" cy="0"/>
+          <a:chOff x="0" y="0"/>
+          <a:chExt cx="0" cy="0"/>
+        </a:xfrm>
+      </p:grpSpPr>
+      <p:sp>
+        <p:nvSpPr>
+          <p:cNvPr id="2" name="Slide Image Placeholder 1"/>
+          <p:cNvSpPr>
+            <a:spLocks noGrp="1" noRot="1" noChangeAspect="1"/>
+          </p:cNvSpPr>
+          <p:nvPr>
+            <p:ph type="sldImg"/>
+          </p:nvPr>
+        </p:nvSpPr>
+        <p:spPr/>
+      </p:sp>
+      <p:sp>
+        <p:nvSpPr>
+          <p:cNvPr id="3" name="Notes Placeholder 2"/>
+          <p:cNvSpPr>
+            <a:spLocks noGrp="1"/>
+          </p:cNvSpPr>
+          <p:nvPr>
+            <p:ph type="body" idx="1"/>
+          </p:nvPr>
+        </p:nvSpPr>
+        <p:spPr/>
+        <p:txBody>
+          <a:bodyPr>
+            <a:normAutofit/>
+          </a:bodyPr>
+          <a:lstStyle/>
+          <a:p>
+            <a:r>
+              <a:rPr lang="en-US" dirty="0" smtClean="0"/>
+              <a:t>Non-commercial db access via twitch</a:t>
+            </a:r>
+            <a:r>
+              <a:rPr lang="en-US" baseline="0" dirty="0" smtClean="0"/>
+              <a:t> developers account</a:t>
+            </a:r>
+          </a:p>
+          <a:p>
+            <a:r>
+              <a:rPr lang="en-US" baseline="0" dirty="0" smtClean="0"/>
+              <a:t>Via igdb.com: </a:t>
+            </a:r>
+            <a:r>
+              <a:rPr lang="en-US" sz="1200" b="1" i="0" kern="1200" dirty="0" smtClean="0">
+                <a:solidFill>
+                  <a:schemeClr val="tx1"/>
+                </a:solidFill>
+                <a:latin typeface="+mn-lt"/>
+                <a:ea typeface="+mn-ea"/>
+                <a:cs typeface="+mn-cs"/>
+                <a:hlinkClick r:id="rId3"/>
+              </a:rPr>
+              <a:t>https://api.igdb.com/v4</a:t>
+            </a:r>
+            <a:endParaRPr lang="en-US" baseline="0" dirty="0" smtClean="0"/>
+          </a:p>
+          <a:p>
+            <a:r>
+              <a:rPr lang="en-US" baseline="0" dirty="0" smtClean="0"/>
+              <a:t>Python library access via igdb-api-v4 </a:t>
+            </a:r>
+            <a:endParaRPr lang="en-US" dirty="0"/>
+          </a:p>
+        </p:txBody>
+      </p:sp>
+      <p:sp>
+        <p:nvSpPr>
+          <p:cNvPr id="4" name="Slide Number Placeholder 3"/>
+          <p:cNvSpPr>
+            <a:spLocks noGrp="1"/>
+          </p:cNvSpPr>
+          <p:nvPr>
+            <p:ph type="sldNum" sz="quarter" idx="10"/>
+          </p:nvPr>
+        </p:nvSpPr>
+        <p:spPr/>
+        <p:txBody>
+          <a:bodyPr/>
+          <a:lstStyle/>
+          <a:p>
+            <a:fld id="{8EFF1462-1B44-4FEF-BBC6-6F619544FF58}" type="slidenum">
+              <a:rPr lang="en-US" smtClean="0"/>
+              <a:t>15</a:t>
+            </a:fld>
+            <a:endParaRPr lang="en-US"/>
+          </a:p>
+        </p:txBody>
+      </p:sp>
+    </p:spTree>
+  </p:cSld>
+  <p:clrMapOvr>
+    <a:masterClrMapping/>
+  </p:clrMapOvr>
+</p:notes>
+</file>
+
+<file path=ppt/notesSlides/notesSlide15.xml><?xml version="1.0" encoding="utf-8"?>
+<p:notes xmlns:a="http://schemas.openxmlformats.org/drawingml/2006/main" xmlns:r="http://schemas.openxmlformats.org/officeDocument/2006/relationships" xmlns:p="http://schemas.openxmlformats.org/presentationml/2006/main">
+  <p:cSld>
+    <p:spTree>
+      <p:nvGrpSpPr>
+        <p:cNvPr id="1" name=""/>
+        <p:cNvGrpSpPr/>
+        <p:nvPr/>
+      </p:nvGrpSpPr>
+      <p:grpSpPr>
+        <a:xfrm>
+          <a:off x="0" y="0"/>
+          <a:ext cx="0" cy="0"/>
+          <a:chOff x="0" y="0"/>
+          <a:chExt cx="0" cy="0"/>
+        </a:xfrm>
+      </p:grpSpPr>
+      <p:sp>
+        <p:nvSpPr>
+          <p:cNvPr id="2" name="Slide Image Placeholder 1"/>
+          <p:cNvSpPr>
+            <a:spLocks noGrp="1" noRot="1" noChangeAspect="1"/>
+          </p:cNvSpPr>
+          <p:nvPr>
+            <p:ph type="sldImg"/>
+          </p:nvPr>
+        </p:nvSpPr>
+        <p:spPr/>
+      </p:sp>
+      <p:sp>
+        <p:nvSpPr>
+          <p:cNvPr id="3" name="Notes Placeholder 2"/>
+          <p:cNvSpPr>
+            <a:spLocks noGrp="1"/>
+          </p:cNvSpPr>
+          <p:nvPr>
+            <p:ph type="body" idx="1"/>
+          </p:nvPr>
+        </p:nvSpPr>
+        <p:spPr/>
+        <p:txBody>
+          <a:bodyPr>
+            <a:normAutofit/>
+          </a:bodyPr>
+          <a:lstStyle/>
+          <a:p>
+            <a:endParaRPr lang="en-US" dirty="0"/>
+          </a:p>
+        </p:txBody>
+      </p:sp>
+      <p:sp>
+        <p:nvSpPr>
+          <p:cNvPr id="4" name="Slide Number Placeholder 3"/>
+          <p:cNvSpPr>
+            <a:spLocks noGrp="1"/>
+          </p:cNvSpPr>
+          <p:nvPr>
+            <p:ph type="sldNum" sz="quarter" idx="10"/>
+          </p:nvPr>
+        </p:nvSpPr>
+        <p:spPr/>
+        <p:txBody>
+          <a:bodyPr/>
+          <a:lstStyle/>
+          <a:p>
+            <a:fld id="{8EFF1462-1B44-4FEF-BBC6-6F619544FF58}" type="slidenum">
+              <a:rPr lang="en-US" smtClean="0"/>
+              <a:t>17</a:t>
+            </a:fld>
+            <a:endParaRPr lang="en-US"/>
+          </a:p>
+        </p:txBody>
+      </p:sp>
+    </p:spTree>
+  </p:cSld>
+  <p:clrMapOvr>
+    <a:masterClrMapping/>
+  </p:clrMapOvr>
+</p:notes>
+</file>
+
+<file path=ppt/notesSlides/notesSlide16.xml><?xml version="1.0" encoding="utf-8"?>
+<p:notes xmlns:a="http://schemas.openxmlformats.org/drawingml/2006/main" xmlns:r="http://schemas.openxmlformats.org/officeDocument/2006/relationships" xmlns:p="http://schemas.openxmlformats.org/presentationml/2006/main">
+  <p:cSld>
+    <p:spTree>
+      <p:nvGrpSpPr>
+        <p:cNvPr id="1" name=""/>
+        <p:cNvGrpSpPr/>
+        <p:nvPr/>
+      </p:nvGrpSpPr>
+      <p:grpSpPr>
+        <a:xfrm>
+          <a:off x="0" y="0"/>
+          <a:ext cx="0" cy="0"/>
+          <a:chOff x="0" y="0"/>
+          <a:chExt cx="0" cy="0"/>
+        </a:xfrm>
+      </p:grpSpPr>
+      <p:sp>
+        <p:nvSpPr>
+          <p:cNvPr id="2" name="Slide Image Placeholder 1"/>
+          <p:cNvSpPr>
+            <a:spLocks noGrp="1" noRot="1" noChangeAspect="1"/>
+          </p:cNvSpPr>
+          <p:nvPr>
+            <p:ph type="sldImg"/>
+          </p:nvPr>
+        </p:nvSpPr>
+        <p:spPr/>
+      </p:sp>
+      <p:sp>
+        <p:nvSpPr>
+          <p:cNvPr id="3" name="Notes Placeholder 2"/>
+          <p:cNvSpPr>
+            <a:spLocks noGrp="1"/>
+          </p:cNvSpPr>
+          <p:nvPr>
+            <p:ph type="body" idx="1"/>
+          </p:nvPr>
+        </p:nvSpPr>
+        <p:spPr/>
+        <p:txBody>
+          <a:bodyPr>
+            <a:normAutofit/>
+          </a:bodyPr>
+          <a:lstStyle/>
+          <a:p>
+            <a:endParaRPr lang="en-US" dirty="0"/>
+          </a:p>
+        </p:txBody>
+      </p:sp>
+      <p:sp>
+        <p:nvSpPr>
+          <p:cNvPr id="4" name="Slide Number Placeholder 3"/>
+          <p:cNvSpPr>
+            <a:spLocks noGrp="1"/>
+          </p:cNvSpPr>
+          <p:nvPr>
+            <p:ph type="sldNum" sz="quarter" idx="10"/>
+          </p:nvPr>
+        </p:nvSpPr>
+        <p:spPr/>
+        <p:txBody>
+          <a:bodyPr/>
+          <a:lstStyle/>
+          <a:p>
+            <a:fld id="{8EFF1462-1B44-4FEF-BBC6-6F619544FF58}" type="slidenum">
+              <a:rPr lang="en-US" smtClean="0"/>
+              <a:t>19</a:t>
+            </a:fld>
+            <a:endParaRPr lang="en-US"/>
+          </a:p>
+        </p:txBody>
+      </p:sp>
+    </p:spTree>
+  </p:cSld>
+  <p:clrMapOvr>
+    <a:masterClrMapping/>
+  </p:clrMapOvr>
+</p:notes>
+</file>
+
+<file path=ppt/notesSlides/notesSlide17.xml><?xml version="1.0" encoding="utf-8"?>
+<p:notes xmlns:a="http://schemas.openxmlformats.org/drawingml/2006/main" xmlns:r="http://schemas.openxmlformats.org/officeDocument/2006/relationships" xmlns:p="http://schemas.openxmlformats.org/presentationml/2006/main">
+  <p:cSld>
+    <p:spTree>
+      <p:nvGrpSpPr>
+        <p:cNvPr id="1" name=""/>
+        <p:cNvGrpSpPr/>
+        <p:nvPr/>
+      </p:nvGrpSpPr>
+      <p:grpSpPr>
+        <a:xfrm>
+          <a:off x="0" y="0"/>
+          <a:ext cx="0" cy="0"/>
+          <a:chOff x="0" y="0"/>
+          <a:chExt cx="0" cy="0"/>
+        </a:xfrm>
+      </p:grpSpPr>
+      <p:sp>
+        <p:nvSpPr>
+          <p:cNvPr id="2" name="Slide Image Placeholder 1"/>
+          <p:cNvSpPr>
+            <a:spLocks noGrp="1" noRot="1" noChangeAspect="1"/>
+          </p:cNvSpPr>
+          <p:nvPr>
+            <p:ph type="sldImg"/>
+          </p:nvPr>
+        </p:nvSpPr>
+        <p:spPr/>
+      </p:sp>
+      <p:sp>
+        <p:nvSpPr>
+          <p:cNvPr id="3" name="Notes Placeholder 2"/>
+          <p:cNvSpPr>
+            <a:spLocks noGrp="1"/>
+          </p:cNvSpPr>
+          <p:nvPr>
+            <p:ph type="body" idx="1"/>
+          </p:nvPr>
+        </p:nvSpPr>
+        <p:spPr/>
+        <p:txBody>
+          <a:bodyPr>
+            <a:normAutofit/>
+          </a:bodyPr>
+          <a:lstStyle/>
+          <a:p>
+            <a:r>
               <a:rPr lang="en-US" sz="1200" b="0" i="0" kern="1200" dirty="0" smtClean="0">
                 <a:solidFill>
                   <a:schemeClr val="tx1"/>
@@ -1124,7 +1540,7 @@
           <a:p>
             <a:fld id="{8EFF1462-1B44-4FEF-BBC6-6F619544FF58}" type="slidenum">
               <a:rPr lang="en-US" smtClean="0"/>
-              <a:t>17</a:t>
+              <a:t>20</a:t>
             </a:fld>
             <a:endParaRPr lang="en-US"/>
           </a:p>
@@ -1410,6 +1826,64 @@
               <a:rPr lang="en-US" dirty="0" smtClean="0"/>
               <a:t>https://www.theesa.com/esa-research/2019-essential-facts-about-the-computer-and-video-game-industry/</a:t>
             </a:r>
+          </a:p>
+          <a:p>
+            <a:endParaRPr lang="en-US" dirty="0" smtClean="0"/>
+          </a:p>
+          <a:p>
+            <a:pPr marL="0" marR="0" indent="0" algn="l" defTabSz="914400" rtl="0" eaLnBrk="1" fontAlgn="auto" latinLnBrk="0" hangingPunct="1">
+              <a:lnSpc>
+                <a:spcPct val="100000"/>
+              </a:lnSpc>
+              <a:spcBef>
+                <a:spcPts val="0"/>
+              </a:spcBef>
+              <a:spcAft>
+                <a:spcPts val="0"/>
+              </a:spcAft>
+              <a:buClrTx/>
+              <a:buSzTx/>
+              <a:buFontTx/>
+              <a:buNone/>
+              <a:tabLst/>
+              <a:defRPr/>
+            </a:pPr>
+            <a:r>
+              <a:rPr lang="en-US" sz="1200" b="0" i="0" u="none" strike="noStrike" kern="1200" smtClean="0">
+                <a:solidFill>
+                  <a:schemeClr val="tx1"/>
+                </a:solidFill>
+                <a:latin typeface="+mn-lt"/>
+                <a:ea typeface="+mn-ea"/>
+                <a:cs typeface="+mn-cs"/>
+                <a:hlinkClick r:id="rId3"/>
+              </a:rPr>
+              <a:t>Millennial Gamers (18-34)</a:t>
+            </a:r>
+            <a:r>
+              <a:rPr lang="en-US" sz="1200" b="0" i="1" kern="1200" smtClean="0">
+                <a:solidFill>
+                  <a:schemeClr val="tx1"/>
+                </a:solidFill>
+                <a:latin typeface="+mn-lt"/>
+                <a:ea typeface="+mn-ea"/>
+                <a:cs typeface="+mn-cs"/>
+              </a:rPr>
+              <a:t>  – </a:t>
+            </a:r>
+            <a:r>
+              <a:rPr lang="en-US" sz="1200" b="0" i="0" kern="1200" smtClean="0">
+                <a:solidFill>
+                  <a:schemeClr val="tx1"/>
+                </a:solidFill>
+                <a:latin typeface="+mn-lt"/>
+                <a:ea typeface="+mn-ea"/>
+                <a:cs typeface="+mn-cs"/>
+              </a:rPr>
+              <a:t>Entertainment Software Association, 2019</a:t>
+            </a:r>
+          </a:p>
+          <a:p>
             <a:endParaRPr lang="en-US" dirty="0"/>
           </a:p>
         </p:txBody>
@@ -1836,55 +2310,104 @@
           <a:lstStyle/>
           <a:p>
             <a:r>
-              <a:rPr lang="en-US" dirty="0" smtClean="0"/>
-              <a:t>Hand drawn menu system.</a:t>
-            </a:r>
-          </a:p>
-          <a:p>
-            <a:r>
-              <a:rPr lang="en-US" dirty="0" smtClean="0"/>
-              <a:t>Shows </a:t>
-            </a:r>
-          </a:p>
-          <a:p>
-            <a:r>
-              <a:rPr lang="en-US" dirty="0" smtClean="0"/>
-              <a:t>signup/</a:t>
-            </a:r>
-            <a:r>
-              <a:rPr lang="en-US" dirty="0" err="1" smtClean="0"/>
-              <a:t>signin</a:t>
-            </a:r>
-            <a:r>
-              <a:rPr lang="en-US" dirty="0" smtClean="0"/>
-              <a:t>/guest</a:t>
-            </a:r>
-            <a:r>
-              <a:rPr lang="en-US" baseline="0" dirty="0" smtClean="0"/>
-              <a:t> screen</a:t>
-            </a:r>
-          </a:p>
-          <a:p>
-            <a:r>
-              <a:rPr lang="en-US" dirty="0" smtClean="0"/>
-              <a:t>Profile completion</a:t>
-            </a:r>
-            <a:r>
-              <a:rPr lang="en-US" baseline="0" dirty="0" smtClean="0"/>
-              <a:t> screen</a:t>
-            </a:r>
-          </a:p>
-          <a:p>
-            <a:r>
-              <a:rPr lang="en-US" baseline="0" dirty="0" smtClean="0"/>
-              <a:t>Query form</a:t>
-            </a:r>
-          </a:p>
-          <a:p>
-            <a:r>
-              <a:rPr lang="en-US" baseline="0" dirty="0" smtClean="0"/>
-              <a:t>List output screen</a:t>
-            </a:r>
+              <a:rPr lang="en-US" sz="1200" b="0" i="0" kern="1200" dirty="0" smtClean="0">
+                <a:solidFill>
+                  <a:schemeClr val="tx1"/>
+                </a:solidFill>
+                <a:latin typeface="+mn-lt"/>
+                <a:ea typeface="+mn-ea"/>
+                <a:cs typeface="+mn-cs"/>
+                <a:hlinkClick r:id="rId3"/>
+              </a:rPr>
+              <a:t>Game Data Library</a:t>
+            </a:r>
+          </a:p>
+          <a:p>
+            <a:endParaRPr lang="en-US" sz="1200" b="0" i="0" kern="1200" dirty="0" smtClean="0">
+              <a:solidFill>
+                <a:schemeClr val="tx1"/>
+              </a:solidFill>
+              <a:latin typeface="+mn-lt"/>
+              <a:ea typeface="+mn-ea"/>
+              <a:cs typeface="+mn-cs"/>
+              <a:hlinkClick r:id="rId3"/>
+            </a:endParaRPr>
+          </a:p>
+          <a:p>
+            <a:r>
+              <a:rPr lang="en-US" sz="1200" b="0" i="0" kern="1200" dirty="0" smtClean="0">
+                <a:solidFill>
+                  <a:schemeClr val="tx1"/>
+                </a:solidFill>
+                <a:latin typeface="+mn-lt"/>
+                <a:ea typeface="+mn-ea"/>
+                <a:cs typeface="+mn-cs"/>
+                <a:hlinkClick r:id="rId4"/>
+              </a:rPr>
+              <a:t>https://sites.google.com/site/gamedatalibrary/game-search</a:t>
+            </a:r>
+            <a:endParaRPr lang="en-US" sz="1200" b="0" i="0" kern="1200" dirty="0" smtClean="0">
+              <a:solidFill>
+                <a:schemeClr val="tx1"/>
+              </a:solidFill>
+              <a:latin typeface="+mn-lt"/>
+              <a:ea typeface="+mn-ea"/>
+              <a:cs typeface="+mn-cs"/>
+            </a:endParaRPr>
+          </a:p>
+          <a:p>
+            <a:endParaRPr lang="en-US" sz="1200" b="0" i="0" kern="1200" dirty="0" smtClean="0">
+              <a:solidFill>
+                <a:schemeClr val="tx1"/>
+              </a:solidFill>
+              <a:latin typeface="+mn-lt"/>
+              <a:ea typeface="+mn-ea"/>
+              <a:cs typeface="+mn-cs"/>
+              <a:hlinkClick r:id="rId3"/>
+            </a:endParaRPr>
+          </a:p>
+          <a:p>
+            <a:endParaRPr lang="en-US" sz="1200" b="0" i="0" kern="1200" dirty="0" smtClean="0">
+              <a:solidFill>
+                <a:schemeClr val="tx1"/>
+              </a:solidFill>
+              <a:latin typeface="+mn-lt"/>
+              <a:ea typeface="+mn-ea"/>
+              <a:cs typeface="+mn-cs"/>
+              <a:hlinkClick r:id="rId3"/>
+            </a:endParaRPr>
+          </a:p>
+          <a:p>
+            <a:r>
+              <a:rPr lang="en-US" sz="1200" b="0" i="0" kern="1200" dirty="0" smtClean="0">
+                <a:solidFill>
+                  <a:schemeClr val="tx1"/>
+                </a:solidFill>
+                <a:latin typeface="+mn-lt"/>
+                <a:ea typeface="+mn-ea"/>
+                <a:cs typeface="+mn-cs"/>
+                <a:hlinkClick r:id="rId3"/>
+              </a:rPr>
+              <a:t>https://apps.quanticfoundry.com/recommendations/gamerprofile/videogame/</a:t>
+            </a:r>
+            <a:endParaRPr lang="en-US" sz="1200" b="0" i="0" kern="1200" dirty="0" smtClean="0">
+              <a:solidFill>
+                <a:schemeClr val="tx1"/>
+              </a:solidFill>
+              <a:latin typeface="+mn-lt"/>
+              <a:ea typeface="+mn-ea"/>
+              <a:cs typeface="+mn-cs"/>
+            </a:endParaRPr>
+          </a:p>
+          <a:p>
+            <a:endParaRPr lang="en-US" sz="1200" b="0" i="0" kern="1200" dirty="0" smtClean="0">
+              <a:solidFill>
+                <a:schemeClr val="tx1"/>
+              </a:solidFill>
+              <a:latin typeface="+mn-lt"/>
+              <a:ea typeface="+mn-ea"/>
+              <a:cs typeface="+mn-cs"/>
+            </a:endParaRPr>
           </a:p>
           <a:p>
             <a:endParaRPr lang="en-US" dirty="0"/>
@@ -1968,27 +2491,31 @@
           </a:bodyPr>
           <a:lstStyle/>
           <a:p>
-            <a:r>
-              <a:rPr lang="en-US" dirty="0" smtClean="0"/>
-              <a:t>A second design was implemented with Apache</a:t>
+            <a:endParaRPr lang="en-US" dirty="0" smtClean="0"/>
+          </a:p>
+          <a:p>
+            <a:r>
+              <a:rPr lang="en-US" dirty="0" smtClean="0"/>
+              <a:t>Game Search Library – only has platform games and only by title and publisher</a:t>
+            </a:r>
+          </a:p>
+          <a:p>
+            <a:endParaRPr lang="en-US" dirty="0" smtClean="0"/>
+          </a:p>
+          <a:p>
+            <a:r>
+              <a:rPr lang="en-US" dirty="0" smtClean="0"/>
+              <a:t>Video</a:t>
             </a:r>
             <a:r>
               <a:rPr lang="en-US" baseline="0" dirty="0" smtClean="0"/>
-              <a:t> </a:t>
-            </a:r>
-            <a:r>
-              <a:rPr lang="en-US" baseline="0" dirty="0" err="1" smtClean="0"/>
-              <a:t>Netbeans</a:t>
-            </a:r>
+              <a:t> Game Recommendation Engine – just asks for names of games you like and gives a list response</a:t>
+            </a:r>
+          </a:p>
+          <a:p>
             <a:r>
               <a:rPr lang="en-US" baseline="0" dirty="0" smtClean="0"/>
-              <a:t> GUI builder for java language.</a:t>
-            </a:r>
-          </a:p>
-          <a:p>
-            <a:r>
-              <a:rPr lang="en-US" baseline="0" dirty="0" smtClean="0"/>
-              <a:t>Here was followed most of the first design but we see some questioning about how to execute the query and show the final list.</a:t>
+              <a:t>	Without date of publishing, or cost info, or type of game….. </a:t>
             </a:r>
             <a:endParaRPr lang="en-US" dirty="0"/>
           </a:p>
@@ -2073,35 +2600,53 @@
           <a:p>
             <a:r>
               <a:rPr lang="en-US" dirty="0" smtClean="0"/>
-              <a:t>Our Final design user the “PAGE” GUI builder which is based on </a:t>
+              <a:t>Hand drawn menu system.</a:t>
+            </a:r>
+          </a:p>
+          <a:p>
+            <a:r>
+              <a:rPr lang="en-US" dirty="0" smtClean="0"/>
+              <a:t>Shows </a:t>
+            </a:r>
+          </a:p>
+          <a:p>
+            <a:r>
+              <a:rPr lang="en-US" dirty="0" smtClean="0"/>
+              <a:t>signup/</a:t>
             </a:r>
             <a:r>
               <a:rPr lang="en-US" dirty="0" err="1" smtClean="0"/>
-              <a:t>Tkinter</a:t>
-            </a:r>
-            <a:r>
-              <a:rPr lang="en-US" dirty="0" smtClean="0"/>
-              <a:t> / Python</a:t>
+              <a:t>signin</a:t>
+            </a:r>
+            <a:r>
+              <a:rPr lang="en-US" dirty="0" smtClean="0"/>
+              <a:t>/guest</a:t>
             </a:r>
             <a:r>
               <a:rPr lang="en-US" baseline="0" dirty="0" smtClean="0"/>
-              <a:t> libraries.</a:t>
-            </a:r>
-          </a:p>
-          <a:p>
-            <a:r>
-              <a:rPr lang="en-US" dirty="0" smtClean="0"/>
-              <a:t>We further</a:t>
+              <a:t> screen</a:t>
+            </a:r>
+          </a:p>
+          <a:p>
+            <a:r>
+              <a:rPr lang="en-US" dirty="0" smtClean="0"/>
+              <a:t>Profile completion</a:t>
             </a:r>
             <a:r>
               <a:rPr lang="en-US" baseline="0" dirty="0" smtClean="0"/>
-              <a:t> simplified the design to only 3 screens.</a:t>
+              <a:t> screen</a:t>
             </a:r>
           </a:p>
           <a:p>
             <a:r>
               <a:rPr lang="en-US" baseline="0" dirty="0" smtClean="0"/>
-              <a:t>We removed the radio selection screen of platforms and added it as an extra combo box on the profile screen / query criteria</a:t>
+              <a:t>Query form</a:t>
+            </a:r>
+          </a:p>
+          <a:p>
+            <a:r>
+              <a:rPr lang="en-US" baseline="0" dirty="0" smtClean="0"/>
+              <a:t>List output screen</a:t>
             </a:r>
           </a:p>
           <a:p>
@@ -2141,8 +2686,13 @@
 </file>
 
 <file path=ppt/slideLayouts/slideLayout1.xml><?xml version="1.0" encoding="utf-8"?>
-<p:sldLayout xmlns:a="http://schemas.openxmlformats.org/drawingml/2006/main" xmlns:r="http://schemas.openxmlformats.org/officeDocument/2006/relationships" xmlns:p="http://schemas.openxmlformats.org/presentationml/2006/main" type="title" preserve="1">
+<p:sldLayout xmlns:a="http://schemas.openxmlformats.org/drawingml/2006/main" xmlns:r="http://schemas.openxmlformats.org/officeDocument/2006/relationships" xmlns:p="http://schemas.openxmlformats.org/presentationml/2006/main" showMasterSp="0" type="title" preserve="1">
   <p:cSld name="Title Slide">
+    <p:bg>
+      <p:bgRef idx="1002">
+        <a:schemeClr val="bg1"/>
+      </p:bgRef>
+    </p:bg>
     <p:spTree>
       <p:nvGrpSpPr>
         <p:cNvPr id="1" name=""/>
@@ -2159,7 +2709,126 @@
       </p:grpSpPr>
       <p:sp>
         <p:nvSpPr>
-          <p:cNvPr id="2" name="Title 1"/>
+          <p:cNvPr id="8" name="Rectangle 7"/>
+          <p:cNvSpPr/>
+          <p:nvPr/>
+        </p:nvSpPr>
+        <p:spPr>
+          <a:xfrm flipH="1">
+            <a:off x="2667000" y="0"/>
+            <a:ext cx="6477000" cy="6858000"/>
+          </a:xfrm>
+          <a:prstGeom prst="rect">
+            <a:avLst/>
+          </a:prstGeom>
+          <a:blipFill>
+            <a:blip r:embed="rId2" cstate="print">
+              <a:alphaModFix amt="43000"/>
+            </a:blip>
+            <a:tile tx="0" ty="0" sx="50000" sy="50000" flip="none" algn="tl"/>
+          </a:blipFill>
+          <a:ln w="0" cap="flat" cmpd="sng" algn="ctr">
+            <a:noFill/>
+            <a:prstDash val="solid"/>
+          </a:ln>
+          <a:effectLst>
+            <a:fillOverlay blend="mult">
+              <a:gradFill rotWithShape="1">
+                <a:gsLst>
+                  <a:gs pos="0">
+                    <a:schemeClr val="tx2">
+                      <a:tint val="62000"/>
+                      <a:satMod val="420000"/>
+                    </a:schemeClr>
+                  </a:gs>
+                  <a:gs pos="100000">
+                    <a:schemeClr val="tx2">
+                      <a:shade val="20000"/>
+                      <a:satMod val="170000"/>
+                    </a:schemeClr>
+                  </a:gs>
+                </a:gsLst>
+                <a:path path="circle">
+                  <a:fillToRect l="50000" t="100000" r="50000"/>
+                </a:path>
+                <a:tileRect/>
+              </a:gradFill>
+            </a:fillOverlay>
+            <a:innerShdw blurRad="63500" dist="44450" dir="10800000">
+              <a:srgbClr val="000000">
+                <a:alpha val="50000"/>
+              </a:srgbClr>
+            </a:innerShdw>
+          </a:effectLst>
+        </p:spPr>
+        <p:style>
+          <a:lnRef idx="3">
+            <a:schemeClr val="lt1"/>
+          </a:lnRef>
+          <a:fillRef idx="1">
+            <a:schemeClr val="accent1"/>
+          </a:fillRef>
+          <a:effectRef idx="1">
+            <a:schemeClr val="accent1"/>
+          </a:effectRef>
+          <a:fontRef idx="minor">
+            <a:schemeClr val="lt1"/>
+          </a:fontRef>
+        </p:style>
+        <p:txBody>
+          <a:bodyPr anchor="ctr"/>
+          <a:lstStyle>
+            <a:extLst/>
+          </a:lstStyle>
+          <a:p>
+            <a:pPr algn="ctr" eaLnBrk="1" latinLnBrk="0" hangingPunct="1"/>
+            <a:endParaRPr kumimoji="0" lang="en-US"/>
+          </a:p>
+        </p:txBody>
+      </p:sp>
+      <p:sp>
+        <p:nvSpPr>
+          <p:cNvPr id="9" name="Straight Connector 8"/>
+          <p:cNvSpPr>
+            <a:spLocks noChangeShapeType="1"/>
+          </p:cNvSpPr>
+          <p:nvPr/>
+        </p:nvSpPr>
+        <p:spPr bwMode="auto">
+          <a:xfrm rot="16200000">
+            <a:off x="-762000" y="3429000"/>
+            <a:ext cx="6858000" cy="0"/>
+          </a:xfrm>
+          <a:prstGeom prst="line">
+            <a:avLst/>
+          </a:prstGeom>
+          <a:noFill/>
+          <a:ln w="11430" cap="flat" cmpd="sng" algn="ctr">
+            <a:solidFill>
+              <a:schemeClr val="bg1">
+                <a:shade val="95000"/>
+              </a:schemeClr>
+            </a:solidFill>
+            <a:prstDash val="solid"/>
+            <a:miter lim="800000"/>
+            <a:headEnd type="none" w="med" len="med"/>
+            <a:tailEnd type="none" w="med" len="med"/>
+          </a:ln>
+          <a:effectLst/>
+        </p:spPr>
+        <p:txBody>
+          <a:bodyPr vert="horz" wrap="square" lIns="91440" tIns="45720" rIns="91440" bIns="45720" anchor="t" compatLnSpc="1"/>
+          <a:lstStyle>
+            <a:extLst/>
+          </a:lstStyle>
+          <a:p>
+            <a:endParaRPr kumimoji="0" lang="en-US"/>
+          </a:p>
+        </p:txBody>
+      </p:sp>
+      <p:sp>
+        <p:nvSpPr>
+          <p:cNvPr id="12" name="Title 11"/>
           <p:cNvSpPr>
             <a:spLocks noGrp="1"/>
           </p:cNvSpPr>
@@ -2169,25 +2838,32 @@
         </p:nvSpPr>
         <p:spPr>
           <a:xfrm>
-            <a:off x="685800" y="2130425"/>
-            <a:ext cx="7772400" cy="1470025"/>
+            <a:off x="3366868" y="533400"/>
+            <a:ext cx="5105400" cy="2868168"/>
           </a:xfrm>
         </p:spPr>
         <p:txBody>
-          <a:bodyPr/>
-          <a:lstStyle/>
-          <a:p>
-            <a:r>
-              <a:rPr lang="en-US" smtClean="0"/>
+          <a:bodyPr lIns="45720" tIns="0" rIns="45720">
+            <a:noAutofit/>
+          </a:bodyPr>
+          <a:lstStyle>
+            <a:lvl1pPr algn="r">
+              <a:defRPr sz="4200" b="1"/>
+            </a:lvl1pPr>
+            <a:extLst/>
+          </a:lstStyle>
+          <a:p>
+            <a:r>
+              <a:rPr kumimoji="0" lang="en-US" smtClean="0"/>
               <a:t>Click to edit Master title style</a:t>
             </a:r>
-            <a:endParaRPr lang="en-US"/>
-          </a:p>
-        </p:txBody>
-      </p:sp>
-      <p:sp>
-        <p:nvSpPr>
-          <p:cNvPr id="3" name="Subtitle 2"/>
+            <a:endParaRPr kumimoji="0" lang="en-US"/>
+          </a:p>
+        </p:txBody>
+      </p:sp>
+      <p:sp>
+        <p:nvSpPr>
+          <p:cNvPr id="25" name="Subtitle 24"/>
           <p:cNvSpPr>
             <a:spLocks noGrp="1"/>
           </p:cNvSpPr>
@@ -2197,127 +2873,85 @@
         </p:nvSpPr>
         <p:spPr>
           <a:xfrm>
-            <a:off x="1371600" y="3886200"/>
-            <a:ext cx="6400800" cy="1752600"/>
+            <a:off x="3354442" y="3539864"/>
+            <a:ext cx="5114778" cy="1101248"/>
           </a:xfrm>
         </p:spPr>
         <p:txBody>
-          <a:bodyPr/>
+          <a:bodyPr lIns="45720" tIns="0" rIns="45720" bIns="0"/>
           <a:lstStyle>
-            <a:lvl1pPr marL="0" indent="0" algn="ctr">
+            <a:lvl1pPr marL="0" indent="0" algn="r">
               <a:buNone/>
-              <a:defRPr>
+              <a:defRPr sz="2200">
                 <a:solidFill>
-                  <a:schemeClr val="tx1">
-                    <a:tint val="75000"/>
-                  </a:schemeClr>
+                  <a:srgbClr val="FFFFFF"/>
                 </a:solidFill>
+                <a:effectLst/>
               </a:defRPr>
             </a:lvl1pPr>
             <a:lvl2pPr marL="457200" indent="0" algn="ctr">
               <a:buNone/>
-              <a:defRPr>
-                <a:solidFill>
-                  <a:schemeClr val="tx1">
-                    <a:tint val="75000"/>
-                  </a:schemeClr>
-                </a:solidFill>
-              </a:defRPr>
             </a:lvl2pPr>
             <a:lvl3pPr marL="914400" indent="0" algn="ctr">
               <a:buNone/>
-              <a:defRPr>
-                <a:solidFill>
-                  <a:schemeClr val="tx1">
-                    <a:tint val="75000"/>
-                  </a:schemeClr>
-                </a:solidFill>
-              </a:defRPr>
             </a:lvl3pPr>
             <a:lvl4pPr marL="1371600" indent="0" algn="ctr">
               <a:buNone/>
-              <a:defRPr>
-                <a:solidFill>
-                  <a:schemeClr val="tx1">
-                    <a:tint val="75000"/>
-                  </a:schemeClr>
-                </a:solidFill>
-              </a:defRPr>
             </a:lvl4pPr>
             <a:lvl5pPr marL="1828800" indent="0" algn="ctr">
               <a:buNone/>
-              <a:defRPr>
-                <a:solidFill>
-                  <a:schemeClr val="tx1">
-                    <a:tint val="75000"/>
-                  </a:schemeClr>
-                </a:solidFill>
-              </a:defRPr>
             </a:lvl5pPr>
             <a:lvl6pPr marL="2286000" indent="0" algn="ctr">
               <a:buNone/>
-              <a:defRPr>
-                <a:solidFill>
-                  <a:schemeClr val="tx1">
-                    <a:tint val="75000"/>
-                  </a:schemeClr>
-                </a:solidFill>
-              </a:defRPr>
             </a:lvl6pPr>
             <a:lvl7pPr marL="2743200" indent="0" algn="ctr">
               <a:buNone/>
-              <a:defRPr>
-                <a:solidFill>
-                  <a:schemeClr val="tx1">
-                    <a:tint val="75000"/>
-                  </a:schemeClr>
-                </a:solidFill>
-              </a:defRPr>
             </a:lvl7pPr>
             <a:lvl8pPr marL="3200400" indent="0" algn="ctr">
               <a:buNone/>
-              <a:defRPr>
-                <a:solidFill>
-                  <a:schemeClr val="tx1">
-                    <a:tint val="75000"/>
-                  </a:schemeClr>
-                </a:solidFill>
-              </a:defRPr>
             </a:lvl8pPr>
             <a:lvl9pPr marL="3657600" indent="0" algn="ctr">
               <a:buNone/>
-              <a:defRPr>
+            </a:lvl9pPr>
+            <a:extLst/>
+          </a:lstStyle>
+          <a:p>
+            <a:r>
+              <a:rPr kumimoji="0" lang="en-US" smtClean="0"/>
+              <a:t>Click to edit Master subtitle style</a:t>
+            </a:r>
+            <a:endParaRPr kumimoji="0" lang="en-US"/>
+          </a:p>
+        </p:txBody>
+      </p:sp>
+      <p:sp>
+        <p:nvSpPr>
+          <p:cNvPr id="31" name="Date Placeholder 30"/>
+          <p:cNvSpPr>
+            <a:spLocks noGrp="1"/>
+          </p:cNvSpPr>
+          <p:nvPr>
+            <p:ph type="dt" sz="half" idx="10"/>
+          </p:nvPr>
+        </p:nvSpPr>
+        <p:spPr>
+          <a:xfrm>
+            <a:off x="5871224" y="6557946"/>
+            <a:ext cx="2002464" cy="226902"/>
+          </a:xfrm>
+        </p:spPr>
+        <p:txBody>
+          <a:bodyPr/>
+          <a:lstStyle>
+            <a:lvl1pPr>
+              <a:defRPr lang="en-US" smtClean="0">
                 <a:solidFill>
-                  <a:schemeClr val="tx1">
-                    <a:tint val="75000"/>
-                  </a:schemeClr>
+                  <a:srgbClr val="FFFFFF"/>
                 </a:solidFill>
               </a:defRPr>
-            </a:lvl9pPr>
+            </a:lvl1pPr>
+            <a:extLst/>
           </a:lstStyle>
-          <a:p>
-            <a:r>
-              <a:rPr lang="en-US" smtClean="0"/>
-              <a:t>Click to edit Master subtitle style</a:t>
-            </a:r>
-            <a:endParaRPr lang="en-US"/>
-          </a:p>
-        </p:txBody>
-      </p:sp>
-      <p:sp>
-        <p:nvSpPr>
-          <p:cNvPr id="4" name="Date Placeholder 3"/>
-          <p:cNvSpPr>
-            <a:spLocks noGrp="1"/>
-          </p:cNvSpPr>
-          <p:nvPr>
-            <p:ph type="dt" sz="half" idx="10"/>
-          </p:nvPr>
-        </p:nvSpPr>
-        <p:spPr/>
-        <p:txBody>
-          <a:bodyPr/>
-          <a:lstStyle/>
           <a:p>
             <a:fld id="{4C74A437-BCC5-41B8-9970-7953AC543813}" type="datetimeFigureOut">
               <a:rPr lang="en-US" smtClean="0"/>
@@ -2329,7 +2963,7 @@
       </p:sp>
       <p:sp>
         <p:nvSpPr>
-          <p:cNvPr id="5" name="Footer Placeholder 4"/>
+          <p:cNvPr id="18" name="Footer Placeholder 17"/>
           <p:cNvSpPr>
             <a:spLocks noGrp="1"/>
           </p:cNvSpPr>
@@ -2337,10 +2971,24 @@
             <p:ph type="ftr" sz="quarter" idx="11"/>
           </p:nvPr>
         </p:nvSpPr>
-        <p:spPr/>
+        <p:spPr>
+          <a:xfrm>
+            <a:off x="2819400" y="6557946"/>
+            <a:ext cx="2927722" cy="228600"/>
+          </a:xfrm>
+        </p:spPr>
         <p:txBody>
           <a:bodyPr/>
-          <a:lstStyle/>
+          <a:lstStyle>
+            <a:lvl1pPr>
+              <a:defRPr lang="en-US" dirty="0">
+                <a:solidFill>
+                  <a:srgbClr val="FFFFFF"/>
+                </a:solidFill>
+              </a:defRPr>
+            </a:lvl1pPr>
+            <a:extLst/>
+          </a:lstStyle>
           <a:p>
             <a:endParaRPr lang="en-US"/>
           </a:p>
@@ -2348,7 +2996,7 @@
       </p:sp>
       <p:sp>
         <p:nvSpPr>
-          <p:cNvPr id="6" name="Slide Number Placeholder 5"/>
+          <p:cNvPr id="29" name="Slide Number Placeholder 28"/>
           <p:cNvSpPr>
             <a:spLocks noGrp="1"/>
           </p:cNvSpPr>
@@ -2356,10 +3004,24 @@
             <p:ph type="sldNum" sz="quarter" idx="12"/>
           </p:nvPr>
         </p:nvSpPr>
-        <p:spPr/>
+        <p:spPr>
+          <a:xfrm>
+            <a:off x="7880884" y="6556248"/>
+            <a:ext cx="588336" cy="228600"/>
+          </a:xfrm>
+        </p:spPr>
         <p:txBody>
           <a:bodyPr/>
-          <a:lstStyle/>
+          <a:lstStyle>
+            <a:lvl1pPr>
+              <a:defRPr lang="en-US" smtClean="0">
+                <a:solidFill>
+                  <a:srgbClr val="FFFFFF"/>
+                </a:solidFill>
+              </a:defRPr>
+            </a:lvl1pPr>
+            <a:extLst/>
+          </a:lstStyle>
           <a:p>
             <a:fld id="{5846D973-989A-48E9-918B-E9430945A2AF}" type="slidenum">
               <a:rPr lang="en-US" smtClean="0"/>
@@ -2372,7 +3034,7 @@
     </p:spTree>
   </p:cSld>
   <p:clrMapOvr>
-    <a:masterClrMapping/>
+    <a:overrideClrMapping bg1="lt1" tx1="dk1" bg2="lt2" tx2="dk2" accent1="accent1" accent2="accent2" accent3="accent3" accent4="accent4" accent5="accent5" accent6="accent6" hlink="hlink" folHlink="folHlink"/>
   </p:clrMapOvr>
 </p:sldLayout>
 </file>
@@ -2407,13 +3069,15 @@
         <p:spPr/>
         <p:txBody>
           <a:bodyPr/>
-          <a:lstStyle/>
-          <a:p>
-            <a:r>
-              <a:rPr lang="en-US" smtClean="0"/>
+          <a:lstStyle>
+            <a:extLst/>
+          </a:lstStyle>
+          <a:p>
+            <a:r>
+              <a:rPr kumimoji="0" lang="en-US" smtClean="0"/>
               <a:t>Click to edit Master title style</a:t>
             </a:r>
-            <a:endParaRPr lang="en-US"/>
+            <a:endParaRPr kumimoji="0" lang="en-US"/>
           </a:p>
         </p:txBody>
       </p:sp>
@@ -2430,42 +3094,44 @@
         <p:spPr/>
         <p:txBody>
           <a:bodyPr vert="eaVert"/>
-          <a:lstStyle/>
-          <a:p>
-            <a:pPr lvl="0"/>
+          <a:lstStyle>
+            <a:extLst/>
+          </a:lstStyle>
+          <a:p>
+            <a:pPr lvl="0" eaLnBrk="1" latinLnBrk="0" hangingPunct="1"/>
             <a:r>
               <a:rPr lang="en-US" smtClean="0"/>
               <a:t>Click to edit Master text styles</a:t>
             </a:r>
           </a:p>
           <a:p>
-            <a:pPr lvl="1"/>
+            <a:pPr lvl="1" eaLnBrk="1" latinLnBrk="0" hangingPunct="1"/>
             <a:r>
               <a:rPr lang="en-US" smtClean="0"/>
               <a:t>Second level</a:t>
             </a:r>
           </a:p>
           <a:p>
-            <a:pPr lvl="2"/>
+            <a:pPr lvl="2" eaLnBrk="1" latinLnBrk="0" hangingPunct="1"/>
             <a:r>
               <a:rPr lang="en-US" smtClean="0"/>
               <a:t>Third level</a:t>
             </a:r>
           </a:p>
           <a:p>
-            <a:pPr lvl="3"/>
+            <a:pPr lvl="3" eaLnBrk="1" latinLnBrk="0" hangingPunct="1"/>
             <a:r>
               <a:rPr lang="en-US" smtClean="0"/>
               <a:t>Fourth level</a:t>
             </a:r>
           </a:p>
           <a:p>
-            <a:pPr lvl="4"/>
+            <a:pPr lvl="4" eaLnBrk="1" latinLnBrk="0" hangingPunct="1"/>
             <a:r>
               <a:rPr lang="en-US" smtClean="0"/>
               <a:t>Fifth level</a:t>
             </a:r>
-            <a:endParaRPr lang="en-US"/>
+            <a:endParaRPr kumimoji="0" lang="en-US"/>
           </a:p>
         </p:txBody>
       </p:sp>
@@ -2482,7 +3148,9 @@
         <p:spPr/>
         <p:txBody>
           <a:bodyPr/>
-          <a:lstStyle/>
+          <a:lstStyle>
+            <a:extLst/>
+          </a:lstStyle>
           <a:p>
             <a:fld id="{4C74A437-BCC5-41B8-9970-7953AC543813}" type="datetimeFigureOut">
               <a:rPr lang="en-US" smtClean="0"/>
@@ -2505,7 +3173,9 @@
         <p:spPr/>
         <p:txBody>
           <a:bodyPr/>
-          <a:lstStyle/>
+          <a:lstStyle>
+            <a:extLst/>
+          </a:lstStyle>
           <a:p>
             <a:endParaRPr lang="en-US"/>
           </a:p>
@@ -2524,7 +3194,9 @@
         <p:spPr/>
         <p:txBody>
           <a:bodyPr/>
-          <a:lstStyle/>
+          <a:lstStyle>
+            <a:extLst/>
+          </a:lstStyle>
           <a:p>
             <a:fld id="{5846D973-989A-48E9-918B-E9430945A2AF}" type="slidenum">
               <a:rPr lang="en-US" smtClean="0"/>
@@ -2571,19 +3243,21 @@
         </p:nvSpPr>
         <p:spPr>
           <a:xfrm>
-            <a:off x="6629400" y="274638"/>
-            <a:ext cx="2057400" cy="5851525"/>
+            <a:off x="6553200" y="274955"/>
+            <a:ext cx="1524000" cy="5851525"/>
           </a:xfrm>
         </p:spPr>
         <p:txBody>
-          <a:bodyPr vert="eaVert"/>
-          <a:lstStyle/>
-          <a:p>
-            <a:r>
-              <a:rPr lang="en-US" smtClean="0"/>
+          <a:bodyPr vert="eaVert" anchor="t"/>
+          <a:lstStyle>
+            <a:extLst/>
+          </a:lstStyle>
+          <a:p>
+            <a:r>
+              <a:rPr kumimoji="0" lang="en-US" smtClean="0"/>
               <a:t>Click to edit Master title style</a:t>
             </a:r>
-            <a:endParaRPr lang="en-US"/>
+            <a:endParaRPr kumimoji="0" lang="en-US"/>
           </a:p>
         </p:txBody>
       </p:sp>
@@ -2599,48 +3273,50 @@
         </p:nvSpPr>
         <p:spPr>
           <a:xfrm>
-            <a:off x="457200" y="274638"/>
+            <a:off x="457200" y="274642"/>
             <a:ext cx="6019800" cy="5851525"/>
           </a:xfrm>
         </p:spPr>
         <p:txBody>
           <a:bodyPr vert="eaVert"/>
-          <a:lstStyle/>
-          <a:p>
-            <a:pPr lvl="0"/>
+          <a:lstStyle>
+            <a:extLst/>
+          </a:lstStyle>
+          <a:p>
+            <a:pPr lvl="0" eaLnBrk="1" latinLnBrk="0" hangingPunct="1"/>
             <a:r>
               <a:rPr lang="en-US" smtClean="0"/>
               <a:t>Click to edit Master text styles</a:t>
             </a:r>
           </a:p>
           <a:p>
-            <a:pPr lvl="1"/>
+            <a:pPr lvl="1" eaLnBrk="1" latinLnBrk="0" hangingPunct="1"/>
             <a:r>
               <a:rPr lang="en-US" smtClean="0"/>
               <a:t>Second level</a:t>
             </a:r>
           </a:p>
           <a:p>
-            <a:pPr lvl="2"/>
+            <a:pPr lvl="2" eaLnBrk="1" latinLnBrk="0" hangingPunct="1"/>
             <a:r>
               <a:rPr lang="en-US" smtClean="0"/>
               <a:t>Third level</a:t>
             </a:r>
           </a:p>
           <a:p>
-            <a:pPr lvl="3"/>
+            <a:pPr lvl="3" eaLnBrk="1" latinLnBrk="0" hangingPunct="1"/>
             <a:r>
               <a:rPr lang="en-US" smtClean="0"/>
               <a:t>Fourth level</a:t>
             </a:r>
           </a:p>
           <a:p>
-            <a:pPr lvl="4"/>
+            <a:pPr lvl="4" eaLnBrk="1" latinLnBrk="0" hangingPunct="1"/>
             <a:r>
               <a:rPr lang="en-US" smtClean="0"/>
               <a:t>Fifth level</a:t>
             </a:r>
-            <a:endParaRPr lang="en-US"/>
+            <a:endParaRPr kumimoji="0" lang="en-US"/>
           </a:p>
         </p:txBody>
       </p:sp>
@@ -2654,10 +3330,17 @@
             <p:ph type="dt" sz="half" idx="10"/>
           </p:nvPr>
         </p:nvSpPr>
-        <p:spPr/>
+        <p:spPr>
+          <a:xfrm>
+            <a:off x="4242816" y="6557946"/>
+            <a:ext cx="2002464" cy="226902"/>
+          </a:xfrm>
+        </p:spPr>
         <p:txBody>
           <a:bodyPr/>
-          <a:lstStyle/>
+          <a:lstStyle>
+            <a:extLst/>
+          </a:lstStyle>
           <a:p>
             <a:fld id="{4C74A437-BCC5-41B8-9970-7953AC543813}" type="datetimeFigureOut">
               <a:rPr lang="en-US" smtClean="0"/>
@@ -2677,10 +3360,17 @@
             <p:ph type="ftr" sz="quarter" idx="11"/>
           </p:nvPr>
         </p:nvSpPr>
-        <p:spPr/>
+        <p:spPr>
+          <a:xfrm>
+            <a:off x="457200" y="6556248"/>
+            <a:ext cx="3657600" cy="228600"/>
+          </a:xfrm>
+        </p:spPr>
         <p:txBody>
           <a:bodyPr/>
-          <a:lstStyle/>
+          <a:lstStyle>
+            <a:extLst/>
+          </a:lstStyle>
           <a:p>
             <a:endParaRPr lang="en-US"/>
           </a:p>
@@ -2696,10 +3386,24 @@
             <p:ph type="sldNum" sz="quarter" idx="12"/>
           </p:nvPr>
         </p:nvSpPr>
-        <p:spPr/>
+        <p:spPr>
+          <a:xfrm>
+            <a:off x="6254496" y="6553200"/>
+            <a:ext cx="588336" cy="228600"/>
+          </a:xfrm>
+        </p:spPr>
         <p:txBody>
           <a:bodyPr/>
-          <a:lstStyle/>
+          <a:lstStyle>
+            <a:lvl1pPr>
+              <a:defRPr>
+                <a:solidFill>
+                  <a:schemeClr val="tx2"/>
+                </a:solidFill>
+              </a:defRPr>
+            </a:lvl1pPr>
+            <a:extLst/>
+          </a:lstStyle>
           <a:p>
             <a:fld id="{5846D973-989A-48E9-918B-E9430945A2AF}" type="slidenum">
               <a:rPr lang="en-US" smtClean="0"/>
@@ -2747,13 +3451,15 @@
         <p:spPr/>
         <p:txBody>
           <a:bodyPr/>
-          <a:lstStyle/>
-          <a:p>
-            <a:r>
-              <a:rPr lang="en-US" smtClean="0"/>
+          <a:lstStyle>
+            <a:extLst/>
+          </a:lstStyle>
+          <a:p>
+            <a:r>
+              <a:rPr kumimoji="0" lang="en-US" smtClean="0"/>
               <a:t>Click to edit Master title style</a:t>
             </a:r>
-            <a:endParaRPr lang="en-US"/>
+            <a:endParaRPr kumimoji="0" lang="en-US"/>
           </a:p>
         </p:txBody>
       </p:sp>
@@ -2770,42 +3476,44 @@
         <p:spPr/>
         <p:txBody>
           <a:bodyPr/>
-          <a:lstStyle/>
-          <a:p>
-            <a:pPr lvl="0"/>
+          <a:lstStyle>
+            <a:extLst/>
+          </a:lstStyle>
+          <a:p>
+            <a:pPr lvl="0" eaLnBrk="1" latinLnBrk="0" hangingPunct="1"/>
             <a:r>
               <a:rPr lang="en-US" smtClean="0"/>
               <a:t>Click to edit Master text styles</a:t>
             </a:r>
           </a:p>
           <a:p>
-            <a:pPr lvl="1"/>
+            <a:pPr lvl="1" eaLnBrk="1" latinLnBrk="0" hangingPunct="1"/>
             <a:r>
               <a:rPr lang="en-US" smtClean="0"/>
               <a:t>Second level</a:t>
             </a:r>
           </a:p>
           <a:p>
-            <a:pPr lvl="2"/>
+            <a:pPr lvl="2" eaLnBrk="1" latinLnBrk="0" hangingPunct="1"/>
             <a:r>
               <a:rPr lang="en-US" smtClean="0"/>
               <a:t>Third level</a:t>
             </a:r>
           </a:p>
           <a:p>
-            <a:pPr lvl="3"/>
+            <a:pPr lvl="3" eaLnBrk="1" latinLnBrk="0" hangingPunct="1"/>
             <a:r>
               <a:rPr lang="en-US" smtClean="0"/>
               <a:t>Fourth level</a:t>
             </a:r>
           </a:p>
           <a:p>
-            <a:pPr lvl="4"/>
+            <a:pPr lvl="4" eaLnBrk="1" latinLnBrk="0" hangingPunct="1"/>
             <a:r>
               <a:rPr lang="en-US" smtClean="0"/>
               <a:t>Fifth level</a:t>
             </a:r>
-            <a:endParaRPr lang="en-US"/>
+            <a:endParaRPr kumimoji="0" lang="en-US"/>
           </a:p>
         </p:txBody>
       </p:sp>
@@ -2822,7 +3530,9 @@
         <p:spPr/>
         <p:txBody>
           <a:bodyPr/>
-          <a:lstStyle/>
+          <a:lstStyle>
+            <a:extLst/>
+          </a:lstStyle>
           <a:p>
             <a:fld id="{4C74A437-BCC5-41B8-9970-7953AC543813}" type="datetimeFigureOut">
               <a:rPr lang="en-US" smtClean="0"/>
@@ -2845,7 +3555,9 @@
         <p:spPr/>
         <p:txBody>
           <a:bodyPr/>
-          <a:lstStyle/>
+          <a:lstStyle>
+            <a:extLst/>
+          </a:lstStyle>
           <a:p>
             <a:endParaRPr lang="en-US"/>
           </a:p>
@@ -2864,7 +3576,9 @@
         <p:spPr/>
         <p:txBody>
           <a:bodyPr/>
-          <a:lstStyle/>
+          <a:lstStyle>
+            <a:extLst/>
+          </a:lstStyle>
           <a:p>
             <a:fld id="{5846D973-989A-48E9-918B-E9430945A2AF}" type="slidenum">
               <a:rPr lang="en-US" smtClean="0"/>
@@ -2885,6 +3599,11 @@
 <file path=ppt/slideLayouts/slideLayout3.xml><?xml version="1.0" encoding="utf-8"?>
 <p:sldLayout xmlns:a="http://schemas.openxmlformats.org/drawingml/2006/main" xmlns:r="http://schemas.openxmlformats.org/officeDocument/2006/relationships" xmlns:p="http://schemas.openxmlformats.org/presentationml/2006/main" type="secHead" preserve="1">
   <p:cSld name="Section Header">
+    <p:bg>
+      <p:bgRef idx="1001">
+        <a:schemeClr val="bg1"/>
+      </p:bgRef>
+    </p:bg>
     <p:spTree>
       <p:nvGrpSpPr>
         <p:cNvPr id="1" name=""/>
@@ -2911,23 +3630,25 @@
         </p:nvSpPr>
         <p:spPr>
           <a:xfrm>
-            <a:off x="722313" y="4406900"/>
-            <a:ext cx="7772400" cy="1362075"/>
+            <a:off x="1066800" y="2821837"/>
+            <a:ext cx="6255488" cy="1362075"/>
           </a:xfrm>
         </p:spPr>
         <p:txBody>
-          <a:bodyPr anchor="t"/>
+          <a:bodyPr tIns="0" anchor="t"/>
           <a:lstStyle>
-            <a:lvl1pPr algn="l">
-              <a:defRPr sz="4000" b="1" cap="all"/>
+            <a:lvl1pPr algn="r">
+              <a:buNone/>
+              <a:defRPr sz="4200" b="1" cap="all"/>
             </a:lvl1pPr>
+            <a:extLst/>
           </a:lstStyle>
           <a:p>
             <a:r>
-              <a:rPr lang="en-US" smtClean="0"/>
+              <a:rPr kumimoji="0" lang="en-US" smtClean="0"/>
               <a:t>Click to edit Master title style</a:t>
             </a:r>
-            <a:endParaRPr lang="en-US"/>
+            <a:endParaRPr kumimoji="0" lang="en-US"/>
           </a:p>
         </p:txBody>
       </p:sp>
@@ -2943,24 +3664,23 @@
         </p:nvSpPr>
         <p:spPr>
           <a:xfrm>
-            <a:off x="722313" y="2906713"/>
-            <a:ext cx="7772400" cy="1500187"/>
+            <a:off x="1066800" y="1905000"/>
+            <a:ext cx="6255488" cy="743507"/>
           </a:xfrm>
         </p:spPr>
         <p:txBody>
           <a:bodyPr anchor="b"/>
           <a:lstStyle>
-            <a:lvl1pPr marL="0" indent="0">
+            <a:lvl1pPr marL="0" indent="0" algn="r">
               <a:buNone/>
               <a:defRPr sz="2000">
                 <a:solidFill>
-                  <a:schemeClr val="tx1">
-                    <a:tint val="75000"/>
-                  </a:schemeClr>
+                  <a:schemeClr val="tx1"/>
                 </a:solidFill>
+                <a:effectLst/>
               </a:defRPr>
             </a:lvl1pPr>
-            <a:lvl2pPr marL="457200" indent="0">
+            <a:lvl2pPr>
               <a:buNone/>
               <a:defRPr sz="1800">
                 <a:solidFill>
@@ -2970,7 +3690,7 @@
                 </a:solidFill>
               </a:defRPr>
             </a:lvl2pPr>
-            <a:lvl3pPr marL="914400" indent="0">
+            <a:lvl3pPr>
               <a:buNone/>
               <a:defRPr sz="1600">
                 <a:solidFill>
@@ -2980,7 +3700,7 @@
                 </a:solidFill>
               </a:defRPr>
             </a:lvl3pPr>
-            <a:lvl4pPr marL="1371600" indent="0">
+            <a:lvl4pPr>
               <a:buNone/>
               <a:defRPr sz="1400">
                 <a:solidFill>
@@ -2990,7 +3710,7 @@
                 </a:solidFill>
               </a:defRPr>
             </a:lvl4pPr>
-            <a:lvl5pPr marL="1828800" indent="0">
+            <a:lvl5pPr>
               <a:buNone/>
               <a:defRPr sz="1400">
                 <a:solidFill>
@@ -3000,70 +3720,45 @@
                 </a:solidFill>
               </a:defRPr>
             </a:lvl5pPr>
-            <a:lvl6pPr marL="2286000" indent="0">
-              <a:buNone/>
-              <a:defRPr sz="1400">
+            <a:extLst/>
+          </a:lstStyle>
+          <a:p>
+            <a:pPr lvl="0" eaLnBrk="1" latinLnBrk="0" hangingPunct="1"/>
+            <a:r>
+              <a:rPr kumimoji="0" lang="en-US" smtClean="0"/>
+              <a:t>Click to edit Master text styles</a:t>
+            </a:r>
+          </a:p>
+        </p:txBody>
+      </p:sp>
+      <p:sp>
+        <p:nvSpPr>
+          <p:cNvPr id="4" name="Date Placeholder 3"/>
+          <p:cNvSpPr>
+            <a:spLocks noGrp="1"/>
+          </p:cNvSpPr>
+          <p:nvPr>
+            <p:ph type="dt" sz="half" idx="10"/>
+          </p:nvPr>
+        </p:nvSpPr>
+        <p:spPr>
+          <a:xfrm>
+            <a:off x="4724238" y="6556810"/>
+            <a:ext cx="2002464" cy="226902"/>
+          </a:xfrm>
+        </p:spPr>
+        <p:txBody>
+          <a:bodyPr bIns="0" anchor="b"/>
+          <a:lstStyle>
+            <a:lvl1pPr>
+              <a:defRPr>
                 <a:solidFill>
-                  <a:schemeClr val="tx1">
-                    <a:tint val="75000"/>
-                  </a:schemeClr>
+                  <a:schemeClr val="tx2"/>
                 </a:solidFill>
               </a:defRPr>
-            </a:lvl6pPr>
-            <a:lvl7pPr marL="2743200" indent="0">
-              <a:buNone/>
-              <a:defRPr sz="1400">
-                <a:solidFill>
-                  <a:schemeClr val="tx1">
-                    <a:tint val="75000"/>
-                  </a:schemeClr>
-                </a:solidFill>
-              </a:defRPr>
-            </a:lvl7pPr>
-            <a:lvl8pPr marL="3200400" indent="0">
-              <a:buNone/>
-              <a:defRPr sz="1400">
-                <a:solidFill>
-                  <a:schemeClr val="tx1">
-                    <a:tint val="75000"/>
-                  </a:schemeClr>
-                </a:solidFill>
-              </a:defRPr>
-            </a:lvl8pPr>
-            <a:lvl9pPr marL="3657600" indent="0">
-              <a:buNone/>
-              <a:defRPr sz="1400">
-                <a:solidFill>
-                  <a:schemeClr val="tx1">
-                    <a:tint val="75000"/>
-                  </a:schemeClr>
-                </a:solidFill>
-              </a:defRPr>
-            </a:lvl9pPr>
+            </a:lvl1pPr>
+            <a:extLst/>
           </a:lstStyle>
-          <a:p>
-            <a:pPr lvl="0"/>
-            <a:r>
-              <a:rPr lang="en-US" smtClean="0"/>
-              <a:t>Click to edit Master text styles</a:t>
-            </a:r>
-          </a:p>
-        </p:txBody>
-      </p:sp>
-      <p:sp>
-        <p:nvSpPr>
-          <p:cNvPr id="4" name="Date Placeholder 3"/>
-          <p:cNvSpPr>
-            <a:spLocks noGrp="1"/>
-          </p:cNvSpPr>
-          <p:nvPr>
-            <p:ph type="dt" sz="half" idx="10"/>
-          </p:nvPr>
-        </p:nvSpPr>
-        <p:spPr/>
-        <p:txBody>
-          <a:bodyPr/>
-          <a:lstStyle/>
           <a:p>
             <a:fld id="{4C74A437-BCC5-41B8-9970-7953AC543813}" type="datetimeFigureOut">
               <a:rPr lang="en-US" smtClean="0"/>
@@ -3083,29 +3778,50 @@
             <p:ph type="ftr" sz="quarter" idx="11"/>
           </p:nvPr>
         </p:nvSpPr>
-        <p:spPr/>
+        <p:spPr>
+          <a:xfrm>
+            <a:off x="1735358" y="6556810"/>
+            <a:ext cx="2895600" cy="228600"/>
+          </a:xfrm>
+        </p:spPr>
+        <p:txBody>
+          <a:bodyPr bIns="0" anchor="b"/>
+          <a:lstStyle>
+            <a:lvl1pPr>
+              <a:defRPr>
+                <a:solidFill>
+                  <a:schemeClr val="tx2"/>
+                </a:solidFill>
+              </a:defRPr>
+            </a:lvl1pPr>
+            <a:extLst/>
+          </a:lstStyle>
+          <a:p>
+            <a:endParaRPr lang="en-US"/>
+          </a:p>
+        </p:txBody>
+      </p:sp>
+      <p:sp>
+        <p:nvSpPr>
+          <p:cNvPr id="6" name="Slide Number Placeholder 5"/>
+          <p:cNvSpPr>
+            <a:spLocks noGrp="1"/>
+          </p:cNvSpPr>
+          <p:nvPr>
+            <p:ph type="sldNum" sz="quarter" idx="12"/>
+          </p:nvPr>
+        </p:nvSpPr>
+        <p:spPr>
+          <a:xfrm>
+            <a:off x="6733952" y="6555112"/>
+            <a:ext cx="588336" cy="228600"/>
+          </a:xfrm>
+        </p:spPr>
         <p:txBody>
           <a:bodyPr/>
-          <a:lstStyle/>
-          <a:p>
-            <a:endParaRPr lang="en-US"/>
-          </a:p>
-        </p:txBody>
-      </p:sp>
-      <p:sp>
-        <p:nvSpPr>
-          <p:cNvPr id="6" name="Slide Number Placeholder 5"/>
-          <p:cNvSpPr>
-            <a:spLocks noGrp="1"/>
-          </p:cNvSpPr>
-          <p:nvPr>
-            <p:ph type="sldNum" sz="quarter" idx="12"/>
-          </p:nvPr>
-        </p:nvSpPr>
-        <p:spPr/>
-        <p:txBody>
-          <a:bodyPr/>
-          <a:lstStyle/>
+          <a:lstStyle>
+            <a:extLst/>
+          </a:lstStyle>
           <a:p>
             <a:fld id="{5846D973-989A-48E9-918B-E9430945A2AF}" type="slidenum">
               <a:rPr lang="en-US" smtClean="0"/>
@@ -3118,7 +3834,7 @@
     </p:spTree>
   </p:cSld>
   <p:clrMapOvr>
-    <a:masterClrMapping/>
+    <a:overrideClrMapping bg1="lt1" tx1="dk1" bg2="lt2" tx2="dk2" accent1="accent1" accent2="accent2" accent3="accent3" accent4="accent4" accent5="accent5" accent6="accent6" hlink="hlink" folHlink="folHlink"/>
   </p:clrMapOvr>
 </p:sldLayout>
 </file>
@@ -3150,16 +3866,23 @@
             <p:ph type="title"/>
           </p:nvPr>
         </p:nvSpPr>
-        <p:spPr/>
+        <p:spPr>
+          <a:xfrm>
+            <a:off x="457200" y="320040"/>
+            <a:ext cx="7242048" cy="1143000"/>
+          </a:xfrm>
+        </p:spPr>
         <p:txBody>
           <a:bodyPr/>
-          <a:lstStyle/>
-          <a:p>
-            <a:r>
-              <a:rPr lang="en-US" smtClean="0"/>
+          <a:lstStyle>
+            <a:extLst/>
+          </a:lstStyle>
+          <a:p>
+            <a:r>
+              <a:rPr kumimoji="0" lang="en-US" smtClean="0"/>
               <a:t>Click to edit Master title style</a:t>
             </a:r>
-            <a:endParaRPr lang="en-US"/>
+            <a:endParaRPr kumimoji="0" lang="en-US"/>
           </a:p>
         </p:txBody>
       </p:sp>
@@ -3176,11 +3899,11 @@
         <p:spPr>
           <a:xfrm>
             <a:off x="457200" y="1600200"/>
-            <a:ext cx="4038600" cy="4525963"/>
+            <a:ext cx="3520440" cy="4525963"/>
           </a:xfrm>
         </p:spPr>
         <p:txBody>
-          <a:bodyPr/>
+          <a:bodyPr anchor="t"/>
           <a:lstStyle>
             <a:lvl1pPr>
               <a:defRPr sz="2800"/>
@@ -3197,54 +3920,43 @@
             <a:lvl5pPr>
               <a:defRPr sz="1800"/>
             </a:lvl5pPr>
-            <a:lvl6pPr>
-              <a:defRPr sz="1800"/>
-            </a:lvl6pPr>
-            <a:lvl7pPr>
-              <a:defRPr sz="1800"/>
-            </a:lvl7pPr>
-            <a:lvl8pPr>
-              <a:defRPr sz="1800"/>
-            </a:lvl8pPr>
-            <a:lvl9pPr>
-              <a:defRPr sz="1800"/>
-            </a:lvl9pPr>
+            <a:extLst/>
           </a:lstStyle>
           <a:p>
-            <a:pPr lvl="0"/>
+            <a:pPr lvl="0" eaLnBrk="1" latinLnBrk="0" hangingPunct="1"/>
             <a:r>
               <a:rPr lang="en-US" smtClean="0"/>
               <a:t>Click to edit Master text styles</a:t>
             </a:r>
           </a:p>
           <a:p>
-            <a:pPr lvl="1"/>
+            <a:pPr lvl="1" eaLnBrk="1" latinLnBrk="0" hangingPunct="1"/>
             <a:r>
               <a:rPr lang="en-US" smtClean="0"/>
               <a:t>Second level</a:t>
             </a:r>
           </a:p>
           <a:p>
-            <a:pPr lvl="2"/>
+            <a:pPr lvl="2" eaLnBrk="1" latinLnBrk="0" hangingPunct="1"/>
             <a:r>
               <a:rPr lang="en-US" smtClean="0"/>
               <a:t>Third level</a:t>
             </a:r>
           </a:p>
           <a:p>
-            <a:pPr lvl="3"/>
+            <a:pPr lvl="3" eaLnBrk="1" latinLnBrk="0" hangingPunct="1"/>
             <a:r>
               <a:rPr lang="en-US" smtClean="0"/>
               <a:t>Fourth level</a:t>
             </a:r>
           </a:p>
           <a:p>
-            <a:pPr lvl="4"/>
+            <a:pPr lvl="4" eaLnBrk="1" latinLnBrk="0" hangingPunct="1"/>
             <a:r>
               <a:rPr lang="en-US" smtClean="0"/>
               <a:t>Fifth level</a:t>
             </a:r>
-            <a:endParaRPr lang="en-US"/>
+            <a:endParaRPr kumimoji="0" lang="en-US"/>
           </a:p>
         </p:txBody>
       </p:sp>
@@ -3260,12 +3972,12 @@
         </p:nvSpPr>
         <p:spPr>
           <a:xfrm>
-            <a:off x="4648200" y="1600200"/>
-            <a:ext cx="4038600" cy="4525963"/>
+            <a:off x="4178808" y="1600200"/>
+            <a:ext cx="3520440" cy="4525963"/>
           </a:xfrm>
         </p:spPr>
         <p:txBody>
-          <a:bodyPr/>
+          <a:bodyPr anchor="t"/>
           <a:lstStyle>
             <a:lvl1pPr>
               <a:defRPr sz="2800"/>
@@ -3282,54 +3994,43 @@
             <a:lvl5pPr>
               <a:defRPr sz="1800"/>
             </a:lvl5pPr>
-            <a:lvl6pPr>
-              <a:defRPr sz="1800"/>
-            </a:lvl6pPr>
-            <a:lvl7pPr>
-              <a:defRPr sz="1800"/>
-            </a:lvl7pPr>
-            <a:lvl8pPr>
-              <a:defRPr sz="1800"/>
-            </a:lvl8pPr>
-            <a:lvl9pPr>
-              <a:defRPr sz="1800"/>
-            </a:lvl9pPr>
+            <a:extLst/>
           </a:lstStyle>
           <a:p>
-            <a:pPr lvl="0"/>
+            <a:pPr lvl="0" eaLnBrk="1" latinLnBrk="0" hangingPunct="1"/>
             <a:r>
               <a:rPr lang="en-US" smtClean="0"/>
               <a:t>Click to edit Master text styles</a:t>
             </a:r>
           </a:p>
           <a:p>
-            <a:pPr lvl="1"/>
+            <a:pPr lvl="1" eaLnBrk="1" latinLnBrk="0" hangingPunct="1"/>
             <a:r>
               <a:rPr lang="en-US" smtClean="0"/>
               <a:t>Second level</a:t>
             </a:r>
           </a:p>
           <a:p>
-            <a:pPr lvl="2"/>
+            <a:pPr lvl="2" eaLnBrk="1" latinLnBrk="0" hangingPunct="1"/>
             <a:r>
               <a:rPr lang="en-US" smtClean="0"/>
               <a:t>Third level</a:t>
             </a:r>
           </a:p>
           <a:p>
-            <a:pPr lvl="3"/>
+            <a:pPr lvl="3" eaLnBrk="1" latinLnBrk="0" hangingPunct="1"/>
             <a:r>
               <a:rPr lang="en-US" smtClean="0"/>
               <a:t>Fourth level</a:t>
             </a:r>
           </a:p>
           <a:p>
-            <a:pPr lvl="4"/>
+            <a:pPr lvl="4" eaLnBrk="1" latinLnBrk="0" hangingPunct="1"/>
             <a:r>
               <a:rPr lang="en-US" smtClean="0"/>
               <a:t>Fifth level</a:t>
             </a:r>
-            <a:endParaRPr lang="en-US"/>
+            <a:endParaRPr kumimoji="0" lang="en-US"/>
           </a:p>
         </p:txBody>
       </p:sp>
@@ -3346,7 +4047,9 @@
         <p:spPr/>
         <p:txBody>
           <a:bodyPr/>
-          <a:lstStyle/>
+          <a:lstStyle>
+            <a:extLst/>
+          </a:lstStyle>
           <a:p>
             <a:fld id="{4C74A437-BCC5-41B8-9970-7953AC543813}" type="datetimeFigureOut">
               <a:rPr lang="en-US" smtClean="0"/>
@@ -3369,7 +4072,9 @@
         <p:spPr/>
         <p:txBody>
           <a:bodyPr/>
-          <a:lstStyle/>
+          <a:lstStyle>
+            <a:extLst/>
+          </a:lstStyle>
           <a:p>
             <a:endParaRPr lang="en-US"/>
           </a:p>
@@ -3388,7 +4093,9 @@
         <p:spPr/>
         <p:txBody>
           <a:bodyPr/>
-          <a:lstStyle/>
+          <a:lstStyle>
+            <a:extLst/>
+          </a:lstStyle>
           <a:p>
             <a:fld id="{5846D973-989A-48E9-918B-E9430945A2AF}" type="slidenum">
               <a:rPr lang="en-US" smtClean="0"/>
@@ -3433,20 +4140,26 @@
             <p:ph type="title"/>
           </p:nvPr>
         </p:nvSpPr>
-        <p:spPr/>
-        <p:txBody>
-          <a:bodyPr/>
+        <p:spPr>
+          <a:xfrm>
+            <a:off x="457200" y="320040"/>
+            <a:ext cx="7242048" cy="1143000"/>
+          </a:xfrm>
+        </p:spPr>
+        <p:txBody>
+          <a:bodyPr anchor="b"/>
           <a:lstStyle>
             <a:lvl1pPr>
               <a:defRPr/>
             </a:lvl1pPr>
+            <a:extLst/>
           </a:lstStyle>
           <a:p>
             <a:r>
-              <a:rPr lang="en-US" smtClean="0"/>
+              <a:rPr kumimoji="0" lang="en-US" smtClean="0"/>
               <a:t>Click to edit Master title style</a:t>
             </a:r>
-            <a:endParaRPr lang="en-US"/>
+            <a:endParaRPr kumimoji="0" lang="en-US"/>
           </a:p>
         </p:txBody>
       </p:sp>
@@ -3462,54 +4175,143 @@
         </p:nvSpPr>
         <p:spPr>
           <a:xfrm>
-            <a:off x="457200" y="1535113"/>
-            <a:ext cx="4040188" cy="639762"/>
+            <a:off x="457200" y="5867400"/>
+            <a:ext cx="3520440" cy="457200"/>
           </a:xfrm>
+          <a:noFill/>
+          <a:ln w="12700" cap="flat" cmpd="sng" algn="ctr">
+            <a:solidFill>
+              <a:schemeClr val="tx2"/>
+            </a:solidFill>
+            <a:prstDash val="solid"/>
+          </a:ln>
+          <a:effectLst/>
         </p:spPr>
-        <p:txBody>
-          <a:bodyPr anchor="b"/>
+        <p:style>
+          <a:lnRef idx="1">
+            <a:schemeClr val="accent1"/>
+          </a:lnRef>
+          <a:fillRef idx="3">
+            <a:schemeClr val="accent1"/>
+          </a:fillRef>
+          <a:effectRef idx="2">
+            <a:schemeClr val="accent1"/>
+          </a:effectRef>
+          <a:fontRef idx="minor">
+            <a:schemeClr val="lt1"/>
+          </a:fontRef>
+        </p:style>
+        <p:txBody>
+          <a:bodyPr anchor="ctr"/>
           <a:lstStyle>
-            <a:lvl1pPr marL="0" indent="0">
+            <a:lvl1pPr marL="0" indent="0" algn="ctr">
               <a:buNone/>
-              <a:defRPr sz="2400" b="1"/>
+              <a:defRPr sz="1800" b="1">
+                <a:solidFill>
+                  <a:schemeClr val="tx2"/>
+                </a:solidFill>
+                <a:effectLst/>
+              </a:defRPr>
             </a:lvl1pPr>
-            <a:lvl2pPr marL="457200" indent="0">
+            <a:lvl2pPr>
               <a:buNone/>
               <a:defRPr sz="2000" b="1"/>
             </a:lvl2pPr>
-            <a:lvl3pPr marL="914400" indent="0">
+            <a:lvl3pPr>
               <a:buNone/>
               <a:defRPr sz="1800" b="1"/>
             </a:lvl3pPr>
-            <a:lvl4pPr marL="1371600" indent="0">
+            <a:lvl4pPr>
               <a:buNone/>
               <a:defRPr sz="1600" b="1"/>
             </a:lvl4pPr>
-            <a:lvl5pPr marL="1828800" indent="0">
+            <a:lvl5pPr>
               <a:buNone/>
               <a:defRPr sz="1600" b="1"/>
             </a:lvl5pPr>
-            <a:lvl6pPr marL="2286000" indent="0">
+            <a:extLst/>
+          </a:lstStyle>
+          <a:p>
+            <a:pPr lvl="0" eaLnBrk="1" latinLnBrk="0" hangingPunct="1"/>
+            <a:r>
+              <a:rPr kumimoji="0" lang="en-US" smtClean="0"/>
+              <a:t>Click to edit Master text styles</a:t>
+            </a:r>
+          </a:p>
+        </p:txBody>
+      </p:sp>
+      <p:sp>
+        <p:nvSpPr>
+          <p:cNvPr id="4" name="Text Placeholder 3"/>
+          <p:cNvSpPr>
+            <a:spLocks noGrp="1"/>
+          </p:cNvSpPr>
+          <p:nvPr>
+            <p:ph type="body" sz="half" idx="3"/>
+          </p:nvPr>
+        </p:nvSpPr>
+        <p:spPr>
+          <a:xfrm>
+            <a:off x="4178808" y="5867400"/>
+            <a:ext cx="3520440" cy="457200"/>
+          </a:xfrm>
+          <a:noFill/>
+          <a:ln w="12700" cap="flat" cmpd="sng" algn="ctr">
+            <a:solidFill>
+              <a:schemeClr val="tx2"/>
+            </a:solidFill>
+            <a:prstDash val="solid"/>
+          </a:ln>
+          <a:effectLst/>
+        </p:spPr>
+        <p:style>
+          <a:lnRef idx="1">
+            <a:schemeClr val="accent2"/>
+          </a:lnRef>
+          <a:fillRef idx="3">
+            <a:schemeClr val="accent2"/>
+          </a:fillRef>
+          <a:effectRef idx="2">
+            <a:schemeClr val="accent2"/>
+          </a:effectRef>
+          <a:fontRef idx="minor">
+            <a:schemeClr val="lt1"/>
+          </a:fontRef>
+        </p:style>
+        <p:txBody>
+          <a:bodyPr anchor="ctr"/>
+          <a:lstStyle>
+            <a:lvl1pPr marL="0" indent="0" algn="ctr">
+              <a:buNone/>
+              <a:defRPr sz="1800" b="1">
+                <a:solidFill>
+                  <a:schemeClr val="tx2"/>
+                </a:solidFill>
+                <a:effectLst/>
+              </a:defRPr>
+            </a:lvl1pPr>
+            <a:lvl2pPr>
+              <a:buNone/>
+              <a:defRPr sz="2000" b="1"/>
+            </a:lvl2pPr>
+            <a:lvl3pPr>
+              <a:buNone/>
+              <a:defRPr sz="1800" b="1"/>
+            </a:lvl3pPr>
+            <a:lvl4pPr>
               <a:buNone/>
               <a:defRPr sz="1600" b="1"/>
-            </a:lvl6pPr>
-            <a:lvl7pPr marL="2743200" indent="0">
+            </a:lvl4pPr>
+            <a:lvl5pPr>
               <a:buNone/>
               <a:defRPr sz="1600" b="1"/>
-            </a:lvl7pPr>
-            <a:lvl8pPr marL="3200400" indent="0">
-              <a:buNone/>
-              <a:defRPr sz="1600" b="1"/>
-            </a:lvl8pPr>
-            <a:lvl9pPr marL="3657600" indent="0">
-              <a:buNone/>
-              <a:defRPr sz="1600" b="1"/>
-            </a:lvl9pPr>
+            </a:lvl5pPr>
+            <a:extLst/>
           </a:lstStyle>
           <a:p>
-            <a:pPr lvl="0"/>
-            <a:r>
-              <a:rPr lang="en-US" smtClean="0"/>
+            <a:pPr lvl="0" eaLnBrk="1" latinLnBrk="0" hangingPunct="1"/>
+            <a:r>
+              <a:rPr kumimoji="0" lang="en-US" smtClean="0"/>
               <a:t>Click to edit Master text styles</a:t>
             </a:r>
           </a:p>
@@ -3517,18 +4319,18 @@
       </p:sp>
       <p:sp>
         <p:nvSpPr>
-          <p:cNvPr id="4" name="Content Placeholder 3"/>
-          <p:cNvSpPr>
-            <a:spLocks noGrp="1"/>
-          </p:cNvSpPr>
-          <p:nvPr>
-            <p:ph sz="half" idx="2"/>
+          <p:cNvPr id="5" name="Content Placeholder 4"/>
+          <p:cNvSpPr>
+            <a:spLocks noGrp="1"/>
+          </p:cNvSpPr>
+          <p:nvPr>
+            <p:ph sz="quarter" idx="2"/>
           </p:nvPr>
         </p:nvSpPr>
         <p:spPr>
           <a:xfrm>
-            <a:off x="457200" y="2174875"/>
-            <a:ext cx="4040188" cy="3951288"/>
+            <a:off x="457200" y="1711840"/>
+            <a:ext cx="3520440" cy="4114800"/>
           </a:xfrm>
         </p:spPr>
         <p:txBody>
@@ -3549,136 +4351,60 @@
             <a:lvl5pPr>
               <a:defRPr sz="1600"/>
             </a:lvl5pPr>
-            <a:lvl6pPr>
-              <a:defRPr sz="1600"/>
-            </a:lvl6pPr>
-            <a:lvl7pPr>
-              <a:defRPr sz="1600"/>
-            </a:lvl7pPr>
-            <a:lvl8pPr>
-              <a:defRPr sz="1600"/>
-            </a:lvl8pPr>
-            <a:lvl9pPr>
-              <a:defRPr sz="1600"/>
-            </a:lvl9pPr>
+            <a:extLst/>
           </a:lstStyle>
           <a:p>
-            <a:pPr lvl="0"/>
+            <a:pPr lvl="0" eaLnBrk="1" latinLnBrk="0" hangingPunct="1"/>
             <a:r>
               <a:rPr lang="en-US" smtClean="0"/>
               <a:t>Click to edit Master text styles</a:t>
             </a:r>
           </a:p>
           <a:p>
-            <a:pPr lvl="1"/>
+            <a:pPr lvl="1" eaLnBrk="1" latinLnBrk="0" hangingPunct="1"/>
             <a:r>
               <a:rPr lang="en-US" smtClean="0"/>
               <a:t>Second level</a:t>
             </a:r>
           </a:p>
           <a:p>
-            <a:pPr lvl="2"/>
+            <a:pPr lvl="2" eaLnBrk="1" latinLnBrk="0" hangingPunct="1"/>
             <a:r>
               <a:rPr lang="en-US" smtClean="0"/>
               <a:t>Third level</a:t>
             </a:r>
           </a:p>
           <a:p>
-            <a:pPr lvl="3"/>
+            <a:pPr lvl="3" eaLnBrk="1" latinLnBrk="0" hangingPunct="1"/>
             <a:r>
               <a:rPr lang="en-US" smtClean="0"/>
               <a:t>Fourth level</a:t>
             </a:r>
           </a:p>
           <a:p>
-            <a:pPr lvl="4"/>
+            <a:pPr lvl="4" eaLnBrk="1" latinLnBrk="0" hangingPunct="1"/>
             <a:r>
               <a:rPr lang="en-US" smtClean="0"/>
               <a:t>Fifth level</a:t>
             </a:r>
-            <a:endParaRPr lang="en-US"/>
-          </a:p>
-        </p:txBody>
-      </p:sp>
-      <p:sp>
-        <p:nvSpPr>
-          <p:cNvPr id="5" name="Text Placeholder 4"/>
-          <p:cNvSpPr>
-            <a:spLocks noGrp="1"/>
-          </p:cNvSpPr>
-          <p:nvPr>
-            <p:ph type="body" sz="quarter" idx="3"/>
+            <a:endParaRPr kumimoji="0" lang="en-US"/>
+          </a:p>
+        </p:txBody>
+      </p:sp>
+      <p:sp>
+        <p:nvSpPr>
+          <p:cNvPr id="6" name="Content Placeholder 5"/>
+          <p:cNvSpPr>
+            <a:spLocks noGrp="1"/>
+          </p:cNvSpPr>
+          <p:nvPr>
+            <p:ph sz="quarter" idx="4"/>
           </p:nvPr>
         </p:nvSpPr>
         <p:spPr>
           <a:xfrm>
-            <a:off x="4645025" y="1535113"/>
-            <a:ext cx="4041775" cy="639762"/>
-          </a:xfrm>
-        </p:spPr>
-        <p:txBody>
-          <a:bodyPr anchor="b"/>
-          <a:lstStyle>
-            <a:lvl1pPr marL="0" indent="0">
-              <a:buNone/>
-              <a:defRPr sz="2400" b="1"/>
-            </a:lvl1pPr>
-            <a:lvl2pPr marL="457200" indent="0">
-              <a:buNone/>
-              <a:defRPr sz="2000" b="1"/>
-            </a:lvl2pPr>
-            <a:lvl3pPr marL="914400" indent="0">
-              <a:buNone/>
-              <a:defRPr sz="1800" b="1"/>
-            </a:lvl3pPr>
-            <a:lvl4pPr marL="1371600" indent="0">
-              <a:buNone/>
-              <a:defRPr sz="1600" b="1"/>
-            </a:lvl4pPr>
-            <a:lvl5pPr marL="1828800" indent="0">
-              <a:buNone/>
-              <a:defRPr sz="1600" b="1"/>
-            </a:lvl5pPr>
-            <a:lvl6pPr marL="2286000" indent="0">
-              <a:buNone/>
-              <a:defRPr sz="1600" b="1"/>
-            </a:lvl6pPr>
-            <a:lvl7pPr marL="2743200" indent="0">
-              <a:buNone/>
-              <a:defRPr sz="1600" b="1"/>
-            </a:lvl7pPr>
-            <a:lvl8pPr marL="3200400" indent="0">
-              <a:buNone/>
-              <a:defRPr sz="1600" b="1"/>
-            </a:lvl8pPr>
-            <a:lvl9pPr marL="3657600" indent="0">
-              <a:buNone/>
-              <a:defRPr sz="1600" b="1"/>
-            </a:lvl9pPr>
-          </a:lstStyle>
-          <a:p>
-            <a:pPr lvl="0"/>
-            <a:r>
-              <a:rPr lang="en-US" smtClean="0"/>
-              <a:t>Click to edit Master text styles</a:t>
-            </a:r>
-          </a:p>
-        </p:txBody>
-      </p:sp>
-      <p:sp>
-        <p:nvSpPr>
-          <p:cNvPr id="6" name="Content Placeholder 5"/>
-          <p:cNvSpPr>
-            <a:spLocks noGrp="1"/>
-          </p:cNvSpPr>
-          <p:nvPr>
-            <p:ph sz="quarter" idx="4"/>
-          </p:nvPr>
-        </p:nvSpPr>
-        <p:spPr>
-          <a:xfrm>
-            <a:off x="4645025" y="2174875"/>
-            <a:ext cx="4041775" cy="3951288"/>
+            <a:off x="4178808" y="1711840"/>
+            <a:ext cx="3520440" cy="4114800"/>
           </a:xfrm>
         </p:spPr>
         <p:txBody>
@@ -3699,54 +4425,43 @@
             <a:lvl5pPr>
               <a:defRPr sz="1600"/>
             </a:lvl5pPr>
-            <a:lvl6pPr>
-              <a:defRPr sz="1600"/>
-            </a:lvl6pPr>
-            <a:lvl7pPr>
-              <a:defRPr sz="1600"/>
-            </a:lvl7pPr>
-            <a:lvl8pPr>
-              <a:defRPr sz="1600"/>
-            </a:lvl8pPr>
-            <a:lvl9pPr>
-              <a:defRPr sz="1600"/>
-            </a:lvl9pPr>
+            <a:extLst/>
           </a:lstStyle>
           <a:p>
-            <a:pPr lvl="0"/>
+            <a:pPr lvl="0" eaLnBrk="1" latinLnBrk="0" hangingPunct="1"/>
             <a:r>
               <a:rPr lang="en-US" smtClean="0"/>
               <a:t>Click to edit Master text styles</a:t>
             </a:r>
           </a:p>
           <a:p>
-            <a:pPr lvl="1"/>
+            <a:pPr lvl="1" eaLnBrk="1" latinLnBrk="0" hangingPunct="1"/>
             <a:r>
               <a:rPr lang="en-US" smtClean="0"/>
               <a:t>Second level</a:t>
             </a:r>
           </a:p>
           <a:p>
-            <a:pPr lvl="2"/>
+            <a:pPr lvl="2" eaLnBrk="1" latinLnBrk="0" hangingPunct="1"/>
             <a:r>
               <a:rPr lang="en-US" smtClean="0"/>
               <a:t>Third level</a:t>
             </a:r>
           </a:p>
           <a:p>
-            <a:pPr lvl="3"/>
+            <a:pPr lvl="3" eaLnBrk="1" latinLnBrk="0" hangingPunct="1"/>
             <a:r>
               <a:rPr lang="en-US" smtClean="0"/>
               <a:t>Fourth level</a:t>
             </a:r>
           </a:p>
           <a:p>
-            <a:pPr lvl="4"/>
+            <a:pPr lvl="4" eaLnBrk="1" latinLnBrk="0" hangingPunct="1"/>
             <a:r>
               <a:rPr lang="en-US" smtClean="0"/>
               <a:t>Fifth level</a:t>
             </a:r>
-            <a:endParaRPr lang="en-US"/>
+            <a:endParaRPr kumimoji="0" lang="en-US"/>
           </a:p>
         </p:txBody>
       </p:sp>
@@ -3763,7 +4478,9 @@
         <p:spPr/>
         <p:txBody>
           <a:bodyPr/>
-          <a:lstStyle/>
+          <a:lstStyle>
+            <a:extLst/>
+          </a:lstStyle>
           <a:p>
             <a:fld id="{4C74A437-BCC5-41B8-9970-7953AC543813}" type="datetimeFigureOut">
               <a:rPr lang="en-US" smtClean="0"/>
@@ -3786,7 +4503,9 @@
         <p:spPr/>
         <p:txBody>
           <a:bodyPr/>
-          <a:lstStyle/>
+          <a:lstStyle>
+            <a:extLst/>
+          </a:lstStyle>
           <a:p>
             <a:endParaRPr lang="en-US"/>
           </a:p>
@@ -3805,7 +4524,9 @@
         <p:spPr/>
         <p:txBody>
           <a:bodyPr/>
-          <a:lstStyle/>
+          <a:lstStyle>
+            <a:extLst/>
+          </a:lstStyle>
           <a:p>
             <a:fld id="{5846D973-989A-48E9-918B-E9430945A2AF}" type="slidenum">
               <a:rPr lang="en-US" smtClean="0"/>
@@ -3850,16 +4571,23 @@
             <p:ph type="title"/>
           </p:nvPr>
         </p:nvSpPr>
-        <p:spPr/>
+        <p:spPr>
+          <a:xfrm>
+            <a:off x="457200" y="320040"/>
+            <a:ext cx="7242048" cy="1143000"/>
+          </a:xfrm>
+        </p:spPr>
         <p:txBody>
           <a:bodyPr/>
-          <a:lstStyle/>
-          <a:p>
-            <a:r>
-              <a:rPr lang="en-US" smtClean="0"/>
+          <a:lstStyle>
+            <a:extLst/>
+          </a:lstStyle>
+          <a:p>
+            <a:r>
+              <a:rPr kumimoji="0" lang="en-US" smtClean="0"/>
               <a:t>Click to edit Master title style</a:t>
             </a:r>
-            <a:endParaRPr lang="en-US"/>
+            <a:endParaRPr kumimoji="0" lang="en-US"/>
           </a:p>
         </p:txBody>
       </p:sp>
@@ -3876,7 +4604,9 @@
         <p:spPr/>
         <p:txBody>
           <a:bodyPr/>
-          <a:lstStyle/>
+          <a:lstStyle>
+            <a:extLst/>
+          </a:lstStyle>
           <a:p>
             <a:fld id="{4C74A437-BCC5-41B8-9970-7953AC543813}" type="datetimeFigureOut">
               <a:rPr lang="en-US" smtClean="0"/>
@@ -3899,7 +4629,9 @@
         <p:spPr/>
         <p:txBody>
           <a:bodyPr/>
-          <a:lstStyle/>
+          <a:lstStyle>
+            <a:extLst/>
+          </a:lstStyle>
           <a:p>
             <a:endParaRPr lang="en-US"/>
           </a:p>
@@ -3918,7 +4650,9 @@
         <p:spPr/>
         <p:txBody>
           <a:bodyPr/>
-          <a:lstStyle/>
+          <a:lstStyle>
+            <a:extLst/>
+          </a:lstStyle>
           <a:p>
             <a:fld id="{5846D973-989A-48E9-918B-E9430945A2AF}" type="slidenum">
               <a:rPr lang="en-US" smtClean="0"/>
@@ -3966,7 +4700,16 @@
         <p:spPr/>
         <p:txBody>
           <a:bodyPr/>
-          <a:lstStyle/>
+          <a:lstStyle>
+            <a:lvl1pPr>
+              <a:defRPr>
+                <a:solidFill>
+                  <a:schemeClr val="tx2"/>
+                </a:solidFill>
+              </a:defRPr>
+            </a:lvl1pPr>
+            <a:extLst/>
+          </a:lstStyle>
           <a:p>
             <a:fld id="{4C74A437-BCC5-41B8-9970-7953AC543813}" type="datetimeFigureOut">
               <a:rPr lang="en-US" smtClean="0"/>
@@ -3989,7 +4732,16 @@
         <p:spPr/>
         <p:txBody>
           <a:bodyPr/>
-          <a:lstStyle/>
+          <a:lstStyle>
+            <a:lvl1pPr>
+              <a:defRPr>
+                <a:solidFill>
+                  <a:schemeClr val="tx2"/>
+                </a:solidFill>
+              </a:defRPr>
+            </a:lvl1pPr>
+            <a:extLst/>
+          </a:lstStyle>
           <a:p>
             <a:endParaRPr lang="en-US"/>
           </a:p>
@@ -4008,7 +4760,9 @@
         <p:spPr/>
         <p:txBody>
           <a:bodyPr/>
-          <a:lstStyle/>
+          <a:lstStyle>
+            <a:extLst/>
+          </a:lstStyle>
           <a:p>
             <a:fld id="{5846D973-989A-48E9-918B-E9430945A2AF}" type="slidenum">
               <a:rPr lang="en-US" smtClean="0"/>
@@ -4055,40 +4809,100 @@
         </p:nvSpPr>
         <p:spPr>
           <a:xfrm>
-            <a:off x="457200" y="273050"/>
-            <a:ext cx="3008313" cy="1162050"/>
+            <a:off x="457200" y="228600"/>
+            <a:ext cx="5897880" cy="1173480"/>
           </a:xfrm>
         </p:spPr>
         <p:txBody>
-          <a:bodyPr anchor="b"/>
+          <a:bodyPr wrap="square" anchor="b"/>
           <a:lstStyle>
             <a:lvl1pPr algn="l">
-              <a:defRPr sz="2000" b="1"/>
+              <a:buNone/>
+              <a:defRPr lang="en-US" sz="2400" baseline="0" smtClean="0"/>
             </a:lvl1pPr>
+            <a:extLst/>
           </a:lstStyle>
           <a:p>
             <a:r>
-              <a:rPr lang="en-US" smtClean="0"/>
+              <a:rPr kumimoji="0" lang="en-US" smtClean="0"/>
               <a:t>Click to edit Master title style</a:t>
             </a:r>
-            <a:endParaRPr lang="en-US"/>
-          </a:p>
-        </p:txBody>
-      </p:sp>
-      <p:sp>
-        <p:nvSpPr>
-          <p:cNvPr id="3" name="Content Placeholder 2"/>
-          <p:cNvSpPr>
-            <a:spLocks noGrp="1"/>
-          </p:cNvSpPr>
-          <p:nvPr>
-            <p:ph idx="1"/>
+            <a:endParaRPr kumimoji="0" lang="en-US"/>
+          </a:p>
+        </p:txBody>
+      </p:sp>
+      <p:sp>
+        <p:nvSpPr>
+          <p:cNvPr id="3" name="Text Placeholder 2"/>
+          <p:cNvSpPr>
+            <a:spLocks noGrp="1"/>
+          </p:cNvSpPr>
+          <p:nvPr>
+            <p:ph type="body" idx="2"/>
           </p:nvPr>
         </p:nvSpPr>
         <p:spPr>
           <a:xfrm>
-            <a:off x="3575050" y="273050"/>
-            <a:ext cx="5111750" cy="5853113"/>
+            <a:off x="457200" y="1497416"/>
+            <a:ext cx="5897880" cy="602512"/>
+          </a:xfrm>
+        </p:spPr>
+        <p:txBody>
+          <a:bodyPr rot="0" spcFirstLastPara="0" vertOverflow="overflow" horzOverflow="overflow" vert="horz" wrap="square" lIns="45720" tIns="0" rIns="0" bIns="0" numCol="1" spcCol="0" rtlCol="0" fromWordArt="0" anchor="t" anchorCtr="0" forceAA="0" compatLnSpc="1">
+            <a:normAutofit/>
+          </a:bodyPr>
+          <a:lstStyle>
+            <a:lvl1pPr marL="0" indent="0">
+              <a:spcBef>
+                <a:spcPts val="0"/>
+              </a:spcBef>
+              <a:spcAft>
+                <a:spcPts val="0"/>
+              </a:spcAft>
+              <a:buNone/>
+              <a:defRPr sz="1400"/>
+            </a:lvl1pPr>
+            <a:lvl2pPr>
+              <a:buNone/>
+              <a:defRPr sz="1200"/>
+            </a:lvl2pPr>
+            <a:lvl3pPr>
+              <a:buNone/>
+              <a:defRPr sz="1000"/>
+            </a:lvl3pPr>
+            <a:lvl4pPr>
+              <a:buNone/>
+              <a:defRPr sz="900"/>
+            </a:lvl4pPr>
+            <a:lvl5pPr>
+              <a:buNone/>
+              <a:defRPr sz="900"/>
+            </a:lvl5pPr>
+            <a:extLst/>
+          </a:lstStyle>
+          <a:p>
+            <a:pPr lvl="0" eaLnBrk="1" latinLnBrk="0" hangingPunct="1"/>
+            <a:r>
+              <a:rPr kumimoji="0" lang="en-US" smtClean="0"/>
+              <a:t>Click to edit Master text styles</a:t>
+            </a:r>
+          </a:p>
+        </p:txBody>
+      </p:sp>
+      <p:sp>
+        <p:nvSpPr>
+          <p:cNvPr id="4" name="Content Placeholder 3"/>
+          <p:cNvSpPr>
+            <a:spLocks noGrp="1"/>
+          </p:cNvSpPr>
+          <p:nvPr>
+            <p:ph sz="half" idx="1"/>
+          </p:nvPr>
+        </p:nvSpPr>
+        <p:spPr>
+          <a:xfrm>
+            <a:off x="457200" y="2133600"/>
+            <a:ext cx="7239000" cy="4371752"/>
           </a:xfrm>
         </p:spPr>
         <p:txBody>
@@ -4109,136 +4923,62 @@
             <a:lvl5pPr>
               <a:defRPr sz="2000"/>
             </a:lvl5pPr>
-            <a:lvl6pPr>
-              <a:defRPr sz="2000"/>
-            </a:lvl6pPr>
-            <a:lvl7pPr>
-              <a:defRPr sz="2000"/>
-            </a:lvl7pPr>
-            <a:lvl8pPr>
-              <a:defRPr sz="2000"/>
-            </a:lvl8pPr>
-            <a:lvl9pPr>
-              <a:defRPr sz="2000"/>
-            </a:lvl9pPr>
+            <a:extLst/>
           </a:lstStyle>
           <a:p>
-            <a:pPr lvl="0"/>
+            <a:pPr lvl="0" eaLnBrk="1" latinLnBrk="0" hangingPunct="1"/>
             <a:r>
               <a:rPr lang="en-US" smtClean="0"/>
               <a:t>Click to edit Master text styles</a:t>
             </a:r>
           </a:p>
           <a:p>
-            <a:pPr lvl="1"/>
+            <a:pPr lvl="1" eaLnBrk="1" latinLnBrk="0" hangingPunct="1"/>
             <a:r>
               <a:rPr lang="en-US" smtClean="0"/>
               <a:t>Second level</a:t>
             </a:r>
           </a:p>
           <a:p>
-            <a:pPr lvl="2"/>
+            <a:pPr lvl="2" eaLnBrk="1" latinLnBrk="0" hangingPunct="1"/>
             <a:r>
               <a:rPr lang="en-US" smtClean="0"/>
               <a:t>Third level</a:t>
             </a:r>
           </a:p>
           <a:p>
-            <a:pPr lvl="3"/>
+            <a:pPr lvl="3" eaLnBrk="1" latinLnBrk="0" hangingPunct="1"/>
             <a:r>
               <a:rPr lang="en-US" smtClean="0"/>
               <a:t>Fourth level</a:t>
             </a:r>
           </a:p>
           <a:p>
-            <a:pPr lvl="4"/>
+            <a:pPr lvl="4" eaLnBrk="1" latinLnBrk="0" hangingPunct="1"/>
             <a:r>
               <a:rPr lang="en-US" smtClean="0"/>
               <a:t>Fifth level</a:t>
             </a:r>
-            <a:endParaRPr lang="en-US"/>
-          </a:p>
-        </p:txBody>
-      </p:sp>
-      <p:sp>
-        <p:nvSpPr>
-          <p:cNvPr id="4" name="Text Placeholder 3"/>
-          <p:cNvSpPr>
-            <a:spLocks noGrp="1"/>
-          </p:cNvSpPr>
-          <p:nvPr>
-            <p:ph type="body" sz="half" idx="2"/>
-          </p:nvPr>
-        </p:nvSpPr>
-        <p:spPr>
-          <a:xfrm>
-            <a:off x="457200" y="1435100"/>
-            <a:ext cx="3008313" cy="4691063"/>
-          </a:xfrm>
-        </p:spPr>
+            <a:endParaRPr kumimoji="0" lang="en-US"/>
+          </a:p>
+        </p:txBody>
+      </p:sp>
+      <p:sp>
+        <p:nvSpPr>
+          <p:cNvPr id="5" name="Date Placeholder 4"/>
+          <p:cNvSpPr>
+            <a:spLocks noGrp="1"/>
+          </p:cNvSpPr>
+          <p:nvPr>
+            <p:ph type="dt" sz="half" idx="10"/>
+          </p:nvPr>
+        </p:nvSpPr>
+        <p:spPr/>
         <p:txBody>
           <a:bodyPr/>
           <a:lstStyle>
-            <a:lvl1pPr marL="0" indent="0">
-              <a:buNone/>
-              <a:defRPr sz="1400"/>
-            </a:lvl1pPr>
-            <a:lvl2pPr marL="457200" indent="0">
-              <a:buNone/>
-              <a:defRPr sz="1200"/>
-            </a:lvl2pPr>
-            <a:lvl3pPr marL="914400" indent="0">
-              <a:buNone/>
-              <a:defRPr sz="1000"/>
-            </a:lvl3pPr>
-            <a:lvl4pPr marL="1371600" indent="0">
-              <a:buNone/>
-              <a:defRPr sz="900"/>
-            </a:lvl4pPr>
-            <a:lvl5pPr marL="1828800" indent="0">
-              <a:buNone/>
-              <a:defRPr sz="900"/>
-            </a:lvl5pPr>
-            <a:lvl6pPr marL="2286000" indent="0">
-              <a:buNone/>
-              <a:defRPr sz="900"/>
-            </a:lvl6pPr>
-            <a:lvl7pPr marL="2743200" indent="0">
-              <a:buNone/>
-              <a:defRPr sz="900"/>
-            </a:lvl7pPr>
-            <a:lvl8pPr marL="3200400" indent="0">
-              <a:buNone/>
-              <a:defRPr sz="900"/>
-            </a:lvl8pPr>
-            <a:lvl9pPr marL="3657600" indent="0">
-              <a:buNone/>
-              <a:defRPr sz="900"/>
-            </a:lvl9pPr>
+            <a:extLst/>
           </a:lstStyle>
-          <a:p>
-            <a:pPr lvl="0"/>
-            <a:r>
-              <a:rPr lang="en-US" smtClean="0"/>
-              <a:t>Click to edit Master text styles</a:t>
-            </a:r>
-          </a:p>
-        </p:txBody>
-      </p:sp>
-      <p:sp>
-        <p:nvSpPr>
-          <p:cNvPr id="5" name="Date Placeholder 4"/>
-          <p:cNvSpPr>
-            <a:spLocks noGrp="1"/>
-          </p:cNvSpPr>
-          <p:nvPr>
-            <p:ph type="dt" sz="half" idx="10"/>
-          </p:nvPr>
-        </p:nvSpPr>
-        <p:spPr/>
-        <p:txBody>
-          <a:bodyPr/>
-          <a:lstStyle/>
           <a:p>
             <a:fld id="{4C74A437-BCC5-41B8-9970-7953AC543813}" type="datetimeFigureOut">
               <a:rPr lang="en-US" smtClean="0"/>
@@ -4261,7 +5001,9 @@
         <p:spPr/>
         <p:txBody>
           <a:bodyPr/>
-          <a:lstStyle/>
+          <a:lstStyle>
+            <a:extLst/>
+          </a:lstStyle>
           <a:p>
             <a:endParaRPr lang="en-US"/>
           </a:p>
@@ -4280,7 +5022,9 @@
         <p:spPr/>
         <p:txBody>
           <a:bodyPr/>
-          <a:lstStyle/>
+          <a:lstStyle>
+            <a:extLst/>
+          </a:lstStyle>
           <a:p>
             <a:fld id="{5846D973-989A-48E9-918B-E9430945A2AF}" type="slidenum">
               <a:rPr lang="en-US" smtClean="0"/>
@@ -4299,8 +5043,13 @@
 </file>
 
 <file path=ppt/slideLayouts/slideLayout9.xml><?xml version="1.0" encoding="utf-8"?>
-<p:sldLayout xmlns:a="http://schemas.openxmlformats.org/drawingml/2006/main" xmlns:r="http://schemas.openxmlformats.org/officeDocument/2006/relationships" xmlns:p="http://schemas.openxmlformats.org/presentationml/2006/main" type="picTx" preserve="1">
+<p:sldLayout xmlns:a="http://schemas.openxmlformats.org/drawingml/2006/main" xmlns:r="http://schemas.openxmlformats.org/officeDocument/2006/relationships" xmlns:p="http://schemas.openxmlformats.org/presentationml/2006/main" showMasterSp="0" type="picTx" preserve="1">
   <p:cSld name="Picture with Caption">
+    <p:bg>
+      <p:bgRef idx="1002">
+        <a:schemeClr val="bg2"/>
+      </p:bgRef>
+    </p:bg>
     <p:spTree>
       <p:nvGrpSpPr>
         <p:cNvPr id="1" name=""/>
@@ -4317,6 +5066,118 @@
       </p:grpSpPr>
       <p:sp>
         <p:nvSpPr>
+          <p:cNvPr id="8" name="Rectangle 7"/>
+          <p:cNvSpPr/>
+          <p:nvPr/>
+        </p:nvSpPr>
+        <p:spPr>
+          <a:xfrm rot="21240000">
+            <a:off x="597968" y="1004668"/>
+            <a:ext cx="4319527" cy="4312573"/>
+          </a:xfrm>
+          <a:prstGeom prst="rect">
+            <a:avLst/>
+          </a:prstGeom>
+          <a:solidFill>
+            <a:srgbClr val="FAFAFA"/>
+          </a:solidFill>
+          <a:ln w="1270" cap="rnd" cmpd="sng" algn="ctr">
+            <a:solidFill>
+              <a:srgbClr val="EAEAEA"/>
+            </a:solidFill>
+            <a:prstDash val="solid"/>
+          </a:ln>
+          <a:effectLst>
+            <a:outerShdw blurRad="25000" dist="12700" dir="5400000" algn="t" rotWithShape="0">
+              <a:srgbClr val="000000">
+                <a:alpha val="40000"/>
+              </a:srgbClr>
+            </a:outerShdw>
+          </a:effectLst>
+        </p:spPr>
+        <p:style>
+          <a:lnRef idx="2">
+            <a:schemeClr val="accent1"/>
+          </a:lnRef>
+          <a:fillRef idx="1">
+            <a:schemeClr val="accent1"/>
+          </a:fillRef>
+          <a:effectRef idx="0">
+            <a:schemeClr val="accent1"/>
+          </a:effectRef>
+          <a:fontRef idx="minor">
+            <a:schemeClr val="lt1"/>
+          </a:fontRef>
+        </p:style>
+        <p:txBody>
+          <a:bodyPr rtlCol="0" anchor="ctr"/>
+          <a:lstStyle>
+            <a:extLst/>
+          </a:lstStyle>
+          <a:p>
+            <a:pPr algn="ctr" eaLnBrk="1" latinLnBrk="0" hangingPunct="1"/>
+            <a:endParaRPr kumimoji="0" lang="en-US"/>
+          </a:p>
+        </p:txBody>
+      </p:sp>
+      <p:sp>
+        <p:nvSpPr>
+          <p:cNvPr id="9" name="Rectangle 8"/>
+          <p:cNvSpPr/>
+          <p:nvPr/>
+        </p:nvSpPr>
+        <p:spPr>
+          <a:xfrm rot="21420000">
+            <a:off x="596706" y="998816"/>
+            <a:ext cx="4319527" cy="4312573"/>
+          </a:xfrm>
+          <a:prstGeom prst="rect">
+            <a:avLst/>
+          </a:prstGeom>
+          <a:solidFill>
+            <a:srgbClr val="FAFAFA"/>
+          </a:solidFill>
+          <a:ln w="1270" cap="rnd" cmpd="sng" algn="ctr">
+            <a:solidFill>
+              <a:srgbClr val="EAEAEA"/>
+            </a:solidFill>
+            <a:prstDash val="solid"/>
+          </a:ln>
+          <a:effectLst>
+            <a:outerShdw blurRad="28000" dist="12700" dir="5400000" algn="tl" rotWithShape="0">
+              <a:srgbClr val="000000">
+                <a:alpha val="40000"/>
+              </a:srgbClr>
+            </a:outerShdw>
+          </a:effectLst>
+        </p:spPr>
+        <p:style>
+          <a:lnRef idx="2">
+            <a:schemeClr val="accent1"/>
+          </a:lnRef>
+          <a:fillRef idx="1">
+            <a:schemeClr val="accent1"/>
+          </a:fillRef>
+          <a:effectRef idx="0">
+            <a:schemeClr val="accent1"/>
+          </a:effectRef>
+          <a:fontRef idx="minor">
+            <a:schemeClr val="lt1"/>
+          </a:fontRef>
+        </p:style>
+        <p:txBody>
+          <a:bodyPr rtlCol="0" anchor="ctr"/>
+          <a:lstStyle>
+            <a:extLst/>
+          </a:lstStyle>
+          <a:p>
+            <a:pPr algn="ctr" eaLnBrk="1" latinLnBrk="0" hangingPunct="1"/>
+            <a:endParaRPr kumimoji="0" lang="en-US"/>
+          </a:p>
+        </p:txBody>
+      </p:sp>
+      <p:sp>
+        <p:nvSpPr>
           <p:cNvPr id="2" name="Title 1"/>
           <p:cNvSpPr>
             <a:spLocks noGrp="1"/>
@@ -4327,41 +5188,258 @@
         </p:nvSpPr>
         <p:spPr>
           <a:xfrm>
-            <a:off x="1792288" y="4800600"/>
-            <a:ext cx="5486400" cy="566738"/>
+            <a:off x="5389098" y="1143000"/>
+            <a:ext cx="3429000" cy="2057400"/>
           </a:xfrm>
         </p:spPr>
         <p:txBody>
-          <a:bodyPr anchor="b"/>
+          <a:bodyPr vert="horz" anchor="b"/>
           <a:lstStyle>
             <a:lvl1pPr algn="l">
-              <a:defRPr sz="2000" b="1"/>
+              <a:buNone/>
+              <a:defRPr sz="3000" b="1" baseline="0">
+                <a:ln w="500">
+                  <a:solidFill>
+                    <a:schemeClr val="tx2">
+                      <a:shade val="10000"/>
+                      <a:satMod val="135000"/>
+                    </a:schemeClr>
+                  </a:solidFill>
+                </a:ln>
+                <a:gradFill>
+                  <a:gsLst>
+                    <a:gs pos="0">
+                      <a:schemeClr val="accent4">
+                        <a:tint val="13000"/>
+                      </a:schemeClr>
+                    </a:gs>
+                    <a:gs pos="10000">
+                      <a:schemeClr val="accent4">
+                        <a:tint val="20000"/>
+                      </a:schemeClr>
+                    </a:gs>
+                    <a:gs pos="49000">
+                      <a:schemeClr val="accent4">
+                        <a:tint val="70000"/>
+                      </a:schemeClr>
+                    </a:gs>
+                    <a:gs pos="50000">
+                      <a:schemeClr val="accent4">
+                        <a:tint val="97000"/>
+                      </a:schemeClr>
+                    </a:gs>
+                    <a:gs pos="100000">
+                      <a:schemeClr val="accent4">
+                        <a:tint val="20000"/>
+                      </a:schemeClr>
+                    </a:gs>
+                  </a:gsLst>
+                  <a:lin ang="5400000" scaled="1"/>
+                </a:gradFill>
+                <a:effectLst/>
+              </a:defRPr>
             </a:lvl1pPr>
+            <a:extLst/>
           </a:lstStyle>
           <a:p>
             <a:r>
-              <a:rPr lang="en-US" smtClean="0"/>
+              <a:rPr kumimoji="0" lang="en-US" smtClean="0"/>
               <a:t>Click to edit Master title style</a:t>
             </a:r>
-            <a:endParaRPr lang="en-US"/>
-          </a:p>
-        </p:txBody>
-      </p:sp>
-      <p:sp>
-        <p:nvSpPr>
-          <p:cNvPr id="3" name="Picture Placeholder 2"/>
-          <p:cNvSpPr>
-            <a:spLocks noGrp="1"/>
-          </p:cNvSpPr>
-          <p:nvPr>
-            <p:ph type="pic" idx="1"/>
+            <a:endParaRPr kumimoji="0" lang="en-US" dirty="0"/>
+          </a:p>
+        </p:txBody>
+      </p:sp>
+      <p:sp>
+        <p:nvSpPr>
+          <p:cNvPr id="4" name="Text Placeholder 3"/>
+          <p:cNvSpPr>
+            <a:spLocks noGrp="1"/>
+          </p:cNvSpPr>
+          <p:nvPr>
+            <p:ph type="body" sz="half" idx="2"/>
           </p:nvPr>
         </p:nvSpPr>
         <p:spPr>
           <a:xfrm>
-            <a:off x="1792288" y="612775"/>
-            <a:ext cx="5486400" cy="4114800"/>
+            <a:off x="5389098" y="3283634"/>
+            <a:ext cx="3429000" cy="1920240"/>
           </a:xfrm>
+        </p:spPr>
+        <p:txBody>
+          <a:bodyPr rot="0" spcFirstLastPara="0" vertOverflow="overflow" horzOverflow="overflow" vert="horz" wrap="square" lIns="82296" tIns="0" rIns="0" bIns="0" numCol="1" spcCol="0" rtlCol="0" fromWordArt="0" anchor="t" anchorCtr="0" forceAA="0" compatLnSpc="1">
+            <a:normAutofit/>
+          </a:bodyPr>
+          <a:lstStyle>
+            <a:lvl1pPr marL="0" indent="0">
+              <a:lnSpc>
+                <a:spcPct val="100000"/>
+              </a:lnSpc>
+              <a:spcBef>
+                <a:spcPts val="0"/>
+              </a:spcBef>
+              <a:buFontTx/>
+              <a:buNone/>
+              <a:defRPr sz="1400" baseline="0">
+                <a:solidFill>
+                  <a:schemeClr val="tx1"/>
+                </a:solidFill>
+              </a:defRPr>
+            </a:lvl1pPr>
+            <a:lvl2pPr>
+              <a:defRPr sz="1200"/>
+            </a:lvl2pPr>
+            <a:lvl3pPr>
+              <a:defRPr sz="1000"/>
+            </a:lvl3pPr>
+            <a:lvl4pPr>
+              <a:defRPr sz="900"/>
+            </a:lvl4pPr>
+            <a:lvl5pPr>
+              <a:defRPr sz="900"/>
+            </a:lvl5pPr>
+            <a:extLst/>
+          </a:lstStyle>
+          <a:p>
+            <a:pPr marL="0" marR="0" lvl="0" indent="0" algn="l" defTabSz="0" rtl="0" eaLnBrk="1" fontAlgn="auto" latinLnBrk="0" hangingPunct="1">
+              <a:lnSpc>
+                <a:spcPct val="100000"/>
+              </a:lnSpc>
+              <a:spcBef>
+                <a:spcPts val="0"/>
+              </a:spcBef>
+              <a:spcAft>
+                <a:spcPts val="0"/>
+              </a:spcAft>
+              <a:buClr>
+                <a:schemeClr val="tx2"/>
+              </a:buClr>
+              <a:buSzPct val="73000"/>
+              <a:buFontTx/>
+              <a:buNone/>
+              <a:tabLst/>
+              <a:defRPr/>
+            </a:pPr>
+            <a:r>
+              <a:rPr kumimoji="0" lang="en-US" smtClean="0"/>
+              <a:t>Click to edit Master text styles</a:t>
+            </a:r>
+          </a:p>
+        </p:txBody>
+      </p:sp>
+      <p:sp>
+        <p:nvSpPr>
+          <p:cNvPr id="5" name="Date Placeholder 4"/>
+          <p:cNvSpPr>
+            <a:spLocks noGrp="1"/>
+          </p:cNvSpPr>
+          <p:nvPr>
+            <p:ph type="dt" sz="half" idx="10"/>
+          </p:nvPr>
+        </p:nvSpPr>
+        <p:spPr/>
+        <p:txBody>
+          <a:bodyPr/>
+          <a:lstStyle>
+            <a:extLst/>
+          </a:lstStyle>
+          <a:p>
+            <a:fld id="{4C74A437-BCC5-41B8-9970-7953AC543813}" type="datetimeFigureOut">
+              <a:rPr lang="en-US" smtClean="0"/>
+              <a:t>11/26/2020</a:t>
+            </a:fld>
+            <a:endParaRPr lang="en-US"/>
+          </a:p>
+        </p:txBody>
+      </p:sp>
+      <p:sp>
+        <p:nvSpPr>
+          <p:cNvPr id="6" name="Footer Placeholder 5"/>
+          <p:cNvSpPr>
+            <a:spLocks noGrp="1"/>
+          </p:cNvSpPr>
+          <p:nvPr>
+            <p:ph type="ftr" sz="quarter" idx="11"/>
+          </p:nvPr>
+        </p:nvSpPr>
+        <p:spPr/>
+        <p:txBody>
+          <a:bodyPr/>
+          <a:lstStyle>
+            <a:extLst/>
+          </a:lstStyle>
+          <a:p>
+            <a:endParaRPr lang="en-US"/>
+          </a:p>
+        </p:txBody>
+      </p:sp>
+      <p:sp>
+        <p:nvSpPr>
+          <p:cNvPr id="7" name="Slide Number Placeholder 6"/>
+          <p:cNvSpPr>
+            <a:spLocks noGrp="1"/>
+          </p:cNvSpPr>
+          <p:nvPr>
+            <p:ph type="sldNum" sz="quarter" idx="12"/>
+          </p:nvPr>
+        </p:nvSpPr>
+        <p:spPr/>
+        <p:txBody>
+          <a:bodyPr/>
+          <a:lstStyle>
+            <a:extLst/>
+          </a:lstStyle>
+          <a:p>
+            <a:fld id="{5846D973-989A-48E9-918B-E9430945A2AF}" type="slidenum">
+              <a:rPr lang="en-US" smtClean="0"/>
+              <a:t>‹#›</a:t>
+            </a:fld>
+            <a:endParaRPr lang="en-US"/>
+          </a:p>
+        </p:txBody>
+      </p:sp>
+      <p:sp>
+        <p:nvSpPr>
+          <p:cNvPr id="10" name="Picture Placeholder 9"/>
+          <p:cNvSpPr>
+            <a:spLocks noGrp="1"/>
+          </p:cNvSpPr>
+          <p:nvPr>
+            <p:ph type="pic" idx="1"/>
+          </p:nvPr>
+        </p:nvSpPr>
+        <p:spPr>
+          <a:xfrm>
+            <a:off x="663682" y="1041002"/>
+            <a:ext cx="4206240" cy="4206240"/>
+          </a:xfrm>
+          <a:solidFill>
+            <a:schemeClr val="bg2">
+              <a:shade val="50000"/>
+            </a:schemeClr>
+          </a:solidFill>
+          <a:ln w="107950">
+            <a:solidFill>
+              <a:srgbClr val="FFFFFF"/>
+            </a:solidFill>
+            <a:miter lim="800000"/>
+          </a:ln>
+          <a:effectLst>
+            <a:outerShdw blurRad="44450" dist="3810" dir="5400000" algn="tl" rotWithShape="0">
+              <a:srgbClr val="000000">
+                <a:alpha val="60000"/>
+              </a:srgbClr>
+            </a:outerShdw>
+          </a:effectLst>
+          <a:scene3d>
+            <a:camera prst="orthographicFront"/>
+            <a:lightRig rig="threePt" dir="t"/>
+          </a:scene3d>
+          <a:sp3d contourW="3810">
+            <a:contourClr>
+              <a:srgbClr val="969696"/>
+            </a:contourClr>
+          </a:sp3d>
         </p:spPr>
         <p:txBody>
           <a:bodyPr/>
@@ -4370,178 +5448,21 @@
               <a:buNone/>
               <a:defRPr sz="3200"/>
             </a:lvl1pPr>
-            <a:lvl2pPr marL="457200" indent="0">
-              <a:buNone/>
-              <a:defRPr sz="2800"/>
-            </a:lvl2pPr>
-            <a:lvl3pPr marL="914400" indent="0">
-              <a:buNone/>
-              <a:defRPr sz="2400"/>
-            </a:lvl3pPr>
-            <a:lvl4pPr marL="1371600" indent="0">
-              <a:buNone/>
-              <a:defRPr sz="2000"/>
-            </a:lvl4pPr>
-            <a:lvl5pPr marL="1828800" indent="0">
-              <a:buNone/>
-              <a:defRPr sz="2000"/>
-            </a:lvl5pPr>
-            <a:lvl6pPr marL="2286000" indent="0">
-              <a:buNone/>
-              <a:defRPr sz="2000"/>
-            </a:lvl6pPr>
-            <a:lvl7pPr marL="2743200" indent="0">
-              <a:buNone/>
-              <a:defRPr sz="2000"/>
-            </a:lvl7pPr>
-            <a:lvl8pPr marL="3200400" indent="0">
-              <a:buNone/>
-              <a:defRPr sz="2000"/>
-            </a:lvl8pPr>
-            <a:lvl9pPr marL="3657600" indent="0">
-              <a:buNone/>
-              <a:defRPr sz="2000"/>
-            </a:lvl9pPr>
+            <a:extLst/>
           </a:lstStyle>
           <a:p>
-            <a:endParaRPr lang="en-US"/>
-          </a:p>
-        </p:txBody>
-      </p:sp>
-      <p:sp>
-        <p:nvSpPr>
-          <p:cNvPr id="4" name="Text Placeholder 3"/>
-          <p:cNvSpPr>
-            <a:spLocks noGrp="1"/>
-          </p:cNvSpPr>
-          <p:nvPr>
-            <p:ph type="body" sz="half" idx="2"/>
-          </p:nvPr>
-        </p:nvSpPr>
-        <p:spPr>
-          <a:xfrm>
-            <a:off x="1792288" y="5367338"/>
-            <a:ext cx="5486400" cy="804862"/>
-          </a:xfrm>
-        </p:spPr>
-        <p:txBody>
-          <a:bodyPr/>
-          <a:lstStyle>
-            <a:lvl1pPr marL="0" indent="0">
-              <a:buNone/>
-              <a:defRPr sz="1400"/>
-            </a:lvl1pPr>
-            <a:lvl2pPr marL="457200" indent="0">
-              <a:buNone/>
-              <a:defRPr sz="1200"/>
-            </a:lvl2pPr>
-            <a:lvl3pPr marL="914400" indent="0">
-              <a:buNone/>
-              <a:defRPr sz="1000"/>
-            </a:lvl3pPr>
-            <a:lvl4pPr marL="1371600" indent="0">
-              <a:buNone/>
-              <a:defRPr sz="900"/>
-            </a:lvl4pPr>
-            <a:lvl5pPr marL="1828800" indent="0">
-              <a:buNone/>
-              <a:defRPr sz="900"/>
-            </a:lvl5pPr>
-            <a:lvl6pPr marL="2286000" indent="0">
-              <a:buNone/>
-              <a:defRPr sz="900"/>
-            </a:lvl6pPr>
-            <a:lvl7pPr marL="2743200" indent="0">
-              <a:buNone/>
-              <a:defRPr sz="900"/>
-            </a:lvl7pPr>
-            <a:lvl8pPr marL="3200400" indent="0">
-              <a:buNone/>
-              <a:defRPr sz="900"/>
-            </a:lvl8pPr>
-            <a:lvl9pPr marL="3657600" indent="0">
-              <a:buNone/>
-              <a:defRPr sz="900"/>
-            </a:lvl9pPr>
-          </a:lstStyle>
-          <a:p>
-            <a:pPr lvl="0"/>
-            <a:r>
-              <a:rPr lang="en-US" smtClean="0"/>
-              <a:t>Click to edit Master text styles</a:t>
-            </a:r>
-          </a:p>
-        </p:txBody>
-      </p:sp>
-      <p:sp>
-        <p:nvSpPr>
-          <p:cNvPr id="5" name="Date Placeholder 4"/>
-          <p:cNvSpPr>
-            <a:spLocks noGrp="1"/>
-          </p:cNvSpPr>
-          <p:nvPr>
-            <p:ph type="dt" sz="half" idx="10"/>
-          </p:nvPr>
-        </p:nvSpPr>
-        <p:spPr/>
-        <p:txBody>
-          <a:bodyPr/>
-          <a:lstStyle/>
-          <a:p>
-            <a:fld id="{4C74A437-BCC5-41B8-9970-7953AC543813}" type="datetimeFigureOut">
-              <a:rPr lang="en-US" smtClean="0"/>
-              <a:t>11/26/2020</a:t>
-            </a:fld>
-            <a:endParaRPr lang="en-US"/>
-          </a:p>
-        </p:txBody>
-      </p:sp>
-      <p:sp>
-        <p:nvSpPr>
-          <p:cNvPr id="6" name="Footer Placeholder 5"/>
-          <p:cNvSpPr>
-            <a:spLocks noGrp="1"/>
-          </p:cNvSpPr>
-          <p:nvPr>
-            <p:ph type="ftr" sz="quarter" idx="11"/>
-          </p:nvPr>
-        </p:nvSpPr>
-        <p:spPr/>
-        <p:txBody>
-          <a:bodyPr/>
-          <a:lstStyle/>
-          <a:p>
-            <a:endParaRPr lang="en-US"/>
-          </a:p>
-        </p:txBody>
-      </p:sp>
-      <p:sp>
-        <p:nvSpPr>
-          <p:cNvPr id="7" name="Slide Number Placeholder 6"/>
-          <p:cNvSpPr>
-            <a:spLocks noGrp="1"/>
-          </p:cNvSpPr>
-          <p:nvPr>
-            <p:ph type="sldNum" sz="quarter" idx="12"/>
-          </p:nvPr>
-        </p:nvSpPr>
-        <p:spPr/>
-        <p:txBody>
-          <a:bodyPr/>
-          <a:lstStyle/>
-          <a:p>
-            <a:fld id="{5846D973-989A-48E9-918B-E9430945A2AF}" type="slidenum">
-              <a:rPr lang="en-US" smtClean="0"/>
-              <a:t>‹#›</a:t>
-            </a:fld>
-            <a:endParaRPr lang="en-US"/>
+            <a:r>
+              <a:rPr kumimoji="0" lang="en-US" smtClean="0"/>
+              <a:t>Click icon to add picture</a:t>
+            </a:r>
+            <a:endParaRPr kumimoji="0" lang="en-US" dirty="0"/>
           </a:p>
         </p:txBody>
       </p:sp>
     </p:spTree>
   </p:cSld>
   <p:clrMapOvr>
-    <a:masterClrMapping/>
+    <a:overrideClrMapping bg1="dk1" tx1="lt1" bg2="dk2" tx2="lt2" accent1="accent1" accent2="accent2" accent3="accent3" accent4="accent4" accent5="accent5" accent6="accent6" hlink="hlink" folHlink="folHlink"/>
   </p:clrMapOvr>
 </p:sldLayout>
 </file>
@@ -4570,7 +5491,86 @@
       </p:grpSpPr>
       <p:sp>
         <p:nvSpPr>
-          <p:cNvPr id="2" name="Title Placeholder 1"/>
+          <p:cNvPr id="9" name="Rectangle 8"/>
+          <p:cNvSpPr/>
+          <p:nvPr/>
+        </p:nvSpPr>
+        <p:spPr>
+          <a:xfrm flipH="1">
+            <a:off x="8153400" y="0"/>
+            <a:ext cx="990600" cy="6858000"/>
+          </a:xfrm>
+          <a:prstGeom prst="rect">
+            <a:avLst/>
+          </a:prstGeom>
+          <a:blipFill>
+            <a:blip r:embed="rId13" cstate="print">
+              <a:alphaModFix amt="43000"/>
+            </a:blip>
+            <a:tile tx="0" ty="0" sx="50000" sy="50000" flip="none" algn="tl"/>
+          </a:blipFill>
+          <a:ln w="0" cap="flat" cmpd="sng" algn="ctr">
+            <a:noFill/>
+            <a:prstDash val="solid"/>
+          </a:ln>
+          <a:effectLst>
+            <a:fillOverlay blend="mult">
+              <a:gradFill rotWithShape="1">
+                <a:gsLst>
+                  <a:gs pos="0">
+                    <a:schemeClr val="tx2">
+                      <a:tint val="62000"/>
+                      <a:satMod val="420000"/>
+                    </a:schemeClr>
+                  </a:gs>
+                  <a:gs pos="100000">
+                    <a:schemeClr val="tx2">
+                      <a:shade val="20000"/>
+                      <a:satMod val="170000"/>
+                    </a:schemeClr>
+                  </a:gs>
+                </a:gsLst>
+                <a:path path="circle">
+                  <a:fillToRect l="50000" t="110000" r="50000" b="-10000"/>
+                </a:path>
+                <a:tileRect/>
+              </a:gradFill>
+            </a:fillOverlay>
+            <a:innerShdw blurRad="63500" dist="44450" dir="10800000">
+              <a:srgbClr val="000000">
+                <a:alpha val="45000"/>
+              </a:srgbClr>
+            </a:innerShdw>
+          </a:effectLst>
+        </p:spPr>
+        <p:style>
+          <a:lnRef idx="3">
+            <a:schemeClr val="lt1"/>
+          </a:lnRef>
+          <a:fillRef idx="1">
+            <a:schemeClr val="accent1"/>
+          </a:fillRef>
+          <a:effectRef idx="1">
+            <a:schemeClr val="accent1"/>
+          </a:effectRef>
+          <a:fontRef idx="minor">
+            <a:schemeClr val="lt1"/>
+          </a:fontRef>
+        </p:style>
+        <p:txBody>
+          <a:bodyPr anchor="ctr"/>
+          <a:lstStyle>
+            <a:extLst/>
+          </a:lstStyle>
+          <a:p>
+            <a:pPr algn="ctr" eaLnBrk="1" latinLnBrk="0" hangingPunct="1"/>
+            <a:endParaRPr kumimoji="0" lang="en-US"/>
+          </a:p>
+        </p:txBody>
+      </p:sp>
+      <p:sp>
+        <p:nvSpPr>
+          <p:cNvPr id="3" name="Title Placeholder 2"/>
           <p:cNvSpPr>
             <a:spLocks noGrp="1"/>
           </p:cNvSpPr>
@@ -4580,30 +5580,32 @@
         </p:nvSpPr>
         <p:spPr>
           <a:xfrm>
-            <a:off x="457200" y="274638"/>
-            <a:ext cx="8229600" cy="1143000"/>
+            <a:off x="457200" y="320040"/>
+            <a:ext cx="7239000" cy="1143000"/>
           </a:xfrm>
           <a:prstGeom prst="rect">
             <a:avLst/>
           </a:prstGeom>
         </p:spPr>
         <p:txBody>
-          <a:bodyPr vert="horz" lIns="91440" tIns="45720" rIns="91440" bIns="45720" rtlCol="0" anchor="ctr">
+          <a:bodyPr vert="horz" lIns="45720" tIns="0" rIns="45720" bIns="0" anchor="b" anchorCtr="0">
             <a:normAutofit/>
           </a:bodyPr>
-          <a:lstStyle/>
-          <a:p>
-            <a:r>
-              <a:rPr lang="en-US" smtClean="0"/>
+          <a:lstStyle>
+            <a:extLst/>
+          </a:lstStyle>
+          <a:p>
+            <a:r>
+              <a:rPr kumimoji="0" lang="en-US" smtClean="0"/>
               <a:t>Click to edit Master title style</a:t>
             </a:r>
-            <a:endParaRPr lang="en-US"/>
-          </a:p>
-        </p:txBody>
-      </p:sp>
-      <p:sp>
-        <p:nvSpPr>
-          <p:cNvPr id="3" name="Text Placeholder 2"/>
+            <a:endParaRPr kumimoji="0" lang="en-US"/>
+          </a:p>
+        </p:txBody>
+      </p:sp>
+      <p:sp>
+        <p:nvSpPr>
+          <p:cNvPr id="31" name="Text Placeholder 30"/>
           <p:cNvSpPr>
             <a:spLocks noGrp="1"/>
           </p:cNvSpPr>
@@ -4613,59 +5615,61 @@
         </p:nvSpPr>
         <p:spPr>
           <a:xfrm>
-            <a:off x="457200" y="1600200"/>
-            <a:ext cx="8229600" cy="4525963"/>
+            <a:off x="457200" y="1609416"/>
+            <a:ext cx="7239000" cy="4846320"/>
           </a:xfrm>
           <a:prstGeom prst="rect">
             <a:avLst/>
           </a:prstGeom>
         </p:spPr>
         <p:txBody>
-          <a:bodyPr vert="horz" lIns="91440" tIns="45720" rIns="91440" bIns="45720" rtlCol="0">
+          <a:bodyPr vert="horz">
             <a:normAutofit/>
           </a:bodyPr>
-          <a:lstStyle/>
-          <a:p>
-            <a:pPr lvl="0"/>
-            <a:r>
-              <a:rPr lang="en-US" smtClean="0"/>
+          <a:lstStyle>
+            <a:extLst/>
+          </a:lstStyle>
+          <a:p>
+            <a:pPr lvl="0" eaLnBrk="1" latinLnBrk="0" hangingPunct="1"/>
+            <a:r>
+              <a:rPr kumimoji="0" lang="en-US" smtClean="0"/>
               <a:t>Click to edit Master text styles</a:t>
             </a:r>
           </a:p>
           <a:p>
-            <a:pPr lvl="1"/>
-            <a:r>
-              <a:rPr lang="en-US" smtClean="0"/>
+            <a:pPr lvl="1" eaLnBrk="1" latinLnBrk="0" hangingPunct="1"/>
+            <a:r>
+              <a:rPr kumimoji="0" lang="en-US" smtClean="0"/>
               <a:t>Second level</a:t>
             </a:r>
           </a:p>
           <a:p>
-            <a:pPr lvl="2"/>
-            <a:r>
-              <a:rPr lang="en-US" smtClean="0"/>
+            <a:pPr lvl="2" eaLnBrk="1" latinLnBrk="0" hangingPunct="1"/>
+            <a:r>
+              <a:rPr kumimoji="0" lang="en-US" smtClean="0"/>
               <a:t>Third level</a:t>
             </a:r>
           </a:p>
           <a:p>
-            <a:pPr lvl="3"/>
-            <a:r>
-              <a:rPr lang="en-US" smtClean="0"/>
+            <a:pPr lvl="3" eaLnBrk="1" latinLnBrk="0" hangingPunct="1"/>
+            <a:r>
+              <a:rPr kumimoji="0" lang="en-US" smtClean="0"/>
               <a:t>Fourth level</a:t>
             </a:r>
           </a:p>
           <a:p>
-            <a:pPr lvl="4"/>
-            <a:r>
-              <a:rPr lang="en-US" smtClean="0"/>
+            <a:pPr lvl="4" eaLnBrk="1" latinLnBrk="0" hangingPunct="1"/>
+            <a:r>
+              <a:rPr kumimoji="0" lang="en-US" smtClean="0"/>
               <a:t>Fifth level</a:t>
             </a:r>
-            <a:endParaRPr lang="en-US"/>
-          </a:p>
-        </p:txBody>
-      </p:sp>
-      <p:sp>
-        <p:nvSpPr>
-          <p:cNvPr id="4" name="Date Placeholder 3"/>
+            <a:endParaRPr kumimoji="0" lang="en-US"/>
+          </a:p>
+        </p:txBody>
+      </p:sp>
+      <p:sp>
+        <p:nvSpPr>
+          <p:cNvPr id="27" name="Date Placeholder 26"/>
           <p:cNvSpPr>
             <a:spLocks noGrp="1"/>
           </p:cNvSpPr>
@@ -4675,25 +5679,24 @@
         </p:nvSpPr>
         <p:spPr>
           <a:xfrm>
-            <a:off x="457200" y="6356350"/>
-            <a:ext cx="2133600" cy="365125"/>
+            <a:off x="4245936" y="6557946"/>
+            <a:ext cx="2002464" cy="226902"/>
           </a:xfrm>
           <a:prstGeom prst="rect">
             <a:avLst/>
           </a:prstGeom>
         </p:spPr>
         <p:txBody>
-          <a:bodyPr vert="horz" lIns="91440" tIns="45720" rIns="91440" bIns="45720" rtlCol="0" anchor="ctr"/>
+          <a:bodyPr vert="horz" tIns="0" bIns="0" anchor="b"/>
           <a:lstStyle>
-            <a:lvl1pPr algn="l">
-              <a:defRPr sz="1200">
+            <a:lvl1pPr algn="l" eaLnBrk="1" latinLnBrk="0" hangingPunct="1">
+              <a:defRPr kumimoji="0" sz="1000">
                 <a:solidFill>
-                  <a:schemeClr val="tx1">
-                    <a:tint val="75000"/>
-                  </a:schemeClr>
+                  <a:schemeClr val="tx2"/>
                 </a:solidFill>
               </a:defRPr>
             </a:lvl1pPr>
+            <a:extLst/>
           </a:lstStyle>
           <a:p>
             <a:fld id="{4C74A437-BCC5-41B8-9970-7953AC543813}" type="datetimeFigureOut">
@@ -4706,7 +5709,7 @@
       </p:sp>
       <p:sp>
         <p:nvSpPr>
-          <p:cNvPr id="5" name="Footer Placeholder 4"/>
+          <p:cNvPr id="4" name="Footer Placeholder 3"/>
           <p:cNvSpPr>
             <a:spLocks noGrp="1"/>
           </p:cNvSpPr>
@@ -4716,25 +5719,24 @@
         </p:nvSpPr>
         <p:spPr>
           <a:xfrm>
-            <a:off x="3124200" y="6356350"/>
-            <a:ext cx="2895600" cy="365125"/>
+            <a:off x="457200" y="6557946"/>
+            <a:ext cx="3657600" cy="228600"/>
           </a:xfrm>
           <a:prstGeom prst="rect">
             <a:avLst/>
           </a:prstGeom>
         </p:spPr>
         <p:txBody>
-          <a:bodyPr vert="horz" lIns="91440" tIns="45720" rIns="91440" bIns="45720" rtlCol="0" anchor="ctr"/>
+          <a:bodyPr vert="horz" tIns="0" bIns="0" anchor="b"/>
           <a:lstStyle>
-            <a:lvl1pPr algn="ctr">
-              <a:defRPr sz="1200">
+            <a:lvl1pPr algn="r" eaLnBrk="1" latinLnBrk="0" hangingPunct="1">
+              <a:defRPr kumimoji="0" sz="1000">
                 <a:solidFill>
-                  <a:schemeClr val="tx1">
-                    <a:tint val="75000"/>
-                  </a:schemeClr>
+                  <a:schemeClr val="tx2"/>
                 </a:solidFill>
               </a:defRPr>
             </a:lvl1pPr>
+            <a:extLst/>
           </a:lstStyle>
           <a:p>
             <a:endParaRPr lang="en-US"/>
@@ -4743,7 +5745,7 @@
       </p:sp>
       <p:sp>
         <p:nvSpPr>
-          <p:cNvPr id="6" name="Slide Number Placeholder 5"/>
+          <p:cNvPr id="16" name="Slide Number Placeholder 15"/>
           <p:cNvSpPr>
             <a:spLocks noGrp="1"/>
           </p:cNvSpPr>
@@ -4753,25 +5755,24 @@
         </p:nvSpPr>
         <p:spPr>
           <a:xfrm>
-            <a:off x="6553200" y="6356350"/>
-            <a:ext cx="2133600" cy="365125"/>
+            <a:off x="6251448" y="6556248"/>
+            <a:ext cx="588336" cy="228600"/>
           </a:xfrm>
           <a:prstGeom prst="rect">
             <a:avLst/>
           </a:prstGeom>
         </p:spPr>
         <p:txBody>
-          <a:bodyPr vert="horz" lIns="91440" tIns="45720" rIns="91440" bIns="45720" rtlCol="0" anchor="ctr"/>
+          <a:bodyPr vert="horz" lIns="0" tIns="0" rIns="0" bIns="0" anchor="b"/>
           <a:lstStyle>
-            <a:lvl1pPr algn="r">
-              <a:defRPr sz="1200">
+            <a:lvl1pPr algn="r" eaLnBrk="1" latinLnBrk="0" hangingPunct="1">
+              <a:defRPr kumimoji="0" sz="1100">
                 <a:solidFill>
-                  <a:schemeClr val="tx1">
-                    <a:tint val="75000"/>
-                  </a:schemeClr>
+                  <a:schemeClr val="tx2"/>
                 </a:solidFill>
               </a:defRPr>
             </a:lvl1pPr>
+            <a:extLst/>
           </a:lstStyle>
           <a:p>
             <a:fld id="{5846D973-989A-48E9-918B-E9430945A2AF}" type="slidenum">
@@ -4786,43 +5787,84 @@
   </p:cSld>
   <p:clrMap bg1="lt1" tx1="dk1" bg2="lt2" tx2="dk2" accent1="accent1" accent2="accent2" accent3="accent3" accent4="accent4" accent5="accent5" accent6="accent6" hlink="hlink" folHlink="folHlink"/>
   <p:sldLayoutIdLst>
-    <p:sldLayoutId id="2147483649" r:id="rId1"/>
-    <p:sldLayoutId id="2147483650" r:id="rId2"/>
-    <p:sldLayoutId id="2147483651" r:id="rId3"/>
-    <p:sldLayoutId id="2147483652" r:id="rId4"/>
-    <p:sldLayoutId id="2147483653" r:id="rId5"/>
-    <p:sldLayoutId id="2147483654" r:id="rId6"/>
-    <p:sldLayoutId id="2147483655" r:id="rId7"/>
-    <p:sldLayoutId id="2147483656" r:id="rId8"/>
-    <p:sldLayoutId id="2147483657" r:id="rId9"/>
-    <p:sldLayoutId id="2147483658" r:id="rId10"/>
-    <p:sldLayoutId id="2147483659" r:id="rId11"/>
+    <p:sldLayoutId id="2147483709" r:id="rId1"/>
+    <p:sldLayoutId id="2147483710" r:id="rId2"/>
+    <p:sldLayoutId id="2147483711" r:id="rId3"/>
+    <p:sldLayoutId id="2147483712" r:id="rId4"/>
+    <p:sldLayoutId id="2147483713" r:id="rId5"/>
+    <p:sldLayoutId id="2147483714" r:id="rId6"/>
+    <p:sldLayoutId id="2147483715" r:id="rId7"/>
+    <p:sldLayoutId id="2147483716" r:id="rId8"/>
+    <p:sldLayoutId id="2147483717" r:id="rId9"/>
+    <p:sldLayoutId id="2147483718" r:id="rId10"/>
+    <p:sldLayoutId id="2147483719" r:id="rId11"/>
   </p:sldLayoutIdLst>
   <p:txStyles>
     <p:titleStyle>
-      <a:lvl1pPr algn="ctr" defTabSz="914400" rtl="0" eaLnBrk="1" latinLnBrk="0" hangingPunct="1">
+      <a:lvl1pPr algn="l" rtl="0" eaLnBrk="1" latinLnBrk="0" hangingPunct="1">
         <a:spcBef>
           <a:spcPct val="0"/>
         </a:spcBef>
         <a:buNone/>
-        <a:defRPr sz="4400" kern="1200">
-          <a:solidFill>
-            <a:schemeClr val="tx1"/>
-          </a:solidFill>
+        <a:defRPr kumimoji="0" sz="3800" b="1" kern="1200" cap="all" baseline="0">
+          <a:ln w="500">
+            <a:solidFill>
+              <a:schemeClr val="tx2">
+                <a:shade val="20000"/>
+                <a:satMod val="120000"/>
+              </a:schemeClr>
+            </a:solidFill>
+          </a:ln>
+          <a:gradFill>
+            <a:gsLst>
+              <a:gs pos="0">
+                <a:schemeClr val="accent4">
+                  <a:tint val="13000"/>
+                </a:schemeClr>
+              </a:gs>
+              <a:gs pos="10000">
+                <a:schemeClr val="accent4">
+                  <a:tint val="20000"/>
+                </a:schemeClr>
+              </a:gs>
+              <a:gs pos="49000">
+                <a:schemeClr val="accent4">
+                  <a:tint val="70000"/>
+                </a:schemeClr>
+              </a:gs>
+              <a:gs pos="50000">
+                <a:schemeClr val="accent4">
+                  <a:tint val="97000"/>
+                </a:schemeClr>
+              </a:gs>
+              <a:gs pos="100000">
+                <a:schemeClr val="accent4">
+                  <a:tint val="20000"/>
+                </a:schemeClr>
+              </a:gs>
+            </a:gsLst>
+            <a:lin ang="5400000" scaled="1"/>
+          </a:gradFill>
+          <a:effectLst/>
           <a:latin typeface="+mj-lt"/>
           <a:ea typeface="+mj-ea"/>
           <a:cs typeface="+mj-cs"/>
         </a:defRPr>
       </a:lvl1pPr>
+      <a:extLst/>
     </p:titleStyle>
     <p:bodyStyle>
-      <a:lvl1pPr marL="342900" indent="-342900" algn="l" defTabSz="914400" rtl="0" eaLnBrk="1" latinLnBrk="0" hangingPunct="1">
+      <a:lvl1pPr marL="274320" indent="-274320" algn="l" rtl="0" eaLnBrk="1" latinLnBrk="0" hangingPunct="1">
         <a:spcBef>
-          <a:spcPct val="20000"/>
+          <a:spcPts val="600"/>
         </a:spcBef>
-        <a:buFont typeface="Arial" pitchFamily="34" charset="0"/>
-        <a:buChar char="•"/>
-        <a:defRPr sz="3200" kern="1200">
+        <a:buClr>
+          <a:schemeClr val="tx2"/>
+        </a:buClr>
+        <a:buSzPct val="73000"/>
+        <a:buFont typeface="Wingdings 2"/>
+        <a:buChar char=""/>
+        <a:defRPr kumimoji="0" sz="2600" kern="1200" baseline="0">
           <a:solidFill>
             <a:schemeClr val="tx1"/>
           </a:solidFill>
@@ -4831,13 +5873,180 @@
           <a:cs typeface="+mn-cs"/>
         </a:defRPr>
       </a:lvl1pPr>
-      <a:lvl2pPr marL="742950" indent="-285750" algn="l" defTabSz="914400" rtl="0" eaLnBrk="1" latinLnBrk="0" hangingPunct="1">
+      <a:lvl2pPr marL="521208" indent="-228600" algn="l" rtl="0" eaLnBrk="1" latinLnBrk="0" hangingPunct="1">
+        <a:spcBef>
+          <a:spcPts val="500"/>
+        </a:spcBef>
+        <a:buClr>
+          <a:schemeClr val="accent4"/>
+        </a:buClr>
+        <a:buSzPct val="80000"/>
+        <a:buFont typeface="Wingdings 2"/>
+        <a:buChar char=""/>
+        <a:defRPr kumimoji="0" sz="2300" kern="1200">
+          <a:solidFill>
+            <a:schemeClr val="tx1">
+              <a:tint val="85000"/>
+            </a:schemeClr>
+          </a:solidFill>
+          <a:latin typeface="+mn-lt"/>
+          <a:ea typeface="+mn-ea"/>
+          <a:cs typeface="+mn-cs"/>
+        </a:defRPr>
+      </a:lvl2pPr>
+      <a:lvl3pPr marL="758952" indent="-228600" algn="l" rtl="0" eaLnBrk="1" latinLnBrk="0" hangingPunct="1">
+        <a:spcBef>
+          <a:spcPts val="400"/>
+        </a:spcBef>
+        <a:buClr>
+          <a:schemeClr val="accent4"/>
+        </a:buClr>
+        <a:buSzPct val="60000"/>
+        <a:buFont typeface="Wingdings"/>
+        <a:buChar char=""/>
+        <a:defRPr kumimoji="0" sz="2000" kern="1200">
+          <a:solidFill>
+            <a:schemeClr val="tx1"/>
+          </a:solidFill>
+          <a:latin typeface="+mn-lt"/>
+          <a:ea typeface="+mn-ea"/>
+          <a:cs typeface="+mn-cs"/>
+        </a:defRPr>
+      </a:lvl3pPr>
+      <a:lvl4pPr marL="1005840" indent="-228600" algn="l" rtl="0" eaLnBrk="1" latinLnBrk="0" hangingPunct="1">
         <a:spcBef>
           <a:spcPct val="20000"/>
         </a:spcBef>
-        <a:buFont typeface="Arial" pitchFamily="34" charset="0"/>
-        <a:buChar char="–"/>
-        <a:defRPr sz="2800" kern="1200">
+        <a:buClr>
+          <a:schemeClr val="accent4"/>
+        </a:buClr>
+        <a:buSzPct val="80000"/>
+        <a:buFont typeface="Wingdings 2"/>
+        <a:buChar char=""/>
+        <a:defRPr kumimoji="0" sz="2000" kern="1200">
+          <a:solidFill>
+            <a:schemeClr val="tx1">
+              <a:tint val="85000"/>
+            </a:schemeClr>
+          </a:solidFill>
+          <a:latin typeface="+mn-lt"/>
+          <a:ea typeface="+mn-ea"/>
+          <a:cs typeface="+mn-cs"/>
+        </a:defRPr>
+      </a:lvl4pPr>
+      <a:lvl5pPr marL="1280160" indent="-228600" algn="l" rtl="0" eaLnBrk="1" latinLnBrk="0" hangingPunct="1">
+        <a:spcBef>
+          <a:spcPts val="400"/>
+        </a:spcBef>
+        <a:buClr>
+          <a:schemeClr val="accent4"/>
+        </a:buClr>
+        <a:buSzPct val="70000"/>
+        <a:buFont typeface="Wingdings"/>
+        <a:buChar char=""/>
+        <a:defRPr kumimoji="0" sz="1800" kern="1200">
+          <a:solidFill>
+            <a:schemeClr val="tx1"/>
+          </a:solidFill>
+          <a:latin typeface="+mn-lt"/>
+          <a:ea typeface="+mn-ea"/>
+          <a:cs typeface="+mn-cs"/>
+        </a:defRPr>
+      </a:lvl5pPr>
+      <a:lvl6pPr marL="1472184" indent="-182880" algn="l" rtl="0" eaLnBrk="1" latinLnBrk="0" hangingPunct="1">
+        <a:spcBef>
+          <a:spcPts val="400"/>
+        </a:spcBef>
+        <a:buClr>
+          <a:schemeClr val="accent4"/>
+        </a:buClr>
+        <a:buSzPct val="80000"/>
+        <a:buFont typeface="Wingdings 2"/>
+        <a:buChar char=""/>
+        <a:defRPr kumimoji="0" sz="1800" kern="1200">
+          <a:solidFill>
+            <a:schemeClr val="tx1">
+              <a:tint val="85000"/>
+            </a:schemeClr>
+          </a:solidFill>
+          <a:latin typeface="+mn-lt"/>
+          <a:ea typeface="+mn-ea"/>
+          <a:cs typeface="+mn-cs"/>
+        </a:defRPr>
+      </a:lvl6pPr>
+      <a:lvl7pPr marL="1673352" indent="-182880" algn="l" rtl="0" eaLnBrk="1" latinLnBrk="0" hangingPunct="1">
+        <a:spcBef>
+          <a:spcPct val="20000"/>
+        </a:spcBef>
+        <a:buClr>
+          <a:schemeClr val="accent4"/>
+        </a:buClr>
+        <a:buSzPct val="80000"/>
+        <a:buFont typeface="Wingdings 2"/>
+        <a:buChar char=""/>
+        <a:defRPr kumimoji="0" sz="1600" kern="1200" baseline="0">
+          <a:solidFill>
+            <a:schemeClr val="tx1"/>
+          </a:solidFill>
+          <a:latin typeface="+mn-lt"/>
+          <a:ea typeface="+mn-ea"/>
+          <a:cs typeface="+mn-cs"/>
+        </a:defRPr>
+      </a:lvl7pPr>
+      <a:lvl8pPr marL="1847088" indent="-182880" algn="l" rtl="0" eaLnBrk="1" latinLnBrk="0" hangingPunct="1">
+        <a:spcBef>
+          <a:spcPts val="300"/>
+        </a:spcBef>
+        <a:buClr>
+          <a:schemeClr val="accent4"/>
+        </a:buClr>
+        <a:buSzPct val="100000"/>
+        <a:buChar char="•"/>
+        <a:defRPr kumimoji="0" sz="1600" kern="1200" baseline="0">
+          <a:solidFill>
+            <a:schemeClr val="tx1">
+              <a:tint val="85000"/>
+            </a:schemeClr>
+          </a:solidFill>
+          <a:latin typeface="+mn-lt"/>
+          <a:ea typeface="+mn-ea"/>
+          <a:cs typeface="+mn-cs"/>
+        </a:defRPr>
+      </a:lvl8pPr>
+      <a:lvl9pPr marL="2057400" indent="-182880" algn="l" rtl="0" eaLnBrk="1" latinLnBrk="0" hangingPunct="1">
+        <a:spcBef>
+          <a:spcPct val="20000"/>
+        </a:spcBef>
+        <a:buClr>
+          <a:schemeClr val="accent4"/>
+        </a:buClr>
+        <a:buSzPct val="100000"/>
+        <a:buFont typeface="Wingdings"/>
+        <a:buChar char="§"/>
+        <a:defRPr kumimoji="0" sz="1400" kern="1200" baseline="0">
+          <a:solidFill>
+            <a:schemeClr val="tx1"/>
+          </a:solidFill>
+          <a:latin typeface="+mn-lt"/>
+          <a:ea typeface="+mn-ea"/>
+          <a:cs typeface="+mn-cs"/>
+        </a:defRPr>
+      </a:lvl9pPr>
+      <a:extLst/>
+    </p:bodyStyle>
+    <p:otherStyle>
+      <a:lvl1pPr marL="0" algn="l" rtl="0" eaLnBrk="1" latinLnBrk="0" hangingPunct="1">
+        <a:defRPr kumimoji="0" kern="1200">
+          <a:solidFill>
+            <a:schemeClr val="tx1"/>
+          </a:solidFill>
+          <a:latin typeface="+mn-lt"/>
+          <a:ea typeface="+mn-ea"/>
+          <a:cs typeface="+mn-cs"/>
+        </a:defRPr>
+      </a:lvl1pPr>
+      <a:lvl2pPr marL="457200" algn="l" rtl="0" eaLnBrk="1" latinLnBrk="0" hangingPunct="1">
+        <a:defRPr kumimoji="0" kern="1200">
           <a:solidFill>
             <a:schemeClr val="tx1"/>
           </a:solidFill>
@@ -4846,13 +6055,8 @@
           <a:cs typeface="+mn-cs"/>
         </a:defRPr>
       </a:lvl2pPr>
-      <a:lvl3pPr marL="1143000" indent="-228600" algn="l" defTabSz="914400" rtl="0" eaLnBrk="1" latinLnBrk="0" hangingPunct="1">
-        <a:spcBef>
-          <a:spcPct val="20000"/>
-        </a:spcBef>
-        <a:buFont typeface="Arial" pitchFamily="34" charset="0"/>
-        <a:buChar char="•"/>
-        <a:defRPr sz="2400" kern="1200">
+      <a:lvl3pPr marL="914400" algn="l" rtl="0" eaLnBrk="1" latinLnBrk="0" hangingPunct="1">
+        <a:defRPr kumimoji="0" kern="1200">
           <a:solidFill>
             <a:schemeClr val="tx1"/>
           </a:solidFill>
@@ -4861,13 +6065,8 @@
           <a:cs typeface="+mn-cs"/>
         </a:defRPr>
       </a:lvl3pPr>
-      <a:lvl4pPr marL="1600200" indent="-228600" algn="l" defTabSz="914400" rtl="0" eaLnBrk="1" latinLnBrk="0" hangingPunct="1">
-        <a:spcBef>
-          <a:spcPct val="20000"/>
-        </a:spcBef>
-        <a:buFont typeface="Arial" pitchFamily="34" charset="0"/>
-        <a:buChar char="–"/>
-        <a:defRPr sz="2000" kern="1200">
+      <a:lvl4pPr marL="1371600" algn="l" rtl="0" eaLnBrk="1" latinLnBrk="0" hangingPunct="1">
+        <a:defRPr kumimoji="0" kern="1200">
           <a:solidFill>
             <a:schemeClr val="tx1"/>
           </a:solidFill>
@@ -4876,13 +6075,8 @@
           <a:cs typeface="+mn-cs"/>
         </a:defRPr>
       </a:lvl4pPr>
-      <a:lvl5pPr marL="2057400" indent="-228600" algn="l" defTabSz="914400" rtl="0" eaLnBrk="1" latinLnBrk="0" hangingPunct="1">
-        <a:spcBef>
-          <a:spcPct val="20000"/>
-        </a:spcBef>
-        <a:buFont typeface="Arial" pitchFamily="34" charset="0"/>
-        <a:buChar char="»"/>
-        <a:defRPr sz="2000" kern="1200">
+      <a:lvl5pPr marL="1828800" algn="l" rtl="0" eaLnBrk="1" latinLnBrk="0" hangingPunct="1">
+        <a:defRPr kumimoji="0" kern="1200">
           <a:solidFill>
             <a:schemeClr val="tx1"/>
           </a:solidFill>
@@ -4891,13 +6085,8 @@
           <a:cs typeface="+mn-cs"/>
         </a:defRPr>
       </a:lvl5pPr>
-      <a:lvl6pPr marL="2514600" indent="-228600" algn="l" defTabSz="914400" rtl="0" eaLnBrk="1" latinLnBrk="0" hangingPunct="1">
-        <a:spcBef>
-          <a:spcPct val="20000"/>
-        </a:spcBef>
-        <a:buFont typeface="Arial" pitchFamily="34" charset="0"/>
-        <a:buChar char="•"/>
-        <a:defRPr sz="2000" kern="1200">
+      <a:lvl6pPr marL="2286000" algn="l" rtl="0" eaLnBrk="1" latinLnBrk="0" hangingPunct="1">
+        <a:defRPr kumimoji="0" kern="1200">
           <a:solidFill>
             <a:schemeClr val="tx1"/>
           </a:solidFill>
@@ -4906,13 +6095,8 @@
           <a:cs typeface="+mn-cs"/>
         </a:defRPr>
       </a:lvl6pPr>
-      <a:lvl7pPr marL="2971800" indent="-228600" algn="l" defTabSz="914400" rtl="0" eaLnBrk="1" latinLnBrk="0" hangingPunct="1">
-        <a:spcBef>
-          <a:spcPct val="20000"/>
-        </a:spcBef>
-        <a:buFont typeface="Arial" pitchFamily="34" charset="0"/>
-        <a:buChar char="•"/>
-        <a:defRPr sz="2000" kern="1200">
+      <a:lvl7pPr marL="2743200" algn="l" rtl="0" eaLnBrk="1" latinLnBrk="0" hangingPunct="1">
+        <a:defRPr kumimoji="0" kern="1200">
           <a:solidFill>
             <a:schemeClr val="tx1"/>
           </a:solidFill>
@@ -4921,13 +6105,8 @@
           <a:cs typeface="+mn-cs"/>
         </a:defRPr>
       </a:lvl7pPr>
-      <a:lvl8pPr marL="3429000" indent="-228600" algn="l" defTabSz="914400" rtl="0" eaLnBrk="1" latinLnBrk="0" hangingPunct="1">
-        <a:spcBef>
-          <a:spcPct val="20000"/>
-        </a:spcBef>
-        <a:buFont typeface="Arial" pitchFamily="34" charset="0"/>
-        <a:buChar char="•"/>
-        <a:defRPr sz="2000" kern="1200">
+      <a:lvl8pPr marL="3200400" algn="l" rtl="0" eaLnBrk="1" latinLnBrk="0" hangingPunct="1">
+        <a:defRPr kumimoji="0" kern="1200">
           <a:solidFill>
             <a:schemeClr val="tx1"/>
           </a:solidFill>
@@ -4936,13 +6115,8 @@
           <a:cs typeface="+mn-cs"/>
         </a:defRPr>
       </a:lvl8pPr>
-      <a:lvl9pPr marL="3886200" indent="-228600" algn="l" defTabSz="914400" rtl="0" eaLnBrk="1" latinLnBrk="0" hangingPunct="1">
-        <a:spcBef>
-          <a:spcPct val="20000"/>
-        </a:spcBef>
-        <a:buFont typeface="Arial" pitchFamily="34" charset="0"/>
-        <a:buChar char="•"/>
-        <a:defRPr sz="2000" kern="1200">
+      <a:lvl9pPr marL="3657600" algn="l" rtl="0" eaLnBrk="1" latinLnBrk="0" hangingPunct="1">
+        <a:defRPr kumimoji="0" kern="1200">
           <a:solidFill>
             <a:schemeClr val="tx1"/>
           </a:solidFill>
@@ -4951,101 +6125,7 @@
           <a:cs typeface="+mn-cs"/>
         </a:defRPr>
       </a:lvl9pPr>
-    </p:bodyStyle>
-    <p:otherStyle>
-      <a:defPPr>
-        <a:defRPr lang="en-US"/>
-      </a:defPPr>
-      <a:lvl1pPr marL="0" algn="l" defTabSz="914400" rtl="0" eaLnBrk="1" latinLnBrk="0" hangingPunct="1">
-        <a:defRPr sz="1800" kern="1200">
-          <a:solidFill>
-            <a:schemeClr val="tx1"/>
-          </a:solidFill>
-          <a:latin typeface="+mn-lt"/>
-          <a:ea typeface="+mn-ea"/>
-          <a:cs typeface="+mn-cs"/>
-        </a:defRPr>
-      </a:lvl1pPr>
-      <a:lvl2pPr marL="457200" algn="l" defTabSz="914400" rtl="0" eaLnBrk="1" latinLnBrk="0" hangingPunct="1">
-        <a:defRPr sz="1800" kern="1200">
-          <a:solidFill>
-            <a:schemeClr val="tx1"/>
-          </a:solidFill>
-          <a:latin typeface="+mn-lt"/>
-          <a:ea typeface="+mn-ea"/>
-          <a:cs typeface="+mn-cs"/>
-        </a:defRPr>
-      </a:lvl2pPr>
-      <a:lvl3pPr marL="914400" algn="l" defTabSz="914400" rtl="0" eaLnBrk="1" latinLnBrk="0" hangingPunct="1">
-        <a:defRPr sz="1800" kern="1200">
-          <a:solidFill>
-            <a:schemeClr val="tx1"/>
-          </a:solidFill>
-          <a:latin typeface="+mn-lt"/>
-          <a:ea typeface="+mn-ea"/>
-          <a:cs typeface="+mn-cs"/>
-        </a:defRPr>
-      </a:lvl3pPr>
-      <a:lvl4pPr marL="1371600" algn="l" defTabSz="914400" rtl="0" eaLnBrk="1" latinLnBrk="0" hangingPunct="1">
-        <a:defRPr sz="1800" kern="1200">
-          <a:solidFill>
-            <a:schemeClr val="tx1"/>
-          </a:solidFill>
-          <a:latin typeface="+mn-lt"/>
-          <a:ea typeface="+mn-ea"/>
-          <a:cs typeface="+mn-cs"/>
-        </a:defRPr>
-      </a:lvl4pPr>
-      <a:lvl5pPr marL="1828800" algn="l" defTabSz="914400" rtl="0" eaLnBrk="1" latinLnBrk="0" hangingPunct="1">
-        <a:defRPr sz="1800" kern="1200">
-          <a:solidFill>
-            <a:schemeClr val="tx1"/>
-          </a:solidFill>
-          <a:latin typeface="+mn-lt"/>
-          <a:ea typeface="+mn-ea"/>
-          <a:cs typeface="+mn-cs"/>
-        </a:defRPr>
-      </a:lvl5pPr>
-      <a:lvl6pPr marL="2286000" algn="l" defTabSz="914400" rtl="0" eaLnBrk="1" latinLnBrk="0" hangingPunct="1">
-        <a:defRPr sz="1800" kern="1200">
-          <a:solidFill>
-            <a:schemeClr val="tx1"/>
-          </a:solidFill>
-          <a:latin typeface="+mn-lt"/>
-          <a:ea typeface="+mn-ea"/>
-          <a:cs typeface="+mn-cs"/>
-        </a:defRPr>
-      </a:lvl6pPr>
-      <a:lvl7pPr marL="2743200" algn="l" defTabSz="914400" rtl="0" eaLnBrk="1" latinLnBrk="0" hangingPunct="1">
-        <a:defRPr sz="1800" kern="1200">
-          <a:solidFill>
-            <a:schemeClr val="tx1"/>
-          </a:solidFill>
-          <a:latin typeface="+mn-lt"/>
-          <a:ea typeface="+mn-ea"/>
-          <a:cs typeface="+mn-cs"/>
-        </a:defRPr>
-      </a:lvl7pPr>
-      <a:lvl8pPr marL="3200400" algn="l" defTabSz="914400" rtl="0" eaLnBrk="1" latinLnBrk="0" hangingPunct="1">
-        <a:defRPr sz="1800" kern="1200">
-          <a:solidFill>
-            <a:schemeClr val="tx1"/>
-          </a:solidFill>
-          <a:latin typeface="+mn-lt"/>
-          <a:ea typeface="+mn-ea"/>
-          <a:cs typeface="+mn-cs"/>
-        </a:defRPr>
-      </a:lvl8pPr>
-      <a:lvl9pPr marL="3657600" algn="l" defTabSz="914400" rtl="0" eaLnBrk="1" latinLnBrk="0" hangingPunct="1">
-        <a:defRPr sz="1800" kern="1200">
-          <a:solidFill>
-            <a:schemeClr val="tx1"/>
-          </a:solidFill>
-          <a:latin typeface="+mn-lt"/>
-          <a:ea typeface="+mn-ea"/>
-          <a:cs typeface="+mn-cs"/>
-        </a:defRPr>
-      </a:lvl9pPr>
+      <a:extLst/>
     </p:otherStyle>
   </p:txStyles>
 </p:sldMaster>
@@ -5085,7 +6165,7 @@
           <a:p>
             <a:r>
               <a:rPr lang="en-US" dirty="0" smtClean="0"/>
-              <a:t>Gamer Selector/Organizer</a:t>
+              <a:t>Gamer Selector / Organizer</a:t>
             </a:r>
             <a:endParaRPr lang="en-US" dirty="0"/>
           </a:p>
@@ -5103,7 +6183,9 @@
         </p:nvSpPr>
         <p:spPr/>
         <p:txBody>
-          <a:bodyPr/>
+          <a:bodyPr>
+            <a:normAutofit lnSpcReduction="10000"/>
+          </a:bodyPr>
           <a:lstStyle/>
           <a:p>
             <a:r>
@@ -5143,6 +6225,279 @@
 </file>
 
 <file path=ppt/slides/slide10.xml><?xml version="1.0" encoding="utf-8"?>
+<p:sld xmlns:a="http://schemas.openxmlformats.org/drawingml/2006/main" xmlns:r="http://schemas.openxmlformats.org/officeDocument/2006/relationships" xmlns:p="http://schemas.openxmlformats.org/presentationml/2006/main">
+  <p:cSld>
+    <p:spTree>
+      <p:nvGrpSpPr>
+        <p:cNvPr id="1" name=""/>
+        <p:cNvGrpSpPr/>
+        <p:nvPr/>
+      </p:nvGrpSpPr>
+      <p:grpSpPr>
+        <a:xfrm>
+          <a:off x="0" y="0"/>
+          <a:ext cx="0" cy="0"/>
+          <a:chOff x="0" y="0"/>
+          <a:chExt cx="0" cy="0"/>
+        </a:xfrm>
+      </p:grpSpPr>
+      <p:sp>
+        <p:nvSpPr>
+          <p:cNvPr id="2" name="Title 1"/>
+          <p:cNvSpPr>
+            <a:spLocks noGrp="1"/>
+          </p:cNvSpPr>
+          <p:nvPr>
+            <p:ph type="title"/>
+          </p:nvPr>
+        </p:nvSpPr>
+        <p:spPr/>
+        <p:txBody>
+          <a:bodyPr>
+            <a:normAutofit fontScale="90000"/>
+          </a:bodyPr>
+          <a:lstStyle/>
+          <a:p>
+            <a:r>
+              <a:rPr lang="en-US" dirty="0" smtClean="0"/>
+              <a:t>First Design / Paper prototype</a:t>
+            </a:r>
+            <a:endParaRPr lang="en-US" dirty="0"/>
+          </a:p>
+        </p:txBody>
+      </p:sp>
+      <p:sp>
+        <p:nvSpPr>
+          <p:cNvPr id="3" name="Content Placeholder 2"/>
+          <p:cNvSpPr>
+            <a:spLocks noGrp="1"/>
+          </p:cNvSpPr>
+          <p:nvPr>
+            <p:ph idx="1"/>
+          </p:nvPr>
+        </p:nvSpPr>
+        <p:spPr/>
+        <p:txBody>
+          <a:bodyPr/>
+          <a:lstStyle/>
+          <a:p>
+            <a:endParaRPr lang="en-US"/>
+          </a:p>
+        </p:txBody>
+      </p:sp>
+      <p:pic>
+        <p:nvPicPr>
+          <p:cNvPr id="26626" name="Picture 2" descr="C:\Users\john\Documents\Jamie\CS545\project\earlyDrawing.jpg"/>
+          <p:cNvPicPr>
+            <a:picLocks noChangeAspect="1" noChangeArrowheads="1"/>
+          </p:cNvPicPr>
+          <p:nvPr/>
+        </p:nvPicPr>
+        <p:blipFill>
+          <a:blip r:embed="rId3" cstate="print"/>
+          <a:srcRect/>
+          <a:stretch>
+            <a:fillRect/>
+          </a:stretch>
+        </p:blipFill>
+        <p:spPr bwMode="auto">
+          <a:xfrm>
+            <a:off x="533400" y="1676400"/>
+            <a:ext cx="7543800" cy="4243388"/>
+          </a:xfrm>
+          <a:prstGeom prst="rect">
+            <a:avLst/>
+          </a:prstGeom>
+          <a:noFill/>
+        </p:spPr>
+      </p:pic>
+    </p:spTree>
+  </p:cSld>
+  <p:clrMapOvr>
+    <a:masterClrMapping/>
+  </p:clrMapOvr>
+</p:sld>
+</file>
+
+<file path=ppt/slides/slide11.xml><?xml version="1.0" encoding="utf-8"?>
+<p:sld xmlns:a="http://schemas.openxmlformats.org/drawingml/2006/main" xmlns:r="http://schemas.openxmlformats.org/officeDocument/2006/relationships" xmlns:p="http://schemas.openxmlformats.org/presentationml/2006/main">
+  <p:cSld>
+    <p:spTree>
+      <p:nvGrpSpPr>
+        <p:cNvPr id="1" name=""/>
+        <p:cNvGrpSpPr/>
+        <p:nvPr/>
+      </p:nvGrpSpPr>
+      <p:grpSpPr>
+        <a:xfrm>
+          <a:off x="0" y="0"/>
+          <a:ext cx="0" cy="0"/>
+          <a:chOff x="0" y="0"/>
+          <a:chExt cx="0" cy="0"/>
+        </a:xfrm>
+      </p:grpSpPr>
+      <p:sp>
+        <p:nvSpPr>
+          <p:cNvPr id="2" name="Title 1"/>
+          <p:cNvSpPr>
+            <a:spLocks noGrp="1"/>
+          </p:cNvSpPr>
+          <p:nvPr>
+            <p:ph type="title"/>
+          </p:nvPr>
+        </p:nvSpPr>
+        <p:spPr/>
+        <p:txBody>
+          <a:bodyPr/>
+          <a:lstStyle/>
+          <a:p>
+            <a:r>
+              <a:rPr lang="en-US" dirty="0" smtClean="0"/>
+              <a:t>Second Design / GUI builder </a:t>
+            </a:r>
+            <a:endParaRPr lang="en-US" dirty="0"/>
+          </a:p>
+        </p:txBody>
+      </p:sp>
+      <p:pic>
+        <p:nvPicPr>
+          <p:cNvPr id="27650" name="Picture 2" descr="C:\Users\john\Documents\Jamie\CS545\project\loginScreen.jpg"/>
+          <p:cNvPicPr>
+            <a:picLocks noChangeAspect="1" noChangeArrowheads="1"/>
+          </p:cNvPicPr>
+          <p:nvPr/>
+        </p:nvPicPr>
+        <p:blipFill>
+          <a:blip r:embed="rId3" cstate="print"/>
+          <a:srcRect/>
+          <a:stretch>
+            <a:fillRect/>
+          </a:stretch>
+        </p:blipFill>
+        <p:spPr bwMode="auto">
+          <a:xfrm>
+            <a:off x="381000" y="1752600"/>
+            <a:ext cx="2711385" cy="2100262"/>
+          </a:xfrm>
+          <a:prstGeom prst="rect">
+            <a:avLst/>
+          </a:prstGeom>
+          <a:noFill/>
+        </p:spPr>
+      </p:pic>
+      <p:pic>
+        <p:nvPicPr>
+          <p:cNvPr id="27651" name="Picture 3" descr="C:\Users\john\Documents\Jamie\CS545\project\PlatformSelect.jpg"/>
+          <p:cNvPicPr>
+            <a:picLocks noChangeAspect="1" noChangeArrowheads="1"/>
+          </p:cNvPicPr>
+          <p:nvPr/>
+        </p:nvPicPr>
+        <p:blipFill>
+          <a:blip r:embed="rId4" cstate="print"/>
+          <a:srcRect/>
+          <a:stretch>
+            <a:fillRect/>
+          </a:stretch>
+        </p:blipFill>
+        <p:spPr bwMode="auto">
+          <a:xfrm>
+            <a:off x="5715000" y="1524000"/>
+            <a:ext cx="3079984" cy="2438400"/>
+          </a:xfrm>
+          <a:prstGeom prst="rect">
+            <a:avLst/>
+          </a:prstGeom>
+          <a:noFill/>
+        </p:spPr>
+      </p:pic>
+      <p:pic>
+        <p:nvPicPr>
+          <p:cNvPr id="27652" name="Picture 4" descr="C:\Users\john\Documents\Jamie\CS545\project\ProfileScreen.jpg"/>
+          <p:cNvPicPr>
+            <a:picLocks noChangeAspect="1" noChangeArrowheads="1"/>
+          </p:cNvPicPr>
+          <p:nvPr/>
+        </p:nvPicPr>
+        <p:blipFill>
+          <a:blip r:embed="rId5" cstate="print"/>
+          <a:srcRect/>
+          <a:stretch>
+            <a:fillRect/>
+          </a:stretch>
+        </p:blipFill>
+        <p:spPr bwMode="auto">
+          <a:xfrm>
+            <a:off x="3048000" y="1447800"/>
+            <a:ext cx="2622734" cy="2286000"/>
+          </a:xfrm>
+          <a:prstGeom prst="rect">
+            <a:avLst/>
+          </a:prstGeom>
+          <a:noFill/>
+        </p:spPr>
+      </p:pic>
+      <p:pic>
+        <p:nvPicPr>
+          <p:cNvPr id="27653" name="Picture 5" descr="C:\Users\john\Documents\Jamie\CS545\project\Querey.jpg"/>
+          <p:cNvPicPr>
+            <a:picLocks noChangeAspect="1" noChangeArrowheads="1"/>
+          </p:cNvPicPr>
+          <p:nvPr/>
+        </p:nvPicPr>
+        <p:blipFill>
+          <a:blip r:embed="rId6" cstate="print"/>
+          <a:srcRect/>
+          <a:stretch>
+            <a:fillRect/>
+          </a:stretch>
+        </p:blipFill>
+        <p:spPr bwMode="auto">
+          <a:xfrm>
+            <a:off x="1905000" y="4191000"/>
+            <a:ext cx="2554287" cy="2544470"/>
+          </a:xfrm>
+          <a:prstGeom prst="rect">
+            <a:avLst/>
+          </a:prstGeom>
+          <a:noFill/>
+        </p:spPr>
+      </p:pic>
+      <p:pic>
+        <p:nvPicPr>
+          <p:cNvPr id="27654" name="Picture 6" descr="C:\Users\john\Documents\Jamie\CS545\project\SelectGame.jpg"/>
+          <p:cNvPicPr>
+            <a:picLocks noChangeAspect="1" noChangeArrowheads="1"/>
+          </p:cNvPicPr>
+          <p:nvPr/>
+        </p:nvPicPr>
+        <p:blipFill>
+          <a:blip r:embed="rId7" cstate="print"/>
+          <a:srcRect/>
+          <a:stretch>
+            <a:fillRect/>
+          </a:stretch>
+        </p:blipFill>
+        <p:spPr bwMode="auto">
+          <a:xfrm>
+            <a:off x="4572000" y="4419600"/>
+            <a:ext cx="2311893" cy="1905000"/>
+          </a:xfrm>
+          <a:prstGeom prst="rect">
+            <a:avLst/>
+          </a:prstGeom>
+          <a:noFill/>
+        </p:spPr>
+      </p:pic>
+    </p:spTree>
+  </p:cSld>
+  <p:clrMapOvr>
+    <a:masterClrMapping/>
+  </p:clrMapOvr>
+</p:sld>
+</file>
+
+<file path=ppt/slides/slide12.xml><?xml version="1.0" encoding="utf-8"?>
 <p:sld xmlns:a="http://schemas.openxmlformats.org/drawingml/2006/main" xmlns:r="http://schemas.openxmlformats.org/officeDocument/2006/relationships" xmlns:p="http://schemas.openxmlformats.org/presentationml/2006/main">
   <p:cSld>
     <p:spTree>
@@ -5287,7 +6642,7 @@
 </p:sld>
 </file>
 
-<file path=ppt/slides/slide11.xml><?xml version="1.0" encoding="utf-8"?>
+<file path=ppt/slides/slide13.xml><?xml version="1.0" encoding="utf-8"?>
 <p:sld xmlns:a="http://schemas.openxmlformats.org/drawingml/2006/main" xmlns:r="http://schemas.openxmlformats.org/officeDocument/2006/relationships" xmlns:p="http://schemas.openxmlformats.org/presentationml/2006/main">
   <p:cSld>
     <p:spTree>
@@ -5387,7 +6742,7 @@
 </p:sld>
 </file>
 
-<file path=ppt/slides/slide12.xml><?xml version="1.0" encoding="utf-8"?>
+<file path=ppt/slides/slide14.xml><?xml version="1.0" encoding="utf-8"?>
 <p:sld xmlns:a="http://schemas.openxmlformats.org/drawingml/2006/main" xmlns:r="http://schemas.openxmlformats.org/officeDocument/2006/relationships" xmlns:p="http://schemas.openxmlformats.org/presentationml/2006/main">
   <p:cSld>
     <p:spTree>
@@ -5414,7 +6769,12 @@
             <p:ph type="title"/>
           </p:nvPr>
         </p:nvSpPr>
-        <p:spPr/>
+        <p:spPr>
+          <a:xfrm>
+            <a:off x="457200" y="320040"/>
+            <a:ext cx="7239000" cy="822960"/>
+          </a:xfrm>
+        </p:spPr>
         <p:txBody>
           <a:bodyPr/>
           <a:lstStyle/>
@@ -5423,25 +6783,6 @@
               <a:rPr lang="en-US" dirty="0" smtClean="0"/>
               <a:t>New User Flow</a:t>
             </a:r>
-            <a:endParaRPr lang="en-US" dirty="0"/>
-          </a:p>
-        </p:txBody>
-      </p:sp>
-      <p:sp>
-        <p:nvSpPr>
-          <p:cNvPr id="3" name="Content Placeholder 2"/>
-          <p:cNvSpPr>
-            <a:spLocks noGrp="1"/>
-          </p:cNvSpPr>
-          <p:nvPr>
-            <p:ph idx="1"/>
-          </p:nvPr>
-        </p:nvSpPr>
-        <p:spPr/>
-        <p:txBody>
-          <a:bodyPr/>
-          <a:lstStyle/>
-          <a:p>
             <a:endParaRPr lang="en-US" dirty="0"/>
           </a:p>
         </p:txBody>
@@ -5532,248 +6873,6 @@
 </p:sld>
 </file>
 
-<file path=ppt/slides/slide13.xml><?xml version="1.0" encoding="utf-8"?>
-<p:sld xmlns:a="http://schemas.openxmlformats.org/drawingml/2006/main" xmlns:r="http://schemas.openxmlformats.org/officeDocument/2006/relationships" xmlns:p="http://schemas.openxmlformats.org/presentationml/2006/main">
-  <p:cSld>
-    <p:spTree>
-      <p:nvGrpSpPr>
-        <p:cNvPr id="1" name=""/>
-        <p:cNvGrpSpPr/>
-        <p:nvPr/>
-      </p:nvGrpSpPr>
-      <p:grpSpPr>
-        <a:xfrm>
-          <a:off x="0" y="0"/>
-          <a:ext cx="0" cy="0"/>
-          <a:chOff x="0" y="0"/>
-          <a:chExt cx="0" cy="0"/>
-        </a:xfrm>
-      </p:grpSpPr>
-      <p:sp>
-        <p:nvSpPr>
-          <p:cNvPr id="2" name="Title 1"/>
-          <p:cNvSpPr>
-            <a:spLocks noGrp="1"/>
-          </p:cNvSpPr>
-          <p:nvPr>
-            <p:ph type="title"/>
-          </p:nvPr>
-        </p:nvSpPr>
-        <p:spPr/>
-        <p:txBody>
-          <a:bodyPr/>
-          <a:lstStyle/>
-          <a:p>
-            <a:r>
-              <a:rPr lang="en-US" dirty="0" smtClean="0"/>
-              <a:t>PAR</a:t>
-            </a:r>
-            <a:endParaRPr lang="en-US" dirty="0"/>
-          </a:p>
-        </p:txBody>
-      </p:sp>
-      <p:sp>
-        <p:nvSpPr>
-          <p:cNvPr id="3" name="Content Placeholder 2"/>
-          <p:cNvSpPr>
-            <a:spLocks noGrp="1"/>
-          </p:cNvSpPr>
-          <p:nvPr>
-            <p:ph idx="1"/>
-          </p:nvPr>
-        </p:nvSpPr>
-        <p:spPr/>
-        <p:txBody>
-          <a:bodyPr>
-            <a:normAutofit lnSpcReduction="10000"/>
-          </a:bodyPr>
-          <a:lstStyle/>
-          <a:p>
-            <a:r>
-              <a:rPr lang="en-US" dirty="0" smtClean="0"/>
-              <a:t>Perception - grouping of class of </a:t>
-            </a:r>
-            <a:r>
-              <a:rPr lang="en-US" dirty="0" err="1" smtClean="0"/>
-              <a:t>pulldown</a:t>
-            </a:r>
-            <a:r>
-              <a:rPr lang="en-US" dirty="0" smtClean="0"/>
-              <a:t> selection categories together. Don't mix, genre with publishing dates since they are quite </a:t>
-            </a:r>
-            <a:r>
-              <a:rPr lang="en-US" dirty="0" err="1" smtClean="0"/>
-              <a:t>differentcategories</a:t>
-            </a:r>
-            <a:r>
-              <a:rPr lang="en-US" dirty="0" smtClean="0"/>
-              <a:t>.</a:t>
-            </a:r>
-          </a:p>
-          <a:p>
-            <a:r>
-              <a:rPr lang="en-US" dirty="0" smtClean="0"/>
-              <a:t>Attention - Highlighting the platform (PC/Xbox/Sony/Switch) selection </a:t>
-            </a:r>
-          </a:p>
-          <a:p>
-            <a:r>
-              <a:rPr lang="en-US" dirty="0" smtClean="0"/>
-              <a:t>Retention - use of pull down selection so the user does not have to remember the categories they are allowed to choose from.</a:t>
-            </a:r>
-          </a:p>
-          <a:p>
-            <a:endParaRPr lang="en-US" dirty="0"/>
-          </a:p>
-        </p:txBody>
-      </p:sp>
-    </p:spTree>
-  </p:cSld>
-  <p:clrMapOvr>
-    <a:masterClrMapping/>
-  </p:clrMapOvr>
-</p:sld>
-</file>
-
-<file path=ppt/slides/slide14.xml><?xml version="1.0" encoding="utf-8"?>
-<p:sld xmlns:a="http://schemas.openxmlformats.org/drawingml/2006/main" xmlns:r="http://schemas.openxmlformats.org/officeDocument/2006/relationships" xmlns:p="http://schemas.openxmlformats.org/presentationml/2006/main">
-  <p:cSld>
-    <p:spTree>
-      <p:nvGrpSpPr>
-        <p:cNvPr id="1" name=""/>
-        <p:cNvGrpSpPr/>
-        <p:nvPr/>
-      </p:nvGrpSpPr>
-      <p:grpSpPr>
-        <a:xfrm>
-          <a:off x="0" y="0"/>
-          <a:ext cx="0" cy="0"/>
-          <a:chOff x="0" y="0"/>
-          <a:chExt cx="0" cy="0"/>
-        </a:xfrm>
-      </p:grpSpPr>
-      <p:sp>
-        <p:nvSpPr>
-          <p:cNvPr id="2" name="Title 1"/>
-          <p:cNvSpPr>
-            <a:spLocks noGrp="1"/>
-          </p:cNvSpPr>
-          <p:nvPr>
-            <p:ph type="title"/>
-          </p:nvPr>
-        </p:nvSpPr>
-        <p:spPr/>
-        <p:txBody>
-          <a:bodyPr/>
-          <a:lstStyle/>
-          <a:p>
-            <a:r>
-              <a:rPr lang="en-US" dirty="0" smtClean="0"/>
-              <a:t>Laws Of Simplicity</a:t>
-            </a:r>
-            <a:endParaRPr lang="en-US" dirty="0"/>
-          </a:p>
-        </p:txBody>
-      </p:sp>
-      <p:sp>
-        <p:nvSpPr>
-          <p:cNvPr id="3" name="Content Placeholder 2"/>
-          <p:cNvSpPr>
-            <a:spLocks noGrp="1"/>
-          </p:cNvSpPr>
-          <p:nvPr>
-            <p:ph idx="1"/>
-          </p:nvPr>
-        </p:nvSpPr>
-        <p:spPr/>
-        <p:txBody>
-          <a:bodyPr>
-            <a:normAutofit fontScale="77500" lnSpcReduction="20000"/>
-          </a:bodyPr>
-          <a:lstStyle/>
-          <a:p>
-            <a:r>
-              <a:rPr lang="en-US" dirty="0"/>
-              <a:t>R</a:t>
-            </a:r>
-            <a:r>
-              <a:rPr lang="en-US" dirty="0" smtClean="0"/>
-              <a:t>educe -  do not give to user too many choices, use of combo-box</a:t>
-            </a:r>
-          </a:p>
-          <a:p>
-            <a:r>
-              <a:rPr lang="en-US" dirty="0"/>
-              <a:t>O</a:t>
-            </a:r>
-            <a:r>
-              <a:rPr lang="en-US" dirty="0" smtClean="0"/>
-              <a:t>rganize  - keep similar items together on a screen </a:t>
-            </a:r>
-          </a:p>
-          <a:p>
-            <a:r>
-              <a:rPr lang="en-US" dirty="0"/>
-              <a:t>T</a:t>
-            </a:r>
-            <a:r>
-              <a:rPr lang="en-US" dirty="0" smtClean="0"/>
-              <a:t>ime - allow guest use app without username</a:t>
-            </a:r>
-          </a:p>
-          <a:p>
-            <a:r>
-              <a:rPr lang="en-US" dirty="0" smtClean="0"/>
-              <a:t>Learn -   </a:t>
-            </a:r>
-          </a:p>
-          <a:p>
-            <a:r>
-              <a:rPr lang="en-US" dirty="0" smtClean="0"/>
-              <a:t>differences</a:t>
-            </a:r>
-          </a:p>
-          <a:p>
-            <a:r>
-              <a:rPr lang="en-US" dirty="0" smtClean="0"/>
-              <a:t>context</a:t>
-            </a:r>
-          </a:p>
-          <a:p>
-            <a:r>
-              <a:rPr lang="en-US" dirty="0" smtClean="0"/>
-              <a:t>emotion</a:t>
-            </a:r>
-          </a:p>
-          <a:p>
-            <a:r>
-              <a:rPr lang="en-US" dirty="0" smtClean="0"/>
-              <a:t>trust</a:t>
-            </a:r>
-          </a:p>
-          <a:p>
-            <a:r>
-              <a:rPr lang="en-US" dirty="0" smtClean="0"/>
-              <a:t>failure</a:t>
-            </a:r>
-          </a:p>
-          <a:p>
-            <a:r>
-              <a:rPr lang="en-US" dirty="0" smtClean="0"/>
-              <a:t>the one – we removed a screen and added a combo-box</a:t>
-            </a:r>
-            <a:endParaRPr lang="en-US" dirty="0"/>
-          </a:p>
-        </p:txBody>
-      </p:sp>
-    </p:spTree>
-  </p:cSld>
-  <p:clrMapOvr>
-    <a:masterClrMapping/>
-  </p:clrMapOvr>
-</p:sld>
-</file>
-
 <file path=ppt/slides/slide15.xml><?xml version="1.0" encoding="utf-8"?>
 <p:sld xmlns:a="http://schemas.openxmlformats.org/drawingml/2006/main" xmlns:r="http://schemas.openxmlformats.org/officeDocument/2006/relationships" xmlns:p="http://schemas.openxmlformats.org/presentationml/2006/main">
   <p:cSld>
@@ -5808,7 +6907,7 @@
           <a:p>
             <a:r>
               <a:rPr lang="en-US" dirty="0" smtClean="0"/>
-              <a:t>Accessibility</a:t>
+              <a:t>Backend – IGDB / Twitch</a:t>
             </a:r>
             <a:endParaRPr lang="en-US" dirty="0"/>
           </a:p>
@@ -5824,48 +6923,85 @@
             <p:ph idx="1"/>
           </p:nvPr>
         </p:nvSpPr>
-        <p:spPr/>
+        <p:spPr>
+          <a:xfrm>
+            <a:off x="457200" y="1600200"/>
+            <a:ext cx="4648200" cy="4855536"/>
+          </a:xfrm>
+        </p:spPr>
         <p:txBody>
           <a:bodyPr/>
           <a:lstStyle/>
           <a:p>
             <a:r>
               <a:rPr lang="en-US" dirty="0" smtClean="0"/>
-              <a:t>We produce an alternate version of the app or a mode for ease of reading.</a:t>
+              <a:t>Database access</a:t>
             </a:r>
           </a:p>
           <a:p>
             <a:pPr lvl="1"/>
             <a:r>
-              <a:rPr lang="en-US" dirty="0" smtClean="0"/>
-              <a:t>High contrast be removing grey background.</a:t>
-            </a:r>
+              <a:rPr lang="en-US" dirty="0" smtClean="0">
+                <a:hlinkClick r:id="rId3"/>
+              </a:rPr>
+              <a:t>https://api-docs.igdb.com/#</a:t>
+            </a:r>
+            <a:r>
+              <a:rPr lang="en-US" dirty="0" smtClean="0">
+                <a:hlinkClick r:id="rId3"/>
+              </a:rPr>
+              <a:t>about</a:t>
+            </a:r>
+            <a:endParaRPr lang="en-US" dirty="0" smtClean="0"/>
           </a:p>
           <a:p>
             <a:pPr lvl="1"/>
             <a:r>
-              <a:rPr lang="en-US" dirty="0" smtClean="0"/>
-              <a:t>We have minimal use of typing in the app</a:t>
-            </a:r>
+              <a:rPr lang="en-US" dirty="0" smtClean="0">
+                <a:hlinkClick r:id="rId4"/>
+              </a:rPr>
+              <a:t>https://pypi.org/project/igdb-api-v4</a:t>
+            </a:r>
+            <a:r>
+              <a:rPr lang="en-US" dirty="0" smtClean="0">
+                <a:hlinkClick r:id="rId4"/>
+              </a:rPr>
+              <a:t>/</a:t>
+            </a:r>
+            <a:endParaRPr lang="en-US" dirty="0" smtClean="0"/>
           </a:p>
           <a:p>
             <a:pPr lvl="1"/>
-            <a:r>
-              <a:rPr lang="en-US" dirty="0" smtClean="0"/>
-              <a:t>Most of the app is point and click via </a:t>
-            </a:r>
-            <a:r>
-              <a:rPr lang="en-US" dirty="0" err="1" smtClean="0"/>
-              <a:t>combobox</a:t>
-            </a:r>
-            <a:r>
-              <a:rPr lang="en-US" dirty="0" err="1"/>
-              <a:t>s</a:t>
-            </a:r>
-            <a:endParaRPr lang="en-US" dirty="0" smtClean="0"/>
-          </a:p>
-        </p:txBody>
-      </p:sp>
+            <a:endParaRPr lang="en-US" dirty="0"/>
+          </a:p>
+        </p:txBody>
+      </p:sp>
+      <p:pic>
+        <p:nvPicPr>
+          <p:cNvPr id="32770" name="Picture 2" descr="C:\Users\john\Documents\Jamie\CS545\project\Authentication – IGDB API docs.jpg"/>
+          <p:cNvPicPr>
+            <a:picLocks noChangeAspect="1" noChangeArrowheads="1"/>
+          </p:cNvPicPr>
+          <p:nvPr/>
+        </p:nvPicPr>
+        <p:blipFill>
+          <a:blip r:embed="rId5" cstate="print"/>
+          <a:srcRect/>
+          <a:stretch>
+            <a:fillRect/>
+          </a:stretch>
+        </p:blipFill>
+        <p:spPr bwMode="auto">
+          <a:xfrm>
+            <a:off x="5353226" y="1600200"/>
+            <a:ext cx="3503437" cy="4724400"/>
+          </a:xfrm>
+          <a:prstGeom prst="rect">
+            <a:avLst/>
+          </a:prstGeom>
+          <a:noFill/>
+        </p:spPr>
+      </p:pic>
     </p:spTree>
   </p:cSld>
   <p:clrMapOvr>
@@ -5903,6 +7039,29 @@
         </p:nvSpPr>
         <p:spPr/>
         <p:txBody>
+          <a:bodyPr/>
+          <a:lstStyle/>
+          <a:p>
+            <a:r>
+              <a:rPr lang="en-US" dirty="0" smtClean="0"/>
+              <a:t>PAR</a:t>
+            </a:r>
+            <a:endParaRPr lang="en-US" dirty="0"/>
+          </a:p>
+        </p:txBody>
+      </p:sp>
+      <p:sp>
+        <p:nvSpPr>
+          <p:cNvPr id="3" name="Content Placeholder 2"/>
+          <p:cNvSpPr>
+            <a:spLocks noGrp="1"/>
+          </p:cNvSpPr>
+          <p:nvPr>
+            <p:ph idx="1"/>
+          </p:nvPr>
+        </p:nvSpPr>
+        <p:spPr/>
+        <p:txBody>
           <a:bodyPr>
             <a:normAutofit/>
           </a:bodyPr>
@@ -5910,82 +7069,31 @@
           <a:p>
             <a:r>
               <a:rPr lang="en-US" dirty="0" smtClean="0"/>
-              <a:t>Heuristic Evaluation</a:t>
-            </a:r>
+              <a:t>Perception - grouping of class of </a:t>
+            </a:r>
+            <a:r>
+              <a:rPr lang="en-US" dirty="0" err="1" smtClean="0"/>
+              <a:t>pulldown</a:t>
+            </a:r>
+            <a:r>
+              <a:rPr lang="en-US" dirty="0" smtClean="0"/>
+              <a:t> selection categories together. Don't mix, genre with publishing dates since they are quite different categories.</a:t>
+            </a:r>
+          </a:p>
+          <a:p>
+            <a:r>
+              <a:rPr lang="en-US" dirty="0" smtClean="0"/>
+              <a:t>Attention - Highlighting the platform (PC/Xbox/Sony/Switch) selection </a:t>
+            </a:r>
+          </a:p>
+          <a:p>
+            <a:r>
+              <a:rPr lang="en-US" dirty="0" smtClean="0"/>
+              <a:t>Retention - use of pull down selection so the user does not have to remember the categories they are allowed to choose from.</a:t>
+            </a:r>
+          </a:p>
+          <a:p>
             <a:endParaRPr lang="en-US" dirty="0"/>
-          </a:p>
-        </p:txBody>
-      </p:sp>
-      <p:sp>
-        <p:nvSpPr>
-          <p:cNvPr id="3" name="Content Placeholder 2"/>
-          <p:cNvSpPr>
-            <a:spLocks noGrp="1"/>
-          </p:cNvSpPr>
-          <p:nvPr>
-            <p:ph idx="1"/>
-          </p:nvPr>
-        </p:nvSpPr>
-        <p:spPr/>
-        <p:txBody>
-          <a:bodyPr/>
-          <a:lstStyle/>
-          <a:p>
-            <a:r>
-              <a:rPr lang="en-US" dirty="0" smtClean="0"/>
-              <a:t>Using Kessler and Nielson’s Evaluation points</a:t>
-            </a:r>
-          </a:p>
-          <a:p>
-            <a:pPr lvl="1"/>
-            <a:r>
-              <a:rPr lang="en-US" dirty="0" smtClean="0"/>
-              <a:t> Appropriate feedback </a:t>
-            </a:r>
-          </a:p>
-          <a:p>
-            <a:pPr lvl="2"/>
-            <a:r>
-              <a:rPr lang="en-US" dirty="0" smtClean="0"/>
-              <a:t>When  user presses a button they see an </a:t>
-            </a:r>
-            <a:r>
-              <a:rPr lang="en-US" dirty="0" err="1" smtClean="0"/>
-              <a:t>appropraite</a:t>
-            </a:r>
-            <a:r>
-              <a:rPr lang="en-US" dirty="0" smtClean="0"/>
-              <a:t> and immediate response.</a:t>
-            </a:r>
-            <a:endParaRPr lang="en-US" dirty="0" smtClean="0"/>
-          </a:p>
-          <a:p>
-            <a:pPr lvl="1"/>
-            <a:r>
-              <a:rPr lang="en-US" dirty="0" smtClean="0"/>
-              <a:t>Prevent Errors</a:t>
-            </a:r>
-          </a:p>
-          <a:p>
-            <a:pPr lvl="2"/>
-            <a:r>
-              <a:rPr lang="en-US" dirty="0" smtClean="0"/>
-              <a:t>Use of combo-box to limit response limits errors.</a:t>
-            </a:r>
-          </a:p>
-          <a:p>
-            <a:pPr lvl="1"/>
-            <a:r>
-              <a:rPr lang="en-US" dirty="0" smtClean="0"/>
-              <a:t>Help</a:t>
-            </a:r>
-          </a:p>
-          <a:p>
-            <a:pPr lvl="2"/>
-            <a:r>
-              <a:rPr lang="en-US" dirty="0" smtClean="0"/>
-              <a:t>An instruction line tells the user what is expected and when and error has occurred.</a:t>
-            </a:r>
           </a:p>
         </p:txBody>
       </p:sp>
@@ -6026,37 +7134,91 @@
         </p:nvSpPr>
         <p:spPr/>
         <p:txBody>
+          <a:bodyPr/>
+          <a:lstStyle/>
+          <a:p>
+            <a:r>
+              <a:rPr lang="en-US" dirty="0" smtClean="0"/>
+              <a:t>Laws Of Simplicity</a:t>
+            </a:r>
+            <a:endParaRPr lang="en-US" dirty="0"/>
+          </a:p>
+        </p:txBody>
+      </p:sp>
+      <p:sp>
+        <p:nvSpPr>
+          <p:cNvPr id="3" name="Content Placeholder 2"/>
+          <p:cNvSpPr>
+            <a:spLocks noGrp="1"/>
+          </p:cNvSpPr>
+          <p:nvPr>
+            <p:ph idx="1"/>
+          </p:nvPr>
+        </p:nvSpPr>
+        <p:spPr/>
+        <p:txBody>
           <a:bodyPr>
-            <a:normAutofit/>
+            <a:normAutofit fontScale="92500" lnSpcReduction="10000"/>
           </a:bodyPr>
           <a:lstStyle/>
           <a:p>
             <a:r>
-              <a:rPr lang="en-US" dirty="0" smtClean="0"/>
-              <a:t>Demo/Build Repo</a:t>
-            </a:r>
-            <a:endParaRPr lang="en-US" dirty="0"/>
-          </a:p>
-        </p:txBody>
-      </p:sp>
-      <p:sp>
-        <p:nvSpPr>
-          <p:cNvPr id="3" name="Content Placeholder 2"/>
-          <p:cNvSpPr>
-            <a:spLocks noGrp="1"/>
-          </p:cNvSpPr>
-          <p:nvPr>
-            <p:ph idx="1"/>
-          </p:nvPr>
-        </p:nvSpPr>
-        <p:spPr/>
-        <p:txBody>
-          <a:bodyPr/>
-          <a:lstStyle/>
-          <a:p>
-            <a:r>
-              <a:rPr lang="en-US" dirty="0" smtClean="0"/>
-              <a:t>https://github.com/JamieShamilian/gamer</a:t>
+              <a:rPr lang="en-US" dirty="0"/>
+              <a:t>R</a:t>
+            </a:r>
+            <a:r>
+              <a:rPr lang="en-US" dirty="0" smtClean="0"/>
+              <a:t>educe -  do not give to user too many choices, use of combo-box</a:t>
+            </a:r>
+          </a:p>
+          <a:p>
+            <a:r>
+              <a:rPr lang="en-US" dirty="0"/>
+              <a:t>O</a:t>
+            </a:r>
+            <a:r>
+              <a:rPr lang="en-US" dirty="0" smtClean="0"/>
+              <a:t>rganize  - keep similar items together on a screen </a:t>
+            </a:r>
+          </a:p>
+          <a:p>
+            <a:r>
+              <a:rPr lang="en-US" dirty="0"/>
+              <a:t>T</a:t>
+            </a:r>
+            <a:r>
+              <a:rPr lang="en-US" dirty="0" smtClean="0"/>
+              <a:t>ime - allow guest use app without registering a username / profile</a:t>
+            </a:r>
+          </a:p>
+          <a:p>
+            <a:r>
+              <a:rPr lang="en-US" dirty="0" smtClean="0"/>
+              <a:t>Learn – the combo-box offers limited need to learn outside of the app, </a:t>
+            </a:r>
+            <a:r>
+              <a:rPr lang="en-US" dirty="0" err="1" smtClean="0"/>
+              <a:t>farmiliarity</a:t>
+            </a:r>
+            <a:r>
+              <a:rPr lang="en-US" dirty="0" smtClean="0"/>
+              <a:t> the available choices makes it easier after just a few uses.</a:t>
+            </a:r>
+          </a:p>
+          <a:p>
+            <a:r>
+              <a:rPr lang="en-US" dirty="0" smtClean="0"/>
+              <a:t>Failure - </a:t>
+            </a:r>
+          </a:p>
+          <a:p>
+            <a:r>
+              <a:rPr lang="en-US" dirty="0" smtClean="0"/>
+              <a:t>T</a:t>
+            </a:r>
+            <a:r>
+              <a:rPr lang="en-US" dirty="0" smtClean="0"/>
+              <a:t>he one – keep it simple, don’t add extras that are not needed</a:t>
             </a:r>
             <a:endParaRPr lang="en-US" dirty="0"/>
           </a:p>
@@ -6104,11 +7266,7 @@
           <a:p>
             <a:r>
               <a:rPr lang="en-US" dirty="0" smtClean="0"/>
-              <a:t>Targeted E </a:t>
-            </a:r>
-            <a:r>
-              <a:rPr lang="en-US" smtClean="0"/>
-              <a:t>– Revisited</a:t>
+              <a:t>Accessibility</a:t>
             </a:r>
             <a:endParaRPr lang="en-US" dirty="0"/>
           </a:p>
@@ -6131,19 +7289,164 @@
           <a:p>
             <a:r>
               <a:rPr lang="en-US" dirty="0" smtClean="0"/>
-              <a:t>Easy to learn</a:t>
+              <a:t>We will produce an alternate version of the app or a mode for ease of reading.</a:t>
             </a:r>
           </a:p>
           <a:p>
             <a:pPr lvl="1"/>
             <a:r>
               <a:rPr lang="en-US" dirty="0" smtClean="0"/>
-              <a:t>We have made the app Easy to learn, but we need to add more criteria categories in order to make the app none trivial.</a:t>
+              <a:t>High contrast by removing grey background.</a:t>
             </a:r>
           </a:p>
           <a:p>
             <a:pPr lvl="1"/>
+            <a:r>
+              <a:rPr lang="en-US" dirty="0" smtClean="0"/>
+              <a:t>Bold fonts for all words</a:t>
+            </a:r>
+          </a:p>
+          <a:p>
+            <a:pPr lvl="1"/>
+            <a:r>
+              <a:rPr lang="en-US" dirty="0" smtClean="0"/>
+              <a:t>We have minimal use of typing in the app</a:t>
+            </a:r>
+          </a:p>
+          <a:p>
+            <a:pPr lvl="1"/>
+            <a:r>
+              <a:rPr lang="en-US" dirty="0" smtClean="0"/>
+              <a:t>Most of the app is point and click via combo-</a:t>
+            </a:r>
+            <a:r>
+              <a:rPr lang="en-US" dirty="0" err="1" smtClean="0"/>
+              <a:t>boxs</a:t>
+            </a:r>
+            <a:endParaRPr lang="en-US" dirty="0" smtClean="0"/>
+          </a:p>
+        </p:txBody>
+      </p:sp>
+    </p:spTree>
+  </p:cSld>
+  <p:clrMapOvr>
+    <a:masterClrMapping/>
+  </p:clrMapOvr>
+</p:sld>
+</file>
+
+<file path=ppt/slides/slide19.xml><?xml version="1.0" encoding="utf-8"?>
+<p:sld xmlns:a="http://schemas.openxmlformats.org/drawingml/2006/main" xmlns:r="http://schemas.openxmlformats.org/officeDocument/2006/relationships" xmlns:p="http://schemas.openxmlformats.org/presentationml/2006/main">
+  <p:cSld>
+    <p:spTree>
+      <p:nvGrpSpPr>
+        <p:cNvPr id="1" name=""/>
+        <p:cNvGrpSpPr/>
+        <p:nvPr/>
+      </p:nvGrpSpPr>
+      <p:grpSpPr>
+        <a:xfrm>
+          <a:off x="0" y="0"/>
+          <a:ext cx="0" cy="0"/>
+          <a:chOff x="0" y="0"/>
+          <a:chExt cx="0" cy="0"/>
+        </a:xfrm>
+      </p:grpSpPr>
+      <p:sp>
+        <p:nvSpPr>
+          <p:cNvPr id="2" name="Title 1"/>
+          <p:cNvSpPr>
+            <a:spLocks noGrp="1"/>
+          </p:cNvSpPr>
+          <p:nvPr>
+            <p:ph type="title"/>
+          </p:nvPr>
+        </p:nvSpPr>
+        <p:spPr/>
+        <p:txBody>
+          <a:bodyPr>
+            <a:normAutofit/>
+          </a:bodyPr>
+          <a:lstStyle/>
+          <a:p>
+            <a:r>
+              <a:rPr lang="en-US" dirty="0" smtClean="0"/>
+              <a:t>Heuristic Evaluation</a:t>
+            </a:r>
             <a:endParaRPr lang="en-US" dirty="0"/>
+          </a:p>
+        </p:txBody>
+      </p:sp>
+      <p:sp>
+        <p:nvSpPr>
+          <p:cNvPr id="3" name="Content Placeholder 2"/>
+          <p:cNvSpPr>
+            <a:spLocks noGrp="1"/>
+          </p:cNvSpPr>
+          <p:nvPr>
+            <p:ph idx="1"/>
+          </p:nvPr>
+        </p:nvSpPr>
+        <p:spPr/>
+        <p:txBody>
+          <a:bodyPr/>
+          <a:lstStyle/>
+          <a:p>
+            <a:r>
+              <a:rPr lang="en-US" dirty="0" smtClean="0"/>
+              <a:t>Using Kessler and Nielson’s Evaluation points</a:t>
+            </a:r>
+          </a:p>
+          <a:p>
+            <a:pPr lvl="1"/>
+            <a:r>
+              <a:rPr lang="en-US" dirty="0" smtClean="0"/>
+              <a:t> Appropriate feedback </a:t>
+            </a:r>
+          </a:p>
+          <a:p>
+            <a:pPr lvl="2"/>
+            <a:r>
+              <a:rPr lang="en-US" dirty="0" smtClean="0"/>
+              <a:t>When  user presses a button they see an </a:t>
+            </a:r>
+            <a:r>
+              <a:rPr lang="en-US" dirty="0" err="1" smtClean="0"/>
+              <a:t>appropraite</a:t>
+            </a:r>
+            <a:r>
+              <a:rPr lang="en-US" dirty="0" smtClean="0"/>
+              <a:t> and immediate response.</a:t>
+            </a:r>
+            <a:endParaRPr lang="en-US" dirty="0" smtClean="0"/>
+          </a:p>
+          <a:p>
+            <a:pPr lvl="1"/>
+            <a:r>
+              <a:rPr lang="en-US" dirty="0" smtClean="0"/>
+              <a:t>Prevent Errors</a:t>
+            </a:r>
+          </a:p>
+          <a:p>
+            <a:pPr lvl="2"/>
+            <a:r>
+              <a:rPr lang="en-US" dirty="0" smtClean="0"/>
+              <a:t>Use of combo-box to limit response limits errors.</a:t>
+            </a:r>
+          </a:p>
+          <a:p>
+            <a:pPr lvl="1"/>
+            <a:r>
+              <a:rPr lang="en-US" dirty="0" smtClean="0"/>
+              <a:t>Help</a:t>
+            </a:r>
+          </a:p>
+          <a:p>
+            <a:pPr lvl="2"/>
+            <a:r>
+              <a:rPr lang="en-US" dirty="0" smtClean="0"/>
+              <a:t>An instruction line tells the user what is expected and when and error has occurred.</a:t>
+            </a:r>
           </a:p>
         </p:txBody>
       </p:sp>
@@ -6189,7 +7492,7 @@
           <a:p>
             <a:r>
               <a:rPr lang="en-US" dirty="0" smtClean="0"/>
-              <a:t>Gamer Description</a:t>
+              <a:t>Gamer Selector Description</a:t>
             </a:r>
             <a:endParaRPr lang="en-US" dirty="0"/>
           </a:p>
@@ -6226,6 +7529,178 @@
               <a:rPr lang="en-US" dirty="0" smtClean="0"/>
               <a:t>The application helps the user limit the interest list, by allowing predefined selection query categories.</a:t>
             </a:r>
+            <a:endParaRPr lang="en-US" dirty="0"/>
+          </a:p>
+        </p:txBody>
+      </p:sp>
+    </p:spTree>
+  </p:cSld>
+  <p:clrMapOvr>
+    <a:masterClrMapping/>
+  </p:clrMapOvr>
+</p:sld>
+</file>
+
+<file path=ppt/slides/slide20.xml><?xml version="1.0" encoding="utf-8"?>
+<p:sld xmlns:a="http://schemas.openxmlformats.org/drawingml/2006/main" xmlns:r="http://schemas.openxmlformats.org/officeDocument/2006/relationships" xmlns:p="http://schemas.openxmlformats.org/presentationml/2006/main">
+  <p:cSld>
+    <p:spTree>
+      <p:nvGrpSpPr>
+        <p:cNvPr id="1" name=""/>
+        <p:cNvGrpSpPr/>
+        <p:nvPr/>
+      </p:nvGrpSpPr>
+      <p:grpSpPr>
+        <a:xfrm>
+          <a:off x="0" y="0"/>
+          <a:ext cx="0" cy="0"/>
+          <a:chOff x="0" y="0"/>
+          <a:chExt cx="0" cy="0"/>
+        </a:xfrm>
+      </p:grpSpPr>
+      <p:sp>
+        <p:nvSpPr>
+          <p:cNvPr id="2" name="Title 1"/>
+          <p:cNvSpPr>
+            <a:spLocks noGrp="1"/>
+          </p:cNvSpPr>
+          <p:nvPr>
+            <p:ph type="title"/>
+          </p:nvPr>
+        </p:nvSpPr>
+        <p:spPr/>
+        <p:txBody>
+          <a:bodyPr>
+            <a:normAutofit/>
+          </a:bodyPr>
+          <a:lstStyle/>
+          <a:p>
+            <a:r>
+              <a:rPr lang="en-US" dirty="0" smtClean="0"/>
+              <a:t>Demo/Build Repo</a:t>
+            </a:r>
+            <a:endParaRPr lang="en-US" dirty="0"/>
+          </a:p>
+        </p:txBody>
+      </p:sp>
+      <p:sp>
+        <p:nvSpPr>
+          <p:cNvPr id="3" name="Content Placeholder 2"/>
+          <p:cNvSpPr>
+            <a:spLocks noGrp="1"/>
+          </p:cNvSpPr>
+          <p:nvPr>
+            <p:ph idx="1"/>
+          </p:nvPr>
+        </p:nvSpPr>
+        <p:spPr/>
+        <p:txBody>
+          <a:bodyPr/>
+          <a:lstStyle/>
+          <a:p>
+            <a:r>
+              <a:rPr lang="en-US" dirty="0" smtClean="0"/>
+              <a:t>https://github.com/JamieShamilian/gamer</a:t>
+            </a:r>
+            <a:endParaRPr lang="en-US" dirty="0"/>
+          </a:p>
+        </p:txBody>
+      </p:sp>
+    </p:spTree>
+  </p:cSld>
+  <p:clrMapOvr>
+    <a:masterClrMapping/>
+  </p:clrMapOvr>
+</p:sld>
+</file>
+
+<file path=ppt/slides/slide21.xml><?xml version="1.0" encoding="utf-8"?>
+<p:sld xmlns:a="http://schemas.openxmlformats.org/drawingml/2006/main" xmlns:r="http://schemas.openxmlformats.org/officeDocument/2006/relationships" xmlns:p="http://schemas.openxmlformats.org/presentationml/2006/main">
+  <p:cSld>
+    <p:spTree>
+      <p:nvGrpSpPr>
+        <p:cNvPr id="1" name=""/>
+        <p:cNvGrpSpPr/>
+        <p:nvPr/>
+      </p:nvGrpSpPr>
+      <p:grpSpPr>
+        <a:xfrm>
+          <a:off x="0" y="0"/>
+          <a:ext cx="0" cy="0"/>
+          <a:chOff x="0" y="0"/>
+          <a:chExt cx="0" cy="0"/>
+        </a:xfrm>
+      </p:grpSpPr>
+      <p:sp>
+        <p:nvSpPr>
+          <p:cNvPr id="2" name="Title 1"/>
+          <p:cNvSpPr>
+            <a:spLocks noGrp="1"/>
+          </p:cNvSpPr>
+          <p:nvPr>
+            <p:ph type="title"/>
+          </p:nvPr>
+        </p:nvSpPr>
+        <p:spPr/>
+        <p:txBody>
+          <a:bodyPr/>
+          <a:lstStyle/>
+          <a:p>
+            <a:r>
+              <a:rPr lang="en-US" dirty="0" smtClean="0"/>
+              <a:t>Targeted E – Revisited</a:t>
+            </a:r>
+            <a:endParaRPr lang="en-US" dirty="0"/>
+          </a:p>
+        </p:txBody>
+      </p:sp>
+      <p:sp>
+        <p:nvSpPr>
+          <p:cNvPr id="3" name="Content Placeholder 2"/>
+          <p:cNvSpPr>
+            <a:spLocks noGrp="1"/>
+          </p:cNvSpPr>
+          <p:nvPr>
+            <p:ph idx="1"/>
+          </p:nvPr>
+        </p:nvSpPr>
+        <p:spPr/>
+        <p:txBody>
+          <a:bodyPr/>
+          <a:lstStyle/>
+          <a:p>
+            <a:r>
+              <a:rPr lang="en-US" dirty="0" smtClean="0"/>
+              <a:t>Easy to learn</a:t>
+            </a:r>
+          </a:p>
+          <a:p>
+            <a:pPr lvl="1"/>
+            <a:r>
+              <a:rPr lang="en-US" dirty="0" smtClean="0"/>
+              <a:t>We have made the app Easy to learn</a:t>
+            </a:r>
+          </a:p>
+          <a:p>
+            <a:pPr lvl="1"/>
+            <a:r>
+              <a:rPr lang="en-US" dirty="0" smtClean="0"/>
+              <a:t>We have added combo-box choices by selecting fields using industry data and available database fields </a:t>
+            </a:r>
+          </a:p>
+          <a:p>
+            <a:pPr lvl="1"/>
+            <a:r>
+              <a:rPr lang="en-US" dirty="0" smtClean="0"/>
+              <a:t>W</a:t>
+            </a:r>
+            <a:r>
+              <a:rPr lang="en-US" dirty="0" smtClean="0"/>
+              <a:t>e need to add more criteria categories in order to make the app more useful to users</a:t>
+            </a:r>
+          </a:p>
+          <a:p>
+            <a:pPr lvl="1"/>
             <a:endParaRPr lang="en-US" dirty="0"/>
           </a:p>
         </p:txBody>
@@ -6363,34 +7838,36 @@
         </p:nvSpPr>
         <p:spPr/>
         <p:txBody>
+          <a:bodyPr>
+            <a:normAutofit fontScale="90000"/>
+          </a:bodyPr>
+          <a:lstStyle/>
+          <a:p>
+            <a:r>
+              <a:rPr lang="en-US" dirty="0" smtClean="0"/>
+              <a:t>Measurement of Improvement</a:t>
+            </a:r>
+            <a:endParaRPr lang="en-US" dirty="0"/>
+          </a:p>
+        </p:txBody>
+      </p:sp>
+      <p:sp>
+        <p:nvSpPr>
+          <p:cNvPr id="3" name="Content Placeholder 2"/>
+          <p:cNvSpPr>
+            <a:spLocks noGrp="1"/>
+          </p:cNvSpPr>
+          <p:nvPr>
+            <p:ph idx="1"/>
+          </p:nvPr>
+        </p:nvSpPr>
+        <p:spPr/>
+        <p:txBody>
           <a:bodyPr/>
           <a:lstStyle/>
           <a:p>
             <a:r>
               <a:rPr lang="en-US" dirty="0" smtClean="0"/>
-              <a:t>Measurement of Improvement</a:t>
-            </a:r>
-            <a:endParaRPr lang="en-US" dirty="0"/>
-          </a:p>
-        </p:txBody>
-      </p:sp>
-      <p:sp>
-        <p:nvSpPr>
-          <p:cNvPr id="3" name="Content Placeholder 2"/>
-          <p:cNvSpPr>
-            <a:spLocks noGrp="1"/>
-          </p:cNvSpPr>
-          <p:nvPr>
-            <p:ph idx="1"/>
-          </p:nvPr>
-        </p:nvSpPr>
-        <p:spPr/>
-        <p:txBody>
-          <a:bodyPr/>
-          <a:lstStyle/>
-          <a:p>
-            <a:r>
-              <a:rPr lang="en-US" dirty="0" smtClean="0"/>
               <a:t>Our application is easy to learn, but the limitation on easy to learn is completeness.</a:t>
             </a:r>
           </a:p>
@@ -6398,6 +7875,20 @@
             <a:r>
               <a:rPr lang="en-US" dirty="0" smtClean="0"/>
               <a:t>We need to provide all possible selections that a user may be looking for.</a:t>
+            </a:r>
+          </a:p>
+          <a:p>
+            <a:r>
+              <a:rPr lang="en-US" dirty="0" smtClean="0"/>
+              <a:t>We use industry data on fields and criteria </a:t>
+            </a:r>
+            <a:r>
+              <a:rPr lang="en-US" dirty="0" err="1" smtClean="0"/>
+              <a:t>avaialbe</a:t>
+            </a:r>
+            <a:r>
+              <a:rPr lang="en-US" dirty="0" smtClean="0"/>
+              <a:t>.</a:t>
             </a:r>
           </a:p>
           <a:p>
@@ -6474,13 +7965,20 @@
           <a:p>
             <a:r>
               <a:rPr lang="en-US" dirty="0" smtClean="0"/>
-              <a:t>Our target populations are in the age group of 18-30 year old.</a:t>
+              <a:t>Our target populations are in the age group of 18-34 year old. (Millennial Gamers)</a:t>
             </a:r>
           </a:p>
           <a:p>
             <a:r>
               <a:rPr lang="en-US" dirty="0" smtClean="0"/>
               <a:t>The population has a reasonable disposable income.</a:t>
+            </a:r>
+            <a:endParaRPr lang="en-US" dirty="0" smtClean="0"/>
+          </a:p>
+          <a:p>
+            <a:r>
+              <a:rPr lang="en-US" dirty="0" smtClean="0"/>
+              <a:t>This population may play on multiple devices</a:t>
             </a:r>
           </a:p>
         </p:txBody>
@@ -6550,7 +8048,9 @@
           </a:xfrm>
         </p:spPr>
         <p:txBody>
-          <a:bodyPr/>
+          <a:bodyPr>
+            <a:normAutofit/>
+          </a:bodyPr>
           <a:lstStyle/>
           <a:p>
             <a:r>
@@ -6686,7 +8186,7 @@
         </p:spPr>
         <p:txBody>
           <a:bodyPr>
-            <a:normAutofit fontScale="92500" lnSpcReduction="10000"/>
+            <a:normAutofit/>
           </a:bodyPr>
           <a:lstStyle/>
           <a:p>
@@ -6744,6 +8244,15 @@
               <a:rPr lang="en-US" dirty="0"/>
               <a:t>Transportation - Uses Public Transit </a:t>
             </a:r>
+            <a:endParaRPr lang="en-US" dirty="0" smtClean="0"/>
+          </a:p>
+          <a:p>
+            <a:pPr lvl="1"/>
+            <a:r>
+              <a:rPr lang="en-US" dirty="0" smtClean="0"/>
+              <a:t>John uses most of this time on his phone.</a:t>
+            </a:r>
+            <a:endParaRPr lang="en-US" dirty="0"/>
           </a:p>
           <a:p>
             <a:endParaRPr lang="en-US" dirty="0"/>
@@ -6811,62 +8320,117 @@
         </p:nvSpPr>
         <p:spPr/>
         <p:txBody>
+          <a:bodyPr>
+            <a:normAutofit fontScale="90000"/>
+          </a:bodyPr>
+          <a:lstStyle/>
+          <a:p>
+            <a:r>
+              <a:rPr lang="en-US" dirty="0" smtClean="0"/>
+              <a:t>Current </a:t>
+            </a:r>
+            <a:r>
+              <a:rPr lang="en-US" dirty="0" err="1" smtClean="0"/>
+              <a:t>avaialble</a:t>
+            </a:r>
+            <a:r>
+              <a:rPr lang="en-US" dirty="0" smtClean="0"/>
+              <a:t> </a:t>
+            </a:r>
+            <a:r>
+              <a:rPr lang="en-US" dirty="0" err="1" smtClean="0"/>
+              <a:t>ApPs</a:t>
+            </a:r>
+            <a:r>
+              <a:rPr lang="en-US" dirty="0" smtClean="0"/>
+              <a:t>		</a:t>
+            </a:r>
+            <a:endParaRPr lang="en-US" dirty="0"/>
+          </a:p>
+        </p:txBody>
+      </p:sp>
+      <p:sp>
+        <p:nvSpPr>
+          <p:cNvPr id="3" name="Content Placeholder 2"/>
+          <p:cNvSpPr>
+            <a:spLocks noGrp="1"/>
+          </p:cNvSpPr>
+          <p:nvPr>
+            <p:ph idx="1"/>
+          </p:nvPr>
+        </p:nvSpPr>
+        <p:spPr/>
+        <p:txBody>
           <a:bodyPr/>
           <a:lstStyle/>
           <a:p>
             <a:r>
               <a:rPr lang="en-US" dirty="0" smtClean="0"/>
-              <a:t>First Design / Paper prototype</a:t>
-            </a:r>
-            <a:endParaRPr lang="en-US" dirty="0"/>
-          </a:p>
-        </p:txBody>
-      </p:sp>
-      <p:sp>
-        <p:nvSpPr>
-          <p:cNvPr id="3" name="Content Placeholder 2"/>
-          <p:cNvSpPr>
-            <a:spLocks noGrp="1"/>
-          </p:cNvSpPr>
-          <p:nvPr>
-            <p:ph idx="1"/>
-          </p:nvPr>
-        </p:nvSpPr>
-        <p:spPr/>
-        <p:txBody>
-          <a:bodyPr/>
-          <a:lstStyle/>
-          <a:p>
-            <a:endParaRPr lang="en-US"/>
-          </a:p>
-        </p:txBody>
-      </p:sp>
-      <p:pic>
-        <p:nvPicPr>
-          <p:cNvPr id="26626" name="Picture 2" descr="C:\Users\john\Documents\Jamie\CS545\project\earlyDrawing.jpg"/>
-          <p:cNvPicPr>
-            <a:picLocks noChangeAspect="1" noChangeArrowheads="1"/>
-          </p:cNvPicPr>
-          <p:nvPr/>
-        </p:nvPicPr>
-        <p:blipFill>
-          <a:blip r:embed="rId3" cstate="print"/>
-          <a:srcRect/>
-          <a:stretch>
-            <a:fillRect/>
-          </a:stretch>
-        </p:blipFill>
-        <p:spPr bwMode="auto">
-          <a:xfrm>
-            <a:off x="533400" y="1676400"/>
-            <a:ext cx="7543800" cy="4243388"/>
-          </a:xfrm>
-          <a:prstGeom prst="rect">
-            <a:avLst/>
-          </a:prstGeom>
-          <a:noFill/>
-        </p:spPr>
-      </p:pic>
+              <a:t>Most apps are provide by publishers</a:t>
+            </a:r>
+          </a:p>
+          <a:p>
+            <a:pPr lvl="1"/>
+            <a:r>
+              <a:rPr lang="en-US" dirty="0" smtClean="0"/>
+              <a:t>Apple Store</a:t>
+            </a:r>
+          </a:p>
+          <a:p>
+            <a:pPr lvl="1"/>
+            <a:r>
+              <a:rPr lang="en-US" dirty="0" smtClean="0"/>
+              <a:t>Google Play store</a:t>
+            </a:r>
+          </a:p>
+          <a:p>
+            <a:pPr lvl="1"/>
+            <a:r>
+              <a:rPr lang="en-US" dirty="0" smtClean="0"/>
+              <a:t>Xbox/Microsoft Store</a:t>
+            </a:r>
+          </a:p>
+          <a:p>
+            <a:pPr lvl="1"/>
+            <a:r>
+              <a:rPr lang="en-US" dirty="0" smtClean="0"/>
+              <a:t>Nintendo Store</a:t>
+            </a:r>
+          </a:p>
+          <a:p>
+            <a:pPr lvl="1"/>
+            <a:endParaRPr lang="en-US" dirty="0" smtClean="0"/>
+          </a:p>
+          <a:p>
+            <a:r>
+              <a:rPr lang="en-US" dirty="0" smtClean="0"/>
+              <a:t>Alternate Sites</a:t>
+            </a:r>
+          </a:p>
+          <a:p>
+            <a:pPr lvl="1"/>
+            <a:r>
+              <a:rPr lang="en-US" dirty="0" smtClean="0"/>
+              <a:t>Game Data Library</a:t>
+            </a:r>
+          </a:p>
+          <a:p>
+            <a:pPr lvl="1"/>
+            <a:r>
+              <a:rPr lang="en-US" dirty="0" smtClean="0"/>
+              <a:t>Video Game Recommendation Engine</a:t>
+            </a:r>
+          </a:p>
+          <a:p>
+            <a:pPr lvl="1"/>
+            <a:endParaRPr lang="en-US" dirty="0" smtClean="0"/>
+          </a:p>
+          <a:p>
+            <a:pPr lvl="1"/>
+            <a:endParaRPr lang="en-US" dirty="0" smtClean="0"/>
+          </a:p>
+        </p:txBody>
+      </p:sp>
     </p:spTree>
   </p:cSld>
   <p:clrMapOvr>
@@ -6909,34 +8473,15 @@
           <a:p>
             <a:r>
               <a:rPr lang="en-US" dirty="0" smtClean="0"/>
-              <a:t>Second Design / GUI builder </a:t>
+              <a:t>Competition</a:t>
             </a:r>
             <a:endParaRPr lang="en-US" dirty="0"/>
-          </a:p>
-        </p:txBody>
-      </p:sp>
-      <p:sp>
-        <p:nvSpPr>
-          <p:cNvPr id="3" name="Content Placeholder 2"/>
-          <p:cNvSpPr>
-            <a:spLocks noGrp="1"/>
-          </p:cNvSpPr>
-          <p:nvPr>
-            <p:ph idx="1"/>
-          </p:nvPr>
-        </p:nvSpPr>
-        <p:spPr/>
-        <p:txBody>
-          <a:bodyPr/>
-          <a:lstStyle/>
-          <a:p>
-            <a:endParaRPr lang="en-US"/>
           </a:p>
         </p:txBody>
       </p:sp>
       <p:pic>
         <p:nvPicPr>
-          <p:cNvPr id="27650" name="Picture 2" descr="C:\Users\john\Documents\Jamie\CS545\project\loginScreen.jpg"/>
+          <p:cNvPr id="31746" name="Picture 2" descr="C:\Users\john\Documents\Jamie\CS545\project\Video Game Recommendation EnginePCMAN.jpg"/>
           <p:cNvPicPr>
             <a:picLocks noChangeAspect="1" noChangeArrowheads="1"/>
           </p:cNvPicPr>
@@ -6951,8 +8496,8 @@
         </p:blipFill>
         <p:spPr bwMode="auto">
           <a:xfrm>
-            <a:off x="914400" y="1752600"/>
-            <a:ext cx="2711385" cy="2100262"/>
+            <a:off x="4495800" y="2907906"/>
+            <a:ext cx="3146644" cy="3654819"/>
           </a:xfrm>
           <a:prstGeom prst="rect">
             <a:avLst/>
@@ -6962,7 +8507,7 @@
       </p:pic>
       <p:pic>
         <p:nvPicPr>
-          <p:cNvPr id="27651" name="Picture 3" descr="C:\Users\john\Documents\Jamie\CS545\project\PlatformSelect.jpg"/>
+          <p:cNvPr id="31747" name="Picture 3" descr="C:\Users\john\Documents\Jamie\CS545\project\Game Search - Game Data Library.jpg"/>
           <p:cNvPicPr>
             <a:picLocks noChangeAspect="1" noChangeArrowheads="1"/>
           </p:cNvPicPr>
@@ -6977,86 +8522,8 @@
         </p:blipFill>
         <p:spPr bwMode="auto">
           <a:xfrm>
-            <a:off x="990600" y="3733800"/>
-            <a:ext cx="3079984" cy="2438400"/>
-          </a:xfrm>
-          <a:prstGeom prst="rect">
-            <a:avLst/>
-          </a:prstGeom>
-          <a:noFill/>
-        </p:spPr>
-      </p:pic>
-      <p:pic>
-        <p:nvPicPr>
-          <p:cNvPr id="27652" name="Picture 4" descr="C:\Users\john\Documents\Jamie\CS545\project\ProfileScreen.jpg"/>
-          <p:cNvPicPr>
-            <a:picLocks noChangeAspect="1" noChangeArrowheads="1"/>
-          </p:cNvPicPr>
-          <p:nvPr/>
-        </p:nvPicPr>
-        <p:blipFill>
-          <a:blip r:embed="rId5" cstate="print"/>
-          <a:srcRect/>
-          <a:stretch>
-            <a:fillRect/>
-          </a:stretch>
-        </p:blipFill>
-        <p:spPr bwMode="auto">
-          <a:xfrm>
-            <a:off x="3505200" y="1524000"/>
-            <a:ext cx="2622734" cy="2286000"/>
-          </a:xfrm>
-          <a:prstGeom prst="rect">
-            <a:avLst/>
-          </a:prstGeom>
-          <a:noFill/>
-        </p:spPr>
-      </p:pic>
-      <p:pic>
-        <p:nvPicPr>
-          <p:cNvPr id="27653" name="Picture 5" descr="C:\Users\john\Documents\Jamie\CS545\project\Querey.jpg"/>
-          <p:cNvPicPr>
-            <a:picLocks noChangeAspect="1" noChangeArrowheads="1"/>
-          </p:cNvPicPr>
-          <p:nvPr/>
-        </p:nvPicPr>
-        <p:blipFill>
-          <a:blip r:embed="rId6" cstate="print"/>
-          <a:srcRect/>
-          <a:stretch>
-            <a:fillRect/>
-          </a:stretch>
-        </p:blipFill>
-        <p:spPr bwMode="auto">
-          <a:xfrm>
-            <a:off x="3657600" y="3810000"/>
-            <a:ext cx="2554287" cy="2544470"/>
-          </a:xfrm>
-          <a:prstGeom prst="rect">
-            <a:avLst/>
-          </a:prstGeom>
-          <a:noFill/>
-        </p:spPr>
-      </p:pic>
-      <p:pic>
-        <p:nvPicPr>
-          <p:cNvPr id="27654" name="Picture 6" descr="C:\Users\john\Documents\Jamie\CS545\project\SelectGame.jpg"/>
-          <p:cNvPicPr>
-            <a:picLocks noChangeAspect="1" noChangeArrowheads="1"/>
-          </p:cNvPicPr>
-          <p:nvPr/>
-        </p:nvPicPr>
-        <p:blipFill>
-          <a:blip r:embed="rId7" cstate="print"/>
-          <a:srcRect/>
-          <a:stretch>
-            <a:fillRect/>
-          </a:stretch>
-        </p:blipFill>
-        <p:spPr bwMode="auto">
-          <a:xfrm>
-            <a:off x="6400800" y="2895601"/>
-            <a:ext cx="2311893" cy="1905000"/>
+            <a:off x="304800" y="1600200"/>
+            <a:ext cx="3941458" cy="3678238"/>
           </a:xfrm>
           <a:prstGeom prst="rect">
             <a:avLst/>
@@ -7073,9 +8540,9 @@
 </file>
 
 <file path=ppt/theme/theme1.xml><?xml version="1.0" encoding="utf-8"?>
-<a:theme xmlns:a="http://schemas.openxmlformats.org/drawingml/2006/main" name="Office Theme">
+<a:theme xmlns:a="http://schemas.openxmlformats.org/drawingml/2006/main" name="Opulent">
   <a:themeElements>
-    <a:clrScheme name="Office">
+    <a:clrScheme name="Opulent">
       <a:dk1>
         <a:sysClr val="windowText" lastClr="000000"/>
       </a:dk1>
@@ -7083,52 +8550,52 @@
         <a:sysClr val="window" lastClr="FFFFFF"/>
       </a:lt1>
       <a:dk2>
-        <a:srgbClr val="1F497D"/>
+        <a:srgbClr val="B13F9A"/>
       </a:dk2>
       <a:lt2>
-        <a:srgbClr val="EEECE1"/>
+        <a:srgbClr val="F4E7ED"/>
       </a:lt2>
       <a:accent1>
-        <a:srgbClr val="4F81BD"/>
+        <a:srgbClr val="B83D68"/>
       </a:accent1>
       <a:accent2>
-        <a:srgbClr val="C0504D"/>
+        <a:srgbClr val="AC66BB"/>
       </a:accent2>
       <a:accent3>
-        <a:srgbClr val="9BBB59"/>
+        <a:srgbClr val="DE6C36"/>
       </a:accent3>
       <a:accent4>
-        <a:srgbClr val="8064A2"/>
+        <a:srgbClr val="F9B639"/>
       </a:accent4>
       <a:accent5>
-        <a:srgbClr val="4BACC6"/>
+        <a:srgbClr val="CF6DA4"/>
       </a:accent5>
       <a:accent6>
-        <a:srgbClr val="F79646"/>
+        <a:srgbClr val="FA8D3D"/>
       </a:accent6>
       <a:hlink>
-        <a:srgbClr val="0000FF"/>
+        <a:srgbClr val="FFDE66"/>
       </a:hlink>
       <a:folHlink>
-        <a:srgbClr val="800080"/>
+        <a:srgbClr val="D490C5"/>
       </a:folHlink>
     </a:clrScheme>
-    <a:fontScheme name="Office">
+    <a:fontScheme name="Opulent">
       <a:majorFont>
-        <a:latin typeface="Calibri"/>
+        <a:latin typeface="Trebuchet MS"/>
         <a:ea typeface=""/>
         <a:cs typeface=""/>
-        <a:font script="Jpan" typeface="ＭＳ Ｐゴシック"/>
-        <a:font script="Hang" typeface="맑은 고딕"/>
-        <a:font script="Hans" typeface="宋体"/>
-        <a:font script="Hant" typeface="新細明體"/>
-        <a:font script="Arab" typeface="Times New Roman"/>
-        <a:font script="Hebr" typeface="Times New Roman"/>
-        <a:font script="Thai" typeface="Angsana New"/>
+        <a:font script="Jpan" typeface="HG丸ｺﾞｼｯｸM-PRO"/>
+        <a:font script="Hang" typeface="HY그래픽M"/>
+        <a:font script="Hans" typeface="黑体"/>
+        <a:font script="Hant" typeface="微軟正黑體"/>
+        <a:font script="Arab" typeface="Tahoma"/>
+        <a:font script="Hebr" typeface="Gisha"/>
+        <a:font script="Thai" typeface="IrisUPC"/>
         <a:font script="Ethi" typeface="Nyala"/>
         <a:font script="Beng" typeface="Vrinda"/>
         <a:font script="Gujr" typeface="Shruti"/>
-        <a:font script="Khmr" typeface="MoolBoran"/>
+        <a:font script="Khmr" typeface="DaunPenh"/>
         <a:font script="Knda" typeface="Tunga"/>
         <a:font script="Guru" typeface="Raavi"/>
         <a:font script="Cans" typeface="Euphemia"/>
@@ -7145,20 +8612,20 @@
         <a:font script="Laoo" typeface="DokChampa"/>
         <a:font script="Sinh" typeface="Iskoola Pota"/>
         <a:font script="Mong" typeface="Mongolian Baiti"/>
-        <a:font script="Viet" typeface="Times New Roman"/>
+        <a:font script="Viet" typeface="Tahoma"/>
         <a:font script="Uigh" typeface="Microsoft Uighur"/>
       </a:majorFont>
       <a:minorFont>
-        <a:latin typeface="Calibri"/>
+        <a:latin typeface="Trebuchet MS"/>
         <a:ea typeface=""/>
         <a:cs typeface=""/>
-        <a:font script="Jpan" typeface="ＭＳ Ｐゴシック"/>
-        <a:font script="Hang" typeface="맑은 고딕"/>
-        <a:font script="Hans" typeface="宋体"/>
-        <a:font script="Hant" typeface="新細明體"/>
-        <a:font script="Arab" typeface="Arial"/>
-        <a:font script="Hebr" typeface="Arial"/>
-        <a:font script="Thai" typeface="Cordia New"/>
+        <a:font script="Jpan" typeface="HG丸ｺﾞｼｯｸM-PRO"/>
+        <a:font script="Hang" typeface="HY그래픽M"/>
+        <a:font script="Hans" typeface="华文新魏"/>
+        <a:font script="Hant" typeface="微軟正黑體"/>
+        <a:font script="Arab" typeface="Tahoma"/>
+        <a:font script="Hebr" typeface="Gisha"/>
+        <a:font script="Thai" typeface="IrisUPC"/>
         <a:font script="Ethi" typeface="Nyala"/>
         <a:font script="Beng" typeface="Vrinda"/>
         <a:font script="Gujr" typeface="Shruti"/>
@@ -7183,7 +8650,7 @@
         <a:font script="Uigh" typeface="Microsoft Uighur"/>
       </a:minorFont>
     </a:fontScheme>
-    <a:fmtScheme name="Office">
+    <a:fmtScheme name="Opulent">
       <a:fillStyleLst>
         <a:solidFill>
           <a:schemeClr val="phClr"/>
@@ -7192,66 +8659,89 @@
           <a:gsLst>
             <a:gs pos="0">
               <a:schemeClr val="phClr">
-                <a:tint val="50000"/>
-                <a:satMod val="300000"/>
+                <a:tint val="15000"/>
+                <a:satMod val="250000"/>
               </a:schemeClr>
             </a:gs>
-            <a:gs pos="35000">
+            <a:gs pos="49000">
               <a:schemeClr val="phClr">
-                <a:tint val="37000"/>
-                <a:satMod val="300000"/>
+                <a:tint val="50000"/>
+                <a:satMod val="200000"/>
+              </a:schemeClr>
+            </a:gs>
+            <a:gs pos="49100">
+              <a:schemeClr val="phClr">
+                <a:tint val="64000"/>
+                <a:satMod val="160000"/>
+              </a:schemeClr>
+            </a:gs>
+            <a:gs pos="92000">
+              <a:schemeClr val="phClr">
+                <a:tint val="50000"/>
+                <a:satMod val="200000"/>
               </a:schemeClr>
             </a:gs>
             <a:gs pos="100000">
               <a:schemeClr val="phClr">
-                <a:tint val="15000"/>
-                <a:satMod val="350000"/>
+                <a:tint val="43000"/>
+                <a:satMod val="190000"/>
               </a:schemeClr>
             </a:gs>
           </a:gsLst>
-          <a:lin ang="16200000" scaled="1"/>
+          <a:lin ang="5400000" scaled="1"/>
         </a:gradFill>
         <a:gradFill rotWithShape="1">
           <a:gsLst>
             <a:gs pos="0">
               <a:schemeClr val="phClr">
-                <a:shade val="51000"/>
-                <a:satMod val="130000"/>
+                <a:tint val="74000"/>
               </a:schemeClr>
             </a:gs>
-            <a:gs pos="80000">
+            <a:gs pos="49000">
               <a:schemeClr val="phClr">
-                <a:shade val="93000"/>
-                <a:satMod val="130000"/>
+                <a:tint val="96000"/>
+                <a:shade val="84000"/>
+                <a:satMod val="110000"/>
+              </a:schemeClr>
+            </a:gs>
+            <a:gs pos="49100">
+              <a:schemeClr val="phClr">
+                <a:shade val="55000"/>
+                <a:satMod val="150000"/>
+              </a:schemeClr>
+            </a:gs>
+            <a:gs pos="92000">
+              <a:schemeClr val="phClr">
+                <a:tint val="98000"/>
+                <a:shade val="90000"/>
+                <a:satMod val="128000"/>
               </a:schemeClr>
             </a:gs>
             <a:gs pos="100000">
               <a:schemeClr val="phClr">
-                <a:shade val="94000"/>
-                <a:satMod val="135000"/>
+                <a:tint val="90000"/>
+                <a:shade val="97000"/>
+                <a:satMod val="128000"/>
               </a:schemeClr>
             </a:gs>
           </a:gsLst>
-          <a:lin ang="16200000" scaled="0"/>
+          <a:lin ang="5400000" scaled="1"/>
         </a:gradFill>
       </a:fillStyleLst>
       <a:lnStyleLst>
-        <a:ln w="9525" cap="flat" cmpd="sng" algn="ctr">
-          <a:solidFill>
-            <a:schemeClr val="phClr">
-              <a:shade val="95000"/>
-              <a:satMod val="105000"/>
-            </a:schemeClr>
-          </a:solidFill>
-          <a:prstDash val="solid"/>
-        </a:ln>
-        <a:ln w="25400" cap="flat" cmpd="sng" algn="ctr">
+        <a:ln w="11430" cap="flat" cmpd="sng" algn="ctr">
           <a:solidFill>
             <a:schemeClr val="phClr"/>
           </a:solidFill>
           <a:prstDash val="solid"/>
         </a:ln>
-        <a:ln w="38100" cap="flat" cmpd="sng" algn="ctr">
+        <a:ln w="40000" cap="flat" cmpd="sng" algn="ctr">
+          <a:solidFill>
+            <a:schemeClr val="phClr"/>
+          </a:solidFill>
+          <a:prstDash val="solid"/>
+        </a:ln>
+        <a:ln w="31800" cap="flat" cmpd="sng" algn="ctr">
           <a:solidFill>
             <a:schemeClr val="phClr"/>
           </a:solidFill>
@@ -7261,40 +8751,44 @@
       <a:effectStyleLst>
         <a:effectStyle>
           <a:effectLst>
-            <a:outerShdw blurRad="40000" dist="20000" dir="5400000" rotWithShape="0">
-              <a:srgbClr val="000000">
+            <a:outerShdw blurRad="50800" dist="25000" dir="5400000" rotWithShape="0">
+              <a:schemeClr val="phClr">
+                <a:shade val="30000"/>
+                <a:satMod val="150000"/>
                 <a:alpha val="38000"/>
-              </a:srgbClr>
+              </a:schemeClr>
             </a:outerShdw>
           </a:effectLst>
         </a:effectStyle>
         <a:effectStyle>
           <a:effectLst>
-            <a:outerShdw blurRad="40000" dist="23000" dir="5400000" rotWithShape="0">
-              <a:srgbClr val="000000">
-                <a:alpha val="35000"/>
-              </a:srgbClr>
+            <a:outerShdw blurRad="39000" dist="25400" dir="5400000" rotWithShape="0">
+              <a:schemeClr val="phClr">
+                <a:shade val="33000"/>
+                <a:alpha val="83000"/>
+              </a:schemeClr>
             </a:outerShdw>
           </a:effectLst>
         </a:effectStyle>
         <a:effectStyle>
           <a:effectLst>
-            <a:outerShdw blurRad="40000" dist="23000" dir="5400000" rotWithShape="0">
-              <a:srgbClr val="000000">
-                <a:alpha val="35000"/>
-              </a:srgbClr>
+            <a:outerShdw blurRad="39000" dist="25400" dir="5400000" rotWithShape="0">
+              <a:schemeClr val="phClr">
+                <a:shade val="33000"/>
+                <a:alpha val="83000"/>
+              </a:schemeClr>
             </a:outerShdw>
           </a:effectLst>
           <a:scene3d>
-            <a:camera prst="orthographicFront">
+            <a:camera prst="orthographicFront" fov="0">
               <a:rot lat="0" lon="0" rev="0"/>
             </a:camera>
-            <a:lightRig rig="threePt" dir="t">
-              <a:rot lat="0" lon="0" rev="1200000"/>
+            <a:lightRig rig="contrasting" dir="t">
+              <a:rot lat="0" lon="0" rev="1500000"/>
             </a:lightRig>
           </a:scene3d>
-          <a:sp3d>
-            <a:bevelT w="63500" h="25400"/>
+          <a:sp3d extrusionH="127000" prstMaterial="powder">
+            <a:bevelT w="50800" h="63500"/>
           </a:sp3d>
         </a:effectStyle>
       </a:effectStyleLst>
@@ -7306,40 +8800,14 @@
           <a:gsLst>
             <a:gs pos="0">
               <a:schemeClr val="phClr">
-                <a:tint val="40000"/>
-                <a:satMod val="350000"/>
-              </a:schemeClr>
-            </a:gs>
-            <a:gs pos="40000">
-              <a:schemeClr val="phClr">
-                <a:tint val="45000"/>
-                <a:shade val="99000"/>
-                <a:satMod val="350000"/>
+                <a:tint val="78000"/>
+                <a:satMod val="220000"/>
               </a:schemeClr>
             </a:gs>
             <a:gs pos="100000">
               <a:schemeClr val="phClr">
-                <a:shade val="20000"/>
-                <a:satMod val="255000"/>
-              </a:schemeClr>
-            </a:gs>
-          </a:gsLst>
-          <a:path path="circle">
-            <a:fillToRect l="50000" t="-80000" r="50000" b="180000"/>
-          </a:path>
-        </a:gradFill>
-        <a:gradFill rotWithShape="1">
-          <a:gsLst>
-            <a:gs pos="0">
-              <a:schemeClr val="phClr">
-                <a:tint val="80000"/>
-                <a:satMod val="300000"/>
-              </a:schemeClr>
-            </a:gs>
-            <a:gs pos="100000">
-              <a:schemeClr val="phClr">
-                <a:shade val="30000"/>
-                <a:satMod val="200000"/>
+                <a:shade val="35000"/>
+                <a:satMod val="155000"/>
               </a:schemeClr>
             </a:gs>
           </a:gsLst>
@@ -7347,6 +8815,21 @@
             <a:fillToRect l="50000" t="50000" r="50000" b="50000"/>
           </a:path>
         </a:gradFill>
+        <a:blipFill>
+          <a:blip xmlns:r="http://schemas.openxmlformats.org/officeDocument/2006/relationships" r:embed="rId1">
+            <a:duotone>
+              <a:schemeClr val="phClr">
+                <a:shade val="60000"/>
+                <a:satMod val="180000"/>
+              </a:schemeClr>
+              <a:schemeClr val="phClr">
+                <a:tint val="500"/>
+                <a:satMod val="150000"/>
+              </a:schemeClr>
+            </a:duotone>
+          </a:blip>
+          <a:tile tx="0" ty="0" sx="50000" sy="50000" flip="none" algn="tl"/>
+        </a:blipFill>
       </a:bgFillStyleLst>
     </a:fmtScheme>
   </a:themeElements>

--- a/doc/GamerSelect.pptx
+++ b/doc/GamerSelect.pptx
@@ -212,7 +212,8 @@
           <a:p>
             <a:fld id="{ED273F8B-0A81-430A-AE48-ED00AAA24648}" type="datetimeFigureOut">
               <a:rPr lang="en-US" smtClean="0"/>
-              <a:t>11/26/2020</a:t>
+              <a:pPr/>
+              <a:t>12/3/2020</a:t>
             </a:fld>
             <a:endParaRPr lang="en-US"/>
           </a:p>
@@ -373,6 +374,7 @@
           <a:p>
             <a:fld id="{8EFF1462-1B44-4FEF-BBC6-6F619544FF58}" type="slidenum">
               <a:rPr lang="en-US" smtClean="0"/>
+              <a:pPr/>
               <a:t>‹#›</a:t>
             </a:fld>
             <a:endParaRPr lang="en-US"/>
@@ -552,6 +554,7 @@
           <a:p>
             <a:fld id="{8EFF1462-1B44-4FEF-BBC6-6F619544FF58}" type="slidenum">
               <a:rPr lang="en-US" smtClean="0"/>
+              <a:pPr/>
               <a:t>1</a:t>
             </a:fld>
             <a:endParaRPr lang="en-US"/>
@@ -655,6 +658,7 @@
           <a:p>
             <a:fld id="{8EFF1462-1B44-4FEF-BBC6-6F619544FF58}" type="slidenum">
               <a:rPr lang="en-US" smtClean="0"/>
+              <a:pPr/>
               <a:t>11</a:t>
             </a:fld>
             <a:endParaRPr lang="en-US"/>
@@ -770,6 +774,7 @@
           <a:p>
             <a:fld id="{8EFF1462-1B44-4FEF-BBC6-6F619544FF58}" type="slidenum">
               <a:rPr lang="en-US" smtClean="0"/>
+              <a:pPr/>
               <a:t>12</a:t>
             </a:fld>
             <a:endParaRPr lang="en-US"/>
@@ -904,6 +909,7 @@
           <a:p>
             <a:fld id="{8EFF1462-1B44-4FEF-BBC6-6F619544FF58}" type="slidenum">
               <a:rPr lang="en-US" smtClean="0"/>
+              <a:pPr/>
               <a:t>13</a:t>
             </a:fld>
             <a:endParaRPr lang="en-US"/>
@@ -1014,6 +1020,7 @@
           <a:p>
             <a:fld id="{8EFF1462-1B44-4FEF-BBC6-6F619544FF58}" type="slidenum">
               <a:rPr lang="en-US" smtClean="0"/>
+              <a:pPr/>
               <a:t>14</a:t>
             </a:fld>
             <a:endParaRPr lang="en-US"/>
@@ -1128,6 +1135,7 @@
           <a:p>
             <a:fld id="{8EFF1462-1B44-4FEF-BBC6-6F619544FF58}" type="slidenum">
               <a:rPr lang="en-US" smtClean="0"/>
+              <a:pPr/>
               <a:t>15</a:t>
             </a:fld>
             <a:endParaRPr lang="en-US"/>
@@ -1209,6 +1217,7 @@
           <a:p>
             <a:fld id="{8EFF1462-1B44-4FEF-BBC6-6F619544FF58}" type="slidenum">
               <a:rPr lang="en-US" smtClean="0"/>
+              <a:pPr/>
               <a:t>17</a:t>
             </a:fld>
             <a:endParaRPr lang="en-US"/>
@@ -1290,6 +1299,7 @@
           <a:p>
             <a:fld id="{8EFF1462-1B44-4FEF-BBC6-6F619544FF58}" type="slidenum">
               <a:rPr lang="en-US" smtClean="0"/>
+              <a:pPr/>
               <a:t>19</a:t>
             </a:fld>
             <a:endParaRPr lang="en-US"/>
@@ -1540,6 +1550,7 @@
           <a:p>
             <a:fld id="{8EFF1462-1B44-4FEF-BBC6-6F619544FF58}" type="slidenum">
               <a:rPr lang="en-US" smtClean="0"/>
+              <a:pPr/>
               <a:t>20</a:t>
             </a:fld>
             <a:endParaRPr lang="en-US"/>
@@ -1673,6 +1684,7 @@
           <a:p>
             <a:fld id="{8EFF1462-1B44-4FEF-BBC6-6F619544FF58}" type="slidenum">
               <a:rPr lang="en-US" smtClean="0"/>
+              <a:pPr/>
               <a:t>2</a:t>
             </a:fld>
             <a:endParaRPr lang="en-US"/>
@@ -1762,6 +1774,7 @@
           <a:p>
             <a:fld id="{8EFF1462-1B44-4FEF-BBC6-6F619544FF58}" type="slidenum">
               <a:rPr lang="en-US" smtClean="0"/>
+              <a:pPr/>
               <a:t>3</a:t>
             </a:fld>
             <a:endParaRPr lang="en-US"/>
@@ -1849,7 +1862,7 @@
               <a:defRPr/>
             </a:pPr>
             <a:r>
-              <a:rPr lang="en-US" sz="1200" b="0" i="0" u="none" strike="noStrike" kern="1200" smtClean="0">
+              <a:rPr lang="en-US" sz="1200" b="0" i="0" u="none" strike="noStrike" kern="1200" dirty="0" smtClean="0">
                 <a:solidFill>
                   <a:schemeClr val="tx1"/>
                 </a:solidFill>
@@ -1861,7 +1874,7 @@
               <a:t>Millennial Gamers (18-34)</a:t>
             </a:r>
             <a:r>
-              <a:rPr lang="en-US" sz="1200" b="0" i="1" kern="1200" smtClean="0">
+              <a:rPr lang="en-US" sz="1200" b="0" i="1" kern="1200" dirty="0" smtClean="0">
                 <a:solidFill>
                   <a:schemeClr val="tx1"/>
                 </a:solidFill>
@@ -1872,7 +1885,7 @@
               <a:t>  – </a:t>
             </a:r>
             <a:r>
-              <a:rPr lang="en-US" sz="1200" b="0" i="0" kern="1200" smtClean="0">
+              <a:rPr lang="en-US" sz="1200" b="0" i="0" kern="1200" dirty="0" smtClean="0">
                 <a:solidFill>
                   <a:schemeClr val="tx1"/>
                 </a:solidFill>
@@ -1905,6 +1918,7 @@
           <a:p>
             <a:fld id="{8EFF1462-1B44-4FEF-BBC6-6F619544FF58}" type="slidenum">
               <a:rPr lang="en-US" smtClean="0"/>
+              <a:pPr/>
               <a:t>5</a:t>
             </a:fld>
             <a:endParaRPr lang="en-US"/>
@@ -2116,6 +2130,7 @@
           <a:p>
             <a:fld id="{8EFF1462-1B44-4FEF-BBC6-6F619544FF58}" type="slidenum">
               <a:rPr lang="en-US" smtClean="0"/>
+              <a:pPr/>
               <a:t>6</a:t>
             </a:fld>
             <a:endParaRPr lang="en-US"/>
@@ -2249,6 +2264,7 @@
           <a:p>
             <a:fld id="{8EFF1462-1B44-4FEF-BBC6-6F619544FF58}" type="slidenum">
               <a:rPr lang="en-US" smtClean="0"/>
+              <a:pPr/>
               <a:t>7</a:t>
             </a:fld>
             <a:endParaRPr lang="en-US"/>
@@ -2431,6 +2447,7 @@
           <a:p>
             <a:fld id="{8EFF1462-1B44-4FEF-BBC6-6F619544FF58}" type="slidenum">
               <a:rPr lang="en-US" smtClean="0"/>
+              <a:pPr/>
               <a:t>8</a:t>
             </a:fld>
             <a:endParaRPr lang="en-US"/>
@@ -2538,6 +2555,7 @@
           <a:p>
             <a:fld id="{8EFF1462-1B44-4FEF-BBC6-6F619544FF58}" type="slidenum">
               <a:rPr lang="en-US" smtClean="0"/>
+              <a:pPr/>
               <a:t>9</a:t>
             </a:fld>
             <a:endParaRPr lang="en-US"/>
@@ -2671,6 +2689,7 @@
           <a:p>
             <a:fld id="{8EFF1462-1B44-4FEF-BBC6-6F619544FF58}" type="slidenum">
               <a:rPr lang="en-US" smtClean="0"/>
+              <a:pPr/>
               <a:t>10</a:t>
             </a:fld>
             <a:endParaRPr lang="en-US"/>
@@ -2955,7 +2974,8 @@
           <a:p>
             <a:fld id="{4C74A437-BCC5-41B8-9970-7953AC543813}" type="datetimeFigureOut">
               <a:rPr lang="en-US" smtClean="0"/>
-              <a:t>11/26/2020</a:t>
+              <a:pPr/>
+              <a:t>12/3/2020</a:t>
             </a:fld>
             <a:endParaRPr lang="en-US"/>
           </a:p>
@@ -3025,6 +3045,7 @@
           <a:p>
             <a:fld id="{5846D973-989A-48E9-918B-E9430945A2AF}" type="slidenum">
               <a:rPr lang="en-US" smtClean="0"/>
+              <a:pPr/>
               <a:t>‹#›</a:t>
             </a:fld>
             <a:endParaRPr lang="en-US"/>
@@ -3154,7 +3175,8 @@
           <a:p>
             <a:fld id="{4C74A437-BCC5-41B8-9970-7953AC543813}" type="datetimeFigureOut">
               <a:rPr lang="en-US" smtClean="0"/>
-              <a:t>11/26/2020</a:t>
+              <a:pPr/>
+              <a:t>12/3/2020</a:t>
             </a:fld>
             <a:endParaRPr lang="en-US"/>
           </a:p>
@@ -3200,6 +3222,7 @@
           <a:p>
             <a:fld id="{5846D973-989A-48E9-918B-E9430945A2AF}" type="slidenum">
               <a:rPr lang="en-US" smtClean="0"/>
+              <a:pPr/>
               <a:t>‹#›</a:t>
             </a:fld>
             <a:endParaRPr lang="en-US"/>
@@ -3344,7 +3367,8 @@
           <a:p>
             <a:fld id="{4C74A437-BCC5-41B8-9970-7953AC543813}" type="datetimeFigureOut">
               <a:rPr lang="en-US" smtClean="0"/>
-              <a:t>11/26/2020</a:t>
+              <a:pPr/>
+              <a:t>12/3/2020</a:t>
             </a:fld>
             <a:endParaRPr lang="en-US"/>
           </a:p>
@@ -3407,6 +3431,7 @@
           <a:p>
             <a:fld id="{5846D973-989A-48E9-918B-E9430945A2AF}" type="slidenum">
               <a:rPr lang="en-US" smtClean="0"/>
+              <a:pPr/>
               <a:t>‹#›</a:t>
             </a:fld>
             <a:endParaRPr lang="en-US"/>
@@ -3536,7 +3561,8 @@
           <a:p>
             <a:fld id="{4C74A437-BCC5-41B8-9970-7953AC543813}" type="datetimeFigureOut">
               <a:rPr lang="en-US" smtClean="0"/>
-              <a:t>11/26/2020</a:t>
+              <a:pPr/>
+              <a:t>12/3/2020</a:t>
             </a:fld>
             <a:endParaRPr lang="en-US"/>
           </a:p>
@@ -3582,6 +3608,7 @@
           <a:p>
             <a:fld id="{5846D973-989A-48E9-918B-E9430945A2AF}" type="slidenum">
               <a:rPr lang="en-US" smtClean="0"/>
+              <a:pPr/>
               <a:t>‹#›</a:t>
             </a:fld>
             <a:endParaRPr lang="en-US"/>
@@ -3762,7 +3789,8 @@
           <a:p>
             <a:fld id="{4C74A437-BCC5-41B8-9970-7953AC543813}" type="datetimeFigureOut">
               <a:rPr lang="en-US" smtClean="0"/>
-              <a:t>11/26/2020</a:t>
+              <a:pPr/>
+              <a:t>12/3/2020</a:t>
             </a:fld>
             <a:endParaRPr lang="en-US"/>
           </a:p>
@@ -3825,6 +3853,7 @@
           <a:p>
             <a:fld id="{5846D973-989A-48E9-918B-E9430945A2AF}" type="slidenum">
               <a:rPr lang="en-US" smtClean="0"/>
+              <a:pPr/>
               <a:t>‹#›</a:t>
             </a:fld>
             <a:endParaRPr lang="en-US"/>
@@ -4053,7 +4082,8 @@
           <a:p>
             <a:fld id="{4C74A437-BCC5-41B8-9970-7953AC543813}" type="datetimeFigureOut">
               <a:rPr lang="en-US" smtClean="0"/>
-              <a:t>11/26/2020</a:t>
+              <a:pPr/>
+              <a:t>12/3/2020</a:t>
             </a:fld>
             <a:endParaRPr lang="en-US"/>
           </a:p>
@@ -4099,6 +4129,7 @@
           <a:p>
             <a:fld id="{5846D973-989A-48E9-918B-E9430945A2AF}" type="slidenum">
               <a:rPr lang="en-US" smtClean="0"/>
+              <a:pPr/>
               <a:t>‹#›</a:t>
             </a:fld>
             <a:endParaRPr lang="en-US"/>
@@ -4484,7 +4515,8 @@
           <a:p>
             <a:fld id="{4C74A437-BCC5-41B8-9970-7953AC543813}" type="datetimeFigureOut">
               <a:rPr lang="en-US" smtClean="0"/>
-              <a:t>11/26/2020</a:t>
+              <a:pPr/>
+              <a:t>12/3/2020</a:t>
             </a:fld>
             <a:endParaRPr lang="en-US"/>
           </a:p>
@@ -4530,6 +4562,7 @@
           <a:p>
             <a:fld id="{5846D973-989A-48E9-918B-E9430945A2AF}" type="slidenum">
               <a:rPr lang="en-US" smtClean="0"/>
+              <a:pPr/>
               <a:t>‹#›</a:t>
             </a:fld>
             <a:endParaRPr lang="en-US"/>
@@ -4610,7 +4643,8 @@
           <a:p>
             <a:fld id="{4C74A437-BCC5-41B8-9970-7953AC543813}" type="datetimeFigureOut">
               <a:rPr lang="en-US" smtClean="0"/>
-              <a:t>11/26/2020</a:t>
+              <a:pPr/>
+              <a:t>12/3/2020</a:t>
             </a:fld>
             <a:endParaRPr lang="en-US"/>
           </a:p>
@@ -4656,6 +4690,7 @@
           <a:p>
             <a:fld id="{5846D973-989A-48E9-918B-E9430945A2AF}" type="slidenum">
               <a:rPr lang="en-US" smtClean="0"/>
+              <a:pPr/>
               <a:t>‹#›</a:t>
             </a:fld>
             <a:endParaRPr lang="en-US"/>
@@ -4713,7 +4748,8 @@
           <a:p>
             <a:fld id="{4C74A437-BCC5-41B8-9970-7953AC543813}" type="datetimeFigureOut">
               <a:rPr lang="en-US" smtClean="0"/>
-              <a:t>11/26/2020</a:t>
+              <a:pPr/>
+              <a:t>12/3/2020</a:t>
             </a:fld>
             <a:endParaRPr lang="en-US"/>
           </a:p>
@@ -4766,6 +4802,7 @@
           <a:p>
             <a:fld id="{5846D973-989A-48E9-918B-E9430945A2AF}" type="slidenum">
               <a:rPr lang="en-US" smtClean="0"/>
+              <a:pPr/>
               <a:t>‹#›</a:t>
             </a:fld>
             <a:endParaRPr lang="en-US"/>
@@ -4982,7 +5019,8 @@
           <a:p>
             <a:fld id="{4C74A437-BCC5-41B8-9970-7953AC543813}" type="datetimeFigureOut">
               <a:rPr lang="en-US" smtClean="0"/>
-              <a:t>11/26/2020</a:t>
+              <a:pPr/>
+              <a:t>12/3/2020</a:t>
             </a:fld>
             <a:endParaRPr lang="en-US"/>
           </a:p>
@@ -5028,6 +5066,7 @@
           <a:p>
             <a:fld id="{5846D973-989A-48E9-918B-E9430945A2AF}" type="slidenum">
               <a:rPr lang="en-US" smtClean="0"/>
+              <a:pPr/>
               <a:t>‹#›</a:t>
             </a:fld>
             <a:endParaRPr lang="en-US"/>
@@ -5346,7 +5385,8 @@
           <a:p>
             <a:fld id="{4C74A437-BCC5-41B8-9970-7953AC543813}" type="datetimeFigureOut">
               <a:rPr lang="en-US" smtClean="0"/>
-              <a:t>11/26/2020</a:t>
+              <a:pPr/>
+              <a:t>12/3/2020</a:t>
             </a:fld>
             <a:endParaRPr lang="en-US"/>
           </a:p>
@@ -5392,6 +5432,7 @@
           <a:p>
             <a:fld id="{5846D973-989A-48E9-918B-E9430945A2AF}" type="slidenum">
               <a:rPr lang="en-US" smtClean="0"/>
+              <a:pPr/>
               <a:t>‹#›</a:t>
             </a:fld>
             <a:endParaRPr lang="en-US"/>
@@ -5701,7 +5742,8 @@
           <a:p>
             <a:fld id="{4C74A437-BCC5-41B8-9970-7953AC543813}" type="datetimeFigureOut">
               <a:rPr lang="en-US" smtClean="0"/>
-              <a:t>11/26/2020</a:t>
+              <a:pPr/>
+              <a:t>12/3/2020</a:t>
             </a:fld>
             <a:endParaRPr lang="en-US"/>
           </a:p>
@@ -5777,6 +5819,7 @@
           <a:p>
             <a:fld id="{5846D973-989A-48E9-918B-E9430945A2AF}" type="slidenum">
               <a:rPr lang="en-US" smtClean="0"/>
+              <a:pPr/>
               <a:t>‹#›</a:t>
             </a:fld>
             <a:endParaRPr lang="en-US"/>
@@ -6944,13 +6987,7 @@
               <a:rPr lang="en-US" dirty="0" smtClean="0">
                 <a:hlinkClick r:id="rId3"/>
               </a:rPr>
-              <a:t>https://api-docs.igdb.com/#</a:t>
-            </a:r>
-            <a:r>
-              <a:rPr lang="en-US" dirty="0" smtClean="0">
-                <a:hlinkClick r:id="rId3"/>
-              </a:rPr>
-              <a:t>about</a:t>
+              <a:t>https://api-docs.igdb.com/#about</a:t>
             </a:r>
             <a:endParaRPr lang="en-US" dirty="0" smtClean="0"/>
           </a:p>
@@ -6960,13 +6997,7 @@
               <a:rPr lang="en-US" dirty="0" smtClean="0">
                 <a:hlinkClick r:id="rId4"/>
               </a:rPr>
-              <a:t>https://pypi.org/project/igdb-api-v4</a:t>
-            </a:r>
-            <a:r>
-              <a:rPr lang="en-US" dirty="0" smtClean="0">
-                <a:hlinkClick r:id="rId4"/>
-              </a:rPr>
-              <a:t>/</a:t>
+              <a:t>https://pypi.org/project/igdb-api-v4/</a:t>
             </a:r>
             <a:endParaRPr lang="en-US" dirty="0" smtClean="0"/>
           </a:p>
@@ -7158,7 +7189,7 @@
         <p:spPr/>
         <p:txBody>
           <a:bodyPr>
-            <a:normAutofit fontScale="92500" lnSpcReduction="10000"/>
+            <a:normAutofit fontScale="92500" lnSpcReduction="20000"/>
           </a:bodyPr>
           <a:lstStyle/>
           <a:p>
@@ -7194,31 +7225,28 @@
           <a:p>
             <a:r>
               <a:rPr lang="en-US" dirty="0" smtClean="0"/>
-              <a:t>Learn – the combo-box offers limited need to learn outside of the app, </a:t>
-            </a:r>
-            <a:r>
-              <a:rPr lang="en-US" dirty="0" err="1" smtClean="0"/>
-              <a:t>farmiliarity</a:t>
-            </a:r>
-            <a:r>
-              <a:rPr lang="en-US" dirty="0" smtClean="0"/>
-              <a:t> the available choices makes it easier after just a few uses.</a:t>
-            </a:r>
-          </a:p>
-          <a:p>
-            <a:r>
-              <a:rPr lang="en-US" dirty="0" smtClean="0"/>
-              <a:t>Failure - </a:t>
-            </a:r>
-          </a:p>
-          <a:p>
-            <a:r>
-              <a:rPr lang="en-US" dirty="0" smtClean="0"/>
-              <a:t>T</a:t>
-            </a:r>
-            <a:r>
-              <a:rPr lang="en-US" dirty="0" smtClean="0"/>
-              <a:t>he one – keep it simple, don’t add extras that are not needed</a:t>
+              <a:t>Learn – the combo-box offers limited need to learn outside of the app, familiarity the available choices makes it easier after just a few uses.</a:t>
+            </a:r>
+          </a:p>
+          <a:p>
+            <a:r>
+              <a:rPr lang="en-US" dirty="0" smtClean="0"/>
+              <a:t>Failure </a:t>
+            </a:r>
+            <a:r>
+              <a:rPr lang="en-US" dirty="0" smtClean="0"/>
+              <a:t>– simple instructions and immediate </a:t>
+            </a:r>
+            <a:r>
+              <a:rPr lang="en-US" smtClean="0"/>
+              <a:t>error messages</a:t>
+            </a:r>
+            <a:endParaRPr lang="en-US" dirty="0" smtClean="0"/>
+          </a:p>
+          <a:p>
+            <a:r>
+              <a:rPr lang="en-US" dirty="0" smtClean="0"/>
+              <a:t>The one – keep it simple, don’t add extras that are not needed</a:t>
             </a:r>
             <a:endParaRPr lang="en-US" dirty="0"/>
           </a:p>
@@ -7317,13 +7345,15 @@
             <a:pPr lvl="1"/>
             <a:r>
               <a:rPr lang="en-US" dirty="0" smtClean="0"/>
-              <a:t>Most of the app is point and click via combo-</a:t>
-            </a:r>
-            <a:r>
-              <a:rPr lang="en-US" dirty="0" err="1" smtClean="0"/>
-              <a:t>boxs</a:t>
-            </a:r>
-            <a:endParaRPr lang="en-US" dirty="0" smtClean="0"/>
+              <a:t>Most of the app is point and click via combo-boxes</a:t>
+            </a:r>
+          </a:p>
+          <a:p>
+            <a:pPr lvl="1"/>
+            <a:r>
+              <a:rPr lang="en-US" dirty="0" smtClean="0"/>
+              <a:t>The user can use Tabs / Arrows and Enter Key instead of a mouse</a:t>
+            </a:r>
           </a:p>
         </p:txBody>
       </p:sp>
@@ -7408,17 +7438,8 @@
             <a:pPr lvl="2"/>
             <a:r>
               <a:rPr lang="en-US" dirty="0" smtClean="0"/>
-              <a:t>When  user presses a button they see an </a:t>
-            </a:r>
-            <a:r>
-              <a:rPr lang="en-US" dirty="0" err="1" smtClean="0"/>
-              <a:t>appropraite</a:t>
-            </a:r>
-            <a:r>
-              <a:rPr lang="en-US" dirty="0" smtClean="0"/>
-              <a:t> and immediate response.</a:t>
-            </a:r>
-            <a:endParaRPr lang="en-US" dirty="0" smtClean="0"/>
+              <a:t>When  user presses a button they see an appropriate and immediate response.</a:t>
+            </a:r>
           </a:p>
           <a:p>
             <a:pPr lvl="1"/>
@@ -7599,8 +7620,17 @@
           <a:lstStyle/>
           <a:p>
             <a:r>
-              <a:rPr lang="en-US" dirty="0" smtClean="0"/>
+              <a:rPr lang="en-US" dirty="0" smtClean="0">
+                <a:hlinkClick r:id="rId3"/>
+              </a:rPr>
               <a:t>https://github.com/JamieShamilian/gamer</a:t>
+            </a:r>
+            <a:endParaRPr lang="en-US" dirty="0" smtClean="0"/>
+          </a:p>
+          <a:p>
+            <a:r>
+              <a:rPr lang="en-US" dirty="0" smtClean="0"/>
+              <a:t>For more info Readme.md </a:t>
             </a:r>
             <a:endParaRPr lang="en-US" dirty="0"/>
           </a:p>
@@ -7692,11 +7722,7 @@
             <a:pPr lvl="1"/>
             <a:r>
               <a:rPr lang="en-US" dirty="0" smtClean="0"/>
-              <a:t>W</a:t>
-            </a:r>
-            <a:r>
-              <a:rPr lang="en-US" dirty="0" smtClean="0"/>
-              <a:t>e need to add more criteria categories in order to make the app more useful to users</a:t>
+              <a:t>We need to add more criteria categories in order to make the app more useful to users</a:t>
             </a:r>
           </a:p>
           <a:p>
@@ -7874,21 +7900,13 @@
           <a:p>
             <a:r>
               <a:rPr lang="en-US" dirty="0" smtClean="0"/>
-              <a:t>We need to provide all possible selections that a user may be looking for.</a:t>
-            </a:r>
-          </a:p>
-          <a:p>
-            <a:r>
-              <a:rPr lang="en-US" dirty="0" smtClean="0"/>
-              <a:t>We use industry data on fields and criteria </a:t>
-            </a:r>
-            <a:r>
-              <a:rPr lang="en-US" dirty="0" err="1" smtClean="0"/>
-              <a:t>avaialbe</a:t>
-            </a:r>
-            <a:r>
-              <a:rPr lang="en-US" dirty="0" smtClean="0"/>
-              <a:t>.</a:t>
+              <a:t>We need to provide most of the possible selections that a user may be looking for.</a:t>
+            </a:r>
+          </a:p>
+          <a:p>
+            <a:r>
+              <a:rPr lang="en-US" dirty="0" smtClean="0"/>
+              <a:t>We use industry data on fields and criteria available.</a:t>
             </a:r>
           </a:p>
           <a:p>
@@ -7973,13 +7991,29 @@
               <a:rPr lang="en-US" dirty="0" smtClean="0"/>
               <a:t>The population has a reasonable disposable income.</a:t>
             </a:r>
+          </a:p>
+          <a:p>
+            <a:r>
+              <a:rPr lang="en-US" dirty="0" smtClean="0"/>
+              <a:t>This population may play on multiple devices</a:t>
+            </a:r>
+          </a:p>
+          <a:p>
+            <a:r>
+              <a:rPr lang="en-US" dirty="0" smtClean="0"/>
+              <a:t>We rely on industry data for selection of targeted population</a:t>
+            </a:r>
+          </a:p>
+          <a:p>
+            <a:pPr lvl="1"/>
+            <a:r>
+              <a:rPr lang="en-US" dirty="0" smtClean="0"/>
+              <a:t>https://www.theesa.com/esa-research/2019-essential-facts-about-the-computer-and-video-game-industry/</a:t>
+            </a:r>
+          </a:p>
+          <a:p>
+            <a:pPr lvl="1"/>
             <a:endParaRPr lang="en-US" dirty="0" smtClean="0"/>
-          </a:p>
-          <a:p>
-            <a:r>
-              <a:rPr lang="en-US" dirty="0" smtClean="0"/>
-              <a:t>This population may play on multiple devices</a:t>
-            </a:r>
           </a:p>
         </p:txBody>
       </p:sp>

--- a/doc/GamerSelect.pptx
+++ b/doc/GamerSelect.pptx
@@ -617,26 +617,72 @@
           <a:p>
             <a:r>
               <a:rPr lang="en-US" dirty="0" smtClean="0"/>
-              <a:t>A second design was implemented with Apache</a:t>
+              <a:t>Hand drawn menu system.</a:t>
+            </a:r>
+          </a:p>
+          <a:p>
+            <a:r>
+              <a:rPr lang="en-US" dirty="0" smtClean="0"/>
+              <a:t>Shows </a:t>
+            </a:r>
+          </a:p>
+          <a:p>
+            <a:r>
+              <a:rPr lang="en-US" dirty="0" smtClean="0"/>
+              <a:t>	signup/</a:t>
+            </a:r>
+            <a:r>
+              <a:rPr lang="en-US" dirty="0" err="1" smtClean="0"/>
+              <a:t>signin</a:t>
+            </a:r>
+            <a:r>
+              <a:rPr lang="en-US" dirty="0" smtClean="0"/>
+              <a:t>/guest</a:t>
             </a:r>
             <a:r>
               <a:rPr lang="en-US" baseline="0" dirty="0" smtClean="0"/>
               <a:t> </a:t>
             </a:r>
             <a:r>
-              <a:rPr lang="en-US" baseline="0" dirty="0" err="1" smtClean="0"/>
-              <a:t>Netbeans</a:t>
-            </a:r>
-            <a:r>
               <a:rPr lang="en-US" baseline="0" dirty="0" smtClean="0"/>
-              <a:t> GUI builder for java language.</a:t>
-            </a:r>
-          </a:p>
-          <a:p>
+              <a:t>screen</a:t>
+            </a:r>
+          </a:p>
+          <a:p>
+            <a:r>
+              <a:rPr lang="en-US" dirty="0" smtClean="0"/>
+              <a:t>	Profile </a:t>
+            </a:r>
+            <a:r>
+              <a:rPr lang="en-US" dirty="0" smtClean="0"/>
+              <a:t>completion</a:t>
+            </a:r>
             <a:r>
               <a:rPr lang="en-US" baseline="0" dirty="0" smtClean="0"/>
-              <a:t>Here was followed most of the first design but we see some questioning about how to execute the query and show the final list.</a:t>
-            </a:r>
+              <a:t> screen</a:t>
+            </a:r>
+          </a:p>
+          <a:p>
+            <a:r>
+              <a:rPr lang="en-US" baseline="0" dirty="0" smtClean="0"/>
+              <a:t>	Query </a:t>
+            </a:r>
+            <a:r>
+              <a:rPr lang="en-US" baseline="0" dirty="0" smtClean="0"/>
+              <a:t>form</a:t>
+            </a:r>
+          </a:p>
+          <a:p>
+            <a:r>
+              <a:rPr lang="en-US" baseline="0" dirty="0" smtClean="0"/>
+              <a:t>	List </a:t>
+            </a:r>
+            <a:r>
+              <a:rPr lang="en-US" baseline="0" dirty="0" smtClean="0"/>
+              <a:t>output screen</a:t>
+            </a:r>
+          </a:p>
+          <a:p>
             <a:endParaRPr lang="en-US" dirty="0"/>
           </a:p>
         </p:txBody>
@@ -659,7 +705,7 @@
             <a:fld id="{8EFF1462-1B44-4FEF-BBC6-6F619544FF58}" type="slidenum">
               <a:rPr lang="en-US" smtClean="0"/>
               <a:pPr/>
-              <a:t>11</a:t>
+              <a:t>10</a:t>
             </a:fld>
             <a:endParaRPr lang="en-US"/>
           </a:p>
@@ -721,38 +767,44 @@
           <a:p>
             <a:r>
               <a:rPr lang="en-US" dirty="0" smtClean="0"/>
-              <a:t>Our Final design user the “PAGE” GUI builder which is based on </a:t>
-            </a:r>
-            <a:r>
-              <a:rPr lang="en-US" dirty="0" err="1" smtClean="0"/>
-              <a:t>Tkinter</a:t>
-            </a:r>
-            <a:r>
-              <a:rPr lang="en-US" dirty="0" smtClean="0"/>
-              <a:t> / Python</a:t>
+              <a:t>A second design was implemented with Apache</a:t>
             </a:r>
             <a:r>
               <a:rPr lang="en-US" baseline="0" dirty="0" smtClean="0"/>
-              <a:t> libraries.</a:t>
-            </a:r>
-          </a:p>
-          <a:p>
-            <a:r>
-              <a:rPr lang="en-US" dirty="0" smtClean="0"/>
-              <a:t>We further</a:t>
+              <a:t> </a:t>
+            </a:r>
+            <a:r>
+              <a:rPr lang="en-US" baseline="0" dirty="0" err="1" smtClean="0"/>
+              <a:t>Netbeans</a:t>
             </a:r>
             <a:r>
               <a:rPr lang="en-US" baseline="0" dirty="0" smtClean="0"/>
-              <a:t> simplified the design to only 3 screens.</a:t>
+              <a:t> GUI builder for java language.</a:t>
             </a:r>
           </a:p>
           <a:p>
             <a:r>
               <a:rPr lang="en-US" baseline="0" dirty="0" smtClean="0"/>
-              <a:t>We removed the radio selection screen of platforms and added it as an extra combo box on the profile screen / query criteria</a:t>
-            </a:r>
-          </a:p>
-          <a:p>
+              <a:t>Here </a:t>
+            </a:r>
+            <a:r>
+              <a:rPr lang="en-US" baseline="0" dirty="0" smtClean="0"/>
+              <a:t>we </a:t>
+            </a:r>
+            <a:r>
+              <a:rPr lang="en-US" baseline="0" dirty="0" smtClean="0"/>
+              <a:t>followed most of the first design but we see some questioning about how to execute the query and show the final list</a:t>
+            </a:r>
+            <a:r>
+              <a:rPr lang="en-US" baseline="0" dirty="0" smtClean="0"/>
+              <a:t>.</a:t>
+            </a:r>
+          </a:p>
+          <a:p>
+            <a:r>
+              <a:rPr lang="en-US" baseline="0" dirty="0" smtClean="0"/>
+              <a:t>We were not sure how to show the final, whether to add another screen at the end or just show in the query page.</a:t>
+            </a:r>
             <a:endParaRPr lang="en-US" dirty="0"/>
           </a:p>
         </p:txBody>
@@ -775,7 +827,7 @@
             <a:fld id="{8EFF1462-1B44-4FEF-BBC6-6F619544FF58}" type="slidenum">
               <a:rPr lang="en-US" smtClean="0"/>
               <a:pPr/>
-              <a:t>12</a:t>
+              <a:t>11</a:t>
             </a:fld>
             <a:endParaRPr lang="en-US"/>
           </a:p>
@@ -837,54 +889,35 @@
           <a:p>
             <a:r>
               <a:rPr lang="en-US" dirty="0" smtClean="0"/>
-              <a:t>This</a:t>
+              <a:t>Our Final design user the “PAGE” GUI builder which is based on </a:t>
+            </a:r>
+            <a:r>
+              <a:rPr lang="en-US" dirty="0" err="1" smtClean="0"/>
+              <a:t>Tkinter</a:t>
+            </a:r>
+            <a:r>
+              <a:rPr lang="en-US" dirty="0" smtClean="0"/>
+              <a:t> / Python</a:t>
             </a:r>
             <a:r>
               <a:rPr lang="en-US" baseline="0" dirty="0" smtClean="0"/>
-              <a:t> shows the simple flow of a previous user</a:t>
-            </a:r>
-          </a:p>
-          <a:p>
+              <a:t> libraries.</a:t>
+            </a:r>
+          </a:p>
+          <a:p>
+            <a:r>
+              <a:rPr lang="en-US" dirty="0" smtClean="0"/>
+              <a:t>We further</a:t>
+            </a:r>
             <a:r>
               <a:rPr lang="en-US" baseline="0" dirty="0" smtClean="0"/>
-              <a:t>Only takes to screens.</a:t>
+              <a:t> simplified the design to only 3 screens.</a:t>
             </a:r>
           </a:p>
           <a:p>
             <a:r>
               <a:rPr lang="en-US" baseline="0" dirty="0" smtClean="0"/>
-              <a:t>The query criteria is pre-populated with profile info.</a:t>
-            </a:r>
-          </a:p>
-          <a:p>
-            <a:r>
-              <a:rPr lang="en-US" baseline="0" dirty="0" smtClean="0"/>
-              <a:t>But can be changed before search.</a:t>
-            </a:r>
-          </a:p>
-          <a:p>
-            <a:endParaRPr lang="en-US" baseline="0" dirty="0" smtClean="0"/>
-          </a:p>
-          <a:p>
-            <a:r>
-              <a:rPr lang="en-US" baseline="0" dirty="0" smtClean="0"/>
-              <a:t>We add a line to each screen with instructions.</a:t>
-            </a:r>
-          </a:p>
-          <a:p>
-            <a:r>
-              <a:rPr lang="en-US" baseline="0" dirty="0" smtClean="0"/>
-              <a:t>This line is also where an error message would be printed.</a:t>
-            </a:r>
-          </a:p>
-          <a:p>
-            <a:r>
-              <a:rPr lang="en-US" baseline="0" dirty="0" err="1" smtClean="0"/>
-              <a:t>Exampe</a:t>
-            </a:r>
-            <a:r>
-              <a:rPr lang="en-US" baseline="0" dirty="0" smtClean="0"/>
-              <a:t>: User john does not exist.</a:t>
+              <a:t>We removed the radio selection screen of platforms and added it as an extra combo box on the profile screen / query criteria</a:t>
             </a:r>
           </a:p>
           <a:p>
@@ -910,7 +943,7 @@
             <a:fld id="{8EFF1462-1B44-4FEF-BBC6-6F619544FF58}" type="slidenum">
               <a:rPr lang="en-US" smtClean="0"/>
               <a:pPr/>
-              <a:t>13</a:t>
+              <a:t>12</a:t>
             </a:fld>
             <a:endParaRPr lang="en-US"/>
           </a:p>
@@ -972,17 +1005,29 @@
           <a:p>
             <a:r>
               <a:rPr lang="en-US" dirty="0" smtClean="0"/>
-              <a:t>In this flow</a:t>
+              <a:t>This</a:t>
             </a:r>
             <a:r>
               <a:rPr lang="en-US" baseline="0" dirty="0" smtClean="0"/>
-              <a:t> the new user is asked to select a username and user combo box</a:t>
+              <a:t> shows the simple flow of a previous user</a:t>
             </a:r>
           </a:p>
           <a:p>
             <a:r>
               <a:rPr lang="en-US" baseline="0" dirty="0" smtClean="0"/>
-              <a:t>To select the best description of the user.</a:t>
+              <a:t>Only takes to screens.</a:t>
+            </a:r>
+          </a:p>
+          <a:p>
+            <a:r>
+              <a:rPr lang="en-US" baseline="0" dirty="0" smtClean="0"/>
+              <a:t>The query criteria is pre-populated with profile info.</a:t>
+            </a:r>
+          </a:p>
+          <a:p>
+            <a:r>
+              <a:rPr lang="en-US" baseline="0" dirty="0" smtClean="0"/>
+              <a:t>But can be changed before search.</a:t>
             </a:r>
           </a:p>
           <a:p>
@@ -991,14 +1036,26 @@
           <a:p>
             <a:r>
               <a:rPr lang="en-US" baseline="0" dirty="0" smtClean="0"/>
-              <a:t>The instruction line is updated in case of error:</a:t>
+              <a:t>We add a line to each screen with instructions.</a:t>
             </a:r>
           </a:p>
           <a:p>
             <a:r>
               <a:rPr lang="en-US" baseline="0" dirty="0" smtClean="0"/>
-              <a:t>Username Jamie is not available.</a:t>
-            </a:r>
+              <a:t>This line is also where an error message would be printed.</a:t>
+            </a:r>
+          </a:p>
+          <a:p>
+            <a:r>
+              <a:rPr lang="en-US" baseline="0" dirty="0" err="1" smtClean="0"/>
+              <a:t>Exampe</a:t>
+            </a:r>
+            <a:r>
+              <a:rPr lang="en-US" baseline="0" dirty="0" smtClean="0"/>
+              <a:t>: User john does not exist.</a:t>
+            </a:r>
+          </a:p>
+          <a:p>
             <a:endParaRPr lang="en-US" dirty="0"/>
           </a:p>
         </p:txBody>
@@ -1021,7 +1078,7 @@
             <a:fld id="{8EFF1462-1B44-4FEF-BBC6-6F619544FF58}" type="slidenum">
               <a:rPr lang="en-US" smtClean="0"/>
               <a:pPr/>
-              <a:t>14</a:t>
+              <a:t>13</a:t>
             </a:fld>
             <a:endParaRPr lang="en-US"/>
           </a:p>
@@ -1083,36 +1140,32 @@
           <a:p>
             <a:r>
               <a:rPr lang="en-US" dirty="0" smtClean="0"/>
-              <a:t>Non-commercial db access via twitch</a:t>
+              <a:t>In this flow</a:t>
             </a:r>
             <a:r>
               <a:rPr lang="en-US" baseline="0" dirty="0" smtClean="0"/>
-              <a:t> developers account</a:t>
+              <a:t> the new user is asked to select a username and user combo box</a:t>
             </a:r>
           </a:p>
           <a:p>
             <a:r>
               <a:rPr lang="en-US" baseline="0" dirty="0" smtClean="0"/>
-              <a:t>Via igdb.com: </a:t>
-            </a:r>
-            <a:r>
-              <a:rPr lang="en-US" sz="1200" b="1" i="0" kern="1200" dirty="0" smtClean="0">
-                <a:solidFill>
-                  <a:schemeClr val="tx1"/>
-                </a:solidFill>
-                <a:latin typeface="+mn-lt"/>
-                <a:ea typeface="+mn-ea"/>
-                <a:cs typeface="+mn-cs"/>
-                <a:hlinkClick r:id="rId3"/>
-              </a:rPr>
-              <a:t>https://api.igdb.com/v4</a:t>
-            </a:r>
+              <a:t>To select the best description of the user.</a:t>
+            </a:r>
+          </a:p>
+          <a:p>
             <a:endParaRPr lang="en-US" baseline="0" dirty="0" smtClean="0"/>
           </a:p>
           <a:p>
             <a:r>
               <a:rPr lang="en-US" baseline="0" dirty="0" smtClean="0"/>
-              <a:t>Python library access via igdb-api-v4 </a:t>
+              <a:t>The instruction line is updated in case of error:</a:t>
+            </a:r>
+          </a:p>
+          <a:p>
+            <a:r>
+              <a:rPr lang="en-US" baseline="0" dirty="0" smtClean="0"/>
+              <a:t>Username Jamie is not available.</a:t>
             </a:r>
             <a:endParaRPr lang="en-US" dirty="0"/>
           </a:p>
@@ -1136,7 +1189,7 @@
             <a:fld id="{8EFF1462-1B44-4FEF-BBC6-6F619544FF58}" type="slidenum">
               <a:rPr lang="en-US" smtClean="0"/>
               <a:pPr/>
-              <a:t>15</a:t>
+              <a:t>14</a:t>
             </a:fld>
             <a:endParaRPr lang="en-US"/>
           </a:p>
@@ -1196,6 +1249,77 @@
           </a:bodyPr>
           <a:lstStyle/>
           <a:p>
+            <a:r>
+              <a:rPr lang="en-US" dirty="0" smtClean="0"/>
+              <a:t>Non-commercial db access via twitch</a:t>
+            </a:r>
+            <a:r>
+              <a:rPr lang="en-US" baseline="0" dirty="0" smtClean="0"/>
+              <a:t> developers account</a:t>
+            </a:r>
+          </a:p>
+          <a:p>
+            <a:r>
+              <a:rPr lang="en-US" baseline="0" dirty="0" smtClean="0"/>
+              <a:t>Via igdb.com: </a:t>
+            </a:r>
+            <a:r>
+              <a:rPr lang="en-US" sz="1200" b="1" i="0" kern="1200" dirty="0" smtClean="0">
+                <a:solidFill>
+                  <a:schemeClr val="tx1"/>
+                </a:solidFill>
+                <a:latin typeface="+mn-lt"/>
+                <a:ea typeface="+mn-ea"/>
+                <a:cs typeface="+mn-cs"/>
+                <a:hlinkClick r:id="rId3"/>
+              </a:rPr>
+              <a:t>https://api.igdb.com/v4</a:t>
+            </a:r>
+            <a:endParaRPr lang="en-US" baseline="0" dirty="0" smtClean="0"/>
+          </a:p>
+          <a:p>
+            <a:r>
+              <a:rPr lang="en-US" baseline="0" dirty="0" smtClean="0"/>
+              <a:t>Python library access via igdb-api-v4 </a:t>
+            </a:r>
+            <a:endParaRPr lang="en-US" baseline="0" dirty="0" smtClean="0"/>
+          </a:p>
+          <a:p>
+            <a:endParaRPr lang="en-US" baseline="0" dirty="0" smtClean="0"/>
+          </a:p>
+          <a:p>
+            <a:r>
+              <a:rPr lang="en-US" baseline="0" dirty="0" smtClean="0"/>
+              <a:t>Authorization tokens are needed from a valid twitch developer account </a:t>
+            </a:r>
+          </a:p>
+          <a:p>
+            <a:r>
+              <a:rPr lang="en-US" baseline="0" dirty="0" smtClean="0"/>
+              <a:t>For an application/access token.</a:t>
+            </a:r>
+          </a:p>
+          <a:p>
+            <a:endParaRPr lang="en-US" baseline="0" dirty="0" smtClean="0"/>
+          </a:p>
+          <a:p>
+            <a:r>
+              <a:rPr lang="en-US" baseline="0" dirty="0" smtClean="0"/>
+              <a:t>At run time we provide the </a:t>
+            </a:r>
+            <a:r>
+              <a:rPr lang="en-US" baseline="0" dirty="0" err="1" smtClean="0"/>
+              <a:t>clientid</a:t>
+            </a:r>
+            <a:r>
+              <a:rPr lang="en-US" baseline="0" dirty="0" smtClean="0"/>
+              <a:t> and the access token.</a:t>
+            </a:r>
+          </a:p>
+          <a:p>
+            <a:endParaRPr lang="en-US" baseline="0" dirty="0" smtClean="0"/>
+          </a:p>
+          <a:p>
             <a:endParaRPr lang="en-US" dirty="0"/>
           </a:p>
         </p:txBody>
@@ -1218,7 +1342,7 @@
             <a:fld id="{8EFF1462-1B44-4FEF-BBC6-6F619544FF58}" type="slidenum">
               <a:rPr lang="en-US" smtClean="0"/>
               <a:pPr/>
-              <a:t>17</a:t>
+              <a:t>15</a:t>
             </a:fld>
             <a:endParaRPr lang="en-US"/>
           </a:p>
@@ -1300,7 +1424,7 @@
             <a:fld id="{8EFF1462-1B44-4FEF-BBC6-6F619544FF58}" type="slidenum">
               <a:rPr lang="en-US" smtClean="0"/>
               <a:pPr/>
-              <a:t>19</a:t>
+              <a:t>17</a:t>
             </a:fld>
             <a:endParaRPr lang="en-US"/>
           </a:p>
@@ -1360,6 +1484,88 @@
           </a:bodyPr>
           <a:lstStyle/>
           <a:p>
+            <a:endParaRPr lang="en-US" dirty="0"/>
+          </a:p>
+        </p:txBody>
+      </p:sp>
+      <p:sp>
+        <p:nvSpPr>
+          <p:cNvPr id="4" name="Slide Number Placeholder 3"/>
+          <p:cNvSpPr>
+            <a:spLocks noGrp="1"/>
+          </p:cNvSpPr>
+          <p:nvPr>
+            <p:ph type="sldNum" sz="quarter" idx="10"/>
+          </p:nvPr>
+        </p:nvSpPr>
+        <p:spPr/>
+        <p:txBody>
+          <a:bodyPr/>
+          <a:lstStyle/>
+          <a:p>
+            <a:fld id="{8EFF1462-1B44-4FEF-BBC6-6F619544FF58}" type="slidenum">
+              <a:rPr lang="en-US" smtClean="0"/>
+              <a:pPr/>
+              <a:t>19</a:t>
+            </a:fld>
+            <a:endParaRPr lang="en-US"/>
+          </a:p>
+        </p:txBody>
+      </p:sp>
+    </p:spTree>
+  </p:cSld>
+  <p:clrMapOvr>
+    <a:masterClrMapping/>
+  </p:clrMapOvr>
+</p:notes>
+</file>
+
+<file path=ppt/notesSlides/notesSlide18.xml><?xml version="1.0" encoding="utf-8"?>
+<p:notes xmlns:a="http://schemas.openxmlformats.org/drawingml/2006/main" xmlns:r="http://schemas.openxmlformats.org/officeDocument/2006/relationships" xmlns:p="http://schemas.openxmlformats.org/presentationml/2006/main">
+  <p:cSld>
+    <p:spTree>
+      <p:nvGrpSpPr>
+        <p:cNvPr id="1" name=""/>
+        <p:cNvGrpSpPr/>
+        <p:nvPr/>
+      </p:nvGrpSpPr>
+      <p:grpSpPr>
+        <a:xfrm>
+          <a:off x="0" y="0"/>
+          <a:ext cx="0" cy="0"/>
+          <a:chOff x="0" y="0"/>
+          <a:chExt cx="0" cy="0"/>
+        </a:xfrm>
+      </p:grpSpPr>
+      <p:sp>
+        <p:nvSpPr>
+          <p:cNvPr id="2" name="Slide Image Placeholder 1"/>
+          <p:cNvSpPr>
+            <a:spLocks noGrp="1" noRot="1" noChangeAspect="1"/>
+          </p:cNvSpPr>
+          <p:nvPr>
+            <p:ph type="sldImg"/>
+          </p:nvPr>
+        </p:nvSpPr>
+        <p:spPr/>
+      </p:sp>
+      <p:sp>
+        <p:nvSpPr>
+          <p:cNvPr id="3" name="Notes Placeholder 2"/>
+          <p:cNvSpPr>
+            <a:spLocks noGrp="1"/>
+          </p:cNvSpPr>
+          <p:nvPr>
+            <p:ph type="body" idx="1"/>
+          </p:nvPr>
+        </p:nvSpPr>
+        <p:spPr/>
+        <p:txBody>
+          <a:bodyPr>
+            <a:normAutofit/>
+          </a:bodyPr>
+          <a:lstStyle/>
+          <a:p>
             <a:r>
               <a:rPr lang="en-US" sz="1200" b="0" i="0" kern="1200" dirty="0" smtClean="0">
                 <a:solidFill>
@@ -1661,8 +1867,42 @@
             </a:r>
             <a:r>
               <a:rPr lang="en-US" baseline="0" dirty="0" smtClean="0"/>
-              <a:t> the user limit the list of games to a manageable set, that may interest the user.</a:t>
-            </a:r>
+              <a:t> the user limit the list of games to a manageable set, that may interest the user</a:t>
+            </a:r>
+            <a:r>
+              <a:rPr lang="en-US" baseline="0" dirty="0" smtClean="0"/>
+              <a:t>.</a:t>
+            </a:r>
+          </a:p>
+          <a:p>
+            <a:endParaRPr lang="en-US" baseline="0" dirty="0" smtClean="0"/>
+          </a:p>
+          <a:p>
+            <a:pPr rtl="0"/>
+            <a:r>
+              <a:rPr lang="en-US" sz="1200" b="0" i="0" u="none" strike="noStrike" kern="1200" dirty="0" smtClean="0">
+                <a:solidFill>
+                  <a:schemeClr val="tx1"/>
+                </a:solidFill>
+                <a:latin typeface="+mn-lt"/>
+                <a:ea typeface="+mn-ea"/>
+                <a:cs typeface="+mn-cs"/>
+              </a:rPr>
+              <a:t>Our goal with the Gamer Selector is to create an easy to use and fun method for people to find games that may interest them based on their general interests and preferences. This is accomplished by the user first indicating their Video Game preferences. There are a plethora of different genres and video games available, and our goal is to limit that list and show the user a succinct list of video games that may interest them. By limiting the choices to predefined categories, our application helps the user limit their interest list in an easy and inviting manner. These categories include the date range of how recent games they want to play, a cost range of how much they want to spend, a game platform or what systems they have available to use, and a game type that indicates what genres of games they enjoy.</a:t>
+            </a:r>
+            <a:endParaRPr lang="en-US" b="0" dirty="0" smtClean="0"/>
+          </a:p>
+          <a:p>
+            <a:r>
+              <a:rPr lang="en-US" dirty="0" smtClean="0"/>
+              <a:t/>
+            </a:r>
+            <a:br>
+              <a:rPr lang="en-US" dirty="0" smtClean="0"/>
+            </a:br>
+            <a:endParaRPr lang="en-US" dirty="0" smtClean="0"/>
+          </a:p>
+          <a:p>
             <a:endParaRPr lang="en-US" dirty="0"/>
           </a:p>
         </p:txBody>
@@ -1751,8 +1991,55 @@
             </a:r>
             <a:r>
               <a:rPr lang="en-US" baseline="0" dirty="0" smtClean="0"/>
-              <a:t> We found that many websites that are available require you to know what you are looking for in advance. So you are guessing as to keywords in order to come up with a query.</a:t>
-            </a:r>
+              <a:t> We found that many websites that are available require you to know what you are looking for in advance. So you are guessing as to </a:t>
+            </a:r>
+            <a:r>
+              <a:rPr lang="en-US" baseline="0" dirty="0" smtClean="0"/>
+              <a:t>keywords </a:t>
+            </a:r>
+            <a:r>
+              <a:rPr lang="en-US" baseline="0" dirty="0" smtClean="0"/>
+              <a:t>in order to come </a:t>
+            </a:r>
+            <a:r>
+              <a:rPr lang="en-US" baseline="0" dirty="0" smtClean="0"/>
+              <a:t>up with </a:t>
+            </a:r>
+            <a:r>
+              <a:rPr lang="en-US" baseline="0" dirty="0" smtClean="0"/>
+              <a:t>a query</a:t>
+            </a:r>
+            <a:r>
+              <a:rPr lang="en-US" baseline="0" dirty="0" smtClean="0"/>
+              <a:t>.</a:t>
+            </a:r>
+          </a:p>
+          <a:p>
+            <a:endParaRPr lang="en-US" baseline="0" dirty="0" smtClean="0"/>
+          </a:p>
+          <a:p>
+            <a:pPr rtl="0"/>
+            <a:r>
+              <a:rPr lang="en-US" sz="1200" b="0" i="0" u="none" strike="noStrike" kern="1200" dirty="0" smtClean="0">
+                <a:solidFill>
+                  <a:schemeClr val="tx1"/>
+                </a:solidFill>
+                <a:latin typeface="+mn-lt"/>
+                <a:ea typeface="+mn-ea"/>
+                <a:cs typeface="+mn-cs"/>
+              </a:rPr>
+              <a:t>The E that we chose was obvious to us. We wanted our application to be as easy to learn for the user as possible. The less friction that exists between the user and our program, the more likely they are to continue to use our program to discover more games. User profiles can be defined so that their preferences can be tracked, but if a user does not want to go through the hassle of creating an account, they have the option of choosing to use a Guest profile so that their first experience is as easy to use as possible. Furthermore, instead of having to search through endless lists of video games mindlessly, our application will limit the user’s choices to certain predefined selections in the combo box widget. By making our application easy to learn, and simple to use, our idea is that they will continue to return to our application.</a:t>
+            </a:r>
+            <a:endParaRPr lang="en-US" b="0" dirty="0" smtClean="0"/>
+          </a:p>
+          <a:p>
+            <a:r>
+              <a:rPr lang="en-US" dirty="0" smtClean="0"/>
+              <a:t/>
+            </a:r>
+            <a:br>
+              <a:rPr lang="en-US" dirty="0" smtClean="0"/>
+            </a:br>
             <a:endParaRPr lang="en-US" dirty="0"/>
           </a:p>
         </p:txBody>
@@ -1835,32 +2122,7 @@
           </a:bodyPr>
           <a:lstStyle/>
           <a:p>
-            <a:r>
-              <a:rPr lang="en-US" dirty="0" smtClean="0"/>
-              <a:t>https://www.theesa.com/esa-research/2019-essential-facts-about-the-computer-and-video-game-industry/</a:t>
-            </a:r>
-          </a:p>
-          <a:p>
-            <a:endParaRPr lang="en-US" dirty="0" smtClean="0"/>
-          </a:p>
-          <a:p>
-            <a:pPr marL="0" marR="0" indent="0" algn="l" defTabSz="914400" rtl="0" eaLnBrk="1" fontAlgn="auto" latinLnBrk="0" hangingPunct="1">
-              <a:lnSpc>
-                <a:spcPct val="100000"/>
-              </a:lnSpc>
-              <a:spcBef>
-                <a:spcPts val="0"/>
-              </a:spcBef>
-              <a:spcAft>
-                <a:spcPts val="0"/>
-              </a:spcAft>
-              <a:buClrTx/>
-              <a:buSzTx/>
-              <a:buFontTx/>
-              <a:buNone/>
-              <a:tabLst/>
-              <a:defRPr/>
-            </a:pPr>
+            <a:pPr rtl="0"/>
             <a:r>
               <a:rPr lang="en-US" sz="1200" b="0" i="0" u="none" strike="noStrike" kern="1200" dirty="0" smtClean="0">
                 <a:solidFill>
@@ -1869,34 +2131,19 @@
                 <a:latin typeface="+mn-lt"/>
                 <a:ea typeface="+mn-ea"/>
                 <a:cs typeface="+mn-cs"/>
-                <a:hlinkClick r:id="rId3"/>
               </a:rPr>
-              <a:t>Millennial Gamers (18-34)</a:t>
-            </a:r>
-            <a:r>
-              <a:rPr lang="en-US" sz="1200" b="0" i="1" kern="1200" dirty="0" smtClean="0">
-                <a:solidFill>
-                  <a:schemeClr val="tx1"/>
-                </a:solidFill>
-                <a:latin typeface="+mn-lt"/>
-                <a:ea typeface="+mn-ea"/>
-                <a:cs typeface="+mn-cs"/>
-              </a:rPr>
-              <a:t>  – </a:t>
-            </a:r>
-            <a:r>
-              <a:rPr lang="en-US" sz="1200" b="0" i="0" kern="1200" dirty="0" smtClean="0">
-                <a:solidFill>
-                  <a:schemeClr val="tx1"/>
-                </a:solidFill>
-                <a:latin typeface="+mn-lt"/>
-                <a:ea typeface="+mn-ea"/>
-                <a:cs typeface="+mn-cs"/>
-              </a:rPr>
-              <a:t>Entertainment Software Association, 2019</a:t>
-            </a:r>
-          </a:p>
-          <a:p>
+              <a:t>While our application is certainly easy to learn, one of the limitations on this is how complete our application can be. We want to ensure that even though we have predefined selection options, we have the ability to expose the user to any possible selections that they are interested in, based on what is being offered in the industry. In order to do this, we constantly update the selections based on industry data, and the different criteria that are being offered. To track improvements, we constantly ask our users if they found the game that they were looking for. As our application improves, and our selection criteria and methodologies get better, we expect the answers to this survey question to lean more and more towards a “Yes” answer. In addition to finding the right game for the user, we want to ensure that our application is constantly as easy to learn and as easy to use as possible. One measurement for this can be through seeing how long a user spends on each page of our application. If we see that users are getting stuck at a certain portion of the application, then we know that there is friction there, and something needs to change. In order to track this, we can use various analytic platforms, such as Google Analytics. If we see a certain part of our application is taking longer for users to get through, we can change that aspect, and measure through the analytics how much less time the users take in the changed version. If there is a decrease in time, then we know that we are improving.</a:t>
+            </a:r>
+            <a:endParaRPr lang="en-US" b="0" dirty="0" smtClean="0"/>
+          </a:p>
+          <a:p>
+            <a:r>
+              <a:rPr lang="en-US" dirty="0" smtClean="0"/>
+              <a:t/>
+            </a:r>
+            <a:br>
+              <a:rPr lang="en-US" dirty="0" smtClean="0"/>
+            </a:br>
             <a:endParaRPr lang="en-US" dirty="0"/>
           </a:p>
         </p:txBody>
@@ -1919,7 +2166,7 @@
             <a:fld id="{8EFF1462-1B44-4FEF-BBC6-6F619544FF58}" type="slidenum">
               <a:rPr lang="en-US" smtClean="0"/>
               <a:pPr/>
-              <a:t>5</a:t>
+              <a:t>4</a:t>
             </a:fld>
             <a:endParaRPr lang="en-US"/>
           </a:p>
@@ -1988,6 +2235,23 @@
             <a:endParaRPr lang="en-US" dirty="0" smtClean="0"/>
           </a:p>
           <a:p>
+            <a:pPr marL="0" marR="0" indent="0" algn="l" defTabSz="914400" rtl="0" eaLnBrk="1" fontAlgn="auto" latinLnBrk="0" hangingPunct="1">
+              <a:lnSpc>
+                <a:spcPct val="100000"/>
+              </a:lnSpc>
+              <a:spcBef>
+                <a:spcPts val="0"/>
+              </a:spcBef>
+              <a:spcAft>
+                <a:spcPts val="0"/>
+              </a:spcAft>
+              <a:buClrTx/>
+              <a:buSzTx/>
+              <a:buFontTx/>
+              <a:buNone/>
+              <a:tabLst/>
+              <a:defRPr/>
+            </a:pPr>
             <a:r>
               <a:rPr lang="en-US" sz="1200" b="0" i="0" u="none" strike="noStrike" kern="1200" dirty="0" smtClean="0">
                 <a:solidFill>
@@ -2024,6 +2288,13 @@
             </a:r>
           </a:p>
           <a:p>
+            <a:endParaRPr lang="en-US" dirty="0" smtClean="0"/>
+          </a:p>
+          <a:p>
+            <a:endParaRPr lang="en-US" dirty="0" smtClean="0"/>
+          </a:p>
+          <a:p>
+            <a:pPr rtl="0"/>
             <a:r>
               <a:rPr lang="en-US" sz="1200" b="0" i="0" u="none" strike="noStrike" kern="1200" dirty="0" smtClean="0">
                 <a:solidFill>
@@ -2032,12 +2303,11 @@
                 <a:latin typeface="+mn-lt"/>
                 <a:ea typeface="+mn-ea"/>
                 <a:cs typeface="+mn-cs"/>
-                <a:hlinkClick r:id="rId3"/>
               </a:rPr>
-              <a:t>Gen X Gamers (35-54)</a:t>
-            </a:r>
-            <a:r>
-              <a:rPr lang="en-US" sz="1200" b="0" i="1" kern="1200" dirty="0" smtClean="0">
+              <a:t>Millennial Gamers, those aged between 18 and 34, are our targeted population. According to a pew research study, 67% of respondents between the ages of 18-30 play video games. Furthermore, </a:t>
+            </a:r>
+            <a:r>
+              <a:rPr lang="en-US" sz="1200" b="0" i="0" u="none" strike="noStrike" kern="1200" dirty="0" err="1" smtClean="0">
                 <a:solidFill>
                   <a:schemeClr val="tx1"/>
                 </a:solidFill>
@@ -2045,10 +2315,10 @@
                 <a:ea typeface="+mn-ea"/>
                 <a:cs typeface="+mn-cs"/>
               </a:rPr>
-              <a:t>  – </a:t>
-            </a:r>
-            <a:r>
-              <a:rPr lang="en-US" sz="1200" b="0" i="0" kern="1200" dirty="0" smtClean="0">
+              <a:t>millennials</a:t>
+            </a:r>
+            <a:r>
+              <a:rPr lang="en-US" sz="1200" b="0" i="0" u="none" strike="noStrike" kern="1200" dirty="0" smtClean="0">
                 <a:solidFill>
                   <a:schemeClr val="tx1"/>
                 </a:solidFill>
@@ -2056,10 +2326,19 @@
                 <a:ea typeface="+mn-ea"/>
                 <a:cs typeface="+mn-cs"/>
               </a:rPr>
-              <a:t>Entertainment Software Association, 2019</a:t>
-            </a:r>
-          </a:p>
-          <a:p>
+              <a:t> have a reasonable disposable income, allowing them to spend money on things that they enjoy, including video games. Our hope is to give </a:t>
+            </a:r>
+            <a:r>
+              <a:rPr lang="en-US" sz="1200" b="0" i="0" u="none" strike="noStrike" kern="1200" dirty="0" err="1" smtClean="0">
+                <a:solidFill>
+                  <a:schemeClr val="tx1"/>
+                </a:solidFill>
+                <a:latin typeface="+mn-lt"/>
+                <a:ea typeface="+mn-ea"/>
+                <a:cs typeface="+mn-cs"/>
+              </a:rPr>
+              <a:t>Millennials</a:t>
+            </a:r>
             <a:r>
               <a:rPr lang="en-US" sz="1200" b="0" i="0" u="none" strike="noStrike" kern="1200" dirty="0" smtClean="0">
                 <a:solidFill>
@@ -2068,12 +2347,29 @@
                 <a:latin typeface="+mn-lt"/>
                 <a:ea typeface="+mn-ea"/>
                 <a:cs typeface="+mn-cs"/>
-                <a:hlinkClick r:id="rId3"/>
               </a:rPr>
-              <a:t>Baby boomer Gamers (55-64)</a:t>
-            </a:r>
-            <a:r>
-              <a:rPr lang="en-US" sz="1200" b="0" i="0" kern="1200" dirty="0" smtClean="0">
+              <a:t> the tools to find video games that they enjoy, that they would not have otherwise found, in as easy and efficient a manner as possible.</a:t>
+            </a:r>
+            <a:endParaRPr lang="en-US" b="0" dirty="0" smtClean="0"/>
+          </a:p>
+          <a:p>
+            <a:pPr rtl="0"/>
+            <a:r>
+              <a:rPr lang="en-US" b="0" dirty="0" smtClean="0"/>
+              <a:t/>
+            </a:r>
+            <a:br>
+              <a:rPr lang="en-US" b="0" dirty="0" smtClean="0"/>
+            </a:br>
+            <a:r>
+              <a:rPr lang="en-US" b="0" dirty="0" smtClean="0"/>
+              <a:t/>
+            </a:r>
+            <a:br>
+              <a:rPr lang="en-US" b="0" dirty="0" smtClean="0"/>
+            </a:br>
+            <a:r>
+              <a:rPr lang="en-US" sz="1200" b="0" i="0" u="none" strike="noStrike" kern="1200" dirty="0" smtClean="0">
                 <a:solidFill>
                   <a:schemeClr val="tx1"/>
                 </a:solidFill>
@@ -2081,34 +2377,41 @@
                 <a:ea typeface="+mn-ea"/>
                 <a:cs typeface="+mn-cs"/>
               </a:rPr>
-              <a:t> -Entertainment Software Association, 2019</a:t>
-            </a:r>
-          </a:p>
-          <a:p>
-            <a:endParaRPr lang="en-US" sz="1200" b="0" i="0" kern="1200" dirty="0" smtClean="0">
-              <a:solidFill>
-                <a:schemeClr val="tx1"/>
-              </a:solidFill>
-              <a:latin typeface="+mn-lt"/>
-              <a:ea typeface="+mn-ea"/>
-              <a:cs typeface="+mn-cs"/>
-            </a:endParaRPr>
-          </a:p>
-          <a:p>
-            <a:endParaRPr lang="en-US" sz="1200" b="0" i="0" kern="1200" dirty="0" smtClean="0">
-              <a:solidFill>
-                <a:schemeClr val="tx1"/>
-              </a:solidFill>
-              <a:latin typeface="+mn-lt"/>
-              <a:ea typeface="+mn-ea"/>
-              <a:cs typeface="+mn-cs"/>
-            </a:endParaRPr>
-          </a:p>
-          <a:p>
-            <a:r>
-              <a:rPr lang="en-US" dirty="0" smtClean="0"/>
-              <a:t>https://www.gamingscan.com/gaming-statistics/</a:t>
-            </a:r>
+              <a:t>https://www.nielsen.com/us/en/insights/article/2019/game-on-video-games-are-a-staple-among-millennials-media-diets/</a:t>
+            </a:r>
+            <a:endParaRPr lang="en-US" b="0" dirty="0" smtClean="0"/>
+          </a:p>
+          <a:p>
+            <a:pPr rtl="0"/>
+            <a:r>
+              <a:rPr lang="en-US" sz="1200" b="0" i="0" u="sng" strike="noStrike" kern="1200" dirty="0" smtClean="0">
+                <a:solidFill>
+                  <a:schemeClr val="tx1"/>
+                </a:solidFill>
+                <a:latin typeface="+mn-lt"/>
+                <a:ea typeface="+mn-ea"/>
+                <a:cs typeface="+mn-cs"/>
+                <a:hlinkClick r:id="rId4"/>
+              </a:rPr>
+              <a:t>https://www.alistdaily.com/strategy/different-generations-play-video-games-platforms-genres/</a:t>
+            </a:r>
+            <a:endParaRPr lang="en-US" b="0" dirty="0" smtClean="0"/>
+          </a:p>
+          <a:p>
+            <a:r>
+              <a:rPr lang="en-US" b="0" dirty="0" smtClean="0"/>
+              <a:t/>
+            </a:r>
+            <a:br>
+              <a:rPr lang="en-US" b="0" dirty="0" smtClean="0"/>
+            </a:br>
+            <a:r>
+              <a:rPr lang="en-US" b="0" dirty="0" smtClean="0"/>
+              <a:t/>
+            </a:r>
+            <a:br>
+              <a:rPr lang="en-US" b="0" dirty="0" smtClean="0"/>
+            </a:br>
             <a:endParaRPr lang="en-US" dirty="0"/>
           </a:p>
         </p:txBody>
@@ -2131,7 +2434,7 @@
             <a:fld id="{8EFF1462-1B44-4FEF-BBC6-6F619544FF58}" type="slidenum">
               <a:rPr lang="en-US" smtClean="0"/>
               <a:pPr/>
-              <a:t>6</a:t>
+              <a:t>5</a:t>
             </a:fld>
             <a:endParaRPr lang="en-US"/>
           </a:p>
@@ -2192,7 +2495,28 @@
           <a:lstStyle/>
           <a:p>
             <a:r>
-              <a:rPr lang="en-US" sz="1200" kern="1200" dirty="0" smtClean="0">
+              <a:rPr lang="en-US" dirty="0" smtClean="0"/>
+              <a:t>https://www.theesa.com/esa-research/2019-essential-facts-about-the-computer-and-video-game-industry/</a:t>
+            </a:r>
+          </a:p>
+          <a:p>
+            <a:endParaRPr lang="en-US" dirty="0" smtClean="0"/>
+          </a:p>
+          <a:p>
+            <a:r>
+              <a:rPr lang="en-US" sz="1200" b="0" i="0" u="none" strike="noStrike" kern="1200" dirty="0" smtClean="0">
+                <a:solidFill>
+                  <a:schemeClr val="tx1"/>
+                </a:solidFill>
+                <a:latin typeface="+mn-lt"/>
+                <a:ea typeface="+mn-ea"/>
+                <a:cs typeface="+mn-cs"/>
+                <a:hlinkClick r:id="rId3"/>
+              </a:rPr>
+              <a:t>Millennial Gamers (18-34)</a:t>
+            </a:r>
+            <a:r>
+              <a:rPr lang="en-US" sz="1200" b="0" i="1" kern="1200" dirty="0" smtClean="0">
                 <a:solidFill>
                   <a:schemeClr val="tx1"/>
                 </a:solidFill>
@@ -2200,12 +2524,10 @@
                 <a:ea typeface="+mn-ea"/>
                 <a:cs typeface="+mn-cs"/>
               </a:rPr>
-              <a:t>John is casual gamer that does not play all the time and needs help to find games he might like. He mainly plays games on his phone. He plays games while on the Bus/Train and waiting for Bus and/or Trains. John also plays on his roommates Xbox system.</a:t>
-            </a:r>
-          </a:p>
-          <a:p>
-            <a:r>
-              <a:rPr lang="en-US" sz="1200" kern="1200" dirty="0" smtClean="0">
+              <a:t>  – </a:t>
+            </a:r>
+            <a:r>
+              <a:rPr lang="en-US" sz="1200" b="0" i="0" kern="1200" dirty="0" smtClean="0">
                 <a:solidFill>
                   <a:schemeClr val="tx1"/>
                 </a:solidFill>
@@ -2213,12 +2535,24 @@
                 <a:ea typeface="+mn-ea"/>
                 <a:cs typeface="+mn-cs"/>
               </a:rPr>
-              <a:t> </a:t>
-            </a:r>
-          </a:p>
-          <a:p>
-            <a:r>
-              <a:rPr lang="en-US" sz="1200" kern="1200" dirty="0" smtClean="0">
+              <a:t>Entertainment Software Association, 2019</a:t>
+            </a:r>
+          </a:p>
+          <a:p>
+            <a:r>
+              <a:rPr lang="en-US" sz="1200" b="0" i="0" u="none" strike="noStrike" kern="1200" dirty="0" smtClean="0">
+                <a:solidFill>
+                  <a:schemeClr val="tx1"/>
+                </a:solidFill>
+                <a:latin typeface="+mn-lt"/>
+                <a:ea typeface="+mn-ea"/>
+                <a:cs typeface="+mn-cs"/>
+                <a:hlinkClick r:id="rId3"/>
+              </a:rPr>
+              <a:t>Gen X Gamers (35-54)</a:t>
+            </a:r>
+            <a:r>
+              <a:rPr lang="en-US" sz="1200" b="0" i="1" kern="1200" dirty="0" smtClean="0">
                 <a:solidFill>
                   <a:schemeClr val="tx1"/>
                 </a:solidFill>
@@ -2226,12 +2560,10 @@
                 <a:ea typeface="+mn-ea"/>
                 <a:cs typeface="+mn-cs"/>
               </a:rPr>
-              <a:t>John spends most of his commute time on his phone either on a social media site or playing games to pass the time. </a:t>
-            </a:r>
-          </a:p>
-          <a:p>
-            <a:r>
-              <a:rPr lang="en-US" sz="1200" kern="1200" dirty="0" smtClean="0">
+              <a:t>  – </a:t>
+            </a:r>
+            <a:r>
+              <a:rPr lang="en-US" sz="1200" b="0" i="0" kern="1200" dirty="0" smtClean="0">
                 <a:solidFill>
                   <a:schemeClr val="tx1"/>
                 </a:solidFill>
@@ -2239,8 +2571,88 @@
                 <a:ea typeface="+mn-ea"/>
                 <a:cs typeface="+mn-cs"/>
               </a:rPr>
-              <a:t> </a:t>
-            </a:r>
+              <a:t>Entertainment Software Association, 2019</a:t>
+            </a:r>
+          </a:p>
+          <a:p>
+            <a:r>
+              <a:rPr lang="en-US" sz="1200" b="0" i="0" u="none" strike="noStrike" kern="1200" dirty="0" smtClean="0">
+                <a:solidFill>
+                  <a:schemeClr val="tx1"/>
+                </a:solidFill>
+                <a:latin typeface="+mn-lt"/>
+                <a:ea typeface="+mn-ea"/>
+                <a:cs typeface="+mn-cs"/>
+                <a:hlinkClick r:id="rId3"/>
+              </a:rPr>
+              <a:t>Baby boomer Gamers (55-64)</a:t>
+            </a:r>
+            <a:r>
+              <a:rPr lang="en-US" sz="1200" b="0" i="0" kern="1200" dirty="0" smtClean="0">
+                <a:solidFill>
+                  <a:schemeClr val="tx1"/>
+                </a:solidFill>
+                <a:latin typeface="+mn-lt"/>
+                <a:ea typeface="+mn-ea"/>
+                <a:cs typeface="+mn-cs"/>
+              </a:rPr>
+              <a:t> -Entertainment Software Association, </a:t>
+            </a:r>
+            <a:r>
+              <a:rPr lang="en-US" sz="1200" b="0" i="0" kern="1200" dirty="0" smtClean="0">
+                <a:solidFill>
+                  <a:schemeClr val="tx1"/>
+                </a:solidFill>
+                <a:latin typeface="+mn-lt"/>
+                <a:ea typeface="+mn-ea"/>
+                <a:cs typeface="+mn-cs"/>
+              </a:rPr>
+              <a:t>2019</a:t>
+            </a:r>
+            <a:endParaRPr lang="en-US" sz="1200" b="0" i="0" kern="1200" dirty="0" smtClean="0">
+              <a:solidFill>
+                <a:schemeClr val="tx1"/>
+              </a:solidFill>
+              <a:latin typeface="+mn-lt"/>
+              <a:ea typeface="+mn-ea"/>
+              <a:cs typeface="+mn-cs"/>
+            </a:endParaRPr>
+          </a:p>
+          <a:p>
+            <a:r>
+              <a:rPr lang="en-US" dirty="0" smtClean="0"/>
+              <a:t>https://www.gamingscan.com/gaming-statistics</a:t>
+            </a:r>
+            <a:r>
+              <a:rPr lang="en-US" dirty="0" smtClean="0"/>
+              <a:t>/</a:t>
+            </a:r>
+          </a:p>
+          <a:p>
+            <a:endParaRPr lang="en-US" dirty="0" smtClean="0"/>
+          </a:p>
+          <a:p>
+            <a:endParaRPr lang="en-US" dirty="0" smtClean="0"/>
+          </a:p>
+          <a:p>
+            <a:endParaRPr lang="en-US" dirty="0" smtClean="0"/>
+          </a:p>
+          <a:p>
+            <a:r>
+              <a:rPr lang="en-US" sz="1200" b="0" i="0" u="none" strike="noStrike" kern="1200" dirty="0" smtClean="0">
+                <a:solidFill>
+                  <a:schemeClr val="tx1"/>
+                </a:solidFill>
+                <a:latin typeface="+mn-lt"/>
+                <a:ea typeface="+mn-ea"/>
+                <a:cs typeface="+mn-cs"/>
+              </a:rPr>
+              <a:t>We put out a survey that attempted to ascertain demographic information, as well as questions about video game playtime, interest, and spending habits. There were a total of 15 responses, 73% were from those between the ages of 18 and 25, 27% were from those between the ages of 26 and 34. Of those between the ages of 18 and 25, 100% said that they played at least 5 hours of video games each week. Furthermore, 81% of those between the ages of 18 and 25 said that they were constantly looking for new video games to play, as well as 66% of those between the ages of 26 and 34. These results were extremely helpful in us finding our target audience. We found that there was a large population of people in this age group that played video games constantly, and wanted to find new video games to play. This meant there was a clear need for something like our Game Selector. This questionnaire was completed using Google Forms</a:t>
+            </a:r>
+            <a:endParaRPr lang="en-US" dirty="0" smtClean="0"/>
+          </a:p>
+          <a:p>
+            <a:endParaRPr lang="en-US" dirty="0" smtClean="0"/>
           </a:p>
           <a:p>
             <a:endParaRPr lang="en-US" dirty="0"/>
@@ -2265,7 +2677,7 @@
             <a:fld id="{8EFF1462-1B44-4FEF-BBC6-6F619544FF58}" type="slidenum">
               <a:rPr lang="en-US" smtClean="0"/>
               <a:pPr/>
-              <a:t>7</a:t>
+              <a:t>6</a:t>
             </a:fld>
             <a:endParaRPr lang="en-US"/>
           </a:p>
@@ -2326,43 +2738,28 @@
           <a:lstStyle/>
           <a:p>
             <a:r>
-              <a:rPr lang="en-US" sz="1200" b="0" i="0" kern="1200" dirty="0" smtClean="0">
+              <a:rPr lang="en-US" sz="1200" kern="1200" dirty="0" smtClean="0">
                 <a:solidFill>
                   <a:schemeClr val="tx1"/>
                 </a:solidFill>
                 <a:latin typeface="+mn-lt"/>
                 <a:ea typeface="+mn-ea"/>
                 <a:cs typeface="+mn-cs"/>
-                <a:hlinkClick r:id="rId3"/>
               </a:rPr>
-              <a:t>Game Data Library</a:t>
-            </a:r>
-          </a:p>
-          <a:p>
-            <a:endParaRPr lang="en-US" sz="1200" b="0" i="0" kern="1200" dirty="0" smtClean="0">
-              <a:solidFill>
-                <a:schemeClr val="tx1"/>
-              </a:solidFill>
-              <a:latin typeface="+mn-lt"/>
-              <a:ea typeface="+mn-ea"/>
-              <a:cs typeface="+mn-cs"/>
-              <a:hlinkClick r:id="rId3"/>
-            </a:endParaRPr>
-          </a:p>
-          <a:p>
-            <a:r>
-              <a:rPr lang="en-US" sz="1200" b="0" i="0" kern="1200" dirty="0" smtClean="0">
+              <a:t>John is casual gamer that does not play all the time and needs help to find games he might like. He mainly plays games on his phone. He plays games while on the Bus/Train and waiting for Bus and/or Trains. John also plays on his roommates Xbox system</a:t>
+            </a:r>
+            <a:r>
+              <a:rPr lang="en-US" sz="1200" kern="1200" dirty="0" smtClean="0">
                 <a:solidFill>
                   <a:schemeClr val="tx1"/>
                 </a:solidFill>
                 <a:latin typeface="+mn-lt"/>
                 <a:ea typeface="+mn-ea"/>
                 <a:cs typeface="+mn-cs"/>
-                <a:hlinkClick r:id="rId4"/>
               </a:rPr>
-              <a:t>https://sites.google.com/site/gamedatalibrary/game-search</a:t>
-            </a:r>
-            <a:endParaRPr lang="en-US" sz="1200" b="0" i="0" kern="1200" dirty="0" smtClean="0">
+              <a:t>.</a:t>
+            </a:r>
+            <a:endParaRPr lang="en-US" sz="1200" kern="1200" dirty="0" smtClean="0">
               <a:solidFill>
                 <a:schemeClr val="tx1"/>
               </a:solidFill>
@@ -2372,41 +2769,18 @@
             </a:endParaRPr>
           </a:p>
           <a:p>
-            <a:endParaRPr lang="en-US" sz="1200" b="0" i="0" kern="1200" dirty="0" smtClean="0">
-              <a:solidFill>
-                <a:schemeClr val="tx1"/>
-              </a:solidFill>
-              <a:latin typeface="+mn-lt"/>
-              <a:ea typeface="+mn-ea"/>
-              <a:cs typeface="+mn-cs"/>
-              <a:hlinkClick r:id="rId3"/>
-            </a:endParaRPr>
-          </a:p>
-          <a:p>
-            <a:endParaRPr lang="en-US" sz="1200" b="0" i="0" kern="1200" dirty="0" smtClean="0">
-              <a:solidFill>
-                <a:schemeClr val="tx1"/>
-              </a:solidFill>
-              <a:latin typeface="+mn-lt"/>
-              <a:ea typeface="+mn-ea"/>
-              <a:cs typeface="+mn-cs"/>
-              <a:hlinkClick r:id="rId3"/>
-            </a:endParaRPr>
-          </a:p>
-          <a:p>
-            <a:r>
-              <a:rPr lang="en-US" sz="1200" b="0" i="0" kern="1200" dirty="0" smtClean="0">
+            <a:r>
+              <a:rPr lang="en-US" sz="1200" kern="1200" dirty="0" smtClean="0">
                 <a:solidFill>
                   <a:schemeClr val="tx1"/>
                 </a:solidFill>
                 <a:latin typeface="+mn-lt"/>
                 <a:ea typeface="+mn-ea"/>
                 <a:cs typeface="+mn-cs"/>
-                <a:hlinkClick r:id="rId3"/>
               </a:rPr>
-              <a:t>https://apps.quanticfoundry.com/recommendations/gamerprofile/videogame/</a:t>
-            </a:r>
-            <a:endParaRPr lang="en-US" sz="1200" b="0" i="0" kern="1200" dirty="0" smtClean="0">
+              <a:t>John spends most of his commute time on his phone either on a social media site or playing games to pass the time. </a:t>
+            </a:r>
+            <a:endParaRPr lang="en-US" sz="1200" kern="1200" dirty="0" smtClean="0">
               <a:solidFill>
                 <a:schemeClr val="tx1"/>
               </a:solidFill>
@@ -2416,7 +2790,7 @@
             </a:endParaRPr>
           </a:p>
           <a:p>
-            <a:endParaRPr lang="en-US" sz="1200" b="0" i="0" kern="1200" dirty="0" smtClean="0">
+            <a:endParaRPr lang="en-US" sz="1200" kern="1200" dirty="0" smtClean="0">
               <a:solidFill>
                 <a:schemeClr val="tx1"/>
               </a:solidFill>
@@ -2426,6 +2800,63 @@
             </a:endParaRPr>
           </a:p>
           <a:p>
+            <a:r>
+              <a:rPr lang="en-US" sz="1200" kern="1200" dirty="0" smtClean="0">
+                <a:solidFill>
+                  <a:schemeClr val="tx1"/>
+                </a:solidFill>
+                <a:latin typeface="+mn-lt"/>
+                <a:ea typeface="+mn-ea"/>
+                <a:cs typeface="+mn-cs"/>
+              </a:rPr>
+              <a:t> </a:t>
+            </a:r>
+          </a:p>
+          <a:p>
+            <a:pPr rtl="0"/>
+            <a:r>
+              <a:rPr lang="en-US" sz="1200" b="0" i="0" u="none" strike="noStrike" kern="1200" dirty="0" smtClean="0">
+                <a:solidFill>
+                  <a:schemeClr val="tx1"/>
+                </a:solidFill>
+                <a:latin typeface="+mn-lt"/>
+                <a:ea typeface="+mn-ea"/>
+                <a:cs typeface="+mn-cs"/>
+              </a:rPr>
+              <a:t>John Smith is a 25 year old IT administrator that lives in Brooklyn, New York. He is single, lives with two roommates, and uses public transportation to get to work. John has a stable job, and a relatively large amount of disposable income. Because John uses public transportation to work each day, he often finds himself playing video games on his phone during his commute. John has been playing video games since he was a child, and sees them as a part of his life and daily routine. </a:t>
+            </a:r>
+            <a:endParaRPr lang="en-US" b="0" dirty="0" smtClean="0"/>
+          </a:p>
+          <a:p>
+            <a:pPr rtl="0"/>
+            <a:r>
+              <a:rPr lang="en-US" b="0" dirty="0" smtClean="0"/>
+              <a:t/>
+            </a:r>
+            <a:br>
+              <a:rPr lang="en-US" b="0" dirty="0" smtClean="0"/>
+            </a:br>
+            <a:r>
+              <a:rPr lang="en-US" sz="1200" b="0" i="0" u="none" strike="noStrike" kern="1200" dirty="0" smtClean="0">
+                <a:solidFill>
+                  <a:schemeClr val="tx1"/>
+                </a:solidFill>
+                <a:latin typeface="+mn-lt"/>
+                <a:ea typeface="+mn-ea"/>
+                <a:cs typeface="+mn-cs"/>
+              </a:rPr>
+              <a:t>John is the perfect example of our target audience for the Game Selector. He has a job, a love of video games, and enough free time to play games. John is constantly looking for new games to play to pass his time on his commute, but doesn't have the time to constantly be looking for new games to play. Game Selector would be perfect for him, as it gives him an easy and quick way of finding new games that he can play during his commute. Because he doesn't want to put in a lot of time in actually finding a game to play, nor does he want to exhaust a lot of effort, Game selector is the ideal choice, because it quickly chooses games for him in a frictionless manner that is not hard to navigate and learn how to use. John fits with our E, easy to learn, perfectly, as it is the quickest and easiest way for him to find new things to play.</a:t>
+            </a:r>
+            <a:endParaRPr lang="en-US" b="0" dirty="0" smtClean="0"/>
+          </a:p>
+          <a:p>
+            <a:r>
+              <a:rPr lang="en-US" dirty="0" smtClean="0"/>
+              <a:t/>
+            </a:r>
+            <a:br>
+              <a:rPr lang="en-US" dirty="0" smtClean="0"/>
+            </a:br>
             <a:endParaRPr lang="en-US" dirty="0"/>
           </a:p>
         </p:txBody>
@@ -2448,7 +2879,7 @@
             <a:fld id="{8EFF1462-1B44-4FEF-BBC6-6F619544FF58}" type="slidenum">
               <a:rPr lang="en-US" smtClean="0"/>
               <a:pPr/>
-              <a:t>8</a:t>
+              <a:t>7</a:t>
             </a:fld>
             <a:endParaRPr lang="en-US"/>
           </a:p>
@@ -2508,32 +2939,107 @@
           </a:bodyPr>
           <a:lstStyle/>
           <a:p>
-            <a:endParaRPr lang="en-US" dirty="0" smtClean="0"/>
-          </a:p>
-          <a:p>
-            <a:r>
-              <a:rPr lang="en-US" dirty="0" smtClean="0"/>
-              <a:t>Game Search Library – only has platform games and only by title and publisher</a:t>
-            </a:r>
-          </a:p>
-          <a:p>
-            <a:endParaRPr lang="en-US" dirty="0" smtClean="0"/>
-          </a:p>
-          <a:p>
-            <a:r>
-              <a:rPr lang="en-US" dirty="0" smtClean="0"/>
-              <a:t>Video</a:t>
-            </a:r>
-            <a:r>
-              <a:rPr lang="en-US" baseline="0" dirty="0" smtClean="0"/>
-              <a:t> Game Recommendation Engine – just asks for names of games you like and gives a list response</a:t>
-            </a:r>
-          </a:p>
-          <a:p>
-            <a:r>
-              <a:rPr lang="en-US" baseline="0" dirty="0" smtClean="0"/>
-              <a:t>	Without date of publishing, or cost info, or type of game….. </a:t>
-            </a:r>
+            <a:r>
+              <a:rPr lang="en-US" sz="1200" b="0" i="0" kern="1200" dirty="0" smtClean="0">
+                <a:solidFill>
+                  <a:schemeClr val="tx1"/>
+                </a:solidFill>
+                <a:latin typeface="+mn-lt"/>
+                <a:ea typeface="+mn-ea"/>
+                <a:cs typeface="+mn-cs"/>
+                <a:hlinkClick r:id="rId3"/>
+              </a:rPr>
+              <a:t>Game Data Library</a:t>
+            </a:r>
+          </a:p>
+          <a:p>
+            <a:endParaRPr lang="en-US" sz="1200" b="0" i="0" kern="1200" dirty="0" smtClean="0">
+              <a:solidFill>
+                <a:schemeClr val="tx1"/>
+              </a:solidFill>
+              <a:latin typeface="+mn-lt"/>
+              <a:ea typeface="+mn-ea"/>
+              <a:cs typeface="+mn-cs"/>
+              <a:hlinkClick r:id="rId3"/>
+            </a:endParaRPr>
+          </a:p>
+          <a:p>
+            <a:r>
+              <a:rPr lang="en-US" sz="1200" b="0" i="0" kern="1200" dirty="0" smtClean="0">
+                <a:solidFill>
+                  <a:schemeClr val="tx1"/>
+                </a:solidFill>
+                <a:latin typeface="+mn-lt"/>
+                <a:ea typeface="+mn-ea"/>
+                <a:cs typeface="+mn-cs"/>
+                <a:hlinkClick r:id="rId4"/>
+              </a:rPr>
+              <a:t>https://sites.google.com/site/gamedatalibrary/game-search</a:t>
+            </a:r>
+            <a:endParaRPr lang="en-US" sz="1200" b="0" i="0" kern="1200" dirty="0" smtClean="0">
+              <a:solidFill>
+                <a:schemeClr val="tx1"/>
+              </a:solidFill>
+              <a:latin typeface="+mn-lt"/>
+              <a:ea typeface="+mn-ea"/>
+              <a:cs typeface="+mn-cs"/>
+            </a:endParaRPr>
+          </a:p>
+          <a:p>
+            <a:endParaRPr lang="en-US" sz="1200" b="0" i="0" kern="1200" dirty="0" smtClean="0">
+              <a:solidFill>
+                <a:schemeClr val="tx1"/>
+              </a:solidFill>
+              <a:latin typeface="+mn-lt"/>
+              <a:ea typeface="+mn-ea"/>
+              <a:cs typeface="+mn-cs"/>
+              <a:hlinkClick r:id="rId3"/>
+            </a:endParaRPr>
+          </a:p>
+          <a:p>
+            <a:endParaRPr lang="en-US" sz="1200" b="0" i="0" kern="1200" dirty="0" smtClean="0">
+              <a:solidFill>
+                <a:schemeClr val="tx1"/>
+              </a:solidFill>
+              <a:latin typeface="+mn-lt"/>
+              <a:ea typeface="+mn-ea"/>
+              <a:cs typeface="+mn-cs"/>
+              <a:hlinkClick r:id="rId3"/>
+            </a:endParaRPr>
+          </a:p>
+          <a:p>
+            <a:r>
+              <a:rPr lang="en-US" sz="1200" b="0" i="0" kern="1200" dirty="0" smtClean="0">
+                <a:solidFill>
+                  <a:schemeClr val="tx1"/>
+                </a:solidFill>
+                <a:latin typeface="+mn-lt"/>
+                <a:ea typeface="+mn-ea"/>
+                <a:cs typeface="+mn-cs"/>
+                <a:hlinkClick r:id="rId3"/>
+              </a:rPr>
+              <a:t>https://apps.quanticfoundry.com/recommendations/gamerprofile/videogame/</a:t>
+            </a:r>
+            <a:endParaRPr lang="en-US" sz="1200" b="0" i="0" kern="1200" dirty="0" smtClean="0">
+              <a:solidFill>
+                <a:schemeClr val="tx1"/>
+              </a:solidFill>
+              <a:latin typeface="+mn-lt"/>
+              <a:ea typeface="+mn-ea"/>
+              <a:cs typeface="+mn-cs"/>
+            </a:endParaRPr>
+          </a:p>
+          <a:p>
+            <a:endParaRPr lang="en-US" sz="1200" b="0" i="0" kern="1200" dirty="0" smtClean="0">
+              <a:solidFill>
+                <a:schemeClr val="tx1"/>
+              </a:solidFill>
+              <a:latin typeface="+mn-lt"/>
+              <a:ea typeface="+mn-ea"/>
+              <a:cs typeface="+mn-cs"/>
+            </a:endParaRPr>
+          </a:p>
+          <a:p>
             <a:endParaRPr lang="en-US" dirty="0"/>
           </a:p>
         </p:txBody>
@@ -2556,7 +3062,7 @@
             <a:fld id="{8EFF1462-1B44-4FEF-BBC6-6F619544FF58}" type="slidenum">
               <a:rPr lang="en-US" smtClean="0"/>
               <a:pPr/>
-              <a:t>9</a:t>
+              <a:t>8</a:t>
             </a:fld>
             <a:endParaRPr lang="en-US"/>
           </a:p>
@@ -2616,58 +3122,82 @@
           </a:bodyPr>
           <a:lstStyle/>
           <a:p>
-            <a:r>
-              <a:rPr lang="en-US" dirty="0" smtClean="0"/>
-              <a:t>Hand drawn menu system.</a:t>
-            </a:r>
-          </a:p>
-          <a:p>
-            <a:r>
-              <a:rPr lang="en-US" dirty="0" smtClean="0"/>
-              <a:t>Shows </a:t>
-            </a:r>
-          </a:p>
-          <a:p>
-            <a:r>
-              <a:rPr lang="en-US" dirty="0" smtClean="0"/>
-              <a:t>signup/</a:t>
-            </a:r>
-            <a:r>
-              <a:rPr lang="en-US" dirty="0" err="1" smtClean="0"/>
-              <a:t>signin</a:t>
-            </a:r>
-            <a:r>
-              <a:rPr lang="en-US" dirty="0" smtClean="0"/>
-              <a:t>/guest</a:t>
+            <a:endParaRPr lang="en-US" dirty="0" smtClean="0"/>
+          </a:p>
+          <a:p>
+            <a:r>
+              <a:rPr lang="en-US" dirty="0" smtClean="0"/>
+              <a:t>Game Search Library – only has platform games and only by title and publisher</a:t>
+            </a:r>
+          </a:p>
+          <a:p>
+            <a:endParaRPr lang="en-US" dirty="0" smtClean="0"/>
+          </a:p>
+          <a:p>
+            <a:r>
+              <a:rPr lang="en-US" dirty="0" smtClean="0"/>
+              <a:t>Video</a:t>
             </a:r>
             <a:r>
               <a:rPr lang="en-US" baseline="0" dirty="0" smtClean="0"/>
-              <a:t> screen</a:t>
-            </a:r>
-          </a:p>
-          <a:p>
-            <a:r>
-              <a:rPr lang="en-US" dirty="0" smtClean="0"/>
-              <a:t>Profile completion</a:t>
-            </a:r>
+              <a:t> Game Recommendation Engine – just asks for names of games you like and gives a list response</a:t>
+            </a:r>
+          </a:p>
+          <a:p>
             <a:r>
               <a:rPr lang="en-US" baseline="0" dirty="0" smtClean="0"/>
-              <a:t> screen</a:t>
-            </a:r>
-          </a:p>
-          <a:p>
-            <a:r>
-              <a:rPr lang="en-US" baseline="0" dirty="0" smtClean="0"/>
-              <a:t>Query form</a:t>
-            </a:r>
-          </a:p>
-          <a:p>
-            <a:r>
-              <a:rPr lang="en-US" baseline="0" dirty="0" smtClean="0"/>
-              <a:t>List output screen</a:t>
-            </a:r>
-          </a:p>
-          <a:p>
+              <a:t>	Without date of publishing, or cost info, or type of game….. </a:t>
+            </a:r>
+            <a:endParaRPr lang="en-US" baseline="0" dirty="0" smtClean="0"/>
+          </a:p>
+          <a:p>
+            <a:endParaRPr lang="en-US" baseline="0" dirty="0" smtClean="0"/>
+          </a:p>
+          <a:p>
+            <a:pPr rtl="0"/>
+            <a:r>
+              <a:rPr lang="en-US" sz="1200" b="0" i="0" u="none" strike="noStrike" kern="1200" dirty="0" smtClean="0">
+                <a:solidFill>
+                  <a:schemeClr val="tx1"/>
+                </a:solidFill>
+                <a:latin typeface="+mn-lt"/>
+                <a:ea typeface="+mn-ea"/>
+                <a:cs typeface="+mn-cs"/>
+              </a:rPr>
+              <a:t>Currently, there are a few competitors in the market, namely </a:t>
+            </a:r>
+            <a:r>
+              <a:rPr lang="en-US" sz="1200" b="0" i="0" u="none" strike="noStrike" kern="1200" dirty="0" err="1" smtClean="0">
+                <a:solidFill>
+                  <a:schemeClr val="tx1"/>
+                </a:solidFill>
+                <a:latin typeface="+mn-lt"/>
+                <a:ea typeface="+mn-ea"/>
+                <a:cs typeface="+mn-cs"/>
+              </a:rPr>
+              <a:t>Quantric</a:t>
+            </a:r>
+            <a:r>
+              <a:rPr lang="en-US" sz="1200" b="0" i="0" u="none" strike="noStrike" kern="1200" dirty="0" smtClean="0">
+                <a:solidFill>
+                  <a:schemeClr val="tx1"/>
+                </a:solidFill>
+                <a:latin typeface="+mn-lt"/>
+                <a:ea typeface="+mn-ea"/>
+                <a:cs typeface="+mn-cs"/>
+              </a:rPr>
+              <a:t> Foundry, and Game Search. However, we believe that we can easily distinguish ourselves from the competition, based on our E. Our application is designed to be as easy to learn as possible, and facilitate a user experience that is simple and time effective. Compared to our competitors who have multiple hoops to jump through in order to receive a game recommendation, or a profile, which must be then read, understood, and acted upon, our application is much more simple, and after only four decisions by the user, will display to them some possible games that we found may interest them. Our streamlined design, and ease of use truly differentiates us from the rest of the competition. </a:t>
+            </a:r>
+            <a:endParaRPr lang="en-US" b="0" dirty="0" smtClean="0"/>
+          </a:p>
+          <a:p>
+            <a:r>
+              <a:rPr lang="en-US" dirty="0" smtClean="0"/>
+              <a:t/>
+            </a:r>
+            <a:br>
+              <a:rPr lang="en-US" dirty="0" smtClean="0"/>
+            </a:br>
             <a:endParaRPr lang="en-US" dirty="0"/>
           </a:p>
         </p:txBody>
@@ -2690,7 +3220,7 @@
             <a:fld id="{8EFF1462-1B44-4FEF-BBC6-6F619544FF58}" type="slidenum">
               <a:rPr lang="en-US" smtClean="0"/>
               <a:pPr/>
-              <a:t>10</a:t>
+              <a:t>9</a:t>
             </a:fld>
             <a:endParaRPr lang="en-US"/>
           </a:p>
@@ -7231,11 +7761,7 @@
           <a:p>
             <a:r>
               <a:rPr lang="en-US" dirty="0" smtClean="0"/>
-              <a:t>Failure </a:t>
-            </a:r>
-            <a:r>
-              <a:rPr lang="en-US" dirty="0" smtClean="0"/>
-              <a:t>– simple instructions and immediate </a:t>
+              <a:t>Failure – simple instructions and immediate </a:t>
             </a:r>
             <a:r>
               <a:rPr lang="en-US" smtClean="0"/>
@@ -8364,12 +8890,8 @@
               <a:t>Current </a:t>
             </a:r>
             <a:r>
-              <a:rPr lang="en-US" dirty="0" err="1" smtClean="0"/>
-              <a:t>avaialble</a:t>
-            </a:r>
-            <a:r>
-              <a:rPr lang="en-US" dirty="0" smtClean="0"/>
-              <a:t> </a:t>
+              <a:rPr lang="en-US" dirty="0" smtClean="0"/>
+              <a:t>available </a:t>
             </a:r>
             <a:r>
               <a:rPr lang="en-US" dirty="0" err="1" smtClean="0"/>

--- a/doc/GamerSelect.pptx
+++ b/doc/GamerSelect.pptx
@@ -641,21 +641,13 @@
             </a:r>
             <a:r>
               <a:rPr lang="en-US" baseline="0" dirty="0" smtClean="0"/>
-              <a:t> </a:t>
-            </a:r>
-            <a:r>
-              <a:rPr lang="en-US" baseline="0" dirty="0" smtClean="0"/>
-              <a:t>screen</a:t>
-            </a:r>
-          </a:p>
-          <a:p>
-            <a:r>
-              <a:rPr lang="en-US" dirty="0" smtClean="0"/>
-              <a:t>	Profile </a:t>
-            </a:r>
-            <a:r>
-              <a:rPr lang="en-US" dirty="0" smtClean="0"/>
-              <a:t>completion</a:t>
+              <a:t> screen</a:t>
+            </a:r>
+          </a:p>
+          <a:p>
+            <a:r>
+              <a:rPr lang="en-US" dirty="0" smtClean="0"/>
+              <a:t>	Profile completion</a:t>
             </a:r>
             <a:r>
               <a:rPr lang="en-US" baseline="0" dirty="0" smtClean="0"/>
@@ -665,24 +657,87 @@
           <a:p>
             <a:r>
               <a:rPr lang="en-US" baseline="0" dirty="0" smtClean="0"/>
-              <a:t>	Query </a:t>
-            </a:r>
+              <a:t>	Query form</a:t>
+            </a:r>
+          </a:p>
+          <a:p>
             <a:r>
               <a:rPr lang="en-US" baseline="0" dirty="0" smtClean="0"/>
-              <a:t>form</a:t>
-            </a:r>
-          </a:p>
-          <a:p>
-            <a:r>
-              <a:rPr lang="en-US" baseline="0" dirty="0" smtClean="0"/>
-              <a:t>	List </a:t>
-            </a:r>
-            <a:r>
-              <a:rPr lang="en-US" baseline="0" dirty="0" smtClean="0"/>
-              <a:t>output screen</a:t>
-            </a:r>
-          </a:p>
-          <a:p>
+              <a:t>	List output screen</a:t>
+            </a:r>
+          </a:p>
+          <a:p>
+            <a:endParaRPr lang="en-US" dirty="0" smtClean="0"/>
+          </a:p>
+          <a:p>
+            <a:endParaRPr lang="en-US" dirty="0" smtClean="0"/>
+          </a:p>
+          <a:p>
+            <a:pPr rtl="0"/>
+            <a:r>
+              <a:rPr lang="en-US" sz="1200" b="0" i="0" u="none" strike="noStrike" kern="1200" dirty="0" smtClean="0">
+                <a:solidFill>
+                  <a:schemeClr val="tx1"/>
+                </a:solidFill>
+                <a:latin typeface="+mn-lt"/>
+                <a:ea typeface="+mn-ea"/>
+                <a:cs typeface="+mn-cs"/>
+              </a:rPr>
+              <a:t>In our first design, we wanted to create a rough layout of how the user would maneuver through our application. We wanted to emphasize our E, easy to learn, so we limited the amount of options our user had in signing up or remaining anonymous, kept the sign up profile information requirements simple, and limited the number of questions we would ask about their game preferences to four. By focusing on our E, we also focused on our persona. We knew that our targeted persona did not want to waste a lot of time in getting to the actual game suggestions. The user feedback we received from this first design was very helpful. </a:t>
+            </a:r>
+            <a:endParaRPr lang="en-US" b="0" dirty="0" smtClean="0"/>
+          </a:p>
+          <a:p>
+            <a:pPr rtl="0"/>
+            <a:r>
+              <a:rPr lang="en-US" dirty="0" smtClean="0"/>
+              <a:t/>
+            </a:r>
+            <a:br>
+              <a:rPr lang="en-US" dirty="0" smtClean="0"/>
+            </a:br>
+            <a:r>
+              <a:rPr lang="en-US" sz="1200" b="0" i="0" u="none" strike="noStrike" kern="1200" dirty="0" smtClean="0">
+                <a:solidFill>
+                  <a:schemeClr val="tx1"/>
+                </a:solidFill>
+                <a:latin typeface="+mn-lt"/>
+                <a:ea typeface="+mn-ea"/>
+                <a:cs typeface="+mn-cs"/>
+              </a:rPr>
+              <a:t>User Feedback:</a:t>
+            </a:r>
+            <a:br>
+              <a:rPr lang="en-US" sz="1200" b="0" i="0" u="none" strike="noStrike" kern="1200" dirty="0" smtClean="0">
+                <a:solidFill>
+                  <a:schemeClr val="tx1"/>
+                </a:solidFill>
+                <a:latin typeface="+mn-lt"/>
+                <a:ea typeface="+mn-ea"/>
+                <a:cs typeface="+mn-cs"/>
+              </a:rPr>
+            </a:br>
+            <a:r>
+              <a:rPr lang="en-US" sz="1200" b="0" i="0" u="none" strike="noStrike" kern="1200" dirty="0" smtClean="0">
+                <a:solidFill>
+                  <a:schemeClr val="tx1"/>
+                </a:solidFill>
+                <a:latin typeface="+mn-lt"/>
+                <a:ea typeface="+mn-ea"/>
+                <a:cs typeface="+mn-cs"/>
+              </a:rPr>
+              <a:t>After showing our rough sketch prototype to 5 potential users, we realized that they thoroughly enjoyed the idea of only having to answer four questions before being shown games that they would enjoy, as it cut down the time it takes for them to find a new game significantly. This is what truly made us stand out from other competitors online. 80% of those we showed the first sketch to liked only being asked for 4 things when looking for a new game. 20%, however, wanted more specific questions, many of them voicing concerns about our method not being specific enough. We were unclear in exactly how we would ask the users for information in those 4 questions, whether it be a drop down menu, a text input, etc. We found that if we wanted to make our application as easy to learn as possible, a drop down menu would be ideal, and of the 80% that liked the idea of only being asked 4 questions,75% enjoyed the idea of a drop down menu making life simpler for them. Through this survey, we were able to measure whether or not our E was improving. If more people believed that our design was easy to use in successive design implementations, then we knew that our E was improving.</a:t>
+            </a:r>
+            <a:endParaRPr lang="en-US" b="0" dirty="0" smtClean="0"/>
+          </a:p>
+          <a:p>
+            <a:r>
+              <a:rPr lang="en-US" dirty="0" smtClean="0"/>
+              <a:t/>
+            </a:r>
+            <a:br>
+              <a:rPr lang="en-US" dirty="0" smtClean="0"/>
+            </a:br>
             <a:endParaRPr lang="en-US" dirty="0"/>
           </a:p>
         </p:txBody>
@@ -783,28 +838,53 @@
             </a:r>
           </a:p>
           <a:p>
-            <a:r>
-              <a:rPr lang="en-US" baseline="0" dirty="0" smtClean="0"/>
-              <a:t>Here </a:t>
-            </a:r>
-            <a:r>
-              <a:rPr lang="en-US" baseline="0" dirty="0" smtClean="0"/>
-              <a:t>we </a:t>
-            </a:r>
-            <a:r>
-              <a:rPr lang="en-US" baseline="0" dirty="0" smtClean="0"/>
-              <a:t>followed most of the first design but we see some questioning about how to execute the query and show the final list</a:t>
-            </a:r>
-            <a:r>
-              <a:rPr lang="en-US" baseline="0" dirty="0" smtClean="0"/>
-              <a:t>.</a:t>
-            </a:r>
-          </a:p>
-          <a:p>
-            <a:r>
-              <a:rPr lang="en-US" baseline="0" dirty="0" smtClean="0"/>
-              <a:t>We were not sure how to show the final, whether to add another screen at the end or just show in the query page.</a:t>
-            </a:r>
+            <a:endParaRPr lang="en-US" baseline="0" dirty="0" smtClean="0"/>
+          </a:p>
+          <a:p>
+            <a:pPr rtl="0"/>
+            <a:r>
+              <a:rPr lang="en-US" sz="1200" b="0" i="0" u="none" strike="noStrike" kern="1200" dirty="0" smtClean="0">
+                <a:solidFill>
+                  <a:schemeClr val="tx1"/>
+                </a:solidFill>
+                <a:latin typeface="+mn-lt"/>
+                <a:ea typeface="+mn-ea"/>
+                <a:cs typeface="+mn-cs"/>
+              </a:rPr>
+              <a:t>In our second design, we created an actual </a:t>
+            </a:r>
+            <a:r>
+              <a:rPr lang="en-US" sz="1200" b="0" i="0" u="none" strike="noStrike" kern="1200" dirty="0" err="1" smtClean="0">
+                <a:solidFill>
+                  <a:schemeClr val="tx1"/>
+                </a:solidFill>
+                <a:latin typeface="+mn-lt"/>
+                <a:ea typeface="+mn-ea"/>
+                <a:cs typeface="+mn-cs"/>
+              </a:rPr>
+              <a:t>gui</a:t>
+            </a:r>
+            <a:r>
+              <a:rPr lang="en-US" sz="1200" b="0" i="0" u="none" strike="noStrike" kern="1200" dirty="0" smtClean="0">
+                <a:solidFill>
+                  <a:schemeClr val="tx1"/>
+                </a:solidFill>
+                <a:latin typeface="+mn-lt"/>
+                <a:ea typeface="+mn-ea"/>
+                <a:cs typeface="+mn-cs"/>
+              </a:rPr>
+              <a:t> representation of what our application would look like. This medium fidelity prototype made it much easier for us to envision what our final product could look like. Our second design was an improved version of our paper prototype, as it solidified the idea of using drop down menus as methods for our users to select from our 4 criteria. In testing out our second design with potential users, we found that the visual representation made it much easier for them to envision what our application would look like as a final product. We were met with a lot of positive feedback about how easy it is to use our product, and how quickly it would get to the end result of a list of games. There was a lot of constructive criticism about how we would finally display that list of games, however. There was confusion on our end over whether our list of games would be displayed from the query page, or from another page that would pop up. In receiving user feedback, we found that more people wanted the list of games to be displayed on the query page itself, as it would be a much simpler design. </a:t>
+            </a:r>
+            <a:endParaRPr lang="en-US" b="0" dirty="0" smtClean="0"/>
+          </a:p>
+          <a:p>
+            <a:r>
+              <a:rPr lang="en-US" dirty="0" smtClean="0"/>
+              <a:t/>
+            </a:r>
+            <a:br>
+              <a:rPr lang="en-US" dirty="0" smtClean="0"/>
+            </a:br>
             <a:endParaRPr lang="en-US" dirty="0"/>
           </a:p>
         </p:txBody>
@@ -1009,8 +1089,21 @@
             </a:r>
             <a:r>
               <a:rPr lang="en-US" baseline="0" dirty="0" smtClean="0"/>
-              <a:t> shows the simple flow of a previous user</a:t>
-            </a:r>
+              <a:t> shows the simple flow of a </a:t>
+            </a:r>
+            <a:r>
+              <a:rPr lang="en-US" baseline="0" dirty="0" smtClean="0"/>
+              <a:t>previously </a:t>
+            </a:r>
+            <a:r>
+              <a:rPr lang="en-US" baseline="0" dirty="0" err="1" smtClean="0"/>
+              <a:t>registed</a:t>
+            </a:r>
+            <a:r>
+              <a:rPr lang="en-US" baseline="0" dirty="0" smtClean="0"/>
+              <a:t> user</a:t>
+            </a:r>
+            <a:endParaRPr lang="en-US" baseline="0" dirty="0" smtClean="0"/>
           </a:p>
           <a:p>
             <a:r>
@@ -1282,7 +1375,6 @@
               <a:rPr lang="en-US" baseline="0" dirty="0" smtClean="0"/>
               <a:t>Python library access via igdb-api-v4 </a:t>
             </a:r>
-            <a:endParaRPr lang="en-US" baseline="0" dirty="0" smtClean="0"/>
           </a:p>
           <a:p>
             <a:endParaRPr lang="en-US" baseline="0" dirty="0" smtClean="0"/>
@@ -1402,6 +1494,50 @@
           </a:bodyPr>
           <a:lstStyle/>
           <a:p>
+            <a:pPr rtl="0"/>
+            <a:r>
+              <a:rPr lang="en-US" sz="1200" b="0" i="0" u="none" strike="noStrike" kern="1200" dirty="0" smtClean="0">
+                <a:solidFill>
+                  <a:schemeClr val="tx1"/>
+                </a:solidFill>
+                <a:latin typeface="+mn-lt"/>
+                <a:ea typeface="+mn-ea"/>
+                <a:cs typeface="+mn-cs"/>
+              </a:rPr>
+              <a:t>Our team took PAR into consideration when we designed our application. In taking in the users perception of the application, we wanted to group together the different </a:t>
+            </a:r>
+            <a:r>
+              <a:rPr lang="en-US" sz="1200" b="0" i="0" u="none" strike="noStrike" kern="1200" dirty="0" err="1" smtClean="0">
+                <a:solidFill>
+                  <a:schemeClr val="tx1"/>
+                </a:solidFill>
+                <a:latin typeface="+mn-lt"/>
+                <a:ea typeface="+mn-ea"/>
+                <a:cs typeface="+mn-cs"/>
+              </a:rPr>
+              <a:t>pulldown</a:t>
+            </a:r>
+            <a:r>
+              <a:rPr lang="en-US" sz="1200" b="0" i="0" u="none" strike="noStrike" kern="1200" dirty="0" smtClean="0">
+                <a:solidFill>
+                  <a:schemeClr val="tx1"/>
+                </a:solidFill>
+                <a:latin typeface="+mn-lt"/>
+                <a:ea typeface="+mn-ea"/>
+                <a:cs typeface="+mn-cs"/>
+              </a:rPr>
+              <a:t> categories into section categories. By keeping things like the genres separate from things like publishing dates, we made it easy for users to keep track of exactly what the application is asking for, and allows the user to feel comfortable making choices. In order to keep the user’s attention, we kept the entire application as succinct and quick as possible. There are not a lot of things that can distract the user on our page, and any actions that the user needs to take in the application should take as little time as possible, so that the user’s attention is always held. In addition, we highlight the different categories, such as platform, so that the user is immediately looking at those four categories. In a future version of this application, we could certainly add more color and images in order to engage the user in a certain portion of the application like the categories, as well as keep them engaged, but for the purposes of our demonstration, we chose to keep the application as simple as possible. In terms of retention, we used a very basic pull down menu, so that user’s do not have to remember any information about the categories they can choose from. By using the pull down menu, we are keeping it simple for the users, and putting much less strain on the user than a different method would.</a:t>
+            </a:r>
+            <a:endParaRPr lang="en-US" b="0" dirty="0" smtClean="0"/>
+          </a:p>
+          <a:p>
+            <a:r>
+              <a:rPr lang="en-US" dirty="0" smtClean="0"/>
+              <a:t/>
+            </a:r>
+            <a:br>
+              <a:rPr lang="en-US" dirty="0" smtClean="0"/>
+            </a:br>
             <a:endParaRPr lang="en-US" dirty="0"/>
           </a:p>
         </p:txBody>
@@ -1424,7 +1560,7 @@
             <a:fld id="{8EFF1462-1B44-4FEF-BBC6-6F619544FF58}" type="slidenum">
               <a:rPr lang="en-US" smtClean="0"/>
               <a:pPr/>
-              <a:t>17</a:t>
+              <a:t>16</a:t>
             </a:fld>
             <a:endParaRPr lang="en-US"/>
           </a:p>
@@ -1484,6 +1620,17 @@
           </a:bodyPr>
           <a:lstStyle/>
           <a:p>
+            <a:r>
+              <a:rPr lang="en-US" sz="1200" b="0" i="0" u="none" strike="noStrike" kern="1200" dirty="0" smtClean="0">
+                <a:solidFill>
+                  <a:schemeClr val="tx1"/>
+                </a:solidFill>
+                <a:latin typeface="+mn-lt"/>
+                <a:ea typeface="+mn-ea"/>
+                <a:cs typeface="+mn-cs"/>
+              </a:rPr>
+              <a:t>Simplicity was certainly one of the focuses of our application. For this reason, our application touched upon many of the different laws of simplicity. Using Reduce, we kept the choices for the user smaller, which ensured that there was less clutter. This would retain the user’s focus, and make their decision much easier. Using Organize, we grouped together similar items on the screen, and allowed the user to choose four different criteria for their recommendation. This makes it easier for the user to compare the different options, and choose the option most appropriate for them in a smaller amount of time. Time was one of the more important laws that we used. We wanted to ensure that our application was as easy and quick to learn as possible. In order to facilitate an experience that was not cumbersome, we included the option for users to use the application as a guest, skipping the time it takes to create a profile and create an account. This makes the first experience a user has with our application quick, easy, and frictionless. In terms of Learn, we used the combo-box to ensure that user’s did not have to learn anything outside of the app, and were immediately familiar with how to navigate the application. For Failure, we used simple, streamlined instructions, as well as immediate error messages, so that user’s had the easiest experience without encountering roadblocks that could impede them from getting the list of recommended games.</a:t>
+            </a:r>
             <a:endParaRPr lang="en-US" dirty="0"/>
           </a:p>
         </p:txBody>
@@ -1506,7 +1653,7 @@
             <a:fld id="{8EFF1462-1B44-4FEF-BBC6-6F619544FF58}" type="slidenum">
               <a:rPr lang="en-US" smtClean="0"/>
               <a:pPr/>
-              <a:t>19</a:t>
+              <a:t>17</a:t>
             </a:fld>
             <a:endParaRPr lang="en-US"/>
           </a:p>
@@ -1567,174 +1714,27 @@
           <a:lstStyle/>
           <a:p>
             <a:r>
-              <a:rPr lang="en-US" sz="1200" b="0" i="0" kern="1200" dirty="0" smtClean="0">
-                <a:solidFill>
-                  <a:schemeClr val="tx1"/>
-                </a:solidFill>
-                <a:latin typeface="+mn-lt"/>
-                <a:ea typeface="+mn-ea"/>
-                <a:cs typeface="+mn-cs"/>
-              </a:rPr>
-              <a:t>Required packages to build UI</a:t>
-            </a:r>
-          </a:p>
-          <a:p>
-            <a:r>
-              <a:rPr lang="en-US" sz="1200" b="0" i="0" kern="1200" dirty="0" smtClean="0">
-                <a:solidFill>
-                  <a:schemeClr val="tx1"/>
-                </a:solidFill>
-                <a:latin typeface="+mn-lt"/>
-                <a:ea typeface="+mn-ea"/>
-                <a:cs typeface="+mn-cs"/>
-              </a:rPr>
-              <a:t>python 3.7+</a:t>
-            </a:r>
-          </a:p>
-          <a:p>
-            <a:r>
-              <a:rPr lang="en-US" sz="1200" b="0" i="0" u="none" strike="noStrike" kern="1200" dirty="0" smtClean="0">
-                <a:solidFill>
-                  <a:schemeClr val="tx1"/>
-                </a:solidFill>
-                <a:latin typeface="+mn-lt"/>
-                <a:ea typeface="+mn-ea"/>
-                <a:cs typeface="+mn-cs"/>
-                <a:hlinkClick r:id="rId3"/>
-              </a:rPr>
-              <a:t>https://www.python.org/downloads/windows/</a:t>
-            </a:r>
-            <a:endParaRPr lang="en-US" sz="1200" b="0" i="0" kern="1200" dirty="0" smtClean="0">
-              <a:solidFill>
-                <a:schemeClr val="tx1"/>
-              </a:solidFill>
-              <a:latin typeface="+mn-lt"/>
-              <a:ea typeface="+mn-ea"/>
-              <a:cs typeface="+mn-cs"/>
-            </a:endParaRPr>
-          </a:p>
-          <a:p>
-            <a:r>
-              <a:rPr lang="en-US" sz="1200" b="0" i="0" kern="1200" dirty="0" err="1" smtClean="0">
-                <a:solidFill>
-                  <a:schemeClr val="tx1"/>
-                </a:solidFill>
-                <a:latin typeface="+mn-lt"/>
-                <a:ea typeface="+mn-ea"/>
-                <a:cs typeface="+mn-cs"/>
-              </a:rPr>
-              <a:t>tcl</a:t>
-            </a:r>
-            <a:r>
-              <a:rPr lang="en-US" sz="1200" b="0" i="0" kern="1200" dirty="0" smtClean="0">
-                <a:solidFill>
-                  <a:schemeClr val="tx1"/>
-                </a:solidFill>
-                <a:latin typeface="+mn-lt"/>
-                <a:ea typeface="+mn-ea"/>
-                <a:cs typeface="+mn-cs"/>
-              </a:rPr>
-              <a:t>/</a:t>
-            </a:r>
-            <a:r>
-              <a:rPr lang="en-US" sz="1200" b="0" i="0" kern="1200" dirty="0" err="1" smtClean="0">
-                <a:solidFill>
-                  <a:schemeClr val="tx1"/>
-                </a:solidFill>
-                <a:latin typeface="+mn-lt"/>
-                <a:ea typeface="+mn-ea"/>
-                <a:cs typeface="+mn-cs"/>
-              </a:rPr>
-              <a:t>tk</a:t>
-            </a:r>
-            <a:endParaRPr lang="en-US" sz="1200" b="0" i="0" kern="1200" dirty="0" smtClean="0">
-              <a:solidFill>
-                <a:schemeClr val="tx1"/>
-              </a:solidFill>
-              <a:latin typeface="+mn-lt"/>
-              <a:ea typeface="+mn-ea"/>
-              <a:cs typeface="+mn-cs"/>
-            </a:endParaRPr>
-          </a:p>
-          <a:p>
-            <a:r>
-              <a:rPr lang="en-US" sz="1200" b="0" i="0" u="none" strike="noStrike" kern="1200" dirty="0" smtClean="0">
-                <a:solidFill>
-                  <a:schemeClr val="tx1"/>
-                </a:solidFill>
-                <a:latin typeface="+mn-lt"/>
-                <a:ea typeface="+mn-ea"/>
-                <a:cs typeface="+mn-cs"/>
-                <a:hlinkClick r:id="rId4"/>
-              </a:rPr>
-              <a:t>https://www.magicsplat.com/tcl-installer/index.html#downloads</a:t>
-            </a:r>
-            <a:endParaRPr lang="en-US" sz="1200" b="0" i="0" kern="1200" dirty="0" smtClean="0">
-              <a:solidFill>
-                <a:schemeClr val="tx1"/>
-              </a:solidFill>
-              <a:latin typeface="+mn-lt"/>
-              <a:ea typeface="+mn-ea"/>
-              <a:cs typeface="+mn-cs"/>
-            </a:endParaRPr>
-          </a:p>
-          <a:p>
-            <a:r>
-              <a:rPr lang="en-US" sz="1200" b="0" i="0" kern="1200" dirty="0" smtClean="0">
-                <a:solidFill>
-                  <a:schemeClr val="tx1"/>
-                </a:solidFill>
-                <a:latin typeface="+mn-lt"/>
-                <a:ea typeface="+mn-ea"/>
-                <a:cs typeface="+mn-cs"/>
-              </a:rPr>
-              <a:t>page</a:t>
-            </a:r>
-          </a:p>
-          <a:p>
-            <a:r>
-              <a:rPr lang="en-US" sz="1200" b="0" i="0" u="sng" kern="1200" dirty="0" smtClean="0">
-                <a:solidFill>
-                  <a:schemeClr val="tx1"/>
-                </a:solidFill>
-                <a:latin typeface="+mn-lt"/>
-                <a:ea typeface="+mn-ea"/>
-                <a:cs typeface="+mn-cs"/>
-                <a:hlinkClick r:id="rId5"/>
-              </a:rPr>
-              <a:t>http://page.sourceforge.net/</a:t>
-            </a:r>
-            <a:endParaRPr lang="en-US" sz="1200" b="0" i="0" kern="1200" dirty="0" smtClean="0">
-              <a:solidFill>
-                <a:schemeClr val="tx1"/>
-              </a:solidFill>
-              <a:latin typeface="+mn-lt"/>
-              <a:ea typeface="+mn-ea"/>
-              <a:cs typeface="+mn-cs"/>
-            </a:endParaRPr>
-          </a:p>
-          <a:p>
-            <a:r>
-              <a:rPr lang="en-US" sz="1200" b="0" i="0" kern="1200" dirty="0" err="1" smtClean="0">
-                <a:solidFill>
-                  <a:schemeClr val="tx1"/>
-                </a:solidFill>
-                <a:latin typeface="+mn-lt"/>
-                <a:ea typeface="+mn-ea"/>
-                <a:cs typeface="+mn-cs"/>
-              </a:rPr>
-              <a:t>github</a:t>
-            </a:r>
-            <a:endParaRPr lang="en-US" sz="1200" b="0" i="0" kern="1200" dirty="0" smtClean="0">
-              <a:solidFill>
-                <a:schemeClr val="tx1"/>
-              </a:solidFill>
-              <a:latin typeface="+mn-lt"/>
-              <a:ea typeface="+mn-ea"/>
-              <a:cs typeface="+mn-cs"/>
-            </a:endParaRPr>
-          </a:p>
-          <a:p>
+              <a:rPr lang="en-US" dirty="0" smtClean="0"/>
+              <a:t>We are</a:t>
+            </a:r>
+            <a:r>
+              <a:rPr lang="en-US" baseline="0" dirty="0" smtClean="0"/>
+              <a:t> working on a version of the app that supports high contrast, bold and large fonts. Unfortunately the </a:t>
+            </a:r>
+            <a:r>
+              <a:rPr lang="en-US" baseline="0" dirty="0" err="1" smtClean="0"/>
+              <a:t>tkinter</a:t>
+            </a:r>
+            <a:r>
+              <a:rPr lang="en-US" baseline="0" dirty="0" smtClean="0"/>
+              <a:t> package we used does not have this as a built-in option. We must create another version using these properties.</a:t>
+            </a:r>
+          </a:p>
+          <a:p>
+            <a:r>
+              <a:rPr lang="en-US" baseline="0" dirty="0" smtClean="0"/>
+              <a:t>We built the application with minimal need to type, mostly just point and click of the mouse. If a person can not operate a mouse the tab , arrow keys and the enter key can manipulate the menu items.</a:t>
+            </a:r>
             <a:endParaRPr lang="en-US" dirty="0"/>
           </a:p>
         </p:txBody>
@@ -1757,7 +1757,89 @@
             <a:fld id="{8EFF1462-1B44-4FEF-BBC6-6F619544FF58}" type="slidenum">
               <a:rPr lang="en-US" smtClean="0"/>
               <a:pPr/>
-              <a:t>20</a:t>
+              <a:t>18</a:t>
+            </a:fld>
+            <a:endParaRPr lang="en-US"/>
+          </a:p>
+        </p:txBody>
+      </p:sp>
+    </p:spTree>
+  </p:cSld>
+  <p:clrMapOvr>
+    <a:masterClrMapping/>
+  </p:clrMapOvr>
+</p:notes>
+</file>
+
+<file path=ppt/notesSlides/notesSlide19.xml><?xml version="1.0" encoding="utf-8"?>
+<p:notes xmlns:a="http://schemas.openxmlformats.org/drawingml/2006/main" xmlns:r="http://schemas.openxmlformats.org/officeDocument/2006/relationships" xmlns:p="http://schemas.openxmlformats.org/presentationml/2006/main">
+  <p:cSld>
+    <p:spTree>
+      <p:nvGrpSpPr>
+        <p:cNvPr id="1" name=""/>
+        <p:cNvGrpSpPr/>
+        <p:nvPr/>
+      </p:nvGrpSpPr>
+      <p:grpSpPr>
+        <a:xfrm>
+          <a:off x="0" y="0"/>
+          <a:ext cx="0" cy="0"/>
+          <a:chOff x="0" y="0"/>
+          <a:chExt cx="0" cy="0"/>
+        </a:xfrm>
+      </p:grpSpPr>
+      <p:sp>
+        <p:nvSpPr>
+          <p:cNvPr id="2" name="Slide Image Placeholder 1"/>
+          <p:cNvSpPr>
+            <a:spLocks noGrp="1" noRot="1" noChangeAspect="1"/>
+          </p:cNvSpPr>
+          <p:nvPr>
+            <p:ph type="sldImg"/>
+          </p:nvPr>
+        </p:nvSpPr>
+        <p:spPr/>
+      </p:sp>
+      <p:sp>
+        <p:nvSpPr>
+          <p:cNvPr id="3" name="Notes Placeholder 2"/>
+          <p:cNvSpPr>
+            <a:spLocks noGrp="1"/>
+          </p:cNvSpPr>
+          <p:nvPr>
+            <p:ph type="body" idx="1"/>
+          </p:nvPr>
+        </p:nvSpPr>
+        <p:spPr/>
+        <p:txBody>
+          <a:bodyPr>
+            <a:normAutofit/>
+          </a:bodyPr>
+          <a:lstStyle/>
+          <a:p>
+            <a:endParaRPr lang="en-US" dirty="0"/>
+          </a:p>
+        </p:txBody>
+      </p:sp>
+      <p:sp>
+        <p:nvSpPr>
+          <p:cNvPr id="4" name="Slide Number Placeholder 3"/>
+          <p:cNvSpPr>
+            <a:spLocks noGrp="1"/>
+          </p:cNvSpPr>
+          <p:nvPr>
+            <p:ph type="sldNum" sz="quarter" idx="10"/>
+          </p:nvPr>
+        </p:nvSpPr>
+        <p:spPr/>
+        <p:txBody>
+          <a:bodyPr/>
+          <a:lstStyle/>
+          <a:p>
+            <a:fld id="{8EFF1462-1B44-4FEF-BBC6-6F619544FF58}" type="slidenum">
+              <a:rPr lang="en-US" smtClean="0"/>
+              <a:pPr/>
+              <a:t>19</a:t>
             </a:fld>
             <a:endParaRPr lang="en-US"/>
           </a:p>
@@ -1867,11 +1949,7 @@
             </a:r>
             <a:r>
               <a:rPr lang="en-US" baseline="0" dirty="0" smtClean="0"/>
-              <a:t> the user limit the list of games to a manageable set, that may interest the user</a:t>
-            </a:r>
-            <a:r>
-              <a:rPr lang="en-US" baseline="0" dirty="0" smtClean="0"/>
-              <a:t>.</a:t>
+              <a:t> the user limit the list of games to a manageable set, that may interest the user.</a:t>
             </a:r>
           </a:p>
           <a:p>
@@ -1926,6 +2004,344 @@
               <a:rPr lang="en-US" smtClean="0"/>
               <a:pPr/>
               <a:t>2</a:t>
+            </a:fld>
+            <a:endParaRPr lang="en-US"/>
+          </a:p>
+        </p:txBody>
+      </p:sp>
+    </p:spTree>
+  </p:cSld>
+  <p:clrMapOvr>
+    <a:masterClrMapping/>
+  </p:clrMapOvr>
+</p:notes>
+</file>
+
+<file path=ppt/notesSlides/notesSlide20.xml><?xml version="1.0" encoding="utf-8"?>
+<p:notes xmlns:a="http://schemas.openxmlformats.org/drawingml/2006/main" xmlns:r="http://schemas.openxmlformats.org/officeDocument/2006/relationships" xmlns:p="http://schemas.openxmlformats.org/presentationml/2006/main">
+  <p:cSld>
+    <p:spTree>
+      <p:nvGrpSpPr>
+        <p:cNvPr id="1" name=""/>
+        <p:cNvGrpSpPr/>
+        <p:nvPr/>
+      </p:nvGrpSpPr>
+      <p:grpSpPr>
+        <a:xfrm>
+          <a:off x="0" y="0"/>
+          <a:ext cx="0" cy="0"/>
+          <a:chOff x="0" y="0"/>
+          <a:chExt cx="0" cy="0"/>
+        </a:xfrm>
+      </p:grpSpPr>
+      <p:sp>
+        <p:nvSpPr>
+          <p:cNvPr id="2" name="Slide Image Placeholder 1"/>
+          <p:cNvSpPr>
+            <a:spLocks noGrp="1" noRot="1" noChangeAspect="1"/>
+          </p:cNvSpPr>
+          <p:nvPr>
+            <p:ph type="sldImg"/>
+          </p:nvPr>
+        </p:nvSpPr>
+        <p:spPr/>
+      </p:sp>
+      <p:sp>
+        <p:nvSpPr>
+          <p:cNvPr id="3" name="Notes Placeholder 2"/>
+          <p:cNvSpPr>
+            <a:spLocks noGrp="1"/>
+          </p:cNvSpPr>
+          <p:nvPr>
+            <p:ph type="body" idx="1"/>
+          </p:nvPr>
+        </p:nvSpPr>
+        <p:spPr/>
+        <p:txBody>
+          <a:bodyPr>
+            <a:normAutofit/>
+          </a:bodyPr>
+          <a:lstStyle/>
+          <a:p>
+            <a:r>
+              <a:rPr lang="en-US" sz="1200" b="0" i="0" kern="1200" dirty="0" smtClean="0">
+                <a:solidFill>
+                  <a:schemeClr val="tx1"/>
+                </a:solidFill>
+                <a:latin typeface="+mn-lt"/>
+                <a:ea typeface="+mn-ea"/>
+                <a:cs typeface="+mn-cs"/>
+              </a:rPr>
+              <a:t>Required packages to build UI</a:t>
+            </a:r>
+          </a:p>
+          <a:p>
+            <a:r>
+              <a:rPr lang="en-US" sz="1200" b="0" i="0" kern="1200" dirty="0" smtClean="0">
+                <a:solidFill>
+                  <a:schemeClr val="tx1"/>
+                </a:solidFill>
+                <a:latin typeface="+mn-lt"/>
+                <a:ea typeface="+mn-ea"/>
+                <a:cs typeface="+mn-cs"/>
+              </a:rPr>
+              <a:t>python 3.7+</a:t>
+            </a:r>
+          </a:p>
+          <a:p>
+            <a:r>
+              <a:rPr lang="en-US" sz="1200" b="0" i="0" u="none" strike="noStrike" kern="1200" dirty="0" smtClean="0">
+                <a:solidFill>
+                  <a:schemeClr val="tx1"/>
+                </a:solidFill>
+                <a:latin typeface="+mn-lt"/>
+                <a:ea typeface="+mn-ea"/>
+                <a:cs typeface="+mn-cs"/>
+                <a:hlinkClick r:id="rId3"/>
+              </a:rPr>
+              <a:t>https://www.python.org/downloads/windows/</a:t>
+            </a:r>
+            <a:endParaRPr lang="en-US" sz="1200" b="0" i="0" kern="1200" dirty="0" smtClean="0">
+              <a:solidFill>
+                <a:schemeClr val="tx1"/>
+              </a:solidFill>
+              <a:latin typeface="+mn-lt"/>
+              <a:ea typeface="+mn-ea"/>
+              <a:cs typeface="+mn-cs"/>
+            </a:endParaRPr>
+          </a:p>
+          <a:p>
+            <a:r>
+              <a:rPr lang="en-US" sz="1200" b="0" i="0" kern="1200" dirty="0" err="1" smtClean="0">
+                <a:solidFill>
+                  <a:schemeClr val="tx1"/>
+                </a:solidFill>
+                <a:latin typeface="+mn-lt"/>
+                <a:ea typeface="+mn-ea"/>
+                <a:cs typeface="+mn-cs"/>
+              </a:rPr>
+              <a:t>tcl</a:t>
+            </a:r>
+            <a:r>
+              <a:rPr lang="en-US" sz="1200" b="0" i="0" kern="1200" dirty="0" smtClean="0">
+                <a:solidFill>
+                  <a:schemeClr val="tx1"/>
+                </a:solidFill>
+                <a:latin typeface="+mn-lt"/>
+                <a:ea typeface="+mn-ea"/>
+                <a:cs typeface="+mn-cs"/>
+              </a:rPr>
+              <a:t>/</a:t>
+            </a:r>
+            <a:r>
+              <a:rPr lang="en-US" sz="1200" b="0" i="0" kern="1200" dirty="0" err="1" smtClean="0">
+                <a:solidFill>
+                  <a:schemeClr val="tx1"/>
+                </a:solidFill>
+                <a:latin typeface="+mn-lt"/>
+                <a:ea typeface="+mn-ea"/>
+                <a:cs typeface="+mn-cs"/>
+              </a:rPr>
+              <a:t>tk</a:t>
+            </a:r>
+            <a:endParaRPr lang="en-US" sz="1200" b="0" i="0" kern="1200" dirty="0" smtClean="0">
+              <a:solidFill>
+                <a:schemeClr val="tx1"/>
+              </a:solidFill>
+              <a:latin typeface="+mn-lt"/>
+              <a:ea typeface="+mn-ea"/>
+              <a:cs typeface="+mn-cs"/>
+            </a:endParaRPr>
+          </a:p>
+          <a:p>
+            <a:r>
+              <a:rPr lang="en-US" sz="1200" b="0" i="0" u="none" strike="noStrike" kern="1200" dirty="0" smtClean="0">
+                <a:solidFill>
+                  <a:schemeClr val="tx1"/>
+                </a:solidFill>
+                <a:latin typeface="+mn-lt"/>
+                <a:ea typeface="+mn-ea"/>
+                <a:cs typeface="+mn-cs"/>
+                <a:hlinkClick r:id="rId4"/>
+              </a:rPr>
+              <a:t>https://www.magicsplat.com/tcl-installer/index.html#downloads</a:t>
+            </a:r>
+            <a:endParaRPr lang="en-US" sz="1200" b="0" i="0" kern="1200" dirty="0" smtClean="0">
+              <a:solidFill>
+                <a:schemeClr val="tx1"/>
+              </a:solidFill>
+              <a:latin typeface="+mn-lt"/>
+              <a:ea typeface="+mn-ea"/>
+              <a:cs typeface="+mn-cs"/>
+            </a:endParaRPr>
+          </a:p>
+          <a:p>
+            <a:r>
+              <a:rPr lang="en-US" sz="1200" b="0" i="0" kern="1200" dirty="0" smtClean="0">
+                <a:solidFill>
+                  <a:schemeClr val="tx1"/>
+                </a:solidFill>
+                <a:latin typeface="+mn-lt"/>
+                <a:ea typeface="+mn-ea"/>
+                <a:cs typeface="+mn-cs"/>
+              </a:rPr>
+              <a:t>page</a:t>
+            </a:r>
+          </a:p>
+          <a:p>
+            <a:r>
+              <a:rPr lang="en-US" sz="1200" b="0" i="0" u="sng" kern="1200" dirty="0" smtClean="0">
+                <a:solidFill>
+                  <a:schemeClr val="tx1"/>
+                </a:solidFill>
+                <a:latin typeface="+mn-lt"/>
+                <a:ea typeface="+mn-ea"/>
+                <a:cs typeface="+mn-cs"/>
+                <a:hlinkClick r:id="rId5"/>
+              </a:rPr>
+              <a:t>http://page.sourceforge.net/</a:t>
+            </a:r>
+            <a:endParaRPr lang="en-US" sz="1200" b="0" i="0" kern="1200" dirty="0" smtClean="0">
+              <a:solidFill>
+                <a:schemeClr val="tx1"/>
+              </a:solidFill>
+              <a:latin typeface="+mn-lt"/>
+              <a:ea typeface="+mn-ea"/>
+              <a:cs typeface="+mn-cs"/>
+            </a:endParaRPr>
+          </a:p>
+          <a:p>
+            <a:endParaRPr lang="en-US" sz="1200" b="0" i="0" kern="1200" dirty="0" smtClean="0">
+              <a:solidFill>
+                <a:schemeClr val="tx1"/>
+              </a:solidFill>
+              <a:latin typeface="+mn-lt"/>
+              <a:ea typeface="+mn-ea"/>
+              <a:cs typeface="+mn-cs"/>
+            </a:endParaRPr>
+          </a:p>
+          <a:p>
+            <a:r>
+              <a:rPr lang="en-US" sz="1200" b="0" i="0" kern="1200" dirty="0" smtClean="0">
+                <a:solidFill>
+                  <a:schemeClr val="tx1"/>
+                </a:solidFill>
+                <a:latin typeface="+mn-lt"/>
+                <a:ea typeface="+mn-ea"/>
+                <a:cs typeface="+mn-cs"/>
+              </a:rPr>
+              <a:t>Also needed common python packages request, </a:t>
+            </a:r>
+            <a:r>
+              <a:rPr lang="en-US" sz="1200" b="0" i="0" kern="1200" dirty="0" err="1" smtClean="0">
+                <a:solidFill>
+                  <a:schemeClr val="tx1"/>
+                </a:solidFill>
+                <a:latin typeface="+mn-lt"/>
+                <a:ea typeface="+mn-ea"/>
+                <a:cs typeface="+mn-cs"/>
+              </a:rPr>
+              <a:t>json</a:t>
+            </a:r>
+            <a:r>
+              <a:rPr lang="en-US" sz="1200" b="0" i="0" kern="1200" dirty="0" smtClean="0">
+                <a:solidFill>
+                  <a:schemeClr val="tx1"/>
+                </a:solidFill>
+                <a:latin typeface="+mn-lt"/>
+                <a:ea typeface="+mn-ea"/>
+                <a:cs typeface="+mn-cs"/>
+              </a:rPr>
+              <a:t>,</a:t>
+            </a:r>
+            <a:r>
+              <a:rPr lang="en-US" sz="1200" b="0" i="0" kern="1200" baseline="0" dirty="0" smtClean="0">
+                <a:solidFill>
+                  <a:schemeClr val="tx1"/>
+                </a:solidFill>
+                <a:latin typeface="+mn-lt"/>
+                <a:ea typeface="+mn-ea"/>
+                <a:cs typeface="+mn-cs"/>
+              </a:rPr>
+              <a:t> </a:t>
+            </a:r>
+            <a:r>
+              <a:rPr lang="en-US" sz="1200" b="0" i="0" kern="1200" baseline="0" dirty="0" err="1" smtClean="0">
+                <a:solidFill>
+                  <a:schemeClr val="tx1"/>
+                </a:solidFill>
+                <a:latin typeface="+mn-lt"/>
+                <a:ea typeface="+mn-ea"/>
+                <a:cs typeface="+mn-cs"/>
+              </a:rPr>
+              <a:t>google</a:t>
+            </a:r>
+            <a:r>
+              <a:rPr lang="en-US" sz="1200" b="0" i="0" kern="1200" baseline="0" dirty="0" smtClean="0">
+                <a:solidFill>
+                  <a:schemeClr val="tx1"/>
+                </a:solidFill>
+                <a:latin typeface="+mn-lt"/>
+                <a:ea typeface="+mn-ea"/>
+                <a:cs typeface="+mn-cs"/>
+              </a:rPr>
+              <a:t> </a:t>
+            </a:r>
+            <a:r>
+              <a:rPr lang="en-US" sz="1200" b="0" i="0" kern="1200" baseline="0" dirty="0" err="1" smtClean="0">
+                <a:solidFill>
+                  <a:schemeClr val="tx1"/>
+                </a:solidFill>
+                <a:latin typeface="+mn-lt"/>
+                <a:ea typeface="+mn-ea"/>
+                <a:cs typeface="+mn-cs"/>
+              </a:rPr>
+              <a:t>protobuf</a:t>
+            </a:r>
+            <a:r>
+              <a:rPr lang="en-US" sz="1200" b="0" i="0" kern="1200" baseline="0" smtClean="0">
+                <a:solidFill>
+                  <a:schemeClr val="tx1"/>
+                </a:solidFill>
+                <a:latin typeface="+mn-lt"/>
+                <a:ea typeface="+mn-ea"/>
+                <a:cs typeface="+mn-cs"/>
+              </a:rPr>
+              <a:t>…</a:t>
+            </a:r>
+            <a:endParaRPr lang="en-US" sz="1200" b="0" i="0" kern="1200" dirty="0" smtClean="0">
+              <a:solidFill>
+                <a:schemeClr val="tx1"/>
+              </a:solidFill>
+              <a:latin typeface="+mn-lt"/>
+              <a:ea typeface="+mn-ea"/>
+              <a:cs typeface="+mn-cs"/>
+            </a:endParaRPr>
+          </a:p>
+          <a:p>
+            <a:endParaRPr lang="en-US" dirty="0"/>
+          </a:p>
+        </p:txBody>
+      </p:sp>
+      <p:sp>
+        <p:nvSpPr>
+          <p:cNvPr id="4" name="Slide Number Placeholder 3"/>
+          <p:cNvSpPr>
+            <a:spLocks noGrp="1"/>
+          </p:cNvSpPr>
+          <p:nvPr>
+            <p:ph type="sldNum" sz="quarter" idx="10"/>
+          </p:nvPr>
+        </p:nvSpPr>
+        <p:spPr/>
+        <p:txBody>
+          <a:bodyPr/>
+          <a:lstStyle/>
+          <a:p>
+            <a:fld id="{8EFF1462-1B44-4FEF-BBC6-6F619544FF58}" type="slidenum">
+              <a:rPr lang="en-US" smtClean="0"/>
+              <a:pPr/>
+              <a:t>20</a:t>
             </a:fld>
             <a:endParaRPr lang="en-US"/>
           </a:p>
@@ -1991,27 +2407,7 @@
             </a:r>
             <a:r>
               <a:rPr lang="en-US" baseline="0" dirty="0" smtClean="0"/>
-              <a:t> We found that many websites that are available require you to know what you are looking for in advance. So you are guessing as to </a:t>
-            </a:r>
-            <a:r>
-              <a:rPr lang="en-US" baseline="0" dirty="0" smtClean="0"/>
-              <a:t>keywords </a:t>
-            </a:r>
-            <a:r>
-              <a:rPr lang="en-US" baseline="0" dirty="0" smtClean="0"/>
-              <a:t>in order to come </a:t>
-            </a:r>
-            <a:r>
-              <a:rPr lang="en-US" baseline="0" dirty="0" smtClean="0"/>
-              <a:t>up with </a:t>
-            </a:r>
-            <a:r>
-              <a:rPr lang="en-US" baseline="0" dirty="0" smtClean="0"/>
-              <a:t>a query</a:t>
-            </a:r>
-            <a:r>
-              <a:rPr lang="en-US" baseline="0" dirty="0" smtClean="0"/>
-              <a:t>.</a:t>
+              <a:t> We found that many websites that are available require you to know what you are looking for in advance. So you are guessing as to keywords in order to come up with a query.</a:t>
             </a:r>
           </a:p>
           <a:p>
@@ -2596,36 +2992,13 @@
                 <a:ea typeface="+mn-ea"/>
                 <a:cs typeface="+mn-cs"/>
               </a:rPr>
-              <a:t> -Entertainment Software Association, </a:t>
-            </a:r>
-            <a:r>
-              <a:rPr lang="en-US" sz="1200" b="0" i="0" kern="1200" dirty="0" smtClean="0">
-                <a:solidFill>
-                  <a:schemeClr val="tx1"/>
-                </a:solidFill>
-                <a:latin typeface="+mn-lt"/>
-                <a:ea typeface="+mn-ea"/>
-                <a:cs typeface="+mn-cs"/>
-              </a:rPr>
-              <a:t>2019</a:t>
-            </a:r>
-            <a:endParaRPr lang="en-US" sz="1200" b="0" i="0" kern="1200" dirty="0" smtClean="0">
-              <a:solidFill>
-                <a:schemeClr val="tx1"/>
-              </a:solidFill>
-              <a:latin typeface="+mn-lt"/>
-              <a:ea typeface="+mn-ea"/>
-              <a:cs typeface="+mn-cs"/>
-            </a:endParaRPr>
-          </a:p>
-          <a:p>
-            <a:r>
-              <a:rPr lang="en-US" dirty="0" smtClean="0"/>
-              <a:t>https://www.gamingscan.com/gaming-statistics</a:t>
-            </a:r>
-            <a:r>
-              <a:rPr lang="en-US" dirty="0" smtClean="0"/>
-              <a:t>/</a:t>
+              <a:t> -Entertainment Software Association, 2019</a:t>
+            </a:r>
+          </a:p>
+          <a:p>
+            <a:r>
+              <a:rPr lang="en-US" dirty="0" smtClean="0"/>
+              <a:t>https://www.gamingscan.com/gaming-statistics/</a:t>
             </a:r>
           </a:p>
           <a:p>
@@ -2746,27 +3119,8 @@
                 <a:ea typeface="+mn-ea"/>
                 <a:cs typeface="+mn-cs"/>
               </a:rPr>
-              <a:t>John is casual gamer that does not play all the time and needs help to find games he might like. He mainly plays games on his phone. He plays games while on the Bus/Train and waiting for Bus and/or Trains. John also plays on his roommates Xbox system</a:t>
-            </a:r>
-            <a:r>
-              <a:rPr lang="en-US" sz="1200" kern="1200" dirty="0" smtClean="0">
-                <a:solidFill>
-                  <a:schemeClr val="tx1"/>
-                </a:solidFill>
-                <a:latin typeface="+mn-lt"/>
-                <a:ea typeface="+mn-ea"/>
-                <a:cs typeface="+mn-cs"/>
-              </a:rPr>
-              <a:t>.</a:t>
-            </a:r>
-            <a:endParaRPr lang="en-US" sz="1200" kern="1200" dirty="0" smtClean="0">
-              <a:solidFill>
-                <a:schemeClr val="tx1"/>
-              </a:solidFill>
-              <a:latin typeface="+mn-lt"/>
-              <a:ea typeface="+mn-ea"/>
-              <a:cs typeface="+mn-cs"/>
-            </a:endParaRPr>
+              <a:t>John is casual gamer that does not play all the time and needs help to find games he might like. He mainly plays games on his phone. He plays games while on the Bus/Train and waiting for Bus and/or Trains. John also plays on his roommates Xbox system.</a:t>
+            </a:r>
           </a:p>
           <a:p>
             <a:r>
@@ -2780,14 +3134,6 @@
               </a:rPr>
               <a:t>John spends most of his commute time on his phone either on a social media site or playing games to pass the time. </a:t>
             </a:r>
-            <a:endParaRPr lang="en-US" sz="1200" kern="1200" dirty="0" smtClean="0">
-              <a:solidFill>
-                <a:schemeClr val="tx1"/>
-              </a:solidFill>
-              <a:latin typeface="+mn-lt"/>
-              <a:ea typeface="+mn-ea"/>
-              <a:cs typeface="+mn-cs"/>
-            </a:endParaRPr>
           </a:p>
           <a:p>
             <a:endParaRPr lang="en-US" sz="1200" kern="1200" dirty="0" smtClean="0">
@@ -3148,7 +3494,6 @@
               <a:rPr lang="en-US" baseline="0" dirty="0" smtClean="0"/>
               <a:t>	Without date of publishing, or cost info, or type of game….. </a:t>
             </a:r>
-            <a:endParaRPr lang="en-US" baseline="0" dirty="0" smtClean="0"/>
           </a:p>
           <a:p>
             <a:endParaRPr lang="en-US" baseline="0" dirty="0" smtClean="0"/>
@@ -8887,11 +9232,7 @@
           <a:p>
             <a:r>
               <a:rPr lang="en-US" dirty="0" smtClean="0"/>
-              <a:t>Current </a:t>
-            </a:r>
-            <a:r>
-              <a:rPr lang="en-US" dirty="0" smtClean="0"/>
-              <a:t>available </a:t>
+              <a:t>Current available </a:t>
             </a:r>
             <a:r>
               <a:rPr lang="en-US" dirty="0" err="1" smtClean="0"/>

--- a/doc/GamerSelect.pptx
+++ b/doc/GamerSelect.pptx
@@ -213,7 +213,7 @@
             <a:fld id="{ED273F8B-0A81-430A-AE48-ED00AAA24648}" type="datetimeFigureOut">
               <a:rPr lang="en-US" smtClean="0"/>
               <a:pPr/>
-              <a:t>12/3/2020</a:t>
+              <a:t>12/4/2020</a:t>
             </a:fld>
             <a:endParaRPr lang="en-US"/>
           </a:p>
@@ -1089,11 +1089,7 @@
             </a:r>
             <a:r>
               <a:rPr lang="en-US" baseline="0" dirty="0" smtClean="0"/>
-              <a:t> shows the simple flow of a </a:t>
-            </a:r>
-            <a:r>
-              <a:rPr lang="en-US" baseline="0" dirty="0" smtClean="0"/>
-              <a:t>previously </a:t>
+              <a:t> shows the simple flow of a previously </a:t>
             </a:r>
             <a:r>
               <a:rPr lang="en-US" baseline="0" dirty="0" err="1" smtClean="0"/>
@@ -1103,7 +1099,6 @@
               <a:rPr lang="en-US" baseline="0" dirty="0" smtClean="0"/>
               <a:t> user</a:t>
             </a:r>
-            <a:endParaRPr lang="en-US" baseline="0" dirty="0" smtClean="0"/>
           </a:p>
           <a:p>
             <a:r>
@@ -1817,6 +1812,28 @@
           </a:bodyPr>
           <a:lstStyle/>
           <a:p>
+            <a:pPr rtl="0"/>
+            <a:r>
+              <a:rPr lang="en-US" sz="1200" b="0" i="0" u="none" strike="noStrike" kern="1200" dirty="0" smtClean="0">
+                <a:solidFill>
+                  <a:schemeClr val="tx1"/>
+                </a:solidFill>
+                <a:latin typeface="+mn-lt"/>
+                <a:ea typeface="+mn-ea"/>
+                <a:cs typeface="+mn-cs"/>
+              </a:rPr>
+              <a:t>In terms of a Heuristic Evaluation, we believe that our application stands up well, as it provides users with simple features, and allows the user to safely navigate and interact with our application. We employ appropriate feedback, so that users will immediately see an appropriate response whenever buttons are pressed. We put an emphasis on prevent errors, as our design choices have created a user experience that is simple, easy to use, and limits the amount of places that the user could cause an error. We provide users with sufficient help, giving user’s instructions of how they are expected to use our application, as well as clear directions when an error has occurred. Our design is consistent and minimal. We do not bombard users with information, but provide a natural flow so that they are able to obtain exactly the information that they are looking for.</a:t>
+            </a:r>
+            <a:endParaRPr lang="en-US" b="0" dirty="0" smtClean="0"/>
+          </a:p>
+          <a:p>
+            <a:r>
+              <a:rPr lang="en-US" dirty="0" smtClean="0"/>
+              <a:t/>
+            </a:r>
+            <a:br>
+              <a:rPr lang="en-US" dirty="0" smtClean="0"/>
+            </a:br>
             <a:endParaRPr lang="en-US" dirty="0"/>
           </a:p>
         </p:txBody>
@@ -2230,7 +2247,51 @@
                 <a:ea typeface="+mn-ea"/>
                 <a:cs typeface="+mn-cs"/>
               </a:rPr>
-              <a:t>Also needed common python packages request, </a:t>
+              <a:t>Also needed common python </a:t>
+            </a:r>
+            <a:r>
+              <a:rPr lang="en-US" sz="1200" b="0" i="0" kern="1200" dirty="0" smtClean="0">
+                <a:solidFill>
+                  <a:schemeClr val="tx1"/>
+                </a:solidFill>
+                <a:latin typeface="+mn-lt"/>
+                <a:ea typeface="+mn-ea"/>
+                <a:cs typeface="+mn-cs"/>
+              </a:rPr>
+              <a:t>packages </a:t>
+            </a:r>
+            <a:r>
+              <a:rPr lang="en-US" sz="1200" b="0" i="0" kern="1200" dirty="0" err="1" smtClean="0">
+                <a:solidFill>
+                  <a:schemeClr val="tx1"/>
+                </a:solidFill>
+                <a:latin typeface="+mn-lt"/>
+                <a:ea typeface="+mn-ea"/>
+                <a:cs typeface="+mn-cs"/>
+              </a:rPr>
+              <a:t>tkinter</a:t>
+            </a:r>
+            <a:r>
+              <a:rPr lang="en-US" sz="1200" b="0" i="0" kern="1200" smtClean="0">
+                <a:solidFill>
+                  <a:schemeClr val="tx1"/>
+                </a:solidFill>
+                <a:latin typeface="+mn-lt"/>
+                <a:ea typeface="+mn-ea"/>
+                <a:cs typeface="+mn-cs"/>
+              </a:rPr>
+              <a:t>,  </a:t>
+            </a:r>
+            <a:r>
+              <a:rPr lang="en-US" sz="1200" b="0" i="0" kern="1200" dirty="0" smtClean="0">
+                <a:solidFill>
+                  <a:schemeClr val="tx1"/>
+                </a:solidFill>
+                <a:latin typeface="+mn-lt"/>
+                <a:ea typeface="+mn-ea"/>
+                <a:cs typeface="+mn-cs"/>
+              </a:rPr>
+              <a:t>request, </a:t>
             </a:r>
             <a:r>
               <a:rPr lang="en-US" sz="1200" b="0" i="0" kern="1200" dirty="0" err="1" smtClean="0">
@@ -2299,7 +2360,7 @@
               <a:t>protobuf</a:t>
             </a:r>
             <a:r>
-              <a:rPr lang="en-US" sz="1200" b="0" i="0" kern="1200" baseline="0" smtClean="0">
+              <a:rPr lang="en-US" sz="1200" b="0" i="0" kern="1200" baseline="0" dirty="0" smtClean="0">
                 <a:solidFill>
                   <a:schemeClr val="tx1"/>
                 </a:solidFill>
@@ -3850,7 +3911,7 @@
             <a:fld id="{4C74A437-BCC5-41B8-9970-7953AC543813}" type="datetimeFigureOut">
               <a:rPr lang="en-US" smtClean="0"/>
               <a:pPr/>
-              <a:t>12/3/2020</a:t>
+              <a:t>12/4/2020</a:t>
             </a:fld>
             <a:endParaRPr lang="en-US"/>
           </a:p>
@@ -4051,7 +4112,7 @@
             <a:fld id="{4C74A437-BCC5-41B8-9970-7953AC543813}" type="datetimeFigureOut">
               <a:rPr lang="en-US" smtClean="0"/>
               <a:pPr/>
-              <a:t>12/3/2020</a:t>
+              <a:t>12/4/2020</a:t>
             </a:fld>
             <a:endParaRPr lang="en-US"/>
           </a:p>
@@ -4243,7 +4304,7 @@
             <a:fld id="{4C74A437-BCC5-41B8-9970-7953AC543813}" type="datetimeFigureOut">
               <a:rPr lang="en-US" smtClean="0"/>
               <a:pPr/>
-              <a:t>12/3/2020</a:t>
+              <a:t>12/4/2020</a:t>
             </a:fld>
             <a:endParaRPr lang="en-US"/>
           </a:p>
@@ -4437,7 +4498,7 @@
             <a:fld id="{4C74A437-BCC5-41B8-9970-7953AC543813}" type="datetimeFigureOut">
               <a:rPr lang="en-US" smtClean="0"/>
               <a:pPr/>
-              <a:t>12/3/2020</a:t>
+              <a:t>12/4/2020</a:t>
             </a:fld>
             <a:endParaRPr lang="en-US"/>
           </a:p>
@@ -4665,7 +4726,7 @@
             <a:fld id="{4C74A437-BCC5-41B8-9970-7953AC543813}" type="datetimeFigureOut">
               <a:rPr lang="en-US" smtClean="0"/>
               <a:pPr/>
-              <a:t>12/3/2020</a:t>
+              <a:t>12/4/2020</a:t>
             </a:fld>
             <a:endParaRPr lang="en-US"/>
           </a:p>
@@ -4958,7 +5019,7 @@
             <a:fld id="{4C74A437-BCC5-41B8-9970-7953AC543813}" type="datetimeFigureOut">
               <a:rPr lang="en-US" smtClean="0"/>
               <a:pPr/>
-              <a:t>12/3/2020</a:t>
+              <a:t>12/4/2020</a:t>
             </a:fld>
             <a:endParaRPr lang="en-US"/>
           </a:p>
@@ -5391,7 +5452,7 @@
             <a:fld id="{4C74A437-BCC5-41B8-9970-7953AC543813}" type="datetimeFigureOut">
               <a:rPr lang="en-US" smtClean="0"/>
               <a:pPr/>
-              <a:t>12/3/2020</a:t>
+              <a:t>12/4/2020</a:t>
             </a:fld>
             <a:endParaRPr lang="en-US"/>
           </a:p>
@@ -5519,7 +5580,7 @@
             <a:fld id="{4C74A437-BCC5-41B8-9970-7953AC543813}" type="datetimeFigureOut">
               <a:rPr lang="en-US" smtClean="0"/>
               <a:pPr/>
-              <a:t>12/3/2020</a:t>
+              <a:t>12/4/2020</a:t>
             </a:fld>
             <a:endParaRPr lang="en-US"/>
           </a:p>
@@ -5624,7 +5685,7 @@
             <a:fld id="{4C74A437-BCC5-41B8-9970-7953AC543813}" type="datetimeFigureOut">
               <a:rPr lang="en-US" smtClean="0"/>
               <a:pPr/>
-              <a:t>12/3/2020</a:t>
+              <a:t>12/4/2020</a:t>
             </a:fld>
             <a:endParaRPr lang="en-US"/>
           </a:p>
@@ -5895,7 +5956,7 @@
             <a:fld id="{4C74A437-BCC5-41B8-9970-7953AC543813}" type="datetimeFigureOut">
               <a:rPr lang="en-US" smtClean="0"/>
               <a:pPr/>
-              <a:t>12/3/2020</a:t>
+              <a:t>12/4/2020</a:t>
             </a:fld>
             <a:endParaRPr lang="en-US"/>
           </a:p>
@@ -6261,7 +6322,7 @@
             <a:fld id="{4C74A437-BCC5-41B8-9970-7953AC543813}" type="datetimeFigureOut">
               <a:rPr lang="en-US" smtClean="0"/>
               <a:pPr/>
-              <a:t>12/3/2020</a:t>
+              <a:t>12/4/2020</a:t>
             </a:fld>
             <a:endParaRPr lang="en-US"/>
           </a:p>
@@ -6618,7 +6679,7 @@
             <a:fld id="{4C74A437-BCC5-41B8-9970-7953AC543813}" type="datetimeFigureOut">
               <a:rPr lang="en-US" smtClean="0"/>
               <a:pPr/>
-              <a:t>12/3/2020</a:t>
+              <a:t>12/4/2020</a:t>
             </a:fld>
             <a:endParaRPr lang="en-US"/>
           </a:p>
